--- a/Common/Chapter9_Texture.pptx
+++ b/Common/Chapter9_Texture.pptx
@@ -5,7 +5,7 @@
     <p:sldMasterId id="2147483648" r:id="rId1"/>
   </p:sldMasterIdLst>
   <p:notesMasterIdLst>
-    <p:notesMasterId r:id="rId19"/>
+    <p:notesMasterId r:id="rId11"/>
   </p:notesMasterIdLst>
   <p:sldIdLst>
     <p:sldId id="257" r:id="rId2"/>
@@ -17,14 +17,6 @@
     <p:sldId id="304" r:id="rId8"/>
     <p:sldId id="305" r:id="rId9"/>
     <p:sldId id="306" r:id="rId10"/>
-    <p:sldId id="301" r:id="rId11"/>
-    <p:sldId id="300" r:id="rId12"/>
-    <p:sldId id="299" r:id="rId13"/>
-    <p:sldId id="295" r:id="rId14"/>
-    <p:sldId id="296" r:id="rId15"/>
-    <p:sldId id="291" r:id="rId16"/>
-    <p:sldId id="298" r:id="rId17"/>
-    <p:sldId id="292" r:id="rId18"/>
   </p:sldIdLst>
   <p:sldSz cx="9144000" cy="6858000" type="screen4x3"/>
   <p:notesSz cx="6858000" cy="9144000"/>
@@ -142,3230 +134,6 @@
 </p:presentation>
 </file>
 
-<file path=ppt/charts/chart1.xml><?xml version="1.0" encoding="utf-8"?>
-<c:chartSpace xmlns:c="http://schemas.openxmlformats.org/drawingml/2006/chart" xmlns:a="http://schemas.openxmlformats.org/drawingml/2006/main" xmlns:r="http://schemas.openxmlformats.org/officeDocument/2006/relationships" xmlns:c16r2="http://schemas.microsoft.com/office/drawing/2015/06/chart">
-  <c:date1904 val="0"/>
-  <c:lang val="ko-KR"/>
-  <c:roundedCorners val="0"/>
-  <mc:AlternateContent xmlns:mc="http://schemas.openxmlformats.org/markup-compatibility/2006">
-    <mc:Choice xmlns:c14="http://schemas.microsoft.com/office/drawing/2007/8/2/chart" Requires="c14">
-      <c14:style val="101"/>
-    </mc:Choice>
-    <mc:Fallback>
-      <c:style val="1"/>
-    </mc:Fallback>
-  </mc:AlternateContent>
-  <c:chart>
-    <c:autoTitleDeleted val="1"/>
-    <c:plotArea>
-      <c:layout/>
-      <c:doughnutChart>
-        <c:varyColors val="1"/>
-        <c:ser>
-          <c:idx val="0"/>
-          <c:order val="0"/>
-          <c:tx>
-            <c:strRef>
-              <c:f>Sheet1!$B$1</c:f>
-              <c:strCache>
-                <c:ptCount val="1"/>
-                <c:pt idx="0">
-                  <c:v> 저작권에 대해서 얼마나 알고 계시다고 생각하나요?
-</c:v>
-                </c:pt>
-              </c:strCache>
-            </c:strRef>
-          </c:tx>
-          <c:dPt>
-            <c:idx val="0"/>
-            <c:bubble3D val="0"/>
-            <c:spPr>
-              <a:solidFill>
-                <a:schemeClr val="tx1"/>
-              </a:solidFill>
-            </c:spPr>
-            <c:extLst>
-              <c:ext xmlns:c16="http://schemas.microsoft.com/office/drawing/2014/chart" uri="{C3380CC4-5D6E-409C-BE32-E72D297353CC}">
-                <c16:uniqueId val="{00000000-3D5F-497C-9C84-F7DACEDCB1E3}"/>
-              </c:ext>
-            </c:extLst>
-          </c:dPt>
-          <c:dPt>
-            <c:idx val="1"/>
-            <c:bubble3D val="0"/>
-            <c:spPr>
-              <a:solidFill>
-                <a:schemeClr val="bg1">
-                  <a:lumMod val="65000"/>
-                </a:schemeClr>
-              </a:solidFill>
-            </c:spPr>
-            <c:extLst>
-              <c:ext xmlns:c16="http://schemas.microsoft.com/office/drawing/2014/chart" uri="{C3380CC4-5D6E-409C-BE32-E72D297353CC}">
-                <c16:uniqueId val="{00000001-3D5F-497C-9C84-F7DACEDCB1E3}"/>
-              </c:ext>
-            </c:extLst>
-          </c:dPt>
-          <c:dPt>
-            <c:idx val="2"/>
-            <c:bubble3D val="0"/>
-            <c:spPr>
-              <a:solidFill>
-                <a:schemeClr val="bg1">
-                  <a:lumMod val="85000"/>
-                </a:schemeClr>
-              </a:solidFill>
-            </c:spPr>
-            <c:extLst>
-              <c:ext xmlns:c16="http://schemas.microsoft.com/office/drawing/2014/chart" uri="{C3380CC4-5D6E-409C-BE32-E72D297353CC}">
-                <c16:uniqueId val="{00000002-3D5F-497C-9C84-F7DACEDCB1E3}"/>
-              </c:ext>
-            </c:extLst>
-          </c:dPt>
-          <c:cat>
-            <c:strRef>
-              <c:f>Sheet1!$A$2:$A$4</c:f>
-              <c:strCache>
-                <c:ptCount val="3"/>
-                <c:pt idx="0">
-                  <c:v>잘알고있다</c:v>
-                </c:pt>
-                <c:pt idx="1">
-                  <c:v>보통</c:v>
-                </c:pt>
-                <c:pt idx="2">
-                  <c:v>잘모른다</c:v>
-                </c:pt>
-              </c:strCache>
-            </c:strRef>
-          </c:cat>
-          <c:val>
-            <c:numRef>
-              <c:f>Sheet1!$B$2:$B$4</c:f>
-              <c:numCache>
-                <c:formatCode>General</c:formatCode>
-                <c:ptCount val="3"/>
-                <c:pt idx="0">
-                  <c:v>17</c:v>
-                </c:pt>
-                <c:pt idx="1">
-                  <c:v>58</c:v>
-                </c:pt>
-                <c:pt idx="2">
-                  <c:v>26</c:v>
-                </c:pt>
-              </c:numCache>
-            </c:numRef>
-          </c:val>
-          <c:extLst>
-            <c:ext xmlns:c16="http://schemas.microsoft.com/office/drawing/2014/chart" uri="{C3380CC4-5D6E-409C-BE32-E72D297353CC}">
-              <c16:uniqueId val="{00000003-3D5F-497C-9C84-F7DACEDCB1E3}"/>
-            </c:ext>
-          </c:extLst>
-        </c:ser>
-        <c:dLbls>
-          <c:showLegendKey val="0"/>
-          <c:showVal val="0"/>
-          <c:showCatName val="0"/>
-          <c:showSerName val="0"/>
-          <c:showPercent val="0"/>
-          <c:showBubbleSize val="0"/>
-          <c:showLeaderLines val="1"/>
-        </c:dLbls>
-        <c:firstSliceAng val="0"/>
-        <c:holeSize val="50"/>
-      </c:doughnutChart>
-    </c:plotArea>
-    <c:plotVisOnly val="1"/>
-    <c:dispBlanksAs val="zero"/>
-    <c:showDLblsOverMax val="0"/>
-  </c:chart>
-  <c:txPr>
-    <a:bodyPr/>
-    <a:lstStyle/>
-    <a:p>
-      <a:pPr>
-        <a:defRPr sz="1800"/>
-      </a:pPr>
-      <a:endParaRPr lang="ko-KR"/>
-    </a:p>
-  </c:txPr>
-  <c:externalData r:id="rId1">
-    <c:autoUpdate val="0"/>
-  </c:externalData>
-</c:chartSpace>
-</file>
-
-<file path=ppt/charts/chart2.xml><?xml version="1.0" encoding="utf-8"?>
-<c:chartSpace xmlns:c="http://schemas.openxmlformats.org/drawingml/2006/chart" xmlns:a="http://schemas.openxmlformats.org/drawingml/2006/main" xmlns:r="http://schemas.openxmlformats.org/officeDocument/2006/relationships" xmlns:c16r2="http://schemas.microsoft.com/office/drawing/2015/06/chart">
-  <c:date1904 val="0"/>
-  <c:lang val="ko-KR"/>
-  <c:roundedCorners val="0"/>
-  <mc:AlternateContent xmlns:mc="http://schemas.openxmlformats.org/markup-compatibility/2006">
-    <mc:Choice xmlns:c14="http://schemas.microsoft.com/office/drawing/2007/8/2/chart" Requires="c14">
-      <c14:style val="101"/>
-    </mc:Choice>
-    <mc:Fallback>
-      <c:style val="1"/>
-    </mc:Fallback>
-  </mc:AlternateContent>
-  <c:chart>
-    <c:autoTitleDeleted val="1"/>
-    <c:plotArea>
-      <c:layout/>
-      <c:barChart>
-        <c:barDir val="col"/>
-        <c:grouping val="clustered"/>
-        <c:varyColors val="0"/>
-        <c:ser>
-          <c:idx val="0"/>
-          <c:order val="0"/>
-          <c:tx>
-            <c:strRef>
-              <c:f>Sheet1!$B$1</c:f>
-              <c:strCache>
-                <c:ptCount val="1"/>
-                <c:pt idx="0">
-                  <c:v>판매</c:v>
-                </c:pt>
-              </c:strCache>
-            </c:strRef>
-          </c:tx>
-          <c:spPr>
-            <a:solidFill>
-              <a:schemeClr val="tx1"/>
-            </a:solidFill>
-          </c:spPr>
-          <c:invertIfNegative val="0"/>
-          <c:dPt>
-            <c:idx val="0"/>
-            <c:invertIfNegative val="0"/>
-            <c:bubble3D val="0"/>
-            <c:spPr>
-              <a:solidFill>
-                <a:schemeClr val="bg1">
-                  <a:lumMod val="65000"/>
-                </a:schemeClr>
-              </a:solidFill>
-            </c:spPr>
-            <c:extLst>
-              <c:ext xmlns:c16="http://schemas.microsoft.com/office/drawing/2014/chart" uri="{C3380CC4-5D6E-409C-BE32-E72D297353CC}">
-                <c16:uniqueId val="{00000000-A3E4-4883-862C-36D1A6384535}"/>
-              </c:ext>
-            </c:extLst>
-          </c:dPt>
-          <c:dPt>
-            <c:idx val="1"/>
-            <c:invertIfNegative val="0"/>
-            <c:bubble3D val="0"/>
-            <c:spPr>
-              <a:solidFill>
-                <a:schemeClr val="tx1">
-                  <a:lumMod val="50000"/>
-                  <a:lumOff val="50000"/>
-                </a:schemeClr>
-              </a:solidFill>
-            </c:spPr>
-            <c:extLst>
-              <c:ext xmlns:c16="http://schemas.microsoft.com/office/drawing/2014/chart" uri="{C3380CC4-5D6E-409C-BE32-E72D297353CC}">
-                <c16:uniqueId val="{00000001-A3E4-4883-862C-36D1A6384535}"/>
-              </c:ext>
-            </c:extLst>
-          </c:dPt>
-          <c:dPt>
-            <c:idx val="2"/>
-            <c:invertIfNegative val="0"/>
-            <c:bubble3D val="0"/>
-            <c:spPr>
-              <a:solidFill>
-                <a:schemeClr val="tx1">
-                  <a:lumMod val="75000"/>
-                  <a:lumOff val="25000"/>
-                </a:schemeClr>
-              </a:solidFill>
-            </c:spPr>
-            <c:extLst>
-              <c:ext xmlns:c16="http://schemas.microsoft.com/office/drawing/2014/chart" uri="{C3380CC4-5D6E-409C-BE32-E72D297353CC}">
-                <c16:uniqueId val="{00000002-A3E4-4883-862C-36D1A6384535}"/>
-              </c:ext>
-            </c:extLst>
-          </c:dPt>
-          <c:cat>
-            <c:strRef>
-              <c:f>Sheet1!$A$2:$A$5</c:f>
-              <c:strCache>
-                <c:ptCount val="4"/>
-                <c:pt idx="0">
-                  <c:v>1분기</c:v>
-                </c:pt>
-                <c:pt idx="1">
-                  <c:v>2분기</c:v>
-                </c:pt>
-                <c:pt idx="2">
-                  <c:v>3분기</c:v>
-                </c:pt>
-                <c:pt idx="3">
-                  <c:v>4분기</c:v>
-                </c:pt>
-              </c:strCache>
-            </c:strRef>
-          </c:cat>
-          <c:val>
-            <c:numRef>
-              <c:f>Sheet1!$B$2:$B$5</c:f>
-              <c:numCache>
-                <c:formatCode>General</c:formatCode>
-                <c:ptCount val="4"/>
-                <c:pt idx="0">
-                  <c:v>8.2000000000000011</c:v>
-                </c:pt>
-                <c:pt idx="1">
-                  <c:v>3.2</c:v>
-                </c:pt>
-                <c:pt idx="2">
-                  <c:v>1.4</c:v>
-                </c:pt>
-                <c:pt idx="3">
-                  <c:v>1.2</c:v>
-                </c:pt>
-              </c:numCache>
-            </c:numRef>
-          </c:val>
-          <c:extLst>
-            <c:ext xmlns:c16="http://schemas.microsoft.com/office/drawing/2014/chart" uri="{C3380CC4-5D6E-409C-BE32-E72D297353CC}">
-              <c16:uniqueId val="{00000003-A3E4-4883-862C-36D1A6384535}"/>
-            </c:ext>
-          </c:extLst>
-        </c:ser>
-        <c:dLbls>
-          <c:showLegendKey val="0"/>
-          <c:showVal val="0"/>
-          <c:showCatName val="0"/>
-          <c:showSerName val="0"/>
-          <c:showPercent val="0"/>
-          <c:showBubbleSize val="0"/>
-        </c:dLbls>
-        <c:gapWidth val="150"/>
-        <c:axId val="128021248"/>
-        <c:axId val="123659776"/>
-      </c:barChart>
-      <c:valAx>
-        <c:axId val="123659776"/>
-        <c:scaling>
-          <c:orientation val="minMax"/>
-        </c:scaling>
-        <c:delete val="0"/>
-        <c:axPos val="l"/>
-        <c:numFmt formatCode="General" sourceLinked="1"/>
-        <c:majorTickMark val="none"/>
-        <c:minorTickMark val="none"/>
-        <c:tickLblPos val="nextTo"/>
-        <c:txPr>
-          <a:bodyPr/>
-          <a:lstStyle/>
-          <a:p>
-            <a:pPr>
-              <a:defRPr sz="1400">
-                <a:latin typeface="나눔바른고딕OTF Light" pitchFamily="50" charset="-127"/>
-                <a:ea typeface="나눔바른고딕OTF Light" pitchFamily="50" charset="-127"/>
-              </a:defRPr>
-            </a:pPr>
-            <a:endParaRPr lang="ko-KR"/>
-          </a:p>
-        </c:txPr>
-        <c:crossAx val="128021248"/>
-        <c:crosses val="autoZero"/>
-        <c:crossBetween val="between"/>
-      </c:valAx>
-      <c:catAx>
-        <c:axId val="128021248"/>
-        <c:scaling>
-          <c:orientation val="minMax"/>
-        </c:scaling>
-        <c:delete val="0"/>
-        <c:axPos val="b"/>
-        <c:numFmt formatCode="General" sourceLinked="0"/>
-        <c:majorTickMark val="none"/>
-        <c:minorTickMark val="none"/>
-        <c:tickLblPos val="nextTo"/>
-        <c:txPr>
-          <a:bodyPr/>
-          <a:lstStyle/>
-          <a:p>
-            <a:pPr>
-              <a:defRPr sz="1200">
-                <a:latin typeface="나눔바른고딕OTF Light" pitchFamily="50" charset="-127"/>
-                <a:ea typeface="나눔바른고딕OTF Light" pitchFamily="50" charset="-127"/>
-              </a:defRPr>
-            </a:pPr>
-            <a:endParaRPr lang="ko-KR"/>
-          </a:p>
-        </c:txPr>
-        <c:crossAx val="123659776"/>
-        <c:crosses val="autoZero"/>
-        <c:auto val="1"/>
-        <c:lblAlgn val="ctr"/>
-        <c:lblOffset val="100"/>
-        <c:noMultiLvlLbl val="0"/>
-      </c:catAx>
-    </c:plotArea>
-    <c:plotVisOnly val="1"/>
-    <c:dispBlanksAs val="gap"/>
-    <c:showDLblsOverMax val="0"/>
-  </c:chart>
-  <c:txPr>
-    <a:bodyPr/>
-    <a:lstStyle/>
-    <a:p>
-      <a:pPr>
-        <a:defRPr sz="1800"/>
-      </a:pPr>
-      <a:endParaRPr lang="ko-KR"/>
-    </a:p>
-  </c:txPr>
-  <c:externalData r:id="rId1">
-    <c:autoUpdate val="0"/>
-  </c:externalData>
-</c:chartSpace>
-</file>
-
-<file path=ppt/charts/chart3.xml><?xml version="1.0" encoding="utf-8"?>
-<c:chartSpace xmlns:c="http://schemas.openxmlformats.org/drawingml/2006/chart" xmlns:a="http://schemas.openxmlformats.org/drawingml/2006/main" xmlns:r="http://schemas.openxmlformats.org/officeDocument/2006/relationships" xmlns:c16r2="http://schemas.microsoft.com/office/drawing/2015/06/chart">
-  <c:date1904 val="0"/>
-  <c:lang val="ko-KR"/>
-  <c:roundedCorners val="0"/>
-  <mc:AlternateContent xmlns:mc="http://schemas.openxmlformats.org/markup-compatibility/2006">
-    <mc:Choice xmlns:c14="http://schemas.microsoft.com/office/drawing/2007/8/2/chart" Requires="c14">
-      <c14:style val="101"/>
-    </mc:Choice>
-    <mc:Fallback>
-      <c:style val="1"/>
-    </mc:Fallback>
-  </mc:AlternateContent>
-  <c:chart>
-    <c:autoTitleDeleted val="1"/>
-    <c:plotArea>
-      <c:layout/>
-      <c:pieChart>
-        <c:varyColors val="1"/>
-        <c:ser>
-          <c:idx val="0"/>
-          <c:order val="0"/>
-          <c:tx>
-            <c:strRef>
-              <c:f>Sheet1!$B$1</c:f>
-              <c:strCache>
-                <c:ptCount val="1"/>
-                <c:pt idx="0">
-                  <c:v>판매</c:v>
-                </c:pt>
-              </c:strCache>
-            </c:strRef>
-          </c:tx>
-          <c:explosion val="25"/>
-          <c:cat>
-            <c:strRef>
-              <c:f>Sheet1!$A$2:$A$5</c:f>
-              <c:strCache>
-                <c:ptCount val="4"/>
-                <c:pt idx="0">
-                  <c:v>1분기</c:v>
-                </c:pt>
-                <c:pt idx="1">
-                  <c:v>2분기</c:v>
-                </c:pt>
-                <c:pt idx="2">
-                  <c:v>3분기</c:v>
-                </c:pt>
-                <c:pt idx="3">
-                  <c:v>4분기</c:v>
-                </c:pt>
-              </c:strCache>
-            </c:strRef>
-          </c:cat>
-          <c:val>
-            <c:numRef>
-              <c:f>Sheet1!$B$2:$B$5</c:f>
-              <c:numCache>
-                <c:formatCode>General</c:formatCode>
-                <c:ptCount val="4"/>
-                <c:pt idx="0">
-                  <c:v>8.2000000000000011</c:v>
-                </c:pt>
-                <c:pt idx="1">
-                  <c:v>3.2</c:v>
-                </c:pt>
-                <c:pt idx="2">
-                  <c:v>1.4</c:v>
-                </c:pt>
-                <c:pt idx="3">
-                  <c:v>1.2</c:v>
-                </c:pt>
-              </c:numCache>
-            </c:numRef>
-          </c:val>
-          <c:extLst>
-            <c:ext xmlns:c16="http://schemas.microsoft.com/office/drawing/2014/chart" uri="{C3380CC4-5D6E-409C-BE32-E72D297353CC}">
-              <c16:uniqueId val="{00000000-4BDE-4C2E-9350-D65760DEE154}"/>
-            </c:ext>
-          </c:extLst>
-        </c:ser>
-        <c:dLbls>
-          <c:showLegendKey val="0"/>
-          <c:showVal val="0"/>
-          <c:showCatName val="0"/>
-          <c:showSerName val="0"/>
-          <c:showPercent val="0"/>
-          <c:showBubbleSize val="0"/>
-          <c:showLeaderLines val="1"/>
-        </c:dLbls>
-        <c:firstSliceAng val="0"/>
-      </c:pieChart>
-    </c:plotArea>
-    <c:plotVisOnly val="1"/>
-    <c:dispBlanksAs val="gap"/>
-    <c:showDLblsOverMax val="0"/>
-  </c:chart>
-  <c:txPr>
-    <a:bodyPr/>
-    <a:lstStyle/>
-    <a:p>
-      <a:pPr>
-        <a:defRPr sz="1800"/>
-      </a:pPr>
-      <a:endParaRPr lang="ko-KR"/>
-    </a:p>
-  </c:txPr>
-  <c:externalData r:id="rId1">
-    <c:autoUpdate val="0"/>
-  </c:externalData>
-</c:chartSpace>
-</file>
-
-<file path=ppt/diagrams/colors1.xml><?xml version="1.0" encoding="utf-8"?>
-<dgm:colorsDef xmlns:dgm="http://schemas.openxmlformats.org/drawingml/2006/diagram" xmlns:a="http://schemas.openxmlformats.org/drawingml/2006/main" uniqueId="urn:microsoft.com/office/officeart/2005/8/colors/accent0_1">
-  <dgm:title val=""/>
-  <dgm:desc val=""/>
-  <dgm:catLst>
-    <dgm:cat type="mainScheme" pri="10100"/>
-  </dgm:catLst>
-  <dgm:styleLbl name="node0">
-    <dgm:fillClrLst meth="repeat">
-      <a:schemeClr val="lt1"/>
-    </dgm:fillClrLst>
-    <dgm:linClrLst meth="repeat">
-      <a:schemeClr val="dk1">
-        <a:shade val="80000"/>
-      </a:schemeClr>
-    </dgm:linClrLst>
-    <dgm:effectClrLst/>
-    <dgm:txLinClrLst/>
-    <dgm:txFillClrLst meth="repeat">
-      <a:schemeClr val="dk1"/>
-    </dgm:txFillClrLst>
-    <dgm:txEffectClrLst/>
-  </dgm:styleLbl>
-  <dgm:styleLbl name="node1">
-    <dgm:fillClrLst meth="repeat">
-      <a:schemeClr val="lt1"/>
-    </dgm:fillClrLst>
-    <dgm:linClrLst meth="repeat">
-      <a:schemeClr val="dk1">
-        <a:shade val="80000"/>
-      </a:schemeClr>
-    </dgm:linClrLst>
-    <dgm:effectClrLst/>
-    <dgm:txLinClrLst/>
-    <dgm:txFillClrLst meth="repeat">
-      <a:schemeClr val="dk1"/>
-    </dgm:txFillClrLst>
-    <dgm:txEffectClrLst/>
-  </dgm:styleLbl>
-  <dgm:styleLbl name="alignNode1">
-    <dgm:fillClrLst meth="repeat">
-      <a:schemeClr val="lt1"/>
-    </dgm:fillClrLst>
-    <dgm:linClrLst meth="repeat">
-      <a:schemeClr val="dk1">
-        <a:shade val="80000"/>
-      </a:schemeClr>
-    </dgm:linClrLst>
-    <dgm:effectClrLst/>
-    <dgm:txLinClrLst/>
-    <dgm:txFillClrLst meth="repeat">
-      <a:schemeClr val="dk1"/>
-    </dgm:txFillClrLst>
-    <dgm:txEffectClrLst/>
-  </dgm:styleLbl>
-  <dgm:styleLbl name="lnNode1">
-    <dgm:fillClrLst meth="repeat">
-      <a:schemeClr val="lt1"/>
-    </dgm:fillClrLst>
-    <dgm:linClrLst meth="repeat">
-      <a:schemeClr val="dk1">
-        <a:shade val="80000"/>
-      </a:schemeClr>
-    </dgm:linClrLst>
-    <dgm:effectClrLst/>
-    <dgm:txLinClrLst/>
-    <dgm:txFillClrLst meth="repeat">
-      <a:schemeClr val="dk1"/>
-    </dgm:txFillClrLst>
-    <dgm:txEffectClrLst/>
-  </dgm:styleLbl>
-  <dgm:styleLbl name="vennNode1">
-    <dgm:fillClrLst meth="repeat">
-      <a:schemeClr val="lt1">
-        <a:alpha val="50000"/>
-      </a:schemeClr>
-    </dgm:fillClrLst>
-    <dgm:linClrLst meth="repeat">
-      <a:schemeClr val="dk1">
-        <a:shade val="80000"/>
-      </a:schemeClr>
-    </dgm:linClrLst>
-    <dgm:effectClrLst/>
-    <dgm:txLinClrLst/>
-    <dgm:txFillClrLst/>
-    <dgm:txEffectClrLst/>
-  </dgm:styleLbl>
-  <dgm:styleLbl name="node2">
-    <dgm:fillClrLst meth="repeat">
-      <a:schemeClr val="lt1"/>
-    </dgm:fillClrLst>
-    <dgm:linClrLst meth="repeat">
-      <a:schemeClr val="dk1">
-        <a:shade val="80000"/>
-      </a:schemeClr>
-    </dgm:linClrLst>
-    <dgm:effectClrLst/>
-    <dgm:txLinClrLst/>
-    <dgm:txFillClrLst meth="repeat">
-      <a:schemeClr val="dk1"/>
-    </dgm:txFillClrLst>
-    <dgm:txEffectClrLst/>
-  </dgm:styleLbl>
-  <dgm:styleLbl name="node3">
-    <dgm:fillClrLst meth="repeat">
-      <a:schemeClr val="lt1"/>
-    </dgm:fillClrLst>
-    <dgm:linClrLst meth="repeat">
-      <a:schemeClr val="dk1">
-        <a:shade val="80000"/>
-      </a:schemeClr>
-    </dgm:linClrLst>
-    <dgm:effectClrLst/>
-    <dgm:txLinClrLst/>
-    <dgm:txFillClrLst meth="repeat">
-      <a:schemeClr val="dk1"/>
-    </dgm:txFillClrLst>
-    <dgm:txEffectClrLst/>
-  </dgm:styleLbl>
-  <dgm:styleLbl name="node4">
-    <dgm:fillClrLst meth="repeat">
-      <a:schemeClr val="lt1"/>
-    </dgm:fillClrLst>
-    <dgm:linClrLst meth="repeat">
-      <a:schemeClr val="dk1">
-        <a:shade val="80000"/>
-      </a:schemeClr>
-    </dgm:linClrLst>
-    <dgm:effectClrLst/>
-    <dgm:txLinClrLst/>
-    <dgm:txFillClrLst meth="repeat">
-      <a:schemeClr val="dk1"/>
-    </dgm:txFillClrLst>
-    <dgm:txEffectClrLst/>
-  </dgm:styleLbl>
-  <dgm:styleLbl name="fgImgPlace1">
-    <dgm:fillClrLst meth="repeat">
-      <a:schemeClr val="dk1">
-        <a:tint val="40000"/>
-      </a:schemeClr>
-    </dgm:fillClrLst>
-    <dgm:linClrLst meth="repeat">
-      <a:schemeClr val="dk1">
-        <a:shade val="80000"/>
-      </a:schemeClr>
-    </dgm:linClrLst>
-    <dgm:effectClrLst/>
-    <dgm:txLinClrLst/>
-    <dgm:txFillClrLst meth="repeat">
-      <a:schemeClr val="lt1"/>
-    </dgm:txFillClrLst>
-    <dgm:txEffectClrLst/>
-  </dgm:styleLbl>
-  <dgm:styleLbl name="alignImgPlace1">
-    <dgm:fillClrLst meth="repeat">
-      <a:schemeClr val="dk1">
-        <a:tint val="40000"/>
-      </a:schemeClr>
-    </dgm:fillClrLst>
-    <dgm:linClrLst meth="repeat">
-      <a:schemeClr val="dk1">
-        <a:shade val="80000"/>
-      </a:schemeClr>
-    </dgm:linClrLst>
-    <dgm:effectClrLst/>
-    <dgm:txLinClrLst/>
-    <dgm:txFillClrLst meth="repeat">
-      <a:schemeClr val="lt1"/>
-    </dgm:txFillClrLst>
-    <dgm:txEffectClrLst/>
-  </dgm:styleLbl>
-  <dgm:styleLbl name="bgImgPlace1">
-    <dgm:fillClrLst meth="repeat">
-      <a:schemeClr val="dk1">
-        <a:tint val="40000"/>
-      </a:schemeClr>
-    </dgm:fillClrLst>
-    <dgm:linClrLst meth="repeat">
-      <a:schemeClr val="dk1">
-        <a:shade val="80000"/>
-      </a:schemeClr>
-    </dgm:linClrLst>
-    <dgm:effectClrLst/>
-    <dgm:txLinClrLst/>
-    <dgm:txFillClrLst meth="repeat">
-      <a:schemeClr val="lt1"/>
-    </dgm:txFillClrLst>
-    <dgm:txEffectClrLst/>
-  </dgm:styleLbl>
-  <dgm:styleLbl name="sibTrans2D1">
-    <dgm:fillClrLst meth="repeat">
-      <a:schemeClr val="dk1">
-        <a:tint val="60000"/>
-      </a:schemeClr>
-    </dgm:fillClrLst>
-    <dgm:linClrLst meth="repeat">
-      <a:schemeClr val="dk1">
-        <a:tint val="60000"/>
-      </a:schemeClr>
-    </dgm:linClrLst>
-    <dgm:effectClrLst/>
-    <dgm:txLinClrLst/>
-    <dgm:txFillClrLst meth="repeat">
-      <a:schemeClr val="dk1"/>
-    </dgm:txFillClrLst>
-    <dgm:txEffectClrLst/>
-  </dgm:styleLbl>
-  <dgm:styleLbl name="fgSibTrans2D1">
-    <dgm:fillClrLst meth="repeat">
-      <a:schemeClr val="dk1">
-        <a:tint val="60000"/>
-      </a:schemeClr>
-    </dgm:fillClrLst>
-    <dgm:linClrLst meth="repeat">
-      <a:schemeClr val="dk1">
-        <a:tint val="60000"/>
-      </a:schemeClr>
-    </dgm:linClrLst>
-    <dgm:effectClrLst/>
-    <dgm:txLinClrLst/>
-    <dgm:txFillClrLst meth="repeat">
-      <a:schemeClr val="dk1"/>
-    </dgm:txFillClrLst>
-    <dgm:txEffectClrLst/>
-  </dgm:styleLbl>
-  <dgm:styleLbl name="bgSibTrans2D1">
-    <dgm:fillClrLst meth="repeat">
-      <a:schemeClr val="dk1">
-        <a:tint val="60000"/>
-      </a:schemeClr>
-    </dgm:fillClrLst>
-    <dgm:linClrLst meth="repeat">
-      <a:schemeClr val="dk1">
-        <a:tint val="60000"/>
-      </a:schemeClr>
-    </dgm:linClrLst>
-    <dgm:effectClrLst/>
-    <dgm:txLinClrLst/>
-    <dgm:txFillClrLst meth="repeat">
-      <a:schemeClr val="dk1"/>
-    </dgm:txFillClrLst>
-    <dgm:txEffectClrLst/>
-  </dgm:styleLbl>
-  <dgm:styleLbl name="sibTrans1D1">
-    <dgm:fillClrLst meth="repeat">
-      <a:schemeClr val="dk1"/>
-    </dgm:fillClrLst>
-    <dgm:linClrLst meth="repeat">
-      <a:schemeClr val="dk1"/>
-    </dgm:linClrLst>
-    <dgm:effectClrLst/>
-    <dgm:txLinClrLst/>
-    <dgm:txFillClrLst meth="repeat">
-      <a:schemeClr val="tx1"/>
-    </dgm:txFillClrLst>
-    <dgm:txEffectClrLst/>
-  </dgm:styleLbl>
-  <dgm:styleLbl name="callout">
-    <dgm:fillClrLst meth="repeat">
-      <a:schemeClr val="dk1"/>
-    </dgm:fillClrLst>
-    <dgm:linClrLst meth="repeat">
-      <a:schemeClr val="dk1"/>
-    </dgm:linClrLst>
-    <dgm:effectClrLst/>
-    <dgm:txLinClrLst/>
-    <dgm:txFillClrLst meth="repeat">
-      <a:schemeClr val="tx1"/>
-    </dgm:txFillClrLst>
-    <dgm:txEffectClrLst/>
-  </dgm:styleLbl>
-  <dgm:styleLbl name="asst0">
-    <dgm:fillClrLst meth="repeat">
-      <a:schemeClr val="lt1"/>
-    </dgm:fillClrLst>
-    <dgm:linClrLst meth="repeat">
-      <a:schemeClr val="dk1">
-        <a:shade val="80000"/>
-      </a:schemeClr>
-    </dgm:linClrLst>
-    <dgm:effectClrLst/>
-    <dgm:txLinClrLst/>
-    <dgm:txFillClrLst meth="repeat">
-      <a:schemeClr val="dk1"/>
-    </dgm:txFillClrLst>
-    <dgm:txEffectClrLst/>
-  </dgm:styleLbl>
-  <dgm:styleLbl name="asst1">
-    <dgm:fillClrLst meth="repeat">
-      <a:schemeClr val="lt1"/>
-    </dgm:fillClrLst>
-    <dgm:linClrLst meth="repeat">
-      <a:schemeClr val="dk1">
-        <a:shade val="80000"/>
-      </a:schemeClr>
-    </dgm:linClrLst>
-    <dgm:effectClrLst/>
-    <dgm:txLinClrLst/>
-    <dgm:txFillClrLst meth="repeat">
-      <a:schemeClr val="dk1"/>
-    </dgm:txFillClrLst>
-    <dgm:txEffectClrLst/>
-  </dgm:styleLbl>
-  <dgm:styleLbl name="asst2">
-    <dgm:fillClrLst meth="repeat">
-      <a:schemeClr val="lt1"/>
-    </dgm:fillClrLst>
-    <dgm:linClrLst meth="repeat">
-      <a:schemeClr val="dk1">
-        <a:shade val="80000"/>
-      </a:schemeClr>
-    </dgm:linClrLst>
-    <dgm:effectClrLst/>
-    <dgm:txLinClrLst/>
-    <dgm:txFillClrLst meth="repeat">
-      <a:schemeClr val="dk1"/>
-    </dgm:txFillClrLst>
-    <dgm:txEffectClrLst/>
-  </dgm:styleLbl>
-  <dgm:styleLbl name="asst3">
-    <dgm:fillClrLst meth="repeat">
-      <a:schemeClr val="lt1"/>
-    </dgm:fillClrLst>
-    <dgm:linClrLst meth="repeat">
-      <a:schemeClr val="dk1">
-        <a:shade val="80000"/>
-      </a:schemeClr>
-    </dgm:linClrLst>
-    <dgm:effectClrLst/>
-    <dgm:txLinClrLst/>
-    <dgm:txFillClrLst meth="repeat">
-      <a:schemeClr val="dk1"/>
-    </dgm:txFillClrLst>
-    <dgm:txEffectClrLst/>
-  </dgm:styleLbl>
-  <dgm:styleLbl name="asst4">
-    <dgm:fillClrLst meth="repeat">
-      <a:schemeClr val="lt1"/>
-    </dgm:fillClrLst>
-    <dgm:linClrLst meth="repeat">
-      <a:schemeClr val="dk1">
-        <a:shade val="80000"/>
-      </a:schemeClr>
-    </dgm:linClrLst>
-    <dgm:effectClrLst/>
-    <dgm:txLinClrLst/>
-    <dgm:txFillClrLst meth="repeat">
-      <a:schemeClr val="dk1"/>
-    </dgm:txFillClrLst>
-    <dgm:txEffectClrLst/>
-  </dgm:styleLbl>
-  <dgm:styleLbl name="parChTrans2D1">
-    <dgm:fillClrLst meth="repeat">
-      <a:schemeClr val="dk1">
-        <a:tint val="60000"/>
-      </a:schemeClr>
-    </dgm:fillClrLst>
-    <dgm:linClrLst meth="repeat">
-      <a:schemeClr val="dk1">
-        <a:tint val="60000"/>
-      </a:schemeClr>
-    </dgm:linClrLst>
-    <dgm:effectClrLst/>
-    <dgm:txLinClrLst/>
-    <dgm:txFillClrLst/>
-    <dgm:txEffectClrLst/>
-  </dgm:styleLbl>
-  <dgm:styleLbl name="parChTrans2D2">
-    <dgm:fillClrLst meth="repeat">
-      <a:schemeClr val="dk1"/>
-    </dgm:fillClrLst>
-    <dgm:linClrLst meth="repeat">
-      <a:schemeClr val="dk1"/>
-    </dgm:linClrLst>
-    <dgm:effectClrLst/>
-    <dgm:txLinClrLst/>
-    <dgm:txFillClrLst/>
-    <dgm:txEffectClrLst/>
-  </dgm:styleLbl>
-  <dgm:styleLbl name="parChTrans2D3">
-    <dgm:fillClrLst meth="repeat">
-      <a:schemeClr val="dk1"/>
-    </dgm:fillClrLst>
-    <dgm:linClrLst meth="repeat">
-      <a:schemeClr val="dk1"/>
-    </dgm:linClrLst>
-    <dgm:effectClrLst/>
-    <dgm:txLinClrLst/>
-    <dgm:txFillClrLst/>
-    <dgm:txEffectClrLst/>
-  </dgm:styleLbl>
-  <dgm:styleLbl name="parChTrans2D4">
-    <dgm:fillClrLst meth="repeat">
-      <a:schemeClr val="dk1"/>
-    </dgm:fillClrLst>
-    <dgm:linClrLst meth="repeat">
-      <a:schemeClr val="dk1"/>
-    </dgm:linClrLst>
-    <dgm:effectClrLst/>
-    <dgm:txLinClrLst/>
-    <dgm:txFillClrLst meth="repeat">
-      <a:schemeClr val="lt1"/>
-    </dgm:txFillClrLst>
-    <dgm:txEffectClrLst/>
-  </dgm:styleLbl>
-  <dgm:styleLbl name="parChTrans1D1">
-    <dgm:fillClrLst meth="repeat">
-      <a:schemeClr val="dk1"/>
-    </dgm:fillClrLst>
-    <dgm:linClrLst meth="repeat">
-      <a:schemeClr val="dk1">
-        <a:shade val="60000"/>
-      </a:schemeClr>
-    </dgm:linClrLst>
-    <dgm:effectClrLst/>
-    <dgm:txLinClrLst/>
-    <dgm:txFillClrLst meth="repeat">
-      <a:schemeClr val="tx1"/>
-    </dgm:txFillClrLst>
-    <dgm:txEffectClrLst/>
-  </dgm:styleLbl>
-  <dgm:styleLbl name="parChTrans1D2">
-    <dgm:fillClrLst meth="repeat">
-      <a:schemeClr val="dk1"/>
-    </dgm:fillClrLst>
-    <dgm:linClrLst meth="repeat">
-      <a:schemeClr val="dk1">
-        <a:shade val="60000"/>
-      </a:schemeClr>
-    </dgm:linClrLst>
-    <dgm:effectClrLst/>
-    <dgm:txLinClrLst/>
-    <dgm:txFillClrLst meth="repeat">
-      <a:schemeClr val="tx1"/>
-    </dgm:txFillClrLst>
-    <dgm:txEffectClrLst/>
-  </dgm:styleLbl>
-  <dgm:styleLbl name="parChTrans1D3">
-    <dgm:fillClrLst meth="repeat">
-      <a:schemeClr val="dk1"/>
-    </dgm:fillClrLst>
-    <dgm:linClrLst meth="repeat">
-      <a:schemeClr val="dk1">
-        <a:shade val="80000"/>
-      </a:schemeClr>
-    </dgm:linClrLst>
-    <dgm:effectClrLst/>
-    <dgm:txLinClrLst/>
-    <dgm:txFillClrLst meth="repeat">
-      <a:schemeClr val="tx1"/>
-    </dgm:txFillClrLst>
-    <dgm:txEffectClrLst/>
-  </dgm:styleLbl>
-  <dgm:styleLbl name="parChTrans1D4">
-    <dgm:fillClrLst meth="repeat">
-      <a:schemeClr val="dk1"/>
-    </dgm:fillClrLst>
-    <dgm:linClrLst meth="repeat">
-      <a:schemeClr val="dk1">
-        <a:shade val="80000"/>
-      </a:schemeClr>
-    </dgm:linClrLst>
-    <dgm:effectClrLst/>
-    <dgm:txLinClrLst/>
-    <dgm:txFillClrLst meth="repeat">
-      <a:schemeClr val="tx1"/>
-    </dgm:txFillClrLst>
-    <dgm:txEffectClrLst/>
-  </dgm:styleLbl>
-  <dgm:styleLbl name="fgAcc1">
-    <dgm:fillClrLst meth="repeat">
-      <a:schemeClr val="dk1">
-        <a:alpha val="90000"/>
-        <a:tint val="40000"/>
-      </a:schemeClr>
-    </dgm:fillClrLst>
-    <dgm:linClrLst meth="repeat">
-      <a:schemeClr val="dk1"/>
-    </dgm:linClrLst>
-    <dgm:effectClrLst/>
-    <dgm:txLinClrLst/>
-    <dgm:txFillClrLst meth="repeat">
-      <a:schemeClr val="dk1"/>
-    </dgm:txFillClrLst>
-    <dgm:txEffectClrLst/>
-  </dgm:styleLbl>
-  <dgm:styleLbl name="conFgAcc1">
-    <dgm:fillClrLst meth="repeat">
-      <a:schemeClr val="dk1">
-        <a:alpha val="90000"/>
-        <a:tint val="40000"/>
-      </a:schemeClr>
-    </dgm:fillClrLst>
-    <dgm:linClrLst meth="repeat">
-      <a:schemeClr val="dk1"/>
-    </dgm:linClrLst>
-    <dgm:effectClrLst/>
-    <dgm:txLinClrLst/>
-    <dgm:txFillClrLst meth="repeat">
-      <a:schemeClr val="dk1"/>
-    </dgm:txFillClrLst>
-    <dgm:txEffectClrLst/>
-  </dgm:styleLbl>
-  <dgm:styleLbl name="alignAcc1">
-    <dgm:fillClrLst meth="repeat">
-      <a:schemeClr val="dk1">
-        <a:alpha val="90000"/>
-        <a:tint val="40000"/>
-      </a:schemeClr>
-    </dgm:fillClrLst>
-    <dgm:linClrLst meth="repeat">
-      <a:schemeClr val="dk1"/>
-    </dgm:linClrLst>
-    <dgm:effectClrLst/>
-    <dgm:txLinClrLst/>
-    <dgm:txFillClrLst meth="repeat">
-      <a:schemeClr val="dk1"/>
-    </dgm:txFillClrLst>
-    <dgm:txEffectClrLst/>
-  </dgm:styleLbl>
-  <dgm:styleLbl name="trAlignAcc1">
-    <dgm:fillClrLst meth="repeat">
-      <a:schemeClr val="dk1">
-        <a:alpha val="40000"/>
-        <a:tint val="40000"/>
-      </a:schemeClr>
-    </dgm:fillClrLst>
-    <dgm:linClrLst meth="repeat">
-      <a:schemeClr val="dk1"/>
-    </dgm:linClrLst>
-    <dgm:effectClrLst/>
-    <dgm:txLinClrLst/>
-    <dgm:txFillClrLst meth="repeat">
-      <a:schemeClr val="dk1"/>
-    </dgm:txFillClrLst>
-    <dgm:txEffectClrLst/>
-  </dgm:styleLbl>
-  <dgm:styleLbl name="bgAcc1">
-    <dgm:fillClrLst meth="repeat">
-      <a:schemeClr val="dk1">
-        <a:alpha val="90000"/>
-        <a:tint val="40000"/>
-      </a:schemeClr>
-    </dgm:fillClrLst>
-    <dgm:linClrLst meth="repeat">
-      <a:schemeClr val="dk1"/>
-    </dgm:linClrLst>
-    <dgm:effectClrLst/>
-    <dgm:txLinClrLst/>
-    <dgm:txFillClrLst meth="repeat">
-      <a:schemeClr val="dk1"/>
-    </dgm:txFillClrLst>
-    <dgm:txEffectClrLst/>
-  </dgm:styleLbl>
-  <dgm:styleLbl name="solidFgAcc1">
-    <dgm:fillClrLst meth="repeat">
-      <a:schemeClr val="lt1"/>
-    </dgm:fillClrLst>
-    <dgm:linClrLst meth="repeat">
-      <a:schemeClr val="dk1"/>
-    </dgm:linClrLst>
-    <dgm:effectClrLst/>
-    <dgm:txLinClrLst/>
-    <dgm:txFillClrLst meth="repeat">
-      <a:schemeClr val="dk1"/>
-    </dgm:txFillClrLst>
-    <dgm:txEffectClrLst/>
-  </dgm:styleLbl>
-  <dgm:styleLbl name="solidAlignAcc1">
-    <dgm:fillClrLst meth="repeat">
-      <a:schemeClr val="lt1"/>
-    </dgm:fillClrLst>
-    <dgm:linClrLst meth="repeat">
-      <a:schemeClr val="dk1"/>
-    </dgm:linClrLst>
-    <dgm:effectClrLst/>
-    <dgm:txLinClrLst/>
-    <dgm:txFillClrLst meth="repeat">
-      <a:schemeClr val="dk1"/>
-    </dgm:txFillClrLst>
-    <dgm:txEffectClrLst/>
-  </dgm:styleLbl>
-  <dgm:styleLbl name="solidBgAcc1">
-    <dgm:fillClrLst meth="repeat">
-      <a:schemeClr val="lt1"/>
-    </dgm:fillClrLst>
-    <dgm:linClrLst meth="repeat">
-      <a:schemeClr val="dk1"/>
-    </dgm:linClrLst>
-    <dgm:effectClrLst/>
-    <dgm:txLinClrLst/>
-    <dgm:txFillClrLst meth="repeat">
-      <a:schemeClr val="dk1"/>
-    </dgm:txFillClrLst>
-    <dgm:txEffectClrLst/>
-  </dgm:styleLbl>
-  <dgm:styleLbl name="fgAccFollowNode1">
-    <dgm:fillClrLst meth="repeat">
-      <a:schemeClr val="lt1">
-        <a:alpha val="90000"/>
-        <a:tint val="40000"/>
-      </a:schemeClr>
-    </dgm:fillClrLst>
-    <dgm:linClrLst meth="repeat">
-      <a:schemeClr val="dk1">
-        <a:alpha val="90000"/>
-      </a:schemeClr>
-    </dgm:linClrLst>
-    <dgm:effectClrLst/>
-    <dgm:txLinClrLst/>
-    <dgm:txFillClrLst meth="repeat">
-      <a:schemeClr val="dk1"/>
-    </dgm:txFillClrLst>
-    <dgm:txEffectClrLst/>
-  </dgm:styleLbl>
-  <dgm:styleLbl name="alignAccFollowNode1">
-    <dgm:fillClrLst meth="repeat">
-      <a:schemeClr val="lt1">
-        <a:alpha val="90000"/>
-        <a:tint val="40000"/>
-      </a:schemeClr>
-    </dgm:fillClrLst>
-    <dgm:linClrLst meth="repeat">
-      <a:schemeClr val="dk1">
-        <a:alpha val="90000"/>
-      </a:schemeClr>
-    </dgm:linClrLst>
-    <dgm:effectClrLst/>
-    <dgm:txLinClrLst/>
-    <dgm:txFillClrLst meth="repeat">
-      <a:schemeClr val="dk1"/>
-    </dgm:txFillClrLst>
-    <dgm:txEffectClrLst/>
-  </dgm:styleLbl>
-  <dgm:styleLbl name="bgAccFollowNode1">
-    <dgm:fillClrLst meth="repeat">
-      <a:schemeClr val="lt1">
-        <a:alpha val="90000"/>
-        <a:tint val="40000"/>
-      </a:schemeClr>
-    </dgm:fillClrLst>
-    <dgm:linClrLst meth="repeat">
-      <a:schemeClr val="dk1">
-        <a:alpha val="90000"/>
-      </a:schemeClr>
-    </dgm:linClrLst>
-    <dgm:effectClrLst/>
-    <dgm:txLinClrLst/>
-    <dgm:txFillClrLst meth="repeat">
-      <a:schemeClr val="dk1"/>
-    </dgm:txFillClrLst>
-    <dgm:txEffectClrLst/>
-  </dgm:styleLbl>
-  <dgm:styleLbl name="fgAcc0">
-    <dgm:fillClrLst meth="repeat">
-      <a:schemeClr val="dk1">
-        <a:alpha val="90000"/>
-        <a:tint val="40000"/>
-      </a:schemeClr>
-    </dgm:fillClrLst>
-    <dgm:linClrLst meth="repeat">
-      <a:schemeClr val="dk1"/>
-    </dgm:linClrLst>
-    <dgm:effectClrLst/>
-    <dgm:txLinClrLst/>
-    <dgm:txFillClrLst meth="repeat">
-      <a:schemeClr val="dk1"/>
-    </dgm:txFillClrLst>
-    <dgm:txEffectClrLst/>
-  </dgm:styleLbl>
-  <dgm:styleLbl name="fgAcc2">
-    <dgm:fillClrLst meth="repeat">
-      <a:schemeClr val="dk1">
-        <a:alpha val="90000"/>
-        <a:tint val="40000"/>
-      </a:schemeClr>
-    </dgm:fillClrLst>
-    <dgm:linClrLst meth="repeat">
-      <a:schemeClr val="dk1"/>
-    </dgm:linClrLst>
-    <dgm:effectClrLst/>
-    <dgm:txLinClrLst/>
-    <dgm:txFillClrLst meth="repeat">
-      <a:schemeClr val="dk1"/>
-    </dgm:txFillClrLst>
-    <dgm:txEffectClrLst/>
-  </dgm:styleLbl>
-  <dgm:styleLbl name="fgAcc3">
-    <dgm:fillClrLst meth="repeat">
-      <a:schemeClr val="dk1">
-        <a:alpha val="90000"/>
-        <a:tint val="40000"/>
-      </a:schemeClr>
-    </dgm:fillClrLst>
-    <dgm:linClrLst meth="repeat">
-      <a:schemeClr val="dk1"/>
-    </dgm:linClrLst>
-    <dgm:effectClrLst/>
-    <dgm:txLinClrLst/>
-    <dgm:txFillClrLst meth="repeat">
-      <a:schemeClr val="dk1"/>
-    </dgm:txFillClrLst>
-    <dgm:txEffectClrLst/>
-  </dgm:styleLbl>
-  <dgm:styleLbl name="fgAcc4">
-    <dgm:fillClrLst meth="repeat">
-      <a:schemeClr val="dk1">
-        <a:alpha val="90000"/>
-        <a:tint val="40000"/>
-      </a:schemeClr>
-    </dgm:fillClrLst>
-    <dgm:linClrLst meth="repeat">
-      <a:schemeClr val="dk1"/>
-    </dgm:linClrLst>
-    <dgm:effectClrLst/>
-    <dgm:txLinClrLst/>
-    <dgm:txFillClrLst meth="repeat">
-      <a:schemeClr val="dk1"/>
-    </dgm:txFillClrLst>
-    <dgm:txEffectClrLst/>
-  </dgm:styleLbl>
-  <dgm:styleLbl name="bgShp">
-    <dgm:fillClrLst meth="repeat">
-      <a:schemeClr val="dk1">
-        <a:tint val="40000"/>
-      </a:schemeClr>
-    </dgm:fillClrLst>
-    <dgm:linClrLst meth="repeat">
-      <a:schemeClr val="dk1"/>
-    </dgm:linClrLst>
-    <dgm:effectClrLst/>
-    <dgm:txLinClrLst/>
-    <dgm:txFillClrLst meth="repeat">
-      <a:schemeClr val="dk1"/>
-    </dgm:txFillClrLst>
-    <dgm:txEffectClrLst/>
-  </dgm:styleLbl>
-  <dgm:styleLbl name="dkBgShp">
-    <dgm:fillClrLst meth="repeat">
-      <a:schemeClr val="dk1">
-        <a:shade val="80000"/>
-      </a:schemeClr>
-    </dgm:fillClrLst>
-    <dgm:linClrLst meth="repeat">
-      <a:schemeClr val="dk1"/>
-    </dgm:linClrLst>
-    <dgm:effectClrLst/>
-    <dgm:txLinClrLst/>
-    <dgm:txFillClrLst meth="repeat">
-      <a:schemeClr val="lt1"/>
-    </dgm:txFillClrLst>
-    <dgm:txEffectClrLst/>
-  </dgm:styleLbl>
-  <dgm:styleLbl name="trBgShp">
-    <dgm:fillClrLst meth="repeat">
-      <a:schemeClr val="dk1">
-        <a:tint val="50000"/>
-        <a:alpha val="40000"/>
-      </a:schemeClr>
-    </dgm:fillClrLst>
-    <dgm:linClrLst meth="repeat">
-      <a:schemeClr val="dk1"/>
-    </dgm:linClrLst>
-    <dgm:effectClrLst/>
-    <dgm:txLinClrLst/>
-    <dgm:txFillClrLst meth="repeat">
-      <a:schemeClr val="lt1"/>
-    </dgm:txFillClrLst>
-    <dgm:txEffectClrLst/>
-  </dgm:styleLbl>
-  <dgm:styleLbl name="fgShp">
-    <dgm:fillClrLst meth="repeat">
-      <a:schemeClr val="dk1">
-        <a:tint val="60000"/>
-      </a:schemeClr>
-    </dgm:fillClrLst>
-    <dgm:linClrLst meth="repeat">
-      <a:schemeClr val="lt1"/>
-    </dgm:linClrLst>
-    <dgm:effectClrLst/>
-    <dgm:txLinClrLst/>
-    <dgm:txFillClrLst meth="repeat">
-      <a:schemeClr val="dk1"/>
-    </dgm:txFillClrLst>
-    <dgm:txEffectClrLst/>
-  </dgm:styleLbl>
-  <dgm:styleLbl name="revTx">
-    <dgm:fillClrLst meth="repeat">
-      <a:schemeClr val="lt1">
-        <a:alpha val="0"/>
-      </a:schemeClr>
-    </dgm:fillClrLst>
-    <dgm:linClrLst meth="repeat">
-      <a:schemeClr val="dk1">
-        <a:alpha val="0"/>
-      </a:schemeClr>
-    </dgm:linClrLst>
-    <dgm:effectClrLst/>
-    <dgm:txLinClrLst/>
-    <dgm:txFillClrLst meth="repeat">
-      <a:schemeClr val="tx1"/>
-    </dgm:txFillClrLst>
-    <dgm:txEffectClrLst/>
-  </dgm:styleLbl>
-</dgm:colorsDef>
-</file>
-
-<file path=ppt/diagrams/data1.xml><?xml version="1.0" encoding="utf-8"?>
-<dgm:dataModel xmlns:dgm="http://schemas.openxmlformats.org/drawingml/2006/diagram" xmlns:a="http://schemas.openxmlformats.org/drawingml/2006/main">
-  <dgm:ptLst>
-    <dgm:pt modelId="{977849C3-A982-461A-87F6-9FE7DCCE99FB}" type="doc">
-      <dgm:prSet loTypeId="urn:microsoft.com/office/officeart/2005/8/layout/matrix3" loCatId="matrix" qsTypeId="urn:microsoft.com/office/officeart/2005/8/quickstyle/simple1" qsCatId="simple" csTypeId="urn:microsoft.com/office/officeart/2005/8/colors/accent0_1" csCatId="mainScheme" phldr="1"/>
-      <dgm:spPr/>
-      <dgm:t>
-        <a:bodyPr/>
-        <a:lstStyle/>
-        <a:p>
-          <a:pPr latinLnBrk="1"/>
-          <a:endParaRPr lang="ko-KR" altLang="en-US"/>
-        </a:p>
-      </dgm:t>
-    </dgm:pt>
-    <dgm:pt modelId="{24B8FF49-FF69-4DFA-A4AC-AC6389E47A09}">
-      <dgm:prSet phldrT="[텍스트]" custT="1"/>
-      <dgm:spPr>
-        <a:ln w="3175">
-          <a:solidFill>
-            <a:schemeClr val="tx1"/>
-          </a:solidFill>
-        </a:ln>
-      </dgm:spPr>
-      <dgm:t>
-        <a:bodyPr/>
-        <a:lstStyle/>
-        <a:p>
-          <a:pPr latinLnBrk="1"/>
-          <a:r>
-            <a:rPr lang="en-US" altLang="ko-KR" sz="1800" b="0" dirty="0">
-              <a:latin typeface="나눔바른고딕OTF Light" pitchFamily="50" charset="-127"/>
-              <a:ea typeface="나눔바른고딕OTF Light" pitchFamily="50" charset="-127"/>
-            </a:rPr>
-            <a:t>PPT</a:t>
-          </a:r>
-          <a:r>
-            <a:rPr lang="ko-KR" altLang="en-US" sz="1800" b="0" dirty="0">
-              <a:latin typeface="나눔바른고딕OTF Light" pitchFamily="50" charset="-127"/>
-              <a:ea typeface="나눔바른고딕OTF Light" pitchFamily="50" charset="-127"/>
-            </a:rPr>
-            <a:t>템플릿</a:t>
-          </a:r>
-        </a:p>
-      </dgm:t>
-    </dgm:pt>
-    <dgm:pt modelId="{90B73C88-A10F-4984-9128-029E74C9D3AF}" type="parTrans" cxnId="{A845AA4F-D75D-4341-9C44-11025FAE76B0}">
-      <dgm:prSet/>
-      <dgm:spPr/>
-      <dgm:t>
-        <a:bodyPr/>
-        <a:lstStyle/>
-        <a:p>
-          <a:pPr latinLnBrk="1"/>
-          <a:endParaRPr lang="ko-KR" altLang="en-US"/>
-        </a:p>
-      </dgm:t>
-    </dgm:pt>
-    <dgm:pt modelId="{055C6470-7C52-458B-81FE-7B9F1044D0E3}" type="sibTrans" cxnId="{A845AA4F-D75D-4341-9C44-11025FAE76B0}">
-      <dgm:prSet/>
-      <dgm:spPr/>
-      <dgm:t>
-        <a:bodyPr/>
-        <a:lstStyle/>
-        <a:p>
-          <a:pPr latinLnBrk="1"/>
-          <a:endParaRPr lang="ko-KR" altLang="en-US"/>
-        </a:p>
-      </dgm:t>
-    </dgm:pt>
-    <dgm:pt modelId="{60F725FC-16A8-4614-AFE8-8143E01EF0CC}">
-      <dgm:prSet custT="1"/>
-      <dgm:spPr>
-        <a:ln w="3175">
-          <a:solidFill>
-            <a:schemeClr val="tx1"/>
-          </a:solidFill>
-        </a:ln>
-      </dgm:spPr>
-      <dgm:t>
-        <a:bodyPr/>
-        <a:lstStyle/>
-        <a:p>
-          <a:pPr latinLnBrk="1"/>
-          <a:r>
-            <a:rPr lang="ko-KR" altLang="en-US" sz="1800" b="0" i="0" dirty="0">
-              <a:latin typeface="나눔바른고딕OTF Light" pitchFamily="50" charset="-127"/>
-              <a:ea typeface="나눔바른고딕OTF Light" pitchFamily="50" charset="-127"/>
-            </a:rPr>
-            <a:t>영어공부</a:t>
-          </a:r>
-          <a:endParaRPr lang="en-US" altLang="ko-KR" sz="1800" b="0" i="0" dirty="0">
-            <a:latin typeface="나눔바른고딕OTF Light" pitchFamily="50" charset="-127"/>
-            <a:ea typeface="나눔바른고딕OTF Light" pitchFamily="50" charset="-127"/>
-          </a:endParaRPr>
-        </a:p>
-      </dgm:t>
-    </dgm:pt>
-    <dgm:pt modelId="{C7CCD089-426A-4329-B443-05AF8F9E4ABC}" type="parTrans" cxnId="{B493EDDF-8330-4C88-8B05-DBDF0A72A003}">
-      <dgm:prSet/>
-      <dgm:spPr/>
-      <dgm:t>
-        <a:bodyPr/>
-        <a:lstStyle/>
-        <a:p>
-          <a:pPr latinLnBrk="1"/>
-          <a:endParaRPr lang="ko-KR" altLang="en-US"/>
-        </a:p>
-      </dgm:t>
-    </dgm:pt>
-    <dgm:pt modelId="{C37DB455-3072-4241-863A-47339D431CAD}" type="sibTrans" cxnId="{B493EDDF-8330-4C88-8B05-DBDF0A72A003}">
-      <dgm:prSet/>
-      <dgm:spPr/>
-      <dgm:t>
-        <a:bodyPr/>
-        <a:lstStyle/>
-        <a:p>
-          <a:pPr latinLnBrk="1"/>
-          <a:endParaRPr lang="ko-KR" altLang="en-US"/>
-        </a:p>
-      </dgm:t>
-    </dgm:pt>
-    <dgm:pt modelId="{9F07C9D1-C548-4D7B-BC45-AEEA924039DF}">
-      <dgm:prSet custT="1"/>
-      <dgm:spPr>
-        <a:ln w="3175">
-          <a:solidFill>
-            <a:schemeClr val="tx1"/>
-          </a:solidFill>
-        </a:ln>
-      </dgm:spPr>
-      <dgm:t>
-        <a:bodyPr/>
-        <a:lstStyle/>
-        <a:p>
-          <a:pPr latinLnBrk="1"/>
-          <a:r>
-            <a:rPr lang="ko-KR" altLang="en-US" sz="1800" b="0" i="0" dirty="0">
-              <a:latin typeface="나눔바른고딕OTF Light" pitchFamily="50" charset="-127"/>
-              <a:ea typeface="나눔바른고딕OTF Light" pitchFamily="50" charset="-127"/>
-            </a:rPr>
-            <a:t>여행이야기</a:t>
-          </a:r>
-        </a:p>
-      </dgm:t>
-    </dgm:pt>
-    <dgm:pt modelId="{AE4A5FB9-EC46-45DD-B3D1-AC5CFD814FF3}" type="parTrans" cxnId="{17F2784A-30AD-47B9-8781-84A40AFE35DF}">
-      <dgm:prSet/>
-      <dgm:spPr/>
-      <dgm:t>
-        <a:bodyPr/>
-        <a:lstStyle/>
-        <a:p>
-          <a:pPr latinLnBrk="1"/>
-          <a:endParaRPr lang="ko-KR" altLang="en-US"/>
-        </a:p>
-      </dgm:t>
-    </dgm:pt>
-    <dgm:pt modelId="{606C27D1-3158-45B2-8DCC-0BE27B529EEC}" type="sibTrans" cxnId="{17F2784A-30AD-47B9-8781-84A40AFE35DF}">
-      <dgm:prSet/>
-      <dgm:spPr/>
-      <dgm:t>
-        <a:bodyPr/>
-        <a:lstStyle/>
-        <a:p>
-          <a:pPr latinLnBrk="1"/>
-          <a:endParaRPr lang="ko-KR" altLang="en-US"/>
-        </a:p>
-      </dgm:t>
-    </dgm:pt>
-    <dgm:pt modelId="{9F3A254E-2783-4F29-91BB-F290AD58F11A}">
-      <dgm:prSet phldrT="[텍스트]" custT="1"/>
-      <dgm:spPr>
-        <a:ln w="3175">
-          <a:solidFill>
-            <a:schemeClr val="tx1"/>
-          </a:solidFill>
-        </a:ln>
-      </dgm:spPr>
-      <dgm:t>
-        <a:bodyPr/>
-        <a:lstStyle/>
-        <a:p>
-          <a:pPr latinLnBrk="1"/>
-          <a:r>
-            <a:rPr lang="ko-KR" altLang="en-US" sz="1800" b="0" dirty="0">
-              <a:latin typeface="나눔바른고딕OTF Light" pitchFamily="50" charset="-127"/>
-              <a:ea typeface="나눔바른고딕OTF Light" pitchFamily="50" charset="-127"/>
-            </a:rPr>
-            <a:t>대외활동</a:t>
-          </a:r>
-        </a:p>
-      </dgm:t>
-    </dgm:pt>
-    <dgm:pt modelId="{DAC89E9C-4B61-4BDD-8A58-5B37D0C1DF4C}" type="parTrans" cxnId="{D12C4395-BA01-4257-9C48-E60136A0B040}">
-      <dgm:prSet/>
-      <dgm:spPr/>
-      <dgm:t>
-        <a:bodyPr/>
-        <a:lstStyle/>
-        <a:p>
-          <a:pPr latinLnBrk="1"/>
-          <a:endParaRPr lang="ko-KR" altLang="en-US"/>
-        </a:p>
-      </dgm:t>
-    </dgm:pt>
-    <dgm:pt modelId="{E54DCB18-FF2B-498F-8F80-E97E7EC1B72F}" type="sibTrans" cxnId="{D12C4395-BA01-4257-9C48-E60136A0B040}">
-      <dgm:prSet/>
-      <dgm:spPr/>
-      <dgm:t>
-        <a:bodyPr/>
-        <a:lstStyle/>
-        <a:p>
-          <a:pPr latinLnBrk="1"/>
-          <a:endParaRPr lang="ko-KR" altLang="en-US"/>
-        </a:p>
-      </dgm:t>
-    </dgm:pt>
-    <dgm:pt modelId="{E9F0536C-68BD-47C8-B115-C742533E974C}" type="pres">
-      <dgm:prSet presAssocID="{977849C3-A982-461A-87F6-9FE7DCCE99FB}" presName="matrix" presStyleCnt="0">
-        <dgm:presLayoutVars>
-          <dgm:chMax val="1"/>
-          <dgm:dir/>
-          <dgm:resizeHandles val="exact"/>
-        </dgm:presLayoutVars>
-      </dgm:prSet>
-      <dgm:spPr/>
-    </dgm:pt>
-    <dgm:pt modelId="{70958335-64AD-4D5A-AE6D-8DE1E46F5256}" type="pres">
-      <dgm:prSet presAssocID="{977849C3-A982-461A-87F6-9FE7DCCE99FB}" presName="diamond" presStyleLbl="bgShp" presStyleIdx="0" presStyleCnt="1"/>
-      <dgm:spPr/>
-    </dgm:pt>
-    <dgm:pt modelId="{33BA69A0-DBF1-416F-91AF-2A4C8850BED1}" type="pres">
-      <dgm:prSet presAssocID="{977849C3-A982-461A-87F6-9FE7DCCE99FB}" presName="quad1" presStyleLbl="node1" presStyleIdx="0" presStyleCnt="4">
-        <dgm:presLayoutVars>
-          <dgm:chMax val="0"/>
-          <dgm:chPref val="0"/>
-          <dgm:bulletEnabled val="1"/>
-        </dgm:presLayoutVars>
-      </dgm:prSet>
-      <dgm:spPr/>
-    </dgm:pt>
-    <dgm:pt modelId="{58E631D3-A19F-4C89-8A89-B5C0E2D129C4}" type="pres">
-      <dgm:prSet presAssocID="{977849C3-A982-461A-87F6-9FE7DCCE99FB}" presName="quad2" presStyleLbl="node1" presStyleIdx="1" presStyleCnt="4">
-        <dgm:presLayoutVars>
-          <dgm:chMax val="0"/>
-          <dgm:chPref val="0"/>
-          <dgm:bulletEnabled val="1"/>
-        </dgm:presLayoutVars>
-      </dgm:prSet>
-      <dgm:spPr/>
-    </dgm:pt>
-    <dgm:pt modelId="{7BABC400-E84B-4493-A900-75E9AACF2914}" type="pres">
-      <dgm:prSet presAssocID="{977849C3-A982-461A-87F6-9FE7DCCE99FB}" presName="quad3" presStyleLbl="node1" presStyleIdx="2" presStyleCnt="4">
-        <dgm:presLayoutVars>
-          <dgm:chMax val="0"/>
-          <dgm:chPref val="0"/>
-          <dgm:bulletEnabled val="1"/>
-        </dgm:presLayoutVars>
-      </dgm:prSet>
-      <dgm:spPr/>
-    </dgm:pt>
-    <dgm:pt modelId="{14B68422-94DE-49E5-8BEE-8631FCEB91F8}" type="pres">
-      <dgm:prSet presAssocID="{977849C3-A982-461A-87F6-9FE7DCCE99FB}" presName="quad4" presStyleLbl="node1" presStyleIdx="3" presStyleCnt="4">
-        <dgm:presLayoutVars>
-          <dgm:chMax val="0"/>
-          <dgm:chPref val="0"/>
-          <dgm:bulletEnabled val="1"/>
-        </dgm:presLayoutVars>
-      </dgm:prSet>
-      <dgm:spPr/>
-    </dgm:pt>
-  </dgm:ptLst>
-  <dgm:cxnLst>
-    <dgm:cxn modelId="{67DC581E-5F8A-41FE-9B63-BB7D8EE05165}" type="presOf" srcId="{9F07C9D1-C548-4D7B-BC45-AEEA924039DF}" destId="{14B68422-94DE-49E5-8BEE-8631FCEB91F8}" srcOrd="0" destOrd="0" presId="urn:microsoft.com/office/officeart/2005/8/layout/matrix3"/>
-    <dgm:cxn modelId="{17F2784A-30AD-47B9-8781-84A40AFE35DF}" srcId="{977849C3-A982-461A-87F6-9FE7DCCE99FB}" destId="{9F07C9D1-C548-4D7B-BC45-AEEA924039DF}" srcOrd="3" destOrd="0" parTransId="{AE4A5FB9-EC46-45DD-B3D1-AC5CFD814FF3}" sibTransId="{606C27D1-3158-45B2-8DCC-0BE27B529EEC}"/>
-    <dgm:cxn modelId="{A845AA4F-D75D-4341-9C44-11025FAE76B0}" srcId="{977849C3-A982-461A-87F6-9FE7DCCE99FB}" destId="{24B8FF49-FF69-4DFA-A4AC-AC6389E47A09}" srcOrd="0" destOrd="0" parTransId="{90B73C88-A10F-4984-9128-029E74C9D3AF}" sibTransId="{055C6470-7C52-458B-81FE-7B9F1044D0E3}"/>
-    <dgm:cxn modelId="{D12C4395-BA01-4257-9C48-E60136A0B040}" srcId="{977849C3-A982-461A-87F6-9FE7DCCE99FB}" destId="{9F3A254E-2783-4F29-91BB-F290AD58F11A}" srcOrd="1" destOrd="0" parTransId="{DAC89E9C-4B61-4BDD-8A58-5B37D0C1DF4C}" sibTransId="{E54DCB18-FF2B-498F-8F80-E97E7EC1B72F}"/>
-    <dgm:cxn modelId="{8F8D28BE-81EA-4762-A0AF-8AD277B12A41}" type="presOf" srcId="{60F725FC-16A8-4614-AFE8-8143E01EF0CC}" destId="{7BABC400-E84B-4493-A900-75E9AACF2914}" srcOrd="0" destOrd="0" presId="urn:microsoft.com/office/officeart/2005/8/layout/matrix3"/>
-    <dgm:cxn modelId="{0CFDE5C2-3C57-4E29-B98A-B016EC99BE70}" type="presOf" srcId="{24B8FF49-FF69-4DFA-A4AC-AC6389E47A09}" destId="{33BA69A0-DBF1-416F-91AF-2A4C8850BED1}" srcOrd="0" destOrd="0" presId="urn:microsoft.com/office/officeart/2005/8/layout/matrix3"/>
-    <dgm:cxn modelId="{249BDCC4-165D-4ED7-B9D2-9F3D44D2B5F1}" type="presOf" srcId="{977849C3-A982-461A-87F6-9FE7DCCE99FB}" destId="{E9F0536C-68BD-47C8-B115-C742533E974C}" srcOrd="0" destOrd="0" presId="urn:microsoft.com/office/officeart/2005/8/layout/matrix3"/>
-    <dgm:cxn modelId="{B493EDDF-8330-4C88-8B05-DBDF0A72A003}" srcId="{977849C3-A982-461A-87F6-9FE7DCCE99FB}" destId="{60F725FC-16A8-4614-AFE8-8143E01EF0CC}" srcOrd="2" destOrd="0" parTransId="{C7CCD089-426A-4329-B443-05AF8F9E4ABC}" sibTransId="{C37DB455-3072-4241-863A-47339D431CAD}"/>
-    <dgm:cxn modelId="{F09E10F0-95AF-40A3-8405-4F81C4F15400}" type="presOf" srcId="{9F3A254E-2783-4F29-91BB-F290AD58F11A}" destId="{58E631D3-A19F-4C89-8A89-B5C0E2D129C4}" srcOrd="0" destOrd="0" presId="urn:microsoft.com/office/officeart/2005/8/layout/matrix3"/>
-    <dgm:cxn modelId="{D6CBBD59-8652-46D8-9560-B0FC0FB8BB08}" type="presParOf" srcId="{E9F0536C-68BD-47C8-B115-C742533E974C}" destId="{70958335-64AD-4D5A-AE6D-8DE1E46F5256}" srcOrd="0" destOrd="0" presId="urn:microsoft.com/office/officeart/2005/8/layout/matrix3"/>
-    <dgm:cxn modelId="{AAC63C30-EB4C-4FFC-B030-AC74A6EEA8FE}" type="presParOf" srcId="{E9F0536C-68BD-47C8-B115-C742533E974C}" destId="{33BA69A0-DBF1-416F-91AF-2A4C8850BED1}" srcOrd="1" destOrd="0" presId="urn:microsoft.com/office/officeart/2005/8/layout/matrix3"/>
-    <dgm:cxn modelId="{7CCCC4F1-FAE0-4931-BA52-2DC28629C18F}" type="presParOf" srcId="{E9F0536C-68BD-47C8-B115-C742533E974C}" destId="{58E631D3-A19F-4C89-8A89-B5C0E2D129C4}" srcOrd="2" destOrd="0" presId="urn:microsoft.com/office/officeart/2005/8/layout/matrix3"/>
-    <dgm:cxn modelId="{B98A1300-DB75-433D-8B7D-C2CFFB37E67A}" type="presParOf" srcId="{E9F0536C-68BD-47C8-B115-C742533E974C}" destId="{7BABC400-E84B-4493-A900-75E9AACF2914}" srcOrd="3" destOrd="0" presId="urn:microsoft.com/office/officeart/2005/8/layout/matrix3"/>
-    <dgm:cxn modelId="{32416303-86C7-425B-A83B-C7B1DF949E6A}" type="presParOf" srcId="{E9F0536C-68BD-47C8-B115-C742533E974C}" destId="{14B68422-94DE-49E5-8BEE-8631FCEB91F8}" srcOrd="4" destOrd="0" presId="urn:microsoft.com/office/officeart/2005/8/layout/matrix3"/>
-  </dgm:cxnLst>
-  <dgm:bg>
-    <a:noFill/>
-  </dgm:bg>
-  <dgm:whole/>
-  <dgm:extLst>
-    <a:ext uri="http://schemas.microsoft.com/office/drawing/2008/diagram">
-      <dsp:dataModelExt xmlns:dsp="http://schemas.microsoft.com/office/drawing/2008/diagram" relId="rId7" minVer="http://schemas.openxmlformats.org/drawingml/2006/diagram"/>
-    </a:ext>
-  </dgm:extLst>
-</dgm:dataModel>
-</file>
-
-<file path=ppt/diagrams/drawing1.xml><?xml version="1.0" encoding="utf-8"?>
-<dsp:drawing xmlns:dgm="http://schemas.openxmlformats.org/drawingml/2006/diagram" xmlns:dsp="http://schemas.microsoft.com/office/drawing/2008/diagram" xmlns:a="http://schemas.openxmlformats.org/drawingml/2006/main">
-  <dsp:spTree>
-    <dsp:nvGrpSpPr>
-      <dsp:cNvPr id="0" name=""/>
-      <dsp:cNvGrpSpPr/>
-    </dsp:nvGrpSpPr>
-    <dsp:grpSpPr/>
-    <dsp:sp modelId="{70958335-64AD-4D5A-AE6D-8DE1E46F5256}">
-      <dsp:nvSpPr>
-        <dsp:cNvPr id="0" name=""/>
-        <dsp:cNvSpPr/>
-      </dsp:nvSpPr>
-      <dsp:spPr>
-        <a:xfrm>
-          <a:off x="904043" y="0"/>
-          <a:ext cx="3760192" cy="3760192"/>
-        </a:xfrm>
-        <a:prstGeom prst="diamond">
-          <a:avLst/>
-        </a:prstGeom>
-        <a:solidFill>
-          <a:schemeClr val="dk1">
-            <a:tint val="40000"/>
-            <a:hueOff val="0"/>
-            <a:satOff val="0"/>
-            <a:lumOff val="0"/>
-            <a:alphaOff val="0"/>
-          </a:schemeClr>
-        </a:solidFill>
-        <a:ln>
-          <a:noFill/>
-        </a:ln>
-        <a:effectLst/>
-      </dsp:spPr>
-      <dsp:style>
-        <a:lnRef idx="0">
-          <a:scrgbClr r="0" g="0" b="0"/>
-        </a:lnRef>
-        <a:fillRef idx="1">
-          <a:scrgbClr r="0" g="0" b="0"/>
-        </a:fillRef>
-        <a:effectRef idx="0">
-          <a:scrgbClr r="0" g="0" b="0"/>
-        </a:effectRef>
-        <a:fontRef idx="minor"/>
-      </dsp:style>
-    </dsp:sp>
-    <dsp:sp modelId="{33BA69A0-DBF1-416F-91AF-2A4C8850BED1}">
-      <dsp:nvSpPr>
-        <dsp:cNvPr id="0" name=""/>
-        <dsp:cNvSpPr/>
-      </dsp:nvSpPr>
-      <dsp:spPr>
-        <a:xfrm>
-          <a:off x="1261262" y="357218"/>
-          <a:ext cx="1466474" cy="1466474"/>
-        </a:xfrm>
-        <a:prstGeom prst="roundRect">
-          <a:avLst/>
-        </a:prstGeom>
-        <a:solidFill>
-          <a:schemeClr val="lt1">
-            <a:hueOff val="0"/>
-            <a:satOff val="0"/>
-            <a:lumOff val="0"/>
-            <a:alphaOff val="0"/>
-          </a:schemeClr>
-        </a:solidFill>
-        <a:ln w="3175" cap="flat" cmpd="sng" algn="ctr">
-          <a:solidFill>
-            <a:schemeClr val="tx1"/>
-          </a:solidFill>
-          <a:prstDash val="solid"/>
-        </a:ln>
-        <a:effectLst/>
-      </dsp:spPr>
-      <dsp:style>
-        <a:lnRef idx="2">
-          <a:scrgbClr r="0" g="0" b="0"/>
-        </a:lnRef>
-        <a:fillRef idx="1">
-          <a:scrgbClr r="0" g="0" b="0"/>
-        </a:fillRef>
-        <a:effectRef idx="0">
-          <a:scrgbClr r="0" g="0" b="0"/>
-        </a:effectRef>
-        <a:fontRef idx="minor">
-          <a:schemeClr val="lt1"/>
-        </a:fontRef>
-      </dsp:style>
-      <dsp:txBody>
-        <a:bodyPr spcFirstLastPara="0" vert="horz" wrap="square" lIns="68580" tIns="68580" rIns="68580" bIns="68580" numCol="1" spcCol="1270" anchor="ctr" anchorCtr="0">
-          <a:noAutofit/>
-        </a:bodyPr>
-        <a:lstStyle/>
-        <a:p>
-          <a:pPr marL="0" lvl="0" indent="0" algn="ctr" defTabSz="800100" latinLnBrk="1">
-            <a:lnSpc>
-              <a:spcPct val="90000"/>
-            </a:lnSpc>
-            <a:spcBef>
-              <a:spcPct val="0"/>
-            </a:spcBef>
-            <a:spcAft>
-              <a:spcPct val="35000"/>
-            </a:spcAft>
-            <a:buNone/>
-          </a:pPr>
-          <a:r>
-            <a:rPr lang="en-US" altLang="ko-KR" sz="1800" b="0" kern="1200" dirty="0">
-              <a:latin typeface="나눔바른고딕OTF Light" pitchFamily="50" charset="-127"/>
-              <a:ea typeface="나눔바른고딕OTF Light" pitchFamily="50" charset="-127"/>
-            </a:rPr>
-            <a:t>PPT</a:t>
-          </a:r>
-          <a:r>
-            <a:rPr lang="ko-KR" altLang="en-US" sz="1800" b="0" kern="1200" dirty="0">
-              <a:latin typeface="나눔바른고딕OTF Light" pitchFamily="50" charset="-127"/>
-              <a:ea typeface="나눔바른고딕OTF Light" pitchFamily="50" charset="-127"/>
-            </a:rPr>
-            <a:t>템플릿</a:t>
-          </a:r>
-        </a:p>
-      </dsp:txBody>
-      <dsp:txXfrm>
-        <a:off x="1261262" y="357218"/>
-        <a:ext cx="1466474" cy="1466474"/>
-      </dsp:txXfrm>
-    </dsp:sp>
-    <dsp:sp modelId="{58E631D3-A19F-4C89-8A89-B5C0E2D129C4}">
-      <dsp:nvSpPr>
-        <dsp:cNvPr id="0" name=""/>
-        <dsp:cNvSpPr/>
-      </dsp:nvSpPr>
-      <dsp:spPr>
-        <a:xfrm>
-          <a:off x="2840542" y="357218"/>
-          <a:ext cx="1466474" cy="1466474"/>
-        </a:xfrm>
-        <a:prstGeom prst="roundRect">
-          <a:avLst/>
-        </a:prstGeom>
-        <a:solidFill>
-          <a:schemeClr val="lt1">
-            <a:hueOff val="0"/>
-            <a:satOff val="0"/>
-            <a:lumOff val="0"/>
-            <a:alphaOff val="0"/>
-          </a:schemeClr>
-        </a:solidFill>
-        <a:ln w="3175" cap="flat" cmpd="sng" algn="ctr">
-          <a:solidFill>
-            <a:schemeClr val="tx1"/>
-          </a:solidFill>
-          <a:prstDash val="solid"/>
-        </a:ln>
-        <a:effectLst/>
-      </dsp:spPr>
-      <dsp:style>
-        <a:lnRef idx="2">
-          <a:scrgbClr r="0" g="0" b="0"/>
-        </a:lnRef>
-        <a:fillRef idx="1">
-          <a:scrgbClr r="0" g="0" b="0"/>
-        </a:fillRef>
-        <a:effectRef idx="0">
-          <a:scrgbClr r="0" g="0" b="0"/>
-        </a:effectRef>
-        <a:fontRef idx="minor">
-          <a:schemeClr val="lt1"/>
-        </a:fontRef>
-      </dsp:style>
-      <dsp:txBody>
-        <a:bodyPr spcFirstLastPara="0" vert="horz" wrap="square" lIns="68580" tIns="68580" rIns="68580" bIns="68580" numCol="1" spcCol="1270" anchor="ctr" anchorCtr="0">
-          <a:noAutofit/>
-        </a:bodyPr>
-        <a:lstStyle/>
-        <a:p>
-          <a:pPr marL="0" lvl="0" indent="0" algn="ctr" defTabSz="800100" latinLnBrk="1">
-            <a:lnSpc>
-              <a:spcPct val="90000"/>
-            </a:lnSpc>
-            <a:spcBef>
-              <a:spcPct val="0"/>
-            </a:spcBef>
-            <a:spcAft>
-              <a:spcPct val="35000"/>
-            </a:spcAft>
-            <a:buNone/>
-          </a:pPr>
-          <a:r>
-            <a:rPr lang="ko-KR" altLang="en-US" sz="1800" b="0" kern="1200" dirty="0">
-              <a:latin typeface="나눔바른고딕OTF Light" pitchFamily="50" charset="-127"/>
-              <a:ea typeface="나눔바른고딕OTF Light" pitchFamily="50" charset="-127"/>
-            </a:rPr>
-            <a:t>대외활동</a:t>
-          </a:r>
-        </a:p>
-      </dsp:txBody>
-      <dsp:txXfrm>
-        <a:off x="2840542" y="357218"/>
-        <a:ext cx="1466474" cy="1466474"/>
-      </dsp:txXfrm>
-    </dsp:sp>
-    <dsp:sp modelId="{7BABC400-E84B-4493-A900-75E9AACF2914}">
-      <dsp:nvSpPr>
-        <dsp:cNvPr id="0" name=""/>
-        <dsp:cNvSpPr/>
-      </dsp:nvSpPr>
-      <dsp:spPr>
-        <a:xfrm>
-          <a:off x="1261262" y="1936498"/>
-          <a:ext cx="1466474" cy="1466474"/>
-        </a:xfrm>
-        <a:prstGeom prst="roundRect">
-          <a:avLst/>
-        </a:prstGeom>
-        <a:solidFill>
-          <a:schemeClr val="lt1">
-            <a:hueOff val="0"/>
-            <a:satOff val="0"/>
-            <a:lumOff val="0"/>
-            <a:alphaOff val="0"/>
-          </a:schemeClr>
-        </a:solidFill>
-        <a:ln w="3175" cap="flat" cmpd="sng" algn="ctr">
-          <a:solidFill>
-            <a:schemeClr val="tx1"/>
-          </a:solidFill>
-          <a:prstDash val="solid"/>
-        </a:ln>
-        <a:effectLst/>
-      </dsp:spPr>
-      <dsp:style>
-        <a:lnRef idx="2">
-          <a:scrgbClr r="0" g="0" b="0"/>
-        </a:lnRef>
-        <a:fillRef idx="1">
-          <a:scrgbClr r="0" g="0" b="0"/>
-        </a:fillRef>
-        <a:effectRef idx="0">
-          <a:scrgbClr r="0" g="0" b="0"/>
-        </a:effectRef>
-        <a:fontRef idx="minor">
-          <a:schemeClr val="lt1"/>
-        </a:fontRef>
-      </dsp:style>
-      <dsp:txBody>
-        <a:bodyPr spcFirstLastPara="0" vert="horz" wrap="square" lIns="68580" tIns="68580" rIns="68580" bIns="68580" numCol="1" spcCol="1270" anchor="ctr" anchorCtr="0">
-          <a:noAutofit/>
-        </a:bodyPr>
-        <a:lstStyle/>
-        <a:p>
-          <a:pPr marL="0" lvl="0" indent="0" algn="ctr" defTabSz="800100" latinLnBrk="1">
-            <a:lnSpc>
-              <a:spcPct val="90000"/>
-            </a:lnSpc>
-            <a:spcBef>
-              <a:spcPct val="0"/>
-            </a:spcBef>
-            <a:spcAft>
-              <a:spcPct val="35000"/>
-            </a:spcAft>
-            <a:buNone/>
-          </a:pPr>
-          <a:r>
-            <a:rPr lang="ko-KR" altLang="en-US" sz="1800" b="0" i="0" kern="1200" dirty="0">
-              <a:latin typeface="나눔바른고딕OTF Light" pitchFamily="50" charset="-127"/>
-              <a:ea typeface="나눔바른고딕OTF Light" pitchFamily="50" charset="-127"/>
-            </a:rPr>
-            <a:t>영어공부</a:t>
-          </a:r>
-          <a:endParaRPr lang="en-US" altLang="ko-KR" sz="1800" b="0" i="0" kern="1200" dirty="0">
-            <a:latin typeface="나눔바른고딕OTF Light" pitchFamily="50" charset="-127"/>
-            <a:ea typeface="나눔바른고딕OTF Light" pitchFamily="50" charset="-127"/>
-          </a:endParaRPr>
-        </a:p>
-      </dsp:txBody>
-      <dsp:txXfrm>
-        <a:off x="1261262" y="1936498"/>
-        <a:ext cx="1466474" cy="1466474"/>
-      </dsp:txXfrm>
-    </dsp:sp>
-    <dsp:sp modelId="{14B68422-94DE-49E5-8BEE-8631FCEB91F8}">
-      <dsp:nvSpPr>
-        <dsp:cNvPr id="0" name=""/>
-        <dsp:cNvSpPr/>
-      </dsp:nvSpPr>
-      <dsp:spPr>
-        <a:xfrm>
-          <a:off x="2840542" y="1936498"/>
-          <a:ext cx="1466474" cy="1466474"/>
-        </a:xfrm>
-        <a:prstGeom prst="roundRect">
-          <a:avLst/>
-        </a:prstGeom>
-        <a:solidFill>
-          <a:schemeClr val="lt1">
-            <a:hueOff val="0"/>
-            <a:satOff val="0"/>
-            <a:lumOff val="0"/>
-            <a:alphaOff val="0"/>
-          </a:schemeClr>
-        </a:solidFill>
-        <a:ln w="3175" cap="flat" cmpd="sng" algn="ctr">
-          <a:solidFill>
-            <a:schemeClr val="tx1"/>
-          </a:solidFill>
-          <a:prstDash val="solid"/>
-        </a:ln>
-        <a:effectLst/>
-      </dsp:spPr>
-      <dsp:style>
-        <a:lnRef idx="2">
-          <a:scrgbClr r="0" g="0" b="0"/>
-        </a:lnRef>
-        <a:fillRef idx="1">
-          <a:scrgbClr r="0" g="0" b="0"/>
-        </a:fillRef>
-        <a:effectRef idx="0">
-          <a:scrgbClr r="0" g="0" b="0"/>
-        </a:effectRef>
-        <a:fontRef idx="minor">
-          <a:schemeClr val="lt1"/>
-        </a:fontRef>
-      </dsp:style>
-      <dsp:txBody>
-        <a:bodyPr spcFirstLastPara="0" vert="horz" wrap="square" lIns="68580" tIns="68580" rIns="68580" bIns="68580" numCol="1" spcCol="1270" anchor="ctr" anchorCtr="0">
-          <a:noAutofit/>
-        </a:bodyPr>
-        <a:lstStyle/>
-        <a:p>
-          <a:pPr marL="0" lvl="0" indent="0" algn="ctr" defTabSz="800100" latinLnBrk="1">
-            <a:lnSpc>
-              <a:spcPct val="90000"/>
-            </a:lnSpc>
-            <a:spcBef>
-              <a:spcPct val="0"/>
-            </a:spcBef>
-            <a:spcAft>
-              <a:spcPct val="35000"/>
-            </a:spcAft>
-            <a:buNone/>
-          </a:pPr>
-          <a:r>
-            <a:rPr lang="ko-KR" altLang="en-US" sz="1800" b="0" i="0" kern="1200" dirty="0">
-              <a:latin typeface="나눔바른고딕OTF Light" pitchFamily="50" charset="-127"/>
-              <a:ea typeface="나눔바른고딕OTF Light" pitchFamily="50" charset="-127"/>
-            </a:rPr>
-            <a:t>여행이야기</a:t>
-          </a:r>
-        </a:p>
-      </dsp:txBody>
-      <dsp:txXfrm>
-        <a:off x="2840542" y="1936498"/>
-        <a:ext cx="1466474" cy="1466474"/>
-      </dsp:txXfrm>
-    </dsp:sp>
-  </dsp:spTree>
-</dsp:drawing>
-</file>
-
-<file path=ppt/diagrams/layout1.xml><?xml version="1.0" encoding="utf-8"?>
-<dgm:layoutDef xmlns:dgm="http://schemas.openxmlformats.org/drawingml/2006/diagram" xmlns:a="http://schemas.openxmlformats.org/drawingml/2006/main" uniqueId="urn:microsoft.com/office/officeart/2005/8/layout/matrix3">
-  <dgm:title val=""/>
-  <dgm:desc val=""/>
-  <dgm:catLst>
-    <dgm:cat type="matrix" pri="1000"/>
-    <dgm:cat type="convert" pri="18000"/>
-  </dgm:catLst>
-  <dgm:sampData>
-    <dgm:dataModel>
-      <dgm:ptLst>
-        <dgm:pt modelId="0" type="doc"/>
-        <dgm:pt modelId="1">
-          <dgm:prSet phldr="1"/>
-        </dgm:pt>
-        <dgm:pt modelId="2">
-          <dgm:prSet phldr="1"/>
-        </dgm:pt>
-        <dgm:pt modelId="3">
-          <dgm:prSet phldr="1"/>
-        </dgm:pt>
-        <dgm:pt modelId="4">
-          <dgm:prSet phldr="1"/>
-        </dgm:pt>
-      </dgm:ptLst>
-      <dgm:cxnLst>
-        <dgm:cxn modelId="5" srcId="0" destId="1" srcOrd="0" destOrd="0"/>
-        <dgm:cxn modelId="6" srcId="0" destId="2" srcOrd="1" destOrd="0"/>
-        <dgm:cxn modelId="7" srcId="0" destId="3" srcOrd="0" destOrd="0"/>
-        <dgm:cxn modelId="8" srcId="0" destId="4" srcOrd="1" destOrd="0"/>
-      </dgm:cxnLst>
-      <dgm:bg/>
-      <dgm:whole/>
-    </dgm:dataModel>
-  </dgm:sampData>
-  <dgm:styleData useDef="1">
-    <dgm:dataModel>
-      <dgm:ptLst/>
-      <dgm:bg/>
-      <dgm:whole/>
-    </dgm:dataModel>
-  </dgm:styleData>
-  <dgm:clrData useDef="1">
-    <dgm:dataModel>
-      <dgm:ptLst/>
-      <dgm:bg/>
-      <dgm:whole/>
-    </dgm:dataModel>
-  </dgm:clrData>
-  <dgm:layoutNode name="matrix">
-    <dgm:varLst>
-      <dgm:chMax val="1"/>
-      <dgm:dir/>
-      <dgm:resizeHandles val="exact"/>
-    </dgm:varLst>
-    <dgm:alg type="composite">
-      <dgm:param type="ar" val="1"/>
-    </dgm:alg>
-    <dgm:shape xmlns:r="http://schemas.openxmlformats.org/officeDocument/2006/relationships" r:blip="">
-      <dgm:adjLst/>
-    </dgm:shape>
-    <dgm:presOf/>
-    <dgm:choose name="Name0">
-      <dgm:if name="Name1" func="var" arg="dir" op="equ" val="norm">
-        <dgm:constrLst>
-          <dgm:constr type="w" for="ch" forName="diamond" refType="w"/>
-          <dgm:constr type="h" for="ch" forName="diamond" refType="h"/>
-          <dgm:constr type="w" for="ch" forName="quad1" refType="w" fact="0.39"/>
-          <dgm:constr type="h" for="ch" forName="quad1" refType="h" fact="0.39"/>
-          <dgm:constr type="ctrX" for="ch" forName="quad1" refType="w" fact="0.29"/>
-          <dgm:constr type="ctrY" for="ch" forName="quad1" refType="h" fact="0.29"/>
-          <dgm:constr type="w" for="ch" forName="quad2" refType="w" fact="0.39"/>
-          <dgm:constr type="h" for="ch" forName="quad2" refType="h" fact="0.39"/>
-          <dgm:constr type="ctrX" for="ch" forName="quad2" refType="w" fact="0.71"/>
-          <dgm:constr type="ctrY" for="ch" forName="quad2" refType="h" fact="0.29"/>
-          <dgm:constr type="w" for="ch" forName="quad3" refType="w" fact="0.39"/>
-          <dgm:constr type="h" for="ch" forName="quad3" refType="h" fact="0.39"/>
-          <dgm:constr type="ctrX" for="ch" forName="quad3" refType="w" fact="0.29"/>
-          <dgm:constr type="ctrY" for="ch" forName="quad3" refType="h" fact="0.71"/>
-          <dgm:constr type="w" for="ch" forName="quad4" refType="w" fact="0.39"/>
-          <dgm:constr type="h" for="ch" forName="quad4" refType="h" fact="0.39"/>
-          <dgm:constr type="ctrX" for="ch" forName="quad4" refType="w" fact="0.71"/>
-          <dgm:constr type="ctrY" for="ch" forName="quad4" refType="h" fact="0.71"/>
-          <dgm:constr type="primFontSz" for="des" ptType="node" op="equ" val="65"/>
-        </dgm:constrLst>
-      </dgm:if>
-      <dgm:else name="Name2">
-        <dgm:constrLst>
-          <dgm:constr type="w" for="ch" forName="diamond" refType="w"/>
-          <dgm:constr type="h" for="ch" forName="diamond" refType="h"/>
-          <dgm:constr type="w" for="ch" forName="quad1" refType="w" fact="0.39"/>
-          <dgm:constr type="h" for="ch" forName="quad1" refType="h" fact="0.39"/>
-          <dgm:constr type="ctrX" for="ch" forName="quad1" refType="w" fact="0.71"/>
-          <dgm:constr type="ctrY" for="ch" forName="quad1" refType="h" fact="0.29"/>
-          <dgm:constr type="w" for="ch" forName="quad2" refType="w" fact="0.39"/>
-          <dgm:constr type="h" for="ch" forName="quad2" refType="h" fact="0.39"/>
-          <dgm:constr type="ctrX" for="ch" forName="quad2" refType="w" fact="0.29"/>
-          <dgm:constr type="ctrY" for="ch" forName="quad2" refType="h" fact="0.29"/>
-          <dgm:constr type="w" for="ch" forName="quad3" refType="w" fact="0.39"/>
-          <dgm:constr type="h" for="ch" forName="quad3" refType="h" fact="0.39"/>
-          <dgm:constr type="ctrX" for="ch" forName="quad3" refType="w" fact="0.71"/>
-          <dgm:constr type="ctrY" for="ch" forName="quad3" refType="h" fact="0.71"/>
-          <dgm:constr type="w" for="ch" forName="quad4" refType="w" fact="0.39"/>
-          <dgm:constr type="h" for="ch" forName="quad4" refType="h" fact="0.39"/>
-          <dgm:constr type="ctrX" for="ch" forName="quad4" refType="w" fact="0.29"/>
-          <dgm:constr type="ctrY" for="ch" forName="quad4" refType="h" fact="0.71"/>
-          <dgm:constr type="primFontSz" for="des" ptType="node" op="equ" val="65"/>
-        </dgm:constrLst>
-      </dgm:else>
-    </dgm:choose>
-    <dgm:ruleLst/>
-    <dgm:choose name="Name3">
-      <dgm:if name="Name4" axis="ch" ptType="node" func="cnt" op="gte" val="1">
-        <dgm:layoutNode name="diamond" styleLbl="bgShp">
-          <dgm:alg type="sp"/>
-          <dgm:shape xmlns:r="http://schemas.openxmlformats.org/officeDocument/2006/relationships" type="diamond" r:blip="">
-            <dgm:adjLst/>
-          </dgm:shape>
-          <dgm:presOf/>
-          <dgm:constrLst>
-            <dgm:constr type="w" refType="h" op="equ"/>
-          </dgm:constrLst>
-          <dgm:ruleLst/>
-        </dgm:layoutNode>
-        <dgm:layoutNode name="quad1">
-          <dgm:varLst>
-            <dgm:chMax val="0"/>
-            <dgm:chPref val="0"/>
-            <dgm:bulletEnabled val="1"/>
-          </dgm:varLst>
-          <dgm:alg type="tx"/>
-          <dgm:shape xmlns:r="http://schemas.openxmlformats.org/officeDocument/2006/relationships" type="roundRect" r:blip="">
-            <dgm:adjLst/>
-          </dgm:shape>
-          <dgm:presOf axis="ch desOrSelf" ptType="node node" st="1 1" cnt="1 0"/>
-          <dgm:constrLst>
-            <dgm:constr type="w" refType="h" op="equ"/>
-            <dgm:constr type="tMarg" refType="primFontSz" fact="0.3"/>
-            <dgm:constr type="bMarg" refType="primFontSz" fact="0.3"/>
-            <dgm:constr type="lMarg" refType="primFontSz" fact="0.3"/>
-            <dgm:constr type="rMarg" refType="primFontSz" fact="0.3"/>
-          </dgm:constrLst>
-          <dgm:ruleLst>
-            <dgm:rule type="primFontSz" val="5" fact="NaN" max="NaN"/>
-          </dgm:ruleLst>
-        </dgm:layoutNode>
-        <dgm:layoutNode name="quad2">
-          <dgm:varLst>
-            <dgm:chMax val="0"/>
-            <dgm:chPref val="0"/>
-            <dgm:bulletEnabled val="1"/>
-          </dgm:varLst>
-          <dgm:alg type="tx"/>
-          <dgm:shape xmlns:r="http://schemas.openxmlformats.org/officeDocument/2006/relationships" type="roundRect" r:blip="">
-            <dgm:adjLst/>
-          </dgm:shape>
-          <dgm:presOf axis="ch desOrSelf" ptType="node node" st="2 1" cnt="1 0"/>
-          <dgm:constrLst>
-            <dgm:constr type="w" refType="h" op="equ"/>
-            <dgm:constr type="tMarg" refType="primFontSz" fact="0.3"/>
-            <dgm:constr type="bMarg" refType="primFontSz" fact="0.3"/>
-            <dgm:constr type="lMarg" refType="primFontSz" fact="0.3"/>
-            <dgm:constr type="rMarg" refType="primFontSz" fact="0.3"/>
-          </dgm:constrLst>
-          <dgm:ruleLst>
-            <dgm:rule type="primFontSz" val="5" fact="NaN" max="NaN"/>
-          </dgm:ruleLst>
-        </dgm:layoutNode>
-        <dgm:layoutNode name="quad3">
-          <dgm:varLst>
-            <dgm:chMax val="0"/>
-            <dgm:chPref val="0"/>
-            <dgm:bulletEnabled val="1"/>
-          </dgm:varLst>
-          <dgm:alg type="tx"/>
-          <dgm:shape xmlns:r="http://schemas.openxmlformats.org/officeDocument/2006/relationships" type="roundRect" r:blip="">
-            <dgm:adjLst/>
-          </dgm:shape>
-          <dgm:presOf axis="ch desOrSelf" ptType="node node" st="3 1" cnt="1 0"/>
-          <dgm:constrLst>
-            <dgm:constr type="w" refType="h" op="equ"/>
-            <dgm:constr type="tMarg" refType="primFontSz" fact="0.3"/>
-            <dgm:constr type="bMarg" refType="primFontSz" fact="0.3"/>
-            <dgm:constr type="lMarg" refType="primFontSz" fact="0.3"/>
-            <dgm:constr type="rMarg" refType="primFontSz" fact="0.3"/>
-          </dgm:constrLst>
-          <dgm:ruleLst>
-            <dgm:rule type="primFontSz" val="5" fact="NaN" max="NaN"/>
-          </dgm:ruleLst>
-        </dgm:layoutNode>
-        <dgm:layoutNode name="quad4">
-          <dgm:varLst>
-            <dgm:chMax val="0"/>
-            <dgm:chPref val="0"/>
-            <dgm:bulletEnabled val="1"/>
-          </dgm:varLst>
-          <dgm:alg type="tx"/>
-          <dgm:shape xmlns:r="http://schemas.openxmlformats.org/officeDocument/2006/relationships" type="roundRect" r:blip="">
-            <dgm:adjLst/>
-          </dgm:shape>
-          <dgm:presOf axis="ch desOrSelf" ptType="node node" st="4 1" cnt="1 0"/>
-          <dgm:constrLst>
-            <dgm:constr type="w" refType="h" op="equ"/>
-            <dgm:constr type="tMarg" refType="primFontSz" fact="0.3"/>
-            <dgm:constr type="bMarg" refType="primFontSz" fact="0.3"/>
-            <dgm:constr type="lMarg" refType="primFontSz" fact="0.3"/>
-            <dgm:constr type="rMarg" refType="primFontSz" fact="0.3"/>
-          </dgm:constrLst>
-          <dgm:ruleLst>
-            <dgm:rule type="primFontSz" val="5" fact="NaN" max="NaN"/>
-          </dgm:ruleLst>
-        </dgm:layoutNode>
-      </dgm:if>
-      <dgm:else name="Name5"/>
-    </dgm:choose>
-  </dgm:layoutNode>
-</dgm:layoutDef>
-</file>
-
-<file path=ppt/diagrams/quickStyle1.xml><?xml version="1.0" encoding="utf-8"?>
-<dgm:styleDef xmlns:dgm="http://schemas.openxmlformats.org/drawingml/2006/diagram" xmlns:a="http://schemas.openxmlformats.org/drawingml/2006/main" uniqueId="urn:microsoft.com/office/officeart/2005/8/quickstyle/simple1">
-  <dgm:title val=""/>
-  <dgm:desc val=""/>
-  <dgm:catLst>
-    <dgm:cat type="simple" pri="10100"/>
-  </dgm:catLst>
-  <dgm:scene3d>
-    <a:camera prst="orthographicFront"/>
-    <a:lightRig rig="threePt" dir="t"/>
-  </dgm:scene3d>
-  <dgm:styleLbl name="node0">
-    <dgm:scene3d>
-      <a:camera prst="orthographicFront"/>
-      <a:lightRig rig="threePt" dir="t"/>
-    </dgm:scene3d>
-    <dgm:sp3d/>
-    <dgm:txPr/>
-    <dgm:style>
-      <a:lnRef idx="2">
-        <a:scrgbClr r="0" g="0" b="0"/>
-      </a:lnRef>
-      <a:fillRef idx="1">
-        <a:scrgbClr r="0" g="0" b="0"/>
-      </a:fillRef>
-      <a:effectRef idx="0">
-        <a:scrgbClr r="0" g="0" b="0"/>
-      </a:effectRef>
-      <a:fontRef idx="minor">
-        <a:schemeClr val="lt1"/>
-      </a:fontRef>
-    </dgm:style>
-  </dgm:styleLbl>
-  <dgm:styleLbl name="lnNode1">
-    <dgm:scene3d>
-      <a:camera prst="orthographicFront"/>
-      <a:lightRig rig="threePt" dir="t"/>
-    </dgm:scene3d>
-    <dgm:sp3d/>
-    <dgm:txPr/>
-    <dgm:style>
-      <a:lnRef idx="2">
-        <a:scrgbClr r="0" g="0" b="0"/>
-      </a:lnRef>
-      <a:fillRef idx="1">
-        <a:scrgbClr r="0" g="0" b="0"/>
-      </a:fillRef>
-      <a:effectRef idx="0">
-        <a:scrgbClr r="0" g="0" b="0"/>
-      </a:effectRef>
-      <a:fontRef idx="minor">
-        <a:schemeClr val="lt1"/>
-      </a:fontRef>
-    </dgm:style>
-  </dgm:styleLbl>
-  <dgm:styleLbl name="vennNode1">
-    <dgm:scene3d>
-      <a:camera prst="orthographicFront"/>
-      <a:lightRig rig="threePt" dir="t"/>
-    </dgm:scene3d>
-    <dgm:sp3d/>
-    <dgm:txPr/>
-    <dgm:style>
-      <a:lnRef idx="2">
-        <a:scrgbClr r="0" g="0" b="0"/>
-      </a:lnRef>
-      <a:fillRef idx="1">
-        <a:scrgbClr r="0" g="0" b="0"/>
-      </a:fillRef>
-      <a:effectRef idx="0">
-        <a:scrgbClr r="0" g="0" b="0"/>
-      </a:effectRef>
-      <a:fontRef idx="minor">
-        <a:schemeClr val="tx1"/>
-      </a:fontRef>
-    </dgm:style>
-  </dgm:styleLbl>
-  <dgm:styleLbl name="alignNode1">
-    <dgm:scene3d>
-      <a:camera prst="orthographicFront"/>
-      <a:lightRig rig="threePt" dir="t"/>
-    </dgm:scene3d>
-    <dgm:sp3d/>
-    <dgm:txPr/>
-    <dgm:style>
-      <a:lnRef idx="2">
-        <a:scrgbClr r="0" g="0" b="0"/>
-      </a:lnRef>
-      <a:fillRef idx="1">
-        <a:scrgbClr r="0" g="0" b="0"/>
-      </a:fillRef>
-      <a:effectRef idx="0">
-        <a:scrgbClr r="0" g="0" b="0"/>
-      </a:effectRef>
-      <a:fontRef idx="minor">
-        <a:schemeClr val="lt1"/>
-      </a:fontRef>
-    </dgm:style>
-  </dgm:styleLbl>
-  <dgm:styleLbl name="node1">
-    <dgm:scene3d>
-      <a:camera prst="orthographicFront"/>
-      <a:lightRig rig="threePt" dir="t"/>
-    </dgm:scene3d>
-    <dgm:sp3d/>
-    <dgm:txPr/>
-    <dgm:style>
-      <a:lnRef idx="2">
-        <a:scrgbClr r="0" g="0" b="0"/>
-      </a:lnRef>
-      <a:fillRef idx="1">
-        <a:scrgbClr r="0" g="0" b="0"/>
-      </a:fillRef>
-      <a:effectRef idx="0">
-        <a:scrgbClr r="0" g="0" b="0"/>
-      </a:effectRef>
-      <a:fontRef idx="minor">
-        <a:schemeClr val="lt1"/>
-      </a:fontRef>
-    </dgm:style>
-  </dgm:styleLbl>
-  <dgm:styleLbl name="node2">
-    <dgm:scene3d>
-      <a:camera prst="orthographicFront"/>
-      <a:lightRig rig="threePt" dir="t"/>
-    </dgm:scene3d>
-    <dgm:sp3d/>
-    <dgm:txPr/>
-    <dgm:style>
-      <a:lnRef idx="2">
-        <a:scrgbClr r="0" g="0" b="0"/>
-      </a:lnRef>
-      <a:fillRef idx="1">
-        <a:scrgbClr r="0" g="0" b="0"/>
-      </a:fillRef>
-      <a:effectRef idx="0">
-        <a:scrgbClr r="0" g="0" b="0"/>
-      </a:effectRef>
-      <a:fontRef idx="minor">
-        <a:schemeClr val="lt1"/>
-      </a:fontRef>
-    </dgm:style>
-  </dgm:styleLbl>
-  <dgm:styleLbl name="node3">
-    <dgm:scene3d>
-      <a:camera prst="orthographicFront"/>
-      <a:lightRig rig="threePt" dir="t"/>
-    </dgm:scene3d>
-    <dgm:sp3d/>
-    <dgm:txPr/>
-    <dgm:style>
-      <a:lnRef idx="2">
-        <a:scrgbClr r="0" g="0" b="0"/>
-      </a:lnRef>
-      <a:fillRef idx="1">
-        <a:scrgbClr r="0" g="0" b="0"/>
-      </a:fillRef>
-      <a:effectRef idx="0">
-        <a:scrgbClr r="0" g="0" b="0"/>
-      </a:effectRef>
-      <a:fontRef idx="minor">
-        <a:schemeClr val="lt1"/>
-      </a:fontRef>
-    </dgm:style>
-  </dgm:styleLbl>
-  <dgm:styleLbl name="node4">
-    <dgm:scene3d>
-      <a:camera prst="orthographicFront"/>
-      <a:lightRig rig="threePt" dir="t"/>
-    </dgm:scene3d>
-    <dgm:sp3d/>
-    <dgm:txPr/>
-    <dgm:style>
-      <a:lnRef idx="2">
-        <a:scrgbClr r="0" g="0" b="0"/>
-      </a:lnRef>
-      <a:fillRef idx="1">
-        <a:scrgbClr r="0" g="0" b="0"/>
-      </a:fillRef>
-      <a:effectRef idx="0">
-        <a:scrgbClr r="0" g="0" b="0"/>
-      </a:effectRef>
-      <a:fontRef idx="minor">
-        <a:schemeClr val="lt1"/>
-      </a:fontRef>
-    </dgm:style>
-  </dgm:styleLbl>
-  <dgm:styleLbl name="fgImgPlace1">
-    <dgm:scene3d>
-      <a:camera prst="orthographicFront"/>
-      <a:lightRig rig="threePt" dir="t"/>
-    </dgm:scene3d>
-    <dgm:sp3d/>
-    <dgm:txPr/>
-    <dgm:style>
-      <a:lnRef idx="2">
-        <a:scrgbClr r="0" g="0" b="0"/>
-      </a:lnRef>
-      <a:fillRef idx="1">
-        <a:scrgbClr r="0" g="0" b="0"/>
-      </a:fillRef>
-      <a:effectRef idx="0">
-        <a:scrgbClr r="0" g="0" b="0"/>
-      </a:effectRef>
-      <a:fontRef idx="minor"/>
-    </dgm:style>
-  </dgm:styleLbl>
-  <dgm:styleLbl name="alignImgPlace1">
-    <dgm:scene3d>
-      <a:camera prst="orthographicFront"/>
-      <a:lightRig rig="threePt" dir="t"/>
-    </dgm:scene3d>
-    <dgm:sp3d/>
-    <dgm:txPr/>
-    <dgm:style>
-      <a:lnRef idx="2">
-        <a:scrgbClr r="0" g="0" b="0"/>
-      </a:lnRef>
-      <a:fillRef idx="1">
-        <a:scrgbClr r="0" g="0" b="0"/>
-      </a:fillRef>
-      <a:effectRef idx="0">
-        <a:scrgbClr r="0" g="0" b="0"/>
-      </a:effectRef>
-      <a:fontRef idx="minor"/>
-    </dgm:style>
-  </dgm:styleLbl>
-  <dgm:styleLbl name="bgImgPlace1">
-    <dgm:scene3d>
-      <a:camera prst="orthographicFront"/>
-      <a:lightRig rig="threePt" dir="t"/>
-    </dgm:scene3d>
-    <dgm:sp3d/>
-    <dgm:txPr/>
-    <dgm:style>
-      <a:lnRef idx="2">
-        <a:scrgbClr r="0" g="0" b="0"/>
-      </a:lnRef>
-      <a:fillRef idx="1">
-        <a:scrgbClr r="0" g="0" b="0"/>
-      </a:fillRef>
-      <a:effectRef idx="0">
-        <a:scrgbClr r="0" g="0" b="0"/>
-      </a:effectRef>
-      <a:fontRef idx="minor"/>
-    </dgm:style>
-  </dgm:styleLbl>
-  <dgm:styleLbl name="sibTrans2D1">
-    <dgm:scene3d>
-      <a:camera prst="orthographicFront"/>
-      <a:lightRig rig="threePt" dir="t"/>
-    </dgm:scene3d>
-    <dgm:sp3d/>
-    <dgm:txPr/>
-    <dgm:style>
-      <a:lnRef idx="0">
-        <a:scrgbClr r="0" g="0" b="0"/>
-      </a:lnRef>
-      <a:fillRef idx="1">
-        <a:scrgbClr r="0" g="0" b="0"/>
-      </a:fillRef>
-      <a:effectRef idx="0">
-        <a:scrgbClr r="0" g="0" b="0"/>
-      </a:effectRef>
-      <a:fontRef idx="minor">
-        <a:schemeClr val="lt1"/>
-      </a:fontRef>
-    </dgm:style>
-  </dgm:styleLbl>
-  <dgm:styleLbl name="fgSibTrans2D1">
-    <dgm:scene3d>
-      <a:camera prst="orthographicFront"/>
-      <a:lightRig rig="threePt" dir="t"/>
-    </dgm:scene3d>
-    <dgm:sp3d/>
-    <dgm:txPr/>
-    <dgm:style>
-      <a:lnRef idx="0">
-        <a:scrgbClr r="0" g="0" b="0"/>
-      </a:lnRef>
-      <a:fillRef idx="1">
-        <a:scrgbClr r="0" g="0" b="0"/>
-      </a:fillRef>
-      <a:effectRef idx="0">
-        <a:scrgbClr r="0" g="0" b="0"/>
-      </a:effectRef>
-      <a:fontRef idx="minor">
-        <a:schemeClr val="lt1"/>
-      </a:fontRef>
-    </dgm:style>
-  </dgm:styleLbl>
-  <dgm:styleLbl name="bgSibTrans2D1">
-    <dgm:scene3d>
-      <a:camera prst="orthographicFront"/>
-      <a:lightRig rig="threePt" dir="t"/>
-    </dgm:scene3d>
-    <dgm:sp3d/>
-    <dgm:txPr/>
-    <dgm:style>
-      <a:lnRef idx="0">
-        <a:scrgbClr r="0" g="0" b="0"/>
-      </a:lnRef>
-      <a:fillRef idx="1">
-        <a:scrgbClr r="0" g="0" b="0"/>
-      </a:fillRef>
-      <a:effectRef idx="0">
-        <a:scrgbClr r="0" g="0" b="0"/>
-      </a:effectRef>
-      <a:fontRef idx="minor">
-        <a:schemeClr val="lt1"/>
-      </a:fontRef>
-    </dgm:style>
-  </dgm:styleLbl>
-  <dgm:styleLbl name="sibTrans1D1">
-    <dgm:scene3d>
-      <a:camera prst="orthographicFront"/>
-      <a:lightRig rig="threePt" dir="t"/>
-    </dgm:scene3d>
-    <dgm:sp3d/>
-    <dgm:txPr/>
-    <dgm:style>
-      <a:lnRef idx="1">
-        <a:scrgbClr r="0" g="0" b="0"/>
-      </a:lnRef>
-      <a:fillRef idx="0">
-        <a:scrgbClr r="0" g="0" b="0"/>
-      </a:fillRef>
-      <a:effectRef idx="0">
-        <a:scrgbClr r="0" g="0" b="0"/>
-      </a:effectRef>
-      <a:fontRef idx="minor"/>
-    </dgm:style>
-  </dgm:styleLbl>
-  <dgm:styleLbl name="callout">
-    <dgm:scene3d>
-      <a:camera prst="orthographicFront"/>
-      <a:lightRig rig="threePt" dir="t"/>
-    </dgm:scene3d>
-    <dgm:sp3d/>
-    <dgm:txPr/>
-    <dgm:style>
-      <a:lnRef idx="2">
-        <a:scrgbClr r="0" g="0" b="0"/>
-      </a:lnRef>
-      <a:fillRef idx="1">
-        <a:scrgbClr r="0" g="0" b="0"/>
-      </a:fillRef>
-      <a:effectRef idx="0">
-        <a:scrgbClr r="0" g="0" b="0"/>
-      </a:effectRef>
-      <a:fontRef idx="minor"/>
-    </dgm:style>
-  </dgm:styleLbl>
-  <dgm:styleLbl name="asst0">
-    <dgm:scene3d>
-      <a:camera prst="orthographicFront"/>
-      <a:lightRig rig="threePt" dir="t"/>
-    </dgm:scene3d>
-    <dgm:sp3d/>
-    <dgm:txPr/>
-    <dgm:style>
-      <a:lnRef idx="2">
-        <a:scrgbClr r="0" g="0" b="0"/>
-      </a:lnRef>
-      <a:fillRef idx="1">
-        <a:scrgbClr r="0" g="0" b="0"/>
-      </a:fillRef>
-      <a:effectRef idx="0">
-        <a:scrgbClr r="0" g="0" b="0"/>
-      </a:effectRef>
-      <a:fontRef idx="minor">
-        <a:schemeClr val="lt1"/>
-      </a:fontRef>
-    </dgm:style>
-  </dgm:styleLbl>
-  <dgm:styleLbl name="asst1">
-    <dgm:scene3d>
-      <a:camera prst="orthographicFront"/>
-      <a:lightRig rig="threePt" dir="t"/>
-    </dgm:scene3d>
-    <dgm:sp3d/>
-    <dgm:txPr/>
-    <dgm:style>
-      <a:lnRef idx="2">
-        <a:scrgbClr r="0" g="0" b="0"/>
-      </a:lnRef>
-      <a:fillRef idx="1">
-        <a:scrgbClr r="0" g="0" b="0"/>
-      </a:fillRef>
-      <a:effectRef idx="0">
-        <a:scrgbClr r="0" g="0" b="0"/>
-      </a:effectRef>
-      <a:fontRef idx="minor">
-        <a:schemeClr val="lt1"/>
-      </a:fontRef>
-    </dgm:style>
-  </dgm:styleLbl>
-  <dgm:styleLbl name="asst2">
-    <dgm:scene3d>
-      <a:camera prst="orthographicFront"/>
-      <a:lightRig rig="threePt" dir="t"/>
-    </dgm:scene3d>
-    <dgm:sp3d/>
-    <dgm:txPr/>
-    <dgm:style>
-      <a:lnRef idx="2">
-        <a:scrgbClr r="0" g="0" b="0"/>
-      </a:lnRef>
-      <a:fillRef idx="1">
-        <a:scrgbClr r="0" g="0" b="0"/>
-      </a:fillRef>
-      <a:effectRef idx="0">
-        <a:scrgbClr r="0" g="0" b="0"/>
-      </a:effectRef>
-      <a:fontRef idx="minor">
-        <a:schemeClr val="lt1"/>
-      </a:fontRef>
-    </dgm:style>
-  </dgm:styleLbl>
-  <dgm:styleLbl name="asst3">
-    <dgm:scene3d>
-      <a:camera prst="orthographicFront"/>
-      <a:lightRig rig="threePt" dir="t"/>
-    </dgm:scene3d>
-    <dgm:sp3d/>
-    <dgm:txPr/>
-    <dgm:style>
-      <a:lnRef idx="2">
-        <a:scrgbClr r="0" g="0" b="0"/>
-      </a:lnRef>
-      <a:fillRef idx="1">
-        <a:scrgbClr r="0" g="0" b="0"/>
-      </a:fillRef>
-      <a:effectRef idx="0">
-        <a:scrgbClr r="0" g="0" b="0"/>
-      </a:effectRef>
-      <a:fontRef idx="minor">
-        <a:schemeClr val="lt1"/>
-      </a:fontRef>
-    </dgm:style>
-  </dgm:styleLbl>
-  <dgm:styleLbl name="asst4">
-    <dgm:scene3d>
-      <a:camera prst="orthographicFront"/>
-      <a:lightRig rig="threePt" dir="t"/>
-    </dgm:scene3d>
-    <dgm:sp3d/>
-    <dgm:txPr/>
-    <dgm:style>
-      <a:lnRef idx="2">
-        <a:scrgbClr r="0" g="0" b="0"/>
-      </a:lnRef>
-      <a:fillRef idx="1">
-        <a:scrgbClr r="0" g="0" b="0"/>
-      </a:fillRef>
-      <a:effectRef idx="0">
-        <a:scrgbClr r="0" g="0" b="0"/>
-      </a:effectRef>
-      <a:fontRef idx="minor">
-        <a:schemeClr val="lt1"/>
-      </a:fontRef>
-    </dgm:style>
-  </dgm:styleLbl>
-  <dgm:styleLbl name="parChTrans2D1">
-    <dgm:scene3d>
-      <a:camera prst="orthographicFront"/>
-      <a:lightRig rig="threePt" dir="t"/>
-    </dgm:scene3d>
-    <dgm:sp3d/>
-    <dgm:txPr/>
-    <dgm:style>
-      <a:lnRef idx="2">
-        <a:scrgbClr r="0" g="0" b="0"/>
-      </a:lnRef>
-      <a:fillRef idx="1">
-        <a:scrgbClr r="0" g="0" b="0"/>
-      </a:fillRef>
-      <a:effectRef idx="0">
-        <a:scrgbClr r="0" g="0" b="0"/>
-      </a:effectRef>
-      <a:fontRef idx="minor">
-        <a:schemeClr val="lt1"/>
-      </a:fontRef>
-    </dgm:style>
-  </dgm:styleLbl>
-  <dgm:styleLbl name="parChTrans2D2">
-    <dgm:scene3d>
-      <a:camera prst="orthographicFront"/>
-      <a:lightRig rig="threePt" dir="t"/>
-    </dgm:scene3d>
-    <dgm:sp3d/>
-    <dgm:txPr/>
-    <dgm:style>
-      <a:lnRef idx="2">
-        <a:scrgbClr r="0" g="0" b="0"/>
-      </a:lnRef>
-      <a:fillRef idx="1">
-        <a:scrgbClr r="0" g="0" b="0"/>
-      </a:fillRef>
-      <a:effectRef idx="0">
-        <a:scrgbClr r="0" g="0" b="0"/>
-      </a:effectRef>
-      <a:fontRef idx="minor">
-        <a:schemeClr val="lt1"/>
-      </a:fontRef>
-    </dgm:style>
-  </dgm:styleLbl>
-  <dgm:styleLbl name="parChTrans2D3">
-    <dgm:scene3d>
-      <a:camera prst="orthographicFront"/>
-      <a:lightRig rig="threePt" dir="t"/>
-    </dgm:scene3d>
-    <dgm:sp3d/>
-    <dgm:txPr/>
-    <dgm:style>
-      <a:lnRef idx="2">
-        <a:scrgbClr r="0" g="0" b="0"/>
-      </a:lnRef>
-      <a:fillRef idx="1">
-        <a:scrgbClr r="0" g="0" b="0"/>
-      </a:fillRef>
-      <a:effectRef idx="0">
-        <a:scrgbClr r="0" g="0" b="0"/>
-      </a:effectRef>
-      <a:fontRef idx="minor">
-        <a:schemeClr val="lt1"/>
-      </a:fontRef>
-    </dgm:style>
-  </dgm:styleLbl>
-  <dgm:styleLbl name="parChTrans2D4">
-    <dgm:scene3d>
-      <a:camera prst="orthographicFront"/>
-      <a:lightRig rig="threePt" dir="t"/>
-    </dgm:scene3d>
-    <dgm:sp3d/>
-    <dgm:txPr/>
-    <dgm:style>
-      <a:lnRef idx="2">
-        <a:scrgbClr r="0" g="0" b="0"/>
-      </a:lnRef>
-      <a:fillRef idx="1">
-        <a:scrgbClr r="0" g="0" b="0"/>
-      </a:fillRef>
-      <a:effectRef idx="0">
-        <a:scrgbClr r="0" g="0" b="0"/>
-      </a:effectRef>
-      <a:fontRef idx="minor">
-        <a:schemeClr val="lt1"/>
-      </a:fontRef>
-    </dgm:style>
-  </dgm:styleLbl>
-  <dgm:styleLbl name="parChTrans1D1">
-    <dgm:scene3d>
-      <a:camera prst="orthographicFront"/>
-      <a:lightRig rig="threePt" dir="t"/>
-    </dgm:scene3d>
-    <dgm:sp3d/>
-    <dgm:txPr/>
-    <dgm:style>
-      <a:lnRef idx="2">
-        <a:scrgbClr r="0" g="0" b="0"/>
-      </a:lnRef>
-      <a:fillRef idx="0">
-        <a:scrgbClr r="0" g="0" b="0"/>
-      </a:fillRef>
-      <a:effectRef idx="0">
-        <a:scrgbClr r="0" g="0" b="0"/>
-      </a:effectRef>
-      <a:fontRef idx="minor"/>
-    </dgm:style>
-  </dgm:styleLbl>
-  <dgm:styleLbl name="parChTrans1D2">
-    <dgm:scene3d>
-      <a:camera prst="orthographicFront"/>
-      <a:lightRig rig="threePt" dir="t"/>
-    </dgm:scene3d>
-    <dgm:sp3d/>
-    <dgm:txPr/>
-    <dgm:style>
-      <a:lnRef idx="2">
-        <a:scrgbClr r="0" g="0" b="0"/>
-      </a:lnRef>
-      <a:fillRef idx="0">
-        <a:scrgbClr r="0" g="0" b="0"/>
-      </a:fillRef>
-      <a:effectRef idx="0">
-        <a:scrgbClr r="0" g="0" b="0"/>
-      </a:effectRef>
-      <a:fontRef idx="minor"/>
-    </dgm:style>
-  </dgm:styleLbl>
-  <dgm:styleLbl name="parChTrans1D3">
-    <dgm:scene3d>
-      <a:camera prst="orthographicFront"/>
-      <a:lightRig rig="threePt" dir="t"/>
-    </dgm:scene3d>
-    <dgm:sp3d/>
-    <dgm:txPr/>
-    <dgm:style>
-      <a:lnRef idx="2">
-        <a:scrgbClr r="0" g="0" b="0"/>
-      </a:lnRef>
-      <a:fillRef idx="0">
-        <a:scrgbClr r="0" g="0" b="0"/>
-      </a:fillRef>
-      <a:effectRef idx="0">
-        <a:scrgbClr r="0" g="0" b="0"/>
-      </a:effectRef>
-      <a:fontRef idx="minor"/>
-    </dgm:style>
-  </dgm:styleLbl>
-  <dgm:styleLbl name="parChTrans1D4">
-    <dgm:scene3d>
-      <a:camera prst="orthographicFront"/>
-      <a:lightRig rig="threePt" dir="t"/>
-    </dgm:scene3d>
-    <dgm:sp3d/>
-    <dgm:txPr/>
-    <dgm:style>
-      <a:lnRef idx="2">
-        <a:scrgbClr r="0" g="0" b="0"/>
-      </a:lnRef>
-      <a:fillRef idx="0">
-        <a:scrgbClr r="0" g="0" b="0"/>
-      </a:fillRef>
-      <a:effectRef idx="0">
-        <a:scrgbClr r="0" g="0" b="0"/>
-      </a:effectRef>
-      <a:fontRef idx="minor"/>
-    </dgm:style>
-  </dgm:styleLbl>
-  <dgm:styleLbl name="fgAcc1">
-    <dgm:scene3d>
-      <a:camera prst="orthographicFront"/>
-      <a:lightRig rig="threePt" dir="t"/>
-    </dgm:scene3d>
-    <dgm:sp3d/>
-    <dgm:txPr/>
-    <dgm:style>
-      <a:lnRef idx="2">
-        <a:scrgbClr r="0" g="0" b="0"/>
-      </a:lnRef>
-      <a:fillRef idx="1">
-        <a:scrgbClr r="0" g="0" b="0"/>
-      </a:fillRef>
-      <a:effectRef idx="0">
-        <a:scrgbClr r="0" g="0" b="0"/>
-      </a:effectRef>
-      <a:fontRef idx="minor"/>
-    </dgm:style>
-  </dgm:styleLbl>
-  <dgm:styleLbl name="conFgAcc1">
-    <dgm:scene3d>
-      <a:camera prst="orthographicFront"/>
-      <a:lightRig rig="threePt" dir="t"/>
-    </dgm:scene3d>
-    <dgm:sp3d/>
-    <dgm:txPr/>
-    <dgm:style>
-      <a:lnRef idx="2">
-        <a:scrgbClr r="0" g="0" b="0"/>
-      </a:lnRef>
-      <a:fillRef idx="1">
-        <a:scrgbClr r="0" g="0" b="0"/>
-      </a:fillRef>
-      <a:effectRef idx="0">
-        <a:scrgbClr r="0" g="0" b="0"/>
-      </a:effectRef>
-      <a:fontRef idx="minor"/>
-    </dgm:style>
-  </dgm:styleLbl>
-  <dgm:styleLbl name="alignAcc1">
-    <dgm:scene3d>
-      <a:camera prst="orthographicFront"/>
-      <a:lightRig rig="threePt" dir="t"/>
-    </dgm:scene3d>
-    <dgm:sp3d/>
-    <dgm:txPr/>
-    <dgm:style>
-      <a:lnRef idx="2">
-        <a:scrgbClr r="0" g="0" b="0"/>
-      </a:lnRef>
-      <a:fillRef idx="1">
-        <a:scrgbClr r="0" g="0" b="0"/>
-      </a:fillRef>
-      <a:effectRef idx="0">
-        <a:scrgbClr r="0" g="0" b="0"/>
-      </a:effectRef>
-      <a:fontRef idx="minor"/>
-    </dgm:style>
-  </dgm:styleLbl>
-  <dgm:styleLbl name="trAlignAcc1">
-    <dgm:scene3d>
-      <a:camera prst="orthographicFront"/>
-      <a:lightRig rig="threePt" dir="t"/>
-    </dgm:scene3d>
-    <dgm:sp3d/>
-    <dgm:txPr/>
-    <dgm:style>
-      <a:lnRef idx="1">
-        <a:scrgbClr r="0" g="0" b="0"/>
-      </a:lnRef>
-      <a:fillRef idx="1">
-        <a:scrgbClr r="0" g="0" b="0"/>
-      </a:fillRef>
-      <a:effectRef idx="0">
-        <a:scrgbClr r="0" g="0" b="0"/>
-      </a:effectRef>
-      <a:fontRef idx="minor"/>
-    </dgm:style>
-  </dgm:styleLbl>
-  <dgm:styleLbl name="bgAcc1">
-    <dgm:scene3d>
-      <a:camera prst="orthographicFront"/>
-      <a:lightRig rig="threePt" dir="t"/>
-    </dgm:scene3d>
-    <dgm:sp3d/>
-    <dgm:txPr/>
-    <dgm:style>
-      <a:lnRef idx="2">
-        <a:scrgbClr r="0" g="0" b="0"/>
-      </a:lnRef>
-      <a:fillRef idx="1">
-        <a:scrgbClr r="0" g="0" b="0"/>
-      </a:fillRef>
-      <a:effectRef idx="0">
-        <a:scrgbClr r="0" g="0" b="0"/>
-      </a:effectRef>
-      <a:fontRef idx="minor"/>
-    </dgm:style>
-  </dgm:styleLbl>
-  <dgm:styleLbl name="solidFgAcc1">
-    <dgm:scene3d>
-      <a:camera prst="orthographicFront"/>
-      <a:lightRig rig="threePt" dir="t"/>
-    </dgm:scene3d>
-    <dgm:sp3d/>
-    <dgm:txPr/>
-    <dgm:style>
-      <a:lnRef idx="2">
-        <a:scrgbClr r="0" g="0" b="0"/>
-      </a:lnRef>
-      <a:fillRef idx="1">
-        <a:scrgbClr r="0" g="0" b="0"/>
-      </a:fillRef>
-      <a:effectRef idx="0">
-        <a:scrgbClr r="0" g="0" b="0"/>
-      </a:effectRef>
-      <a:fontRef idx="minor"/>
-    </dgm:style>
-  </dgm:styleLbl>
-  <dgm:styleLbl name="solidAlignAcc1">
-    <dgm:scene3d>
-      <a:camera prst="orthographicFront"/>
-      <a:lightRig rig="threePt" dir="t"/>
-    </dgm:scene3d>
-    <dgm:sp3d/>
-    <dgm:txPr/>
-    <dgm:style>
-      <a:lnRef idx="2">
-        <a:scrgbClr r="0" g="0" b="0"/>
-      </a:lnRef>
-      <a:fillRef idx="1">
-        <a:scrgbClr r="0" g="0" b="0"/>
-      </a:fillRef>
-      <a:effectRef idx="0">
-        <a:scrgbClr r="0" g="0" b="0"/>
-      </a:effectRef>
-      <a:fontRef idx="minor"/>
-    </dgm:style>
-  </dgm:styleLbl>
-  <dgm:styleLbl name="solidBgAcc1">
-    <dgm:scene3d>
-      <a:camera prst="orthographicFront"/>
-      <a:lightRig rig="threePt" dir="t"/>
-    </dgm:scene3d>
-    <dgm:sp3d/>
-    <dgm:txPr/>
-    <dgm:style>
-      <a:lnRef idx="2">
-        <a:scrgbClr r="0" g="0" b="0"/>
-      </a:lnRef>
-      <a:fillRef idx="1">
-        <a:scrgbClr r="0" g="0" b="0"/>
-      </a:fillRef>
-      <a:effectRef idx="0">
-        <a:scrgbClr r="0" g="0" b="0"/>
-      </a:effectRef>
-      <a:fontRef idx="minor"/>
-    </dgm:style>
-  </dgm:styleLbl>
-  <dgm:styleLbl name="fgAccFollowNode1">
-    <dgm:scene3d>
-      <a:camera prst="orthographicFront"/>
-      <a:lightRig rig="threePt" dir="t"/>
-    </dgm:scene3d>
-    <dgm:sp3d/>
-    <dgm:txPr/>
-    <dgm:style>
-      <a:lnRef idx="2">
-        <a:scrgbClr r="0" g="0" b="0"/>
-      </a:lnRef>
-      <a:fillRef idx="1">
-        <a:scrgbClr r="0" g="0" b="0"/>
-      </a:fillRef>
-      <a:effectRef idx="0">
-        <a:scrgbClr r="0" g="0" b="0"/>
-      </a:effectRef>
-      <a:fontRef idx="minor"/>
-    </dgm:style>
-  </dgm:styleLbl>
-  <dgm:styleLbl name="alignAccFollowNode1">
-    <dgm:scene3d>
-      <a:camera prst="orthographicFront"/>
-      <a:lightRig rig="threePt" dir="t"/>
-    </dgm:scene3d>
-    <dgm:sp3d/>
-    <dgm:txPr/>
-    <dgm:style>
-      <a:lnRef idx="2">
-        <a:scrgbClr r="0" g="0" b="0"/>
-      </a:lnRef>
-      <a:fillRef idx="1">
-        <a:scrgbClr r="0" g="0" b="0"/>
-      </a:fillRef>
-      <a:effectRef idx="0">
-        <a:scrgbClr r="0" g="0" b="0"/>
-      </a:effectRef>
-      <a:fontRef idx="minor"/>
-    </dgm:style>
-  </dgm:styleLbl>
-  <dgm:styleLbl name="bgAccFollowNode1">
-    <dgm:scene3d>
-      <a:camera prst="orthographicFront"/>
-      <a:lightRig rig="threePt" dir="t"/>
-    </dgm:scene3d>
-    <dgm:sp3d/>
-    <dgm:txPr/>
-    <dgm:style>
-      <a:lnRef idx="2">
-        <a:scrgbClr r="0" g="0" b="0"/>
-      </a:lnRef>
-      <a:fillRef idx="1">
-        <a:scrgbClr r="0" g="0" b="0"/>
-      </a:fillRef>
-      <a:effectRef idx="0">
-        <a:scrgbClr r="0" g="0" b="0"/>
-      </a:effectRef>
-      <a:fontRef idx="minor"/>
-    </dgm:style>
-  </dgm:styleLbl>
-  <dgm:styleLbl name="fgAcc0">
-    <dgm:scene3d>
-      <a:camera prst="orthographicFront"/>
-      <a:lightRig rig="threePt" dir="t"/>
-    </dgm:scene3d>
-    <dgm:sp3d/>
-    <dgm:txPr/>
-    <dgm:style>
-      <a:lnRef idx="2">
-        <a:scrgbClr r="0" g="0" b="0"/>
-      </a:lnRef>
-      <a:fillRef idx="1">
-        <a:scrgbClr r="0" g="0" b="0"/>
-      </a:fillRef>
-      <a:effectRef idx="0">
-        <a:scrgbClr r="0" g="0" b="0"/>
-      </a:effectRef>
-      <a:fontRef idx="minor"/>
-    </dgm:style>
-  </dgm:styleLbl>
-  <dgm:styleLbl name="fgAcc2">
-    <dgm:scene3d>
-      <a:camera prst="orthographicFront"/>
-      <a:lightRig rig="threePt" dir="t"/>
-    </dgm:scene3d>
-    <dgm:sp3d/>
-    <dgm:txPr/>
-    <dgm:style>
-      <a:lnRef idx="2">
-        <a:scrgbClr r="0" g="0" b="0"/>
-      </a:lnRef>
-      <a:fillRef idx="1">
-        <a:scrgbClr r="0" g="0" b="0"/>
-      </a:fillRef>
-      <a:effectRef idx="0">
-        <a:scrgbClr r="0" g="0" b="0"/>
-      </a:effectRef>
-      <a:fontRef idx="minor"/>
-    </dgm:style>
-  </dgm:styleLbl>
-  <dgm:styleLbl name="fgAcc3">
-    <dgm:scene3d>
-      <a:camera prst="orthographicFront"/>
-      <a:lightRig rig="threePt" dir="t"/>
-    </dgm:scene3d>
-    <dgm:sp3d/>
-    <dgm:txPr/>
-    <dgm:style>
-      <a:lnRef idx="2">
-        <a:scrgbClr r="0" g="0" b="0"/>
-      </a:lnRef>
-      <a:fillRef idx="1">
-        <a:scrgbClr r="0" g="0" b="0"/>
-      </a:fillRef>
-      <a:effectRef idx="0">
-        <a:scrgbClr r="0" g="0" b="0"/>
-      </a:effectRef>
-      <a:fontRef idx="minor"/>
-    </dgm:style>
-  </dgm:styleLbl>
-  <dgm:styleLbl name="fgAcc4">
-    <dgm:scene3d>
-      <a:camera prst="orthographicFront"/>
-      <a:lightRig rig="threePt" dir="t"/>
-    </dgm:scene3d>
-    <dgm:sp3d/>
-    <dgm:txPr/>
-    <dgm:style>
-      <a:lnRef idx="2">
-        <a:scrgbClr r="0" g="0" b="0"/>
-      </a:lnRef>
-      <a:fillRef idx="1">
-        <a:scrgbClr r="0" g="0" b="0"/>
-      </a:fillRef>
-      <a:effectRef idx="0">
-        <a:scrgbClr r="0" g="0" b="0"/>
-      </a:effectRef>
-      <a:fontRef idx="minor"/>
-    </dgm:style>
-  </dgm:styleLbl>
-  <dgm:styleLbl name="bgShp">
-    <dgm:scene3d>
-      <a:camera prst="orthographicFront"/>
-      <a:lightRig rig="threePt" dir="t"/>
-    </dgm:scene3d>
-    <dgm:sp3d/>
-    <dgm:txPr/>
-    <dgm:style>
-      <a:lnRef idx="0">
-        <a:scrgbClr r="0" g="0" b="0"/>
-      </a:lnRef>
-      <a:fillRef idx="1">
-        <a:scrgbClr r="0" g="0" b="0"/>
-      </a:fillRef>
-      <a:effectRef idx="0">
-        <a:scrgbClr r="0" g="0" b="0"/>
-      </a:effectRef>
-      <a:fontRef idx="minor"/>
-    </dgm:style>
-  </dgm:styleLbl>
-  <dgm:styleLbl name="dkBgShp">
-    <dgm:scene3d>
-      <a:camera prst="orthographicFront"/>
-      <a:lightRig rig="threePt" dir="t"/>
-    </dgm:scene3d>
-    <dgm:sp3d/>
-    <dgm:txPr/>
-    <dgm:style>
-      <a:lnRef idx="0">
-        <a:scrgbClr r="0" g="0" b="0"/>
-      </a:lnRef>
-      <a:fillRef idx="1">
-        <a:scrgbClr r="0" g="0" b="0"/>
-      </a:fillRef>
-      <a:effectRef idx="0">
-        <a:scrgbClr r="0" g="0" b="0"/>
-      </a:effectRef>
-      <a:fontRef idx="minor"/>
-    </dgm:style>
-  </dgm:styleLbl>
-  <dgm:styleLbl name="trBgShp">
-    <dgm:scene3d>
-      <a:camera prst="orthographicFront"/>
-      <a:lightRig rig="threePt" dir="t"/>
-    </dgm:scene3d>
-    <dgm:sp3d/>
-    <dgm:txPr/>
-    <dgm:style>
-      <a:lnRef idx="0">
-        <a:scrgbClr r="0" g="0" b="0"/>
-      </a:lnRef>
-      <a:fillRef idx="1">
-        <a:scrgbClr r="0" g="0" b="0"/>
-      </a:fillRef>
-      <a:effectRef idx="0">
-        <a:scrgbClr r="0" g="0" b="0"/>
-      </a:effectRef>
-      <a:fontRef idx="minor"/>
-    </dgm:style>
-  </dgm:styleLbl>
-  <dgm:styleLbl name="fgShp">
-    <dgm:scene3d>
-      <a:camera prst="orthographicFront"/>
-      <a:lightRig rig="threePt" dir="t"/>
-    </dgm:scene3d>
-    <dgm:sp3d/>
-    <dgm:txPr/>
-    <dgm:style>
-      <a:lnRef idx="2">
-        <a:scrgbClr r="0" g="0" b="0"/>
-      </a:lnRef>
-      <a:fillRef idx="1">
-        <a:scrgbClr r="0" g="0" b="0"/>
-      </a:fillRef>
-      <a:effectRef idx="0">
-        <a:scrgbClr r="0" g="0" b="0"/>
-      </a:effectRef>
-      <a:fontRef idx="minor"/>
-    </dgm:style>
-  </dgm:styleLbl>
-  <dgm:styleLbl name="revTx">
-    <dgm:scene3d>
-      <a:camera prst="orthographicFront"/>
-      <a:lightRig rig="threePt" dir="t"/>
-    </dgm:scene3d>
-    <dgm:sp3d/>
-    <dgm:txPr/>
-    <dgm:style>
-      <a:lnRef idx="0">
-        <a:scrgbClr r="0" g="0" b="0"/>
-      </a:lnRef>
-      <a:fillRef idx="0">
-        <a:scrgbClr r="0" g="0" b="0"/>
-      </a:fillRef>
-      <a:effectRef idx="0">
-        <a:scrgbClr r="0" g="0" b="0"/>
-      </a:effectRef>
-      <a:fontRef idx="minor"/>
-    </dgm:style>
-  </dgm:styleLbl>
-</dgm:styleDef>
-</file>
-
 <file path=ppt/notesMasters/notesMaster1.xml><?xml version="1.0" encoding="utf-8"?>
 <p:notesMaster xmlns:a="http://schemas.openxmlformats.org/drawingml/2006/main" xmlns:r="http://schemas.openxmlformats.org/officeDocument/2006/relationships" xmlns:p="http://schemas.openxmlformats.org/presentationml/2006/main">
   <p:cSld>
@@ -3449,7 +217,7 @@
             <a:fld id="{65771C21-3757-4199-83DE-22960358A2A5}" type="datetimeFigureOut">
               <a:rPr lang="ko-KR" altLang="en-US" smtClean="0"/>
               <a:pPr/>
-              <a:t>2019-05-08</a:t>
+              <a:t>2019-05-12</a:t>
             </a:fld>
             <a:endParaRPr lang="ko-KR" altLang="en-US"/>
           </a:p>
@@ -3820,864 +588,6 @@
 </p:notes>
 </file>
 
-<file path=ppt/notesSlides/notesSlide10.xml><?xml version="1.0" encoding="utf-8"?>
-<p:notes xmlns:a="http://schemas.openxmlformats.org/drawingml/2006/main" xmlns:r="http://schemas.openxmlformats.org/officeDocument/2006/relationships" xmlns:p="http://schemas.openxmlformats.org/presentationml/2006/main">
-  <p:cSld>
-    <p:spTree>
-      <p:nvGrpSpPr>
-        <p:cNvPr id="1" name=""/>
-        <p:cNvGrpSpPr/>
-        <p:nvPr/>
-      </p:nvGrpSpPr>
-      <p:grpSpPr>
-        <a:xfrm>
-          <a:off x="0" y="0"/>
-          <a:ext cx="0" cy="0"/>
-          <a:chOff x="0" y="0"/>
-          <a:chExt cx="0" cy="0"/>
-        </a:xfrm>
-      </p:grpSpPr>
-      <p:sp>
-        <p:nvSpPr>
-          <p:cNvPr id="2" name="슬라이드 이미지 개체 틀 1"/>
-          <p:cNvSpPr>
-            <a:spLocks noGrp="1" noRot="1" noChangeAspect="1"/>
-          </p:cNvSpPr>
-          <p:nvPr>
-            <p:ph type="sldImg"/>
-          </p:nvPr>
-        </p:nvSpPr>
-        <p:spPr/>
-      </p:sp>
-      <p:sp>
-        <p:nvSpPr>
-          <p:cNvPr id="3" name="슬라이드 노트 개체 틀 2"/>
-          <p:cNvSpPr>
-            <a:spLocks noGrp="1"/>
-          </p:cNvSpPr>
-          <p:nvPr>
-            <p:ph type="body" idx="1"/>
-          </p:nvPr>
-        </p:nvSpPr>
-        <p:spPr/>
-        <p:txBody>
-          <a:bodyPr>
-            <a:normAutofit/>
-          </a:bodyPr>
-          <a:lstStyle/>
-          <a:p>
-            <a:pPr marL="0" marR="0" indent="0" algn="l" defTabSz="914400" rtl="0" eaLnBrk="1" fontAlgn="auto" latinLnBrk="1" hangingPunct="1">
-              <a:lnSpc>
-                <a:spcPct val="100000"/>
-              </a:lnSpc>
-              <a:spcBef>
-                <a:spcPts val="0"/>
-              </a:spcBef>
-              <a:spcAft>
-                <a:spcPts val="0"/>
-              </a:spcAft>
-              <a:buClrTx/>
-              <a:buSzTx/>
-              <a:buFontTx/>
-              <a:buNone/>
-              <a:tabLst/>
-              <a:defRPr/>
-            </a:pPr>
-            <a:r>
-              <a:rPr lang="en-US" altLang="ko-KR" sz="1200" dirty="0"/>
-              <a:t>http://minheeblog.tistory.com/category/PPT</a:t>
-            </a:r>
-            <a:endParaRPr lang="ko-KR" altLang="en-US" sz="1200" dirty="0"/>
-          </a:p>
-          <a:p>
-            <a:endParaRPr lang="ko-KR" altLang="en-US" dirty="0"/>
-          </a:p>
-        </p:txBody>
-      </p:sp>
-      <p:sp>
-        <p:nvSpPr>
-          <p:cNvPr id="4" name="슬라이드 번호 개체 틀 3"/>
-          <p:cNvSpPr>
-            <a:spLocks noGrp="1"/>
-          </p:cNvSpPr>
-          <p:nvPr>
-            <p:ph type="sldNum" sz="quarter" idx="10"/>
-          </p:nvPr>
-        </p:nvSpPr>
-        <p:spPr/>
-        <p:txBody>
-          <a:bodyPr/>
-          <a:lstStyle/>
-          <a:p>
-            <a:fld id="{04A4E647-5A0F-41E6-A0EF-B58D8C1C6CD4}" type="slidenum">
-              <a:rPr lang="ko-KR" altLang="en-US" smtClean="0"/>
-              <a:pPr/>
-              <a:t>10</a:t>
-            </a:fld>
-            <a:endParaRPr lang="ko-KR" altLang="en-US"/>
-          </a:p>
-        </p:txBody>
-      </p:sp>
-    </p:spTree>
-    <p:extLst>
-      <p:ext uri="{BB962C8B-B14F-4D97-AF65-F5344CB8AC3E}">
-        <p14:creationId xmlns:p14="http://schemas.microsoft.com/office/powerpoint/2010/main" val="2318661295"/>
-      </p:ext>
-    </p:extLst>
-  </p:cSld>
-  <p:clrMapOvr>
-    <a:masterClrMapping/>
-  </p:clrMapOvr>
-</p:notes>
-</file>
-
-<file path=ppt/notesSlides/notesSlide11.xml><?xml version="1.0" encoding="utf-8"?>
-<p:notes xmlns:a="http://schemas.openxmlformats.org/drawingml/2006/main" xmlns:r="http://schemas.openxmlformats.org/officeDocument/2006/relationships" xmlns:p="http://schemas.openxmlformats.org/presentationml/2006/main">
-  <p:cSld>
-    <p:spTree>
-      <p:nvGrpSpPr>
-        <p:cNvPr id="1" name=""/>
-        <p:cNvGrpSpPr/>
-        <p:nvPr/>
-      </p:nvGrpSpPr>
-      <p:grpSpPr>
-        <a:xfrm>
-          <a:off x="0" y="0"/>
-          <a:ext cx="0" cy="0"/>
-          <a:chOff x="0" y="0"/>
-          <a:chExt cx="0" cy="0"/>
-        </a:xfrm>
-      </p:grpSpPr>
-      <p:sp>
-        <p:nvSpPr>
-          <p:cNvPr id="2" name="슬라이드 이미지 개체 틀 1"/>
-          <p:cNvSpPr>
-            <a:spLocks noGrp="1" noRot="1" noChangeAspect="1"/>
-          </p:cNvSpPr>
-          <p:nvPr>
-            <p:ph type="sldImg"/>
-          </p:nvPr>
-        </p:nvSpPr>
-        <p:spPr/>
-      </p:sp>
-      <p:sp>
-        <p:nvSpPr>
-          <p:cNvPr id="3" name="슬라이드 노트 개체 틀 2"/>
-          <p:cNvSpPr>
-            <a:spLocks noGrp="1"/>
-          </p:cNvSpPr>
-          <p:nvPr>
-            <p:ph type="body" idx="1"/>
-          </p:nvPr>
-        </p:nvSpPr>
-        <p:spPr/>
-        <p:txBody>
-          <a:bodyPr>
-            <a:normAutofit/>
-          </a:bodyPr>
-          <a:lstStyle/>
-          <a:p>
-            <a:pPr marL="0" marR="0" indent="0" algn="l" defTabSz="914400" rtl="0" eaLnBrk="1" fontAlgn="auto" latinLnBrk="1" hangingPunct="1">
-              <a:lnSpc>
-                <a:spcPct val="100000"/>
-              </a:lnSpc>
-              <a:spcBef>
-                <a:spcPts val="0"/>
-              </a:spcBef>
-              <a:spcAft>
-                <a:spcPts val="0"/>
-              </a:spcAft>
-              <a:buClrTx/>
-              <a:buSzTx/>
-              <a:buFontTx/>
-              <a:buNone/>
-              <a:tabLst/>
-              <a:defRPr/>
-            </a:pPr>
-            <a:r>
-              <a:rPr lang="en-US" altLang="ko-KR" sz="1200" dirty="0"/>
-              <a:t>http://minheeblog.tistory.com/category/PPT</a:t>
-            </a:r>
-            <a:endParaRPr lang="ko-KR" altLang="en-US" sz="1200" dirty="0"/>
-          </a:p>
-          <a:p>
-            <a:endParaRPr lang="ko-KR" altLang="en-US" dirty="0"/>
-          </a:p>
-        </p:txBody>
-      </p:sp>
-      <p:sp>
-        <p:nvSpPr>
-          <p:cNvPr id="4" name="슬라이드 번호 개체 틀 3"/>
-          <p:cNvSpPr>
-            <a:spLocks noGrp="1"/>
-          </p:cNvSpPr>
-          <p:nvPr>
-            <p:ph type="sldNum" sz="quarter" idx="10"/>
-          </p:nvPr>
-        </p:nvSpPr>
-        <p:spPr/>
-        <p:txBody>
-          <a:bodyPr/>
-          <a:lstStyle/>
-          <a:p>
-            <a:fld id="{04A4E647-5A0F-41E6-A0EF-B58D8C1C6CD4}" type="slidenum">
-              <a:rPr lang="ko-KR" altLang="en-US" smtClean="0"/>
-              <a:pPr/>
-              <a:t>11</a:t>
-            </a:fld>
-            <a:endParaRPr lang="ko-KR" altLang="en-US"/>
-          </a:p>
-        </p:txBody>
-      </p:sp>
-    </p:spTree>
-    <p:extLst>
-      <p:ext uri="{BB962C8B-B14F-4D97-AF65-F5344CB8AC3E}">
-        <p14:creationId xmlns:p14="http://schemas.microsoft.com/office/powerpoint/2010/main" val="3189759553"/>
-      </p:ext>
-    </p:extLst>
-  </p:cSld>
-  <p:clrMapOvr>
-    <a:masterClrMapping/>
-  </p:clrMapOvr>
-</p:notes>
-</file>
-
-<file path=ppt/notesSlides/notesSlide12.xml><?xml version="1.0" encoding="utf-8"?>
-<p:notes xmlns:a="http://schemas.openxmlformats.org/drawingml/2006/main" xmlns:r="http://schemas.openxmlformats.org/officeDocument/2006/relationships" xmlns:p="http://schemas.openxmlformats.org/presentationml/2006/main">
-  <p:cSld>
-    <p:spTree>
-      <p:nvGrpSpPr>
-        <p:cNvPr id="1" name=""/>
-        <p:cNvGrpSpPr/>
-        <p:nvPr/>
-      </p:nvGrpSpPr>
-      <p:grpSpPr>
-        <a:xfrm>
-          <a:off x="0" y="0"/>
-          <a:ext cx="0" cy="0"/>
-          <a:chOff x="0" y="0"/>
-          <a:chExt cx="0" cy="0"/>
-        </a:xfrm>
-      </p:grpSpPr>
-      <p:sp>
-        <p:nvSpPr>
-          <p:cNvPr id="2" name="슬라이드 이미지 개체 틀 1"/>
-          <p:cNvSpPr>
-            <a:spLocks noGrp="1" noRot="1" noChangeAspect="1"/>
-          </p:cNvSpPr>
-          <p:nvPr>
-            <p:ph type="sldImg"/>
-          </p:nvPr>
-        </p:nvSpPr>
-        <p:spPr/>
-      </p:sp>
-      <p:sp>
-        <p:nvSpPr>
-          <p:cNvPr id="3" name="슬라이드 노트 개체 틀 2"/>
-          <p:cNvSpPr>
-            <a:spLocks noGrp="1"/>
-          </p:cNvSpPr>
-          <p:nvPr>
-            <p:ph type="body" idx="1"/>
-          </p:nvPr>
-        </p:nvSpPr>
-        <p:spPr/>
-        <p:txBody>
-          <a:bodyPr>
-            <a:normAutofit/>
-          </a:bodyPr>
-          <a:lstStyle/>
-          <a:p>
-            <a:pPr marL="0" marR="0" indent="0" algn="l" defTabSz="914400" rtl="0" eaLnBrk="1" fontAlgn="auto" latinLnBrk="1" hangingPunct="1">
-              <a:lnSpc>
-                <a:spcPct val="100000"/>
-              </a:lnSpc>
-              <a:spcBef>
-                <a:spcPts val="0"/>
-              </a:spcBef>
-              <a:spcAft>
-                <a:spcPts val="0"/>
-              </a:spcAft>
-              <a:buClrTx/>
-              <a:buSzTx/>
-              <a:buFontTx/>
-              <a:buNone/>
-              <a:tabLst/>
-              <a:defRPr/>
-            </a:pPr>
-            <a:r>
-              <a:rPr lang="en-US" altLang="ko-KR" sz="1200" dirty="0"/>
-              <a:t>http://minheeblog.tistory.com/category/PPT</a:t>
-            </a:r>
-            <a:endParaRPr lang="ko-KR" altLang="en-US" sz="1200" dirty="0"/>
-          </a:p>
-          <a:p>
-            <a:endParaRPr lang="ko-KR" altLang="en-US" dirty="0"/>
-          </a:p>
-        </p:txBody>
-      </p:sp>
-      <p:sp>
-        <p:nvSpPr>
-          <p:cNvPr id="4" name="슬라이드 번호 개체 틀 3"/>
-          <p:cNvSpPr>
-            <a:spLocks noGrp="1"/>
-          </p:cNvSpPr>
-          <p:nvPr>
-            <p:ph type="sldNum" sz="quarter" idx="10"/>
-          </p:nvPr>
-        </p:nvSpPr>
-        <p:spPr/>
-        <p:txBody>
-          <a:bodyPr/>
-          <a:lstStyle/>
-          <a:p>
-            <a:fld id="{04A4E647-5A0F-41E6-A0EF-B58D8C1C6CD4}" type="slidenum">
-              <a:rPr lang="ko-KR" altLang="en-US" smtClean="0"/>
-              <a:pPr/>
-              <a:t>12</a:t>
-            </a:fld>
-            <a:endParaRPr lang="ko-KR" altLang="en-US"/>
-          </a:p>
-        </p:txBody>
-      </p:sp>
-    </p:spTree>
-  </p:cSld>
-  <p:clrMapOvr>
-    <a:masterClrMapping/>
-  </p:clrMapOvr>
-</p:notes>
-</file>
-
-<file path=ppt/notesSlides/notesSlide13.xml><?xml version="1.0" encoding="utf-8"?>
-<p:notes xmlns:a="http://schemas.openxmlformats.org/drawingml/2006/main" xmlns:r="http://schemas.openxmlformats.org/officeDocument/2006/relationships" xmlns:p="http://schemas.openxmlformats.org/presentationml/2006/main">
-  <p:cSld>
-    <p:spTree>
-      <p:nvGrpSpPr>
-        <p:cNvPr id="1" name=""/>
-        <p:cNvGrpSpPr/>
-        <p:nvPr/>
-      </p:nvGrpSpPr>
-      <p:grpSpPr>
-        <a:xfrm>
-          <a:off x="0" y="0"/>
-          <a:ext cx="0" cy="0"/>
-          <a:chOff x="0" y="0"/>
-          <a:chExt cx="0" cy="0"/>
-        </a:xfrm>
-      </p:grpSpPr>
-      <p:sp>
-        <p:nvSpPr>
-          <p:cNvPr id="2" name="슬라이드 이미지 개체 틀 1"/>
-          <p:cNvSpPr>
-            <a:spLocks noGrp="1" noRot="1" noChangeAspect="1"/>
-          </p:cNvSpPr>
-          <p:nvPr>
-            <p:ph type="sldImg"/>
-          </p:nvPr>
-        </p:nvSpPr>
-        <p:spPr/>
-      </p:sp>
-      <p:sp>
-        <p:nvSpPr>
-          <p:cNvPr id="3" name="슬라이드 노트 개체 틀 2"/>
-          <p:cNvSpPr>
-            <a:spLocks noGrp="1"/>
-          </p:cNvSpPr>
-          <p:nvPr>
-            <p:ph type="body" idx="1"/>
-          </p:nvPr>
-        </p:nvSpPr>
-        <p:spPr/>
-        <p:txBody>
-          <a:bodyPr>
-            <a:normAutofit/>
-          </a:bodyPr>
-          <a:lstStyle/>
-          <a:p>
-            <a:pPr marL="0" marR="0" indent="0" algn="l" defTabSz="914400" rtl="0" eaLnBrk="1" fontAlgn="auto" latinLnBrk="1" hangingPunct="1">
-              <a:lnSpc>
-                <a:spcPct val="100000"/>
-              </a:lnSpc>
-              <a:spcBef>
-                <a:spcPts val="0"/>
-              </a:spcBef>
-              <a:spcAft>
-                <a:spcPts val="0"/>
-              </a:spcAft>
-              <a:buClrTx/>
-              <a:buSzTx/>
-              <a:buFontTx/>
-              <a:buNone/>
-              <a:tabLst/>
-              <a:defRPr/>
-            </a:pPr>
-            <a:r>
-              <a:rPr lang="en-US" altLang="ko-KR" sz="1200" dirty="0"/>
-              <a:t>http://minheeblog.tistory.com/category/PPT</a:t>
-            </a:r>
-            <a:endParaRPr lang="ko-KR" altLang="en-US" sz="1200" dirty="0"/>
-          </a:p>
-          <a:p>
-            <a:endParaRPr lang="ko-KR" altLang="en-US" dirty="0"/>
-          </a:p>
-        </p:txBody>
-      </p:sp>
-      <p:sp>
-        <p:nvSpPr>
-          <p:cNvPr id="4" name="슬라이드 번호 개체 틀 3"/>
-          <p:cNvSpPr>
-            <a:spLocks noGrp="1"/>
-          </p:cNvSpPr>
-          <p:nvPr>
-            <p:ph type="sldNum" sz="quarter" idx="10"/>
-          </p:nvPr>
-        </p:nvSpPr>
-        <p:spPr/>
-        <p:txBody>
-          <a:bodyPr/>
-          <a:lstStyle/>
-          <a:p>
-            <a:fld id="{04A4E647-5A0F-41E6-A0EF-B58D8C1C6CD4}" type="slidenum">
-              <a:rPr lang="ko-KR" altLang="en-US" smtClean="0"/>
-              <a:pPr/>
-              <a:t>13</a:t>
-            </a:fld>
-            <a:endParaRPr lang="ko-KR" altLang="en-US"/>
-          </a:p>
-        </p:txBody>
-      </p:sp>
-    </p:spTree>
-  </p:cSld>
-  <p:clrMapOvr>
-    <a:masterClrMapping/>
-  </p:clrMapOvr>
-</p:notes>
-</file>
-
-<file path=ppt/notesSlides/notesSlide14.xml><?xml version="1.0" encoding="utf-8"?>
-<p:notes xmlns:a="http://schemas.openxmlformats.org/drawingml/2006/main" xmlns:r="http://schemas.openxmlformats.org/officeDocument/2006/relationships" xmlns:p="http://schemas.openxmlformats.org/presentationml/2006/main">
-  <p:cSld>
-    <p:spTree>
-      <p:nvGrpSpPr>
-        <p:cNvPr id="1" name=""/>
-        <p:cNvGrpSpPr/>
-        <p:nvPr/>
-      </p:nvGrpSpPr>
-      <p:grpSpPr>
-        <a:xfrm>
-          <a:off x="0" y="0"/>
-          <a:ext cx="0" cy="0"/>
-          <a:chOff x="0" y="0"/>
-          <a:chExt cx="0" cy="0"/>
-        </a:xfrm>
-      </p:grpSpPr>
-      <p:sp>
-        <p:nvSpPr>
-          <p:cNvPr id="2" name="슬라이드 이미지 개체 틀 1"/>
-          <p:cNvSpPr>
-            <a:spLocks noGrp="1" noRot="1" noChangeAspect="1"/>
-          </p:cNvSpPr>
-          <p:nvPr>
-            <p:ph type="sldImg"/>
-          </p:nvPr>
-        </p:nvSpPr>
-        <p:spPr/>
-      </p:sp>
-      <p:sp>
-        <p:nvSpPr>
-          <p:cNvPr id="3" name="슬라이드 노트 개체 틀 2"/>
-          <p:cNvSpPr>
-            <a:spLocks noGrp="1"/>
-          </p:cNvSpPr>
-          <p:nvPr>
-            <p:ph type="body" idx="1"/>
-          </p:nvPr>
-        </p:nvSpPr>
-        <p:spPr/>
-        <p:txBody>
-          <a:bodyPr>
-            <a:normAutofit/>
-          </a:bodyPr>
-          <a:lstStyle/>
-          <a:p>
-            <a:pPr marL="0" marR="0" indent="0" algn="l" defTabSz="914400" rtl="0" eaLnBrk="1" fontAlgn="auto" latinLnBrk="1" hangingPunct="1">
-              <a:lnSpc>
-                <a:spcPct val="100000"/>
-              </a:lnSpc>
-              <a:spcBef>
-                <a:spcPts val="0"/>
-              </a:spcBef>
-              <a:spcAft>
-                <a:spcPts val="0"/>
-              </a:spcAft>
-              <a:buClrTx/>
-              <a:buSzTx/>
-              <a:buFontTx/>
-              <a:buNone/>
-              <a:tabLst/>
-              <a:defRPr/>
-            </a:pPr>
-            <a:r>
-              <a:rPr lang="en-US" altLang="ko-KR" sz="1200" dirty="0"/>
-              <a:t>http://minheeblog.tistory.com/category/PPT</a:t>
-            </a:r>
-            <a:endParaRPr lang="ko-KR" altLang="en-US" sz="1200" dirty="0"/>
-          </a:p>
-          <a:p>
-            <a:endParaRPr lang="ko-KR" altLang="en-US" dirty="0"/>
-          </a:p>
-        </p:txBody>
-      </p:sp>
-      <p:sp>
-        <p:nvSpPr>
-          <p:cNvPr id="4" name="슬라이드 번호 개체 틀 3"/>
-          <p:cNvSpPr>
-            <a:spLocks noGrp="1"/>
-          </p:cNvSpPr>
-          <p:nvPr>
-            <p:ph type="sldNum" sz="quarter" idx="10"/>
-          </p:nvPr>
-        </p:nvSpPr>
-        <p:spPr/>
-        <p:txBody>
-          <a:bodyPr/>
-          <a:lstStyle/>
-          <a:p>
-            <a:fld id="{04A4E647-5A0F-41E6-A0EF-B58D8C1C6CD4}" type="slidenum">
-              <a:rPr lang="ko-KR" altLang="en-US" smtClean="0"/>
-              <a:pPr/>
-              <a:t>14</a:t>
-            </a:fld>
-            <a:endParaRPr lang="ko-KR" altLang="en-US"/>
-          </a:p>
-        </p:txBody>
-      </p:sp>
-    </p:spTree>
-  </p:cSld>
-  <p:clrMapOvr>
-    <a:masterClrMapping/>
-  </p:clrMapOvr>
-</p:notes>
-</file>
-
-<file path=ppt/notesSlides/notesSlide15.xml><?xml version="1.0" encoding="utf-8"?>
-<p:notes xmlns:a="http://schemas.openxmlformats.org/drawingml/2006/main" xmlns:r="http://schemas.openxmlformats.org/officeDocument/2006/relationships" xmlns:p="http://schemas.openxmlformats.org/presentationml/2006/main">
-  <p:cSld>
-    <p:spTree>
-      <p:nvGrpSpPr>
-        <p:cNvPr id="1" name=""/>
-        <p:cNvGrpSpPr/>
-        <p:nvPr/>
-      </p:nvGrpSpPr>
-      <p:grpSpPr>
-        <a:xfrm>
-          <a:off x="0" y="0"/>
-          <a:ext cx="0" cy="0"/>
-          <a:chOff x="0" y="0"/>
-          <a:chExt cx="0" cy="0"/>
-        </a:xfrm>
-      </p:grpSpPr>
-      <p:sp>
-        <p:nvSpPr>
-          <p:cNvPr id="2" name="슬라이드 이미지 개체 틀 1"/>
-          <p:cNvSpPr>
-            <a:spLocks noGrp="1" noRot="1" noChangeAspect="1"/>
-          </p:cNvSpPr>
-          <p:nvPr>
-            <p:ph type="sldImg"/>
-          </p:nvPr>
-        </p:nvSpPr>
-        <p:spPr/>
-      </p:sp>
-      <p:sp>
-        <p:nvSpPr>
-          <p:cNvPr id="3" name="슬라이드 노트 개체 틀 2"/>
-          <p:cNvSpPr>
-            <a:spLocks noGrp="1"/>
-          </p:cNvSpPr>
-          <p:nvPr>
-            <p:ph type="body" idx="1"/>
-          </p:nvPr>
-        </p:nvSpPr>
-        <p:spPr/>
-        <p:txBody>
-          <a:bodyPr>
-            <a:normAutofit/>
-          </a:bodyPr>
-          <a:lstStyle/>
-          <a:p>
-            <a:pPr marL="0" marR="0" indent="0" algn="l" defTabSz="914400" rtl="0" eaLnBrk="1" fontAlgn="auto" latinLnBrk="1" hangingPunct="1">
-              <a:lnSpc>
-                <a:spcPct val="100000"/>
-              </a:lnSpc>
-              <a:spcBef>
-                <a:spcPts val="0"/>
-              </a:spcBef>
-              <a:spcAft>
-                <a:spcPts val="0"/>
-              </a:spcAft>
-              <a:buClrTx/>
-              <a:buSzTx/>
-              <a:buFontTx/>
-              <a:buNone/>
-              <a:tabLst/>
-              <a:defRPr/>
-            </a:pPr>
-            <a:r>
-              <a:rPr lang="en-US" altLang="ko-KR" sz="1200" dirty="0"/>
-              <a:t>http://minheeblog.tistory.com/category/PPT</a:t>
-            </a:r>
-            <a:endParaRPr lang="ko-KR" altLang="en-US" sz="1200" dirty="0"/>
-          </a:p>
-          <a:p>
-            <a:endParaRPr lang="ko-KR" altLang="en-US" dirty="0"/>
-          </a:p>
-        </p:txBody>
-      </p:sp>
-      <p:sp>
-        <p:nvSpPr>
-          <p:cNvPr id="4" name="슬라이드 번호 개체 틀 3"/>
-          <p:cNvSpPr>
-            <a:spLocks noGrp="1"/>
-          </p:cNvSpPr>
-          <p:nvPr>
-            <p:ph type="sldNum" sz="quarter" idx="10"/>
-          </p:nvPr>
-        </p:nvSpPr>
-        <p:spPr/>
-        <p:txBody>
-          <a:bodyPr/>
-          <a:lstStyle/>
-          <a:p>
-            <a:fld id="{04A4E647-5A0F-41E6-A0EF-B58D8C1C6CD4}" type="slidenum">
-              <a:rPr lang="ko-KR" altLang="en-US" smtClean="0"/>
-              <a:pPr/>
-              <a:t>15</a:t>
-            </a:fld>
-            <a:endParaRPr lang="ko-KR" altLang="en-US"/>
-          </a:p>
-        </p:txBody>
-      </p:sp>
-    </p:spTree>
-  </p:cSld>
-  <p:clrMapOvr>
-    <a:masterClrMapping/>
-  </p:clrMapOvr>
-</p:notes>
-</file>
-
-<file path=ppt/notesSlides/notesSlide16.xml><?xml version="1.0" encoding="utf-8"?>
-<p:notes xmlns:a="http://schemas.openxmlformats.org/drawingml/2006/main" xmlns:r="http://schemas.openxmlformats.org/officeDocument/2006/relationships" xmlns:p="http://schemas.openxmlformats.org/presentationml/2006/main">
-  <p:cSld>
-    <p:spTree>
-      <p:nvGrpSpPr>
-        <p:cNvPr id="1" name=""/>
-        <p:cNvGrpSpPr/>
-        <p:nvPr/>
-      </p:nvGrpSpPr>
-      <p:grpSpPr>
-        <a:xfrm>
-          <a:off x="0" y="0"/>
-          <a:ext cx="0" cy="0"/>
-          <a:chOff x="0" y="0"/>
-          <a:chExt cx="0" cy="0"/>
-        </a:xfrm>
-      </p:grpSpPr>
-      <p:sp>
-        <p:nvSpPr>
-          <p:cNvPr id="2" name="슬라이드 이미지 개체 틀 1"/>
-          <p:cNvSpPr>
-            <a:spLocks noGrp="1" noRot="1" noChangeAspect="1"/>
-          </p:cNvSpPr>
-          <p:nvPr>
-            <p:ph type="sldImg"/>
-          </p:nvPr>
-        </p:nvSpPr>
-        <p:spPr/>
-      </p:sp>
-      <p:sp>
-        <p:nvSpPr>
-          <p:cNvPr id="3" name="슬라이드 노트 개체 틀 2"/>
-          <p:cNvSpPr>
-            <a:spLocks noGrp="1"/>
-          </p:cNvSpPr>
-          <p:nvPr>
-            <p:ph type="body" idx="1"/>
-          </p:nvPr>
-        </p:nvSpPr>
-        <p:spPr/>
-        <p:txBody>
-          <a:bodyPr>
-            <a:normAutofit/>
-          </a:bodyPr>
-          <a:lstStyle/>
-          <a:p>
-            <a:pPr marL="0" marR="0" indent="0" algn="l" defTabSz="914400" rtl="0" eaLnBrk="1" fontAlgn="auto" latinLnBrk="1" hangingPunct="1">
-              <a:lnSpc>
-                <a:spcPct val="100000"/>
-              </a:lnSpc>
-              <a:spcBef>
-                <a:spcPts val="0"/>
-              </a:spcBef>
-              <a:spcAft>
-                <a:spcPts val="0"/>
-              </a:spcAft>
-              <a:buClrTx/>
-              <a:buSzTx/>
-              <a:buFontTx/>
-              <a:buNone/>
-              <a:tabLst/>
-              <a:defRPr/>
-            </a:pPr>
-            <a:r>
-              <a:rPr lang="en-US" altLang="ko-KR" sz="1200" dirty="0"/>
-              <a:t>http://minheeblog.tistory.com/category/PPT</a:t>
-            </a:r>
-            <a:endParaRPr lang="ko-KR" altLang="en-US" sz="1200" dirty="0"/>
-          </a:p>
-          <a:p>
-            <a:endParaRPr lang="ko-KR" altLang="en-US" dirty="0"/>
-          </a:p>
-        </p:txBody>
-      </p:sp>
-      <p:sp>
-        <p:nvSpPr>
-          <p:cNvPr id="4" name="슬라이드 번호 개체 틀 3"/>
-          <p:cNvSpPr>
-            <a:spLocks noGrp="1"/>
-          </p:cNvSpPr>
-          <p:nvPr>
-            <p:ph type="sldNum" sz="quarter" idx="10"/>
-          </p:nvPr>
-        </p:nvSpPr>
-        <p:spPr/>
-        <p:txBody>
-          <a:bodyPr/>
-          <a:lstStyle/>
-          <a:p>
-            <a:fld id="{04A4E647-5A0F-41E6-A0EF-B58D8C1C6CD4}" type="slidenum">
-              <a:rPr lang="ko-KR" altLang="en-US" smtClean="0"/>
-              <a:pPr/>
-              <a:t>16</a:t>
-            </a:fld>
-            <a:endParaRPr lang="ko-KR" altLang="en-US"/>
-          </a:p>
-        </p:txBody>
-      </p:sp>
-    </p:spTree>
-  </p:cSld>
-  <p:clrMapOvr>
-    <a:masterClrMapping/>
-  </p:clrMapOvr>
-</p:notes>
-</file>
-
-<file path=ppt/notesSlides/notesSlide17.xml><?xml version="1.0" encoding="utf-8"?>
-<p:notes xmlns:a="http://schemas.openxmlformats.org/drawingml/2006/main" xmlns:r="http://schemas.openxmlformats.org/officeDocument/2006/relationships" xmlns:p="http://schemas.openxmlformats.org/presentationml/2006/main">
-  <p:cSld>
-    <p:spTree>
-      <p:nvGrpSpPr>
-        <p:cNvPr id="1" name=""/>
-        <p:cNvGrpSpPr/>
-        <p:nvPr/>
-      </p:nvGrpSpPr>
-      <p:grpSpPr>
-        <a:xfrm>
-          <a:off x="0" y="0"/>
-          <a:ext cx="0" cy="0"/>
-          <a:chOff x="0" y="0"/>
-          <a:chExt cx="0" cy="0"/>
-        </a:xfrm>
-      </p:grpSpPr>
-      <p:sp>
-        <p:nvSpPr>
-          <p:cNvPr id="2" name="슬라이드 이미지 개체 틀 1"/>
-          <p:cNvSpPr>
-            <a:spLocks noGrp="1" noRot="1" noChangeAspect="1"/>
-          </p:cNvSpPr>
-          <p:nvPr>
-            <p:ph type="sldImg"/>
-          </p:nvPr>
-        </p:nvSpPr>
-        <p:spPr/>
-      </p:sp>
-      <p:sp>
-        <p:nvSpPr>
-          <p:cNvPr id="3" name="슬라이드 노트 개체 틀 2"/>
-          <p:cNvSpPr>
-            <a:spLocks noGrp="1"/>
-          </p:cNvSpPr>
-          <p:nvPr>
-            <p:ph type="body" idx="1"/>
-          </p:nvPr>
-        </p:nvSpPr>
-        <p:spPr/>
-        <p:txBody>
-          <a:bodyPr>
-            <a:normAutofit/>
-          </a:bodyPr>
-          <a:lstStyle/>
-          <a:p>
-            <a:pPr marL="0" marR="0" indent="0" algn="l" defTabSz="914400" rtl="0" eaLnBrk="1" fontAlgn="auto" latinLnBrk="1" hangingPunct="1">
-              <a:lnSpc>
-                <a:spcPct val="100000"/>
-              </a:lnSpc>
-              <a:spcBef>
-                <a:spcPts val="0"/>
-              </a:spcBef>
-              <a:spcAft>
-                <a:spcPts val="0"/>
-              </a:spcAft>
-              <a:buClrTx/>
-              <a:buSzTx/>
-              <a:buFontTx/>
-              <a:buNone/>
-              <a:tabLst/>
-              <a:defRPr/>
-            </a:pPr>
-            <a:r>
-              <a:rPr lang="en-US" altLang="ko-KR" sz="1200" dirty="0"/>
-              <a:t>http://minheeblog.tistory.com/category/PPT</a:t>
-            </a:r>
-            <a:endParaRPr lang="ko-KR" altLang="en-US" sz="1200" dirty="0"/>
-          </a:p>
-          <a:p>
-            <a:endParaRPr lang="ko-KR" altLang="en-US" dirty="0"/>
-          </a:p>
-        </p:txBody>
-      </p:sp>
-      <p:sp>
-        <p:nvSpPr>
-          <p:cNvPr id="4" name="슬라이드 번호 개체 틀 3"/>
-          <p:cNvSpPr>
-            <a:spLocks noGrp="1"/>
-          </p:cNvSpPr>
-          <p:nvPr>
-            <p:ph type="sldNum" sz="quarter" idx="10"/>
-          </p:nvPr>
-        </p:nvSpPr>
-        <p:spPr/>
-        <p:txBody>
-          <a:bodyPr/>
-          <a:lstStyle/>
-          <a:p>
-            <a:fld id="{04A4E647-5A0F-41E6-A0EF-B58D8C1C6CD4}" type="slidenum">
-              <a:rPr lang="ko-KR" altLang="en-US" smtClean="0"/>
-              <a:pPr/>
-              <a:t>17</a:t>
-            </a:fld>
-            <a:endParaRPr lang="ko-KR" altLang="en-US"/>
-          </a:p>
-        </p:txBody>
-      </p:sp>
-    </p:spTree>
-  </p:cSld>
-  <p:clrMapOvr>
-    <a:masterClrMapping/>
-  </p:clrMapOvr>
-</p:notes>
-</file>
-
 <file path=ppt/notesSlides/notesSlide2.xml><?xml version="1.0" encoding="utf-8"?>
 <p:notes xmlns:a="http://schemas.openxmlformats.org/drawingml/2006/main" xmlns:r="http://schemas.openxmlformats.org/officeDocument/2006/relationships" xmlns:p="http://schemas.openxmlformats.org/presentationml/2006/main">
   <p:cSld>
@@ -5731,7 +1641,7 @@
             <a:fld id="{A22FE722-38C7-4231-8BB5-7A27D4E5977D}" type="datetimeFigureOut">
               <a:rPr lang="ko-KR" altLang="en-US" smtClean="0"/>
               <a:pPr/>
-              <a:t>2019-05-08</a:t>
+              <a:t>2019-05-12</a:t>
             </a:fld>
             <a:endParaRPr lang="ko-KR" altLang="en-US"/>
           </a:p>
@@ -5896,7 +1806,7 @@
             <a:fld id="{A22FE722-38C7-4231-8BB5-7A27D4E5977D}" type="datetimeFigureOut">
               <a:rPr lang="ko-KR" altLang="en-US" smtClean="0"/>
               <a:pPr/>
-              <a:t>2019-05-08</a:t>
+              <a:t>2019-05-12</a:t>
             </a:fld>
             <a:endParaRPr lang="ko-KR" altLang="en-US"/>
           </a:p>
@@ -6071,7 +1981,7 @@
             <a:fld id="{A22FE722-38C7-4231-8BB5-7A27D4E5977D}" type="datetimeFigureOut">
               <a:rPr lang="ko-KR" altLang="en-US" smtClean="0"/>
               <a:pPr/>
-              <a:t>2019-05-08</a:t>
+              <a:t>2019-05-12</a:t>
             </a:fld>
             <a:endParaRPr lang="ko-KR" altLang="en-US"/>
           </a:p>
@@ -6236,7 +2146,7 @@
             <a:fld id="{A22FE722-38C7-4231-8BB5-7A27D4E5977D}" type="datetimeFigureOut">
               <a:rPr lang="ko-KR" altLang="en-US" smtClean="0"/>
               <a:pPr/>
-              <a:t>2019-05-08</a:t>
+              <a:t>2019-05-12</a:t>
             </a:fld>
             <a:endParaRPr lang="ko-KR" altLang="en-US"/>
           </a:p>
@@ -6478,7 +2388,7 @@
             <a:fld id="{A22FE722-38C7-4231-8BB5-7A27D4E5977D}" type="datetimeFigureOut">
               <a:rPr lang="ko-KR" altLang="en-US" smtClean="0"/>
               <a:pPr/>
-              <a:t>2019-05-08</a:t>
+              <a:t>2019-05-12</a:t>
             </a:fld>
             <a:endParaRPr lang="ko-KR" altLang="en-US"/>
           </a:p>
@@ -6760,7 +2670,7 @@
             <a:fld id="{A22FE722-38C7-4231-8BB5-7A27D4E5977D}" type="datetimeFigureOut">
               <a:rPr lang="ko-KR" altLang="en-US" smtClean="0"/>
               <a:pPr/>
-              <a:t>2019-05-08</a:t>
+              <a:t>2019-05-12</a:t>
             </a:fld>
             <a:endParaRPr lang="ko-KR" altLang="en-US"/>
           </a:p>
@@ -7176,7 +3086,7 @@
             <a:fld id="{A22FE722-38C7-4231-8BB5-7A27D4E5977D}" type="datetimeFigureOut">
               <a:rPr lang="ko-KR" altLang="en-US" smtClean="0"/>
               <a:pPr/>
-              <a:t>2019-05-08</a:t>
+              <a:t>2019-05-12</a:t>
             </a:fld>
             <a:endParaRPr lang="ko-KR" altLang="en-US"/>
           </a:p>
@@ -7290,7 +3200,7 @@
             <a:fld id="{A22FE722-38C7-4231-8BB5-7A27D4E5977D}" type="datetimeFigureOut">
               <a:rPr lang="ko-KR" altLang="en-US" smtClean="0"/>
               <a:pPr/>
-              <a:t>2019-05-08</a:t>
+              <a:t>2019-05-12</a:t>
             </a:fld>
             <a:endParaRPr lang="ko-KR" altLang="en-US"/>
           </a:p>
@@ -7382,7 +3292,7 @@
             <a:fld id="{A22FE722-38C7-4231-8BB5-7A27D4E5977D}" type="datetimeFigureOut">
               <a:rPr lang="ko-KR" altLang="en-US" smtClean="0"/>
               <a:pPr/>
-              <a:t>2019-05-08</a:t>
+              <a:t>2019-05-12</a:t>
             </a:fld>
             <a:endParaRPr lang="ko-KR" altLang="en-US"/>
           </a:p>
@@ -7654,7 +3564,7 @@
             <a:fld id="{A22FE722-38C7-4231-8BB5-7A27D4E5977D}" type="datetimeFigureOut">
               <a:rPr lang="ko-KR" altLang="en-US" smtClean="0"/>
               <a:pPr/>
-              <a:t>2019-05-08</a:t>
+              <a:t>2019-05-12</a:t>
             </a:fld>
             <a:endParaRPr lang="ko-KR" altLang="en-US"/>
           </a:p>
@@ -7903,7 +3813,7 @@
             <a:fld id="{A22FE722-38C7-4231-8BB5-7A27D4E5977D}" type="datetimeFigureOut">
               <a:rPr lang="ko-KR" altLang="en-US" smtClean="0"/>
               <a:pPr/>
-              <a:t>2019-05-08</a:t>
+              <a:t>2019-05-12</a:t>
             </a:fld>
             <a:endParaRPr lang="ko-KR" altLang="en-US"/>
           </a:p>
@@ -8111,7 +4021,7 @@
             <a:fld id="{A22FE722-38C7-4231-8BB5-7A27D4E5977D}" type="datetimeFigureOut">
               <a:rPr lang="ko-KR" altLang="en-US" smtClean="0"/>
               <a:pPr/>
-              <a:t>2019-05-08</a:t>
+              <a:t>2019-05-12</a:t>
             </a:fld>
             <a:endParaRPr lang="ko-KR" altLang="en-US"/>
           </a:p>
@@ -8735,5457 +4645,6 @@
             <a:endParaRPr lang="ko-KR" altLang="en-US" sz="1050" dirty="0">
               <a:solidFill>
                 <a:schemeClr val="bg1"/>
-              </a:solidFill>
-              <a:latin typeface="나눔바른고딕OTF Light" pitchFamily="50" charset="-127"/>
-              <a:ea typeface="나눔바른고딕OTF Light" pitchFamily="50" charset="-127"/>
-            </a:endParaRPr>
-          </a:p>
-        </p:txBody>
-      </p:sp>
-    </p:spTree>
-  </p:cSld>
-  <p:clrMapOvr>
-    <a:masterClrMapping/>
-  </p:clrMapOvr>
-</p:sld>
-</file>
-
-<file path=ppt/slides/slide10.xml><?xml version="1.0" encoding="utf-8"?>
-<p:sld xmlns:a="http://schemas.openxmlformats.org/drawingml/2006/main" xmlns:r="http://schemas.openxmlformats.org/officeDocument/2006/relationships" xmlns:p="http://schemas.openxmlformats.org/presentationml/2006/main">
-  <p:cSld>
-    <p:spTree>
-      <p:nvGrpSpPr>
-        <p:cNvPr id="1" name=""/>
-        <p:cNvGrpSpPr/>
-        <p:nvPr/>
-      </p:nvGrpSpPr>
-      <p:grpSpPr>
-        <a:xfrm>
-          <a:off x="0" y="0"/>
-          <a:ext cx="0" cy="0"/>
-          <a:chOff x="0" y="0"/>
-          <a:chExt cx="0" cy="0"/>
-        </a:xfrm>
-      </p:grpSpPr>
-      <p:sp>
-        <p:nvSpPr>
-          <p:cNvPr id="33" name="타원 32"/>
-          <p:cNvSpPr/>
-          <p:nvPr/>
-        </p:nvSpPr>
-        <p:spPr>
-          <a:xfrm>
-            <a:off x="4067944" y="74100"/>
-            <a:ext cx="936104" cy="936104"/>
-          </a:xfrm>
-          <a:prstGeom prst="ellipse">
-            <a:avLst/>
-          </a:prstGeom>
-          <a:solidFill>
-            <a:schemeClr val="tx1"/>
-          </a:solidFill>
-          <a:ln>
-            <a:noFill/>
-          </a:ln>
-        </p:spPr>
-        <p:style>
-          <a:lnRef idx="2">
-            <a:schemeClr val="accent1">
-              <a:shade val="50000"/>
-            </a:schemeClr>
-          </a:lnRef>
-          <a:fillRef idx="1">
-            <a:schemeClr val="accent1"/>
-          </a:fillRef>
-          <a:effectRef idx="0">
-            <a:schemeClr val="accent1"/>
-          </a:effectRef>
-          <a:fontRef idx="minor">
-            <a:schemeClr val="lt1"/>
-          </a:fontRef>
-        </p:style>
-        <p:txBody>
-          <a:bodyPr rtlCol="0" anchor="ctr"/>
-          <a:lstStyle/>
-          <a:p>
-            <a:pPr algn="ctr"/>
-            <a:endParaRPr lang="ko-KR" altLang="en-US"/>
-          </a:p>
-        </p:txBody>
-      </p:sp>
-      <p:sp>
-        <p:nvSpPr>
-          <p:cNvPr id="34" name="TextBox 33"/>
-          <p:cNvSpPr txBox="1"/>
-          <p:nvPr/>
-        </p:nvSpPr>
-        <p:spPr>
-          <a:xfrm>
-            <a:off x="3995936" y="479095"/>
-            <a:ext cx="1080120" cy="461665"/>
-          </a:xfrm>
-          <a:prstGeom prst="rect">
-            <a:avLst/>
-          </a:prstGeom>
-          <a:noFill/>
-        </p:spPr>
-        <p:txBody>
-          <a:bodyPr wrap="square" rtlCol="0">
-            <a:spAutoFit/>
-          </a:bodyPr>
-          <a:lstStyle/>
-          <a:p>
-            <a:pPr algn="ctr"/>
-            <a:r>
-              <a:rPr lang="en-US" altLang="ko-KR" sz="2400" dirty="0">
-                <a:solidFill>
-                  <a:schemeClr val="bg1"/>
-                </a:solidFill>
-                <a:latin typeface="HY헤드라인M" pitchFamily="18" charset="-127"/>
-                <a:ea typeface="HY헤드라인M" pitchFamily="18" charset="-127"/>
-              </a:rPr>
-              <a:t>02</a:t>
-            </a:r>
-            <a:endParaRPr lang="ko-KR" altLang="en-US" sz="2400" dirty="0">
-              <a:solidFill>
-                <a:schemeClr val="bg1"/>
-              </a:solidFill>
-              <a:latin typeface="HY헤드라인M" pitchFamily="18" charset="-127"/>
-              <a:ea typeface="HY헤드라인M" pitchFamily="18" charset="-127"/>
-            </a:endParaRPr>
-          </a:p>
-        </p:txBody>
-      </p:sp>
-      <p:sp>
-        <p:nvSpPr>
-          <p:cNvPr id="6" name="직사각형 5"/>
-          <p:cNvSpPr/>
-          <p:nvPr/>
-        </p:nvSpPr>
-        <p:spPr>
-          <a:xfrm>
-            <a:off x="971600" y="2942942"/>
-            <a:ext cx="7200800" cy="1494170"/>
-          </a:xfrm>
-          <a:prstGeom prst="rect">
-            <a:avLst/>
-          </a:prstGeom>
-          <a:solidFill>
-            <a:schemeClr val="bg1">
-              <a:lumMod val="95000"/>
-            </a:schemeClr>
-          </a:solidFill>
-          <a:ln w="3175">
-            <a:solidFill>
-              <a:schemeClr val="bg1">
-                <a:lumMod val="50000"/>
-              </a:schemeClr>
-            </a:solidFill>
-          </a:ln>
-        </p:spPr>
-        <p:style>
-          <a:lnRef idx="2">
-            <a:schemeClr val="accent1">
-              <a:shade val="50000"/>
-            </a:schemeClr>
-          </a:lnRef>
-          <a:fillRef idx="1">
-            <a:schemeClr val="accent1"/>
-          </a:fillRef>
-          <a:effectRef idx="0">
-            <a:schemeClr val="accent1"/>
-          </a:effectRef>
-          <a:fontRef idx="minor">
-            <a:schemeClr val="lt1"/>
-          </a:fontRef>
-        </p:style>
-        <p:txBody>
-          <a:bodyPr rtlCol="0" anchor="ctr"/>
-          <a:lstStyle/>
-          <a:p>
-            <a:pPr algn="ctr"/>
-            <a:endParaRPr lang="ko-KR" altLang="en-US">
-              <a:solidFill>
-                <a:schemeClr val="tx1"/>
-              </a:solidFill>
-              <a:latin typeface="나눔바른고딕OTF Light" pitchFamily="50" charset="-127"/>
-              <a:ea typeface="나눔바른고딕OTF Light" pitchFamily="50" charset="-127"/>
-            </a:endParaRPr>
-          </a:p>
-        </p:txBody>
-      </p:sp>
-      <p:sp>
-        <p:nvSpPr>
-          <p:cNvPr id="7" name="TextBox 6"/>
-          <p:cNvSpPr txBox="1"/>
-          <p:nvPr/>
-        </p:nvSpPr>
-        <p:spPr>
-          <a:xfrm>
-            <a:off x="971600" y="1196752"/>
-            <a:ext cx="7200800" cy="1015663"/>
-          </a:xfrm>
-          <a:prstGeom prst="rect">
-            <a:avLst/>
-          </a:prstGeom>
-          <a:noFill/>
-        </p:spPr>
-        <p:txBody>
-          <a:bodyPr wrap="square" rtlCol="0">
-            <a:spAutoFit/>
-          </a:bodyPr>
-          <a:lstStyle/>
-          <a:p>
-            <a:pPr algn="ctr"/>
-            <a:r>
-              <a:rPr lang="en-US" altLang="ko-KR" sz="6000" dirty="0">
-                <a:latin typeface="나눔바른고딕OTF Light" pitchFamily="50" charset="-127"/>
-                <a:ea typeface="나눔바른고딕OTF Light" pitchFamily="50" charset="-127"/>
-              </a:rPr>
-              <a:t>“               ”</a:t>
-            </a:r>
-            <a:endParaRPr lang="ko-KR" altLang="en-US" sz="6000" dirty="0">
-              <a:latin typeface="나눔바른고딕OTF Light" pitchFamily="50" charset="-127"/>
-              <a:ea typeface="나눔바른고딕OTF Light" pitchFamily="50" charset="-127"/>
-            </a:endParaRPr>
-          </a:p>
-        </p:txBody>
-      </p:sp>
-      <p:sp>
-        <p:nvSpPr>
-          <p:cNvPr id="8" name="TextBox 7"/>
-          <p:cNvSpPr txBox="1"/>
-          <p:nvPr/>
-        </p:nvSpPr>
-        <p:spPr>
-          <a:xfrm>
-            <a:off x="1331640" y="3356992"/>
-            <a:ext cx="6624736" cy="523220"/>
-          </a:xfrm>
-          <a:prstGeom prst="rect">
-            <a:avLst/>
-          </a:prstGeom>
-          <a:noFill/>
-        </p:spPr>
-        <p:txBody>
-          <a:bodyPr wrap="square" rtlCol="0">
-            <a:spAutoFit/>
-          </a:bodyPr>
-          <a:lstStyle/>
-          <a:p>
-            <a:pPr algn="ctr"/>
-            <a:r>
-              <a:rPr lang="ko-KR" altLang="en-US" sz="1400" dirty="0">
-                <a:latin typeface="나눔바른고딕OTF Light" pitchFamily="50" charset="-127"/>
-                <a:ea typeface="나눔바른고딕OTF Light" pitchFamily="50" charset="-127"/>
-              </a:rPr>
-              <a:t>내용을 입력하세요</a:t>
-            </a:r>
-            <a:endParaRPr lang="en-US" altLang="ko-KR" sz="1400" dirty="0">
-              <a:latin typeface="나눔바른고딕OTF Light" pitchFamily="50" charset="-127"/>
-              <a:ea typeface="나눔바른고딕OTF Light" pitchFamily="50" charset="-127"/>
-            </a:endParaRPr>
-          </a:p>
-          <a:p>
-            <a:pPr algn="ctr"/>
-            <a:r>
-              <a:rPr lang="en-US" altLang="ko-KR" sz="1400" dirty="0">
-                <a:latin typeface="나눔바른고딕OTF Light" pitchFamily="50" charset="-127"/>
-                <a:ea typeface="나눔바른고딕OTF Light" pitchFamily="50" charset="-127"/>
-              </a:rPr>
-              <a:t>http://minheeblog.tistory.com/category/PPT</a:t>
-            </a:r>
-            <a:endParaRPr lang="ko-KR" altLang="en-US" sz="1400" dirty="0">
-              <a:latin typeface="나눔바른고딕OTF Light" pitchFamily="50" charset="-127"/>
-              <a:ea typeface="나눔바른고딕OTF Light" pitchFamily="50" charset="-127"/>
-            </a:endParaRPr>
-          </a:p>
-        </p:txBody>
-      </p:sp>
-      <p:sp>
-        <p:nvSpPr>
-          <p:cNvPr id="9" name="TextBox 8"/>
-          <p:cNvSpPr txBox="1"/>
-          <p:nvPr/>
-        </p:nvSpPr>
-        <p:spPr>
-          <a:xfrm>
-            <a:off x="971600" y="2062589"/>
-            <a:ext cx="7128792" cy="584775"/>
-          </a:xfrm>
-          <a:prstGeom prst="rect">
-            <a:avLst/>
-          </a:prstGeom>
-          <a:noFill/>
-        </p:spPr>
-        <p:txBody>
-          <a:bodyPr wrap="square" rtlCol="0">
-            <a:spAutoFit/>
-          </a:bodyPr>
-          <a:lstStyle/>
-          <a:p>
-            <a:pPr algn="ctr"/>
-            <a:r>
-              <a:rPr lang="ko-KR" altLang="en-US" spc="-150" dirty="0">
-                <a:latin typeface="나눔바른고딕OTF Light" pitchFamily="50" charset="-127"/>
-                <a:ea typeface="나눔바른고딕OTF Light" pitchFamily="50" charset="-127"/>
-              </a:rPr>
-              <a:t>심플한 </a:t>
-            </a:r>
-            <a:r>
-              <a:rPr lang="ko-KR" altLang="en-US" spc="-150" dirty="0" err="1">
-                <a:latin typeface="나눔바른고딕OTF Light" pitchFamily="50" charset="-127"/>
-                <a:ea typeface="나눔바른고딕OTF Light" pitchFamily="50" charset="-127"/>
-              </a:rPr>
-              <a:t>피피티를</a:t>
-            </a:r>
-            <a:r>
-              <a:rPr lang="ko-KR" altLang="en-US" spc="-150" dirty="0">
-                <a:latin typeface="나눔바른고딕OTF Light" pitchFamily="50" charset="-127"/>
-                <a:ea typeface="나눔바른고딕OTF Light" pitchFamily="50" charset="-127"/>
-              </a:rPr>
-              <a:t> 찾을 수 있는 가장 쉬운 방법</a:t>
-            </a:r>
-            <a:endParaRPr lang="en-US" altLang="ko-KR" spc="-150" dirty="0">
-              <a:latin typeface="나눔바른고딕OTF Light" pitchFamily="50" charset="-127"/>
-              <a:ea typeface="나눔바른고딕OTF Light" pitchFamily="50" charset="-127"/>
-            </a:endParaRPr>
-          </a:p>
-          <a:p>
-            <a:pPr algn="ctr"/>
-            <a:r>
-              <a:rPr lang="ko-KR" altLang="en-US" sz="1400" spc="-150" dirty="0" err="1">
-                <a:latin typeface="나눔바른고딕OTF Light" pitchFamily="50" charset="-127"/>
-                <a:ea typeface="나눔바른고딕OTF Light" pitchFamily="50" charset="-127"/>
-              </a:rPr>
-              <a:t>민희블로그에</a:t>
-            </a:r>
-            <a:r>
-              <a:rPr lang="ko-KR" altLang="en-US" sz="1400" spc="-150" dirty="0">
-                <a:latin typeface="나눔바른고딕OTF Light" pitchFamily="50" charset="-127"/>
-                <a:ea typeface="나눔바른고딕OTF Light" pitchFamily="50" charset="-127"/>
-              </a:rPr>
-              <a:t> 접속하여 </a:t>
-            </a:r>
-            <a:r>
-              <a:rPr lang="ko-KR" altLang="en-US" sz="1400" spc="-150" dirty="0" err="1">
-                <a:latin typeface="나눔바른고딕OTF Light" pitchFamily="50" charset="-127"/>
-                <a:ea typeface="나눔바른고딕OTF Light" pitchFamily="50" charset="-127"/>
-              </a:rPr>
-              <a:t>댓글을</a:t>
-            </a:r>
-            <a:r>
-              <a:rPr lang="ko-KR" altLang="en-US" sz="1400" spc="-150" dirty="0">
-                <a:latin typeface="나눔바른고딕OTF Light" pitchFamily="50" charset="-127"/>
-                <a:ea typeface="나눔바른고딕OTF Light" pitchFamily="50" charset="-127"/>
-              </a:rPr>
-              <a:t> 남긴 뒤 </a:t>
-            </a:r>
-            <a:r>
-              <a:rPr lang="ko-KR" altLang="en-US" sz="1400" spc="-150" dirty="0" err="1">
-                <a:latin typeface="나눔바른고딕OTF Light" pitchFamily="50" charset="-127"/>
-                <a:ea typeface="나눔바른고딕OTF Light" pitchFamily="50" charset="-127"/>
-              </a:rPr>
-              <a:t>심플한피피티를</a:t>
-            </a:r>
-            <a:r>
-              <a:rPr lang="ko-KR" altLang="en-US" sz="1400" spc="-150" dirty="0">
-                <a:latin typeface="나눔바른고딕OTF Light" pitchFamily="50" charset="-127"/>
-                <a:ea typeface="나눔바른고딕OTF Light" pitchFamily="50" charset="-127"/>
-              </a:rPr>
-              <a:t> 사용한다</a:t>
-            </a:r>
-            <a:r>
-              <a:rPr lang="en-US" altLang="ko-KR" sz="1400" spc="-150" dirty="0">
-                <a:latin typeface="나눔바른고딕OTF Light" pitchFamily="50" charset="-127"/>
-                <a:ea typeface="나눔바른고딕OTF Light" pitchFamily="50" charset="-127"/>
-              </a:rPr>
-              <a:t>.</a:t>
-            </a:r>
-            <a:endParaRPr lang="ko-KR" altLang="en-US" spc="-150" dirty="0">
-              <a:latin typeface="나눔바른고딕OTF Light" pitchFamily="50" charset="-127"/>
-              <a:ea typeface="나눔바른고딕OTF Light" pitchFamily="50" charset="-127"/>
-            </a:endParaRPr>
-          </a:p>
-        </p:txBody>
-      </p:sp>
-      <p:sp>
-        <p:nvSpPr>
-          <p:cNvPr id="10" name="TextBox 9"/>
-          <p:cNvSpPr txBox="1"/>
-          <p:nvPr/>
-        </p:nvSpPr>
-        <p:spPr>
-          <a:xfrm>
-            <a:off x="2411760" y="1268760"/>
-            <a:ext cx="4320480" cy="584775"/>
-          </a:xfrm>
-          <a:prstGeom prst="rect">
-            <a:avLst/>
-          </a:prstGeom>
-          <a:noFill/>
-        </p:spPr>
-        <p:txBody>
-          <a:bodyPr wrap="square" rtlCol="0">
-            <a:spAutoFit/>
-          </a:bodyPr>
-          <a:lstStyle/>
-          <a:p>
-            <a:pPr algn="ctr"/>
-            <a:r>
-              <a:rPr lang="en-US" altLang="ko-KR" sz="3200" spc="-150" dirty="0">
-                <a:latin typeface="나눔바른고딕OTF Light" pitchFamily="50" charset="-127"/>
-                <a:ea typeface="나눔바른고딕OTF Light" pitchFamily="50" charset="-127"/>
-              </a:rPr>
-              <a:t>MINHEEBLOG</a:t>
-            </a:r>
-            <a:endParaRPr lang="ko-KR" altLang="en-US" sz="3200" spc="-150" dirty="0">
-              <a:latin typeface="나눔바른고딕OTF Light" pitchFamily="50" charset="-127"/>
-              <a:ea typeface="나눔바른고딕OTF Light" pitchFamily="50" charset="-127"/>
-            </a:endParaRPr>
-          </a:p>
-        </p:txBody>
-      </p:sp>
-      <p:cxnSp>
-        <p:nvCxnSpPr>
-          <p:cNvPr id="11" name="직선 연결선 10"/>
-          <p:cNvCxnSpPr/>
-          <p:nvPr/>
-        </p:nvCxnSpPr>
-        <p:spPr>
-          <a:xfrm>
-            <a:off x="2123728" y="1916832"/>
-            <a:ext cx="4824536" cy="0"/>
-          </a:xfrm>
-          <a:prstGeom prst="line">
-            <a:avLst/>
-          </a:prstGeom>
-          <a:ln>
-            <a:gradFill>
-              <a:gsLst>
-                <a:gs pos="0">
-                  <a:schemeClr val="bg1"/>
-                </a:gs>
-                <a:gs pos="50000">
-                  <a:schemeClr val="bg1">
-                    <a:lumMod val="50000"/>
-                  </a:schemeClr>
-                </a:gs>
-                <a:gs pos="100000">
-                  <a:schemeClr val="bg1"/>
-                </a:gs>
-              </a:gsLst>
-              <a:lin ang="10800000" scaled="0"/>
-            </a:gradFill>
-          </a:ln>
-        </p:spPr>
-        <p:style>
-          <a:lnRef idx="1">
-            <a:schemeClr val="dk1"/>
-          </a:lnRef>
-          <a:fillRef idx="0">
-            <a:schemeClr val="dk1"/>
-          </a:fillRef>
-          <a:effectRef idx="0">
-            <a:schemeClr val="dk1"/>
-          </a:effectRef>
-          <a:fontRef idx="minor">
-            <a:schemeClr val="tx1"/>
-          </a:fontRef>
-        </p:style>
-      </p:cxnSp>
-      <p:pic>
-        <p:nvPicPr>
-          <p:cNvPr id="12" name="_x48549128" descr="EMB00000778ad78"/>
-          <p:cNvPicPr>
-            <a:picLocks noChangeAspect="1" noChangeArrowheads="1"/>
-          </p:cNvPicPr>
-          <p:nvPr/>
-        </p:nvPicPr>
-        <p:blipFill>
-          <a:blip r:embed="rId3" cstate="print"/>
-          <a:stretch>
-            <a:fillRect/>
-          </a:stretch>
-        </p:blipFill>
-        <p:spPr bwMode="auto">
-          <a:xfrm>
-            <a:off x="3492120" y="4581128"/>
-            <a:ext cx="2160000" cy="1440000"/>
-          </a:xfrm>
-          <a:prstGeom prst="rect">
-            <a:avLst/>
-          </a:prstGeom>
-          <a:noFill/>
-        </p:spPr>
-      </p:pic>
-      <p:pic>
-        <p:nvPicPr>
-          <p:cNvPr id="13" name="_x48549128" descr="EMB00000778ad7b"/>
-          <p:cNvPicPr>
-            <a:picLocks noChangeAspect="1" noChangeArrowheads="1"/>
-          </p:cNvPicPr>
-          <p:nvPr/>
-        </p:nvPicPr>
-        <p:blipFill>
-          <a:blip r:embed="rId4" cstate="print"/>
-          <a:stretch>
-            <a:fillRect/>
-          </a:stretch>
-        </p:blipFill>
-        <p:spPr bwMode="auto">
-          <a:xfrm>
-            <a:off x="6012160" y="4581128"/>
-            <a:ext cx="2160000" cy="1440000"/>
-          </a:xfrm>
-          <a:prstGeom prst="rect">
-            <a:avLst/>
-          </a:prstGeom>
-          <a:noFill/>
-        </p:spPr>
-      </p:pic>
-      <p:pic>
-        <p:nvPicPr>
-          <p:cNvPr id="14" name="_x189903544" descr="EMB00000778ad7e"/>
-          <p:cNvPicPr>
-            <a:picLocks noChangeAspect="1" noChangeArrowheads="1"/>
-          </p:cNvPicPr>
-          <p:nvPr/>
-        </p:nvPicPr>
-        <p:blipFill>
-          <a:blip r:embed="rId5" cstate="print"/>
-          <a:stretch>
-            <a:fillRect/>
-          </a:stretch>
-        </p:blipFill>
-        <p:spPr bwMode="auto">
-          <a:xfrm>
-            <a:off x="971600" y="4581288"/>
-            <a:ext cx="2160001" cy="1440000"/>
-          </a:xfrm>
-          <a:prstGeom prst="rect">
-            <a:avLst/>
-          </a:prstGeom>
-          <a:noFill/>
-        </p:spPr>
-      </p:pic>
-      <p:sp>
-        <p:nvSpPr>
-          <p:cNvPr id="15" name="TextBox 14"/>
-          <p:cNvSpPr txBox="1"/>
-          <p:nvPr/>
-        </p:nvSpPr>
-        <p:spPr>
-          <a:xfrm>
-            <a:off x="1115616" y="5013176"/>
-            <a:ext cx="1872208" cy="430887"/>
-          </a:xfrm>
-          <a:prstGeom prst="rect">
-            <a:avLst/>
-          </a:prstGeom>
-          <a:noFill/>
-        </p:spPr>
-        <p:txBody>
-          <a:bodyPr wrap="square" rtlCol="0">
-            <a:spAutoFit/>
-          </a:bodyPr>
-          <a:lstStyle/>
-          <a:p>
-            <a:pPr algn="ctr"/>
-            <a:r>
-              <a:rPr lang="ko-KR" altLang="en-US" sz="1100" dirty="0" err="1">
-                <a:solidFill>
-                  <a:schemeClr val="bg1"/>
-                </a:solidFill>
-                <a:latin typeface="나눔바른고딕OTF Light" pitchFamily="50" charset="-127"/>
-                <a:ea typeface="나눔바른고딕OTF Light" pitchFamily="50" charset="-127"/>
-              </a:rPr>
-              <a:t>우클릭</a:t>
-            </a:r>
-            <a:r>
-              <a:rPr lang="ko-KR" altLang="en-US" sz="1100" dirty="0">
-                <a:solidFill>
-                  <a:schemeClr val="bg1"/>
-                </a:solidFill>
-                <a:latin typeface="나눔바른고딕OTF Light" pitchFamily="50" charset="-127"/>
-                <a:ea typeface="나눔바른고딕OTF Light" pitchFamily="50" charset="-127"/>
-              </a:rPr>
-              <a:t> </a:t>
-            </a:r>
-            <a:r>
-              <a:rPr lang="ko-KR" altLang="en-US" sz="1100" dirty="0" err="1">
-                <a:solidFill>
-                  <a:schemeClr val="bg1"/>
-                </a:solidFill>
-                <a:latin typeface="나눔바른고딕OTF Light" pitchFamily="50" charset="-127"/>
-                <a:ea typeface="나눔바른고딕OTF Light" pitchFamily="50" charset="-127"/>
-              </a:rPr>
-              <a:t>그림바꾸기로</a:t>
-            </a:r>
-            <a:r>
-              <a:rPr lang="ko-KR" altLang="en-US" sz="1100" dirty="0">
-                <a:solidFill>
-                  <a:schemeClr val="bg1"/>
-                </a:solidFill>
-                <a:latin typeface="나눔바른고딕OTF Light" pitchFamily="50" charset="-127"/>
-                <a:ea typeface="나눔바른고딕OTF Light" pitchFamily="50" charset="-127"/>
-              </a:rPr>
-              <a:t> </a:t>
-            </a:r>
-            <a:endParaRPr lang="en-US" altLang="ko-KR" sz="1100" dirty="0">
-              <a:solidFill>
-                <a:schemeClr val="bg1"/>
-              </a:solidFill>
-              <a:latin typeface="나눔바른고딕OTF Light" pitchFamily="50" charset="-127"/>
-              <a:ea typeface="나눔바른고딕OTF Light" pitchFamily="50" charset="-127"/>
-            </a:endParaRPr>
-          </a:p>
-          <a:p>
-            <a:pPr algn="ctr"/>
-            <a:r>
-              <a:rPr lang="ko-KR" altLang="en-US" sz="1100" dirty="0" err="1">
-                <a:solidFill>
-                  <a:schemeClr val="bg1"/>
-                </a:solidFill>
-                <a:latin typeface="나눔바른고딕OTF Light" pitchFamily="50" charset="-127"/>
-                <a:ea typeface="나눔바른고딕OTF Light" pitchFamily="50" charset="-127"/>
-              </a:rPr>
-              <a:t>그림바꿔주세요</a:t>
-            </a:r>
-            <a:r>
-              <a:rPr lang="ko-KR" altLang="en-US" sz="1100" dirty="0">
-                <a:solidFill>
-                  <a:schemeClr val="bg1"/>
-                </a:solidFill>
-                <a:latin typeface="나눔바른고딕OTF Light" pitchFamily="50" charset="-127"/>
-                <a:ea typeface="나눔바른고딕OTF Light" pitchFamily="50" charset="-127"/>
-              </a:rPr>
-              <a:t> </a:t>
-            </a:r>
-          </a:p>
-        </p:txBody>
-      </p:sp>
-      <p:sp>
-        <p:nvSpPr>
-          <p:cNvPr id="16" name="TextBox 15"/>
-          <p:cNvSpPr txBox="1"/>
-          <p:nvPr/>
-        </p:nvSpPr>
-        <p:spPr>
-          <a:xfrm>
-            <a:off x="3707904" y="5013176"/>
-            <a:ext cx="1872208" cy="430887"/>
-          </a:xfrm>
-          <a:prstGeom prst="rect">
-            <a:avLst/>
-          </a:prstGeom>
-          <a:noFill/>
-        </p:spPr>
-        <p:txBody>
-          <a:bodyPr wrap="square" rtlCol="0">
-            <a:spAutoFit/>
-          </a:bodyPr>
-          <a:lstStyle/>
-          <a:p>
-            <a:pPr algn="ctr"/>
-            <a:r>
-              <a:rPr lang="ko-KR" altLang="en-US" sz="1100" dirty="0" err="1">
-                <a:solidFill>
-                  <a:schemeClr val="bg1"/>
-                </a:solidFill>
-                <a:latin typeface="나눔바른고딕OTF Light" pitchFamily="50" charset="-127"/>
-                <a:ea typeface="나눔바른고딕OTF Light" pitchFamily="50" charset="-127"/>
-              </a:rPr>
-              <a:t>우클릭</a:t>
-            </a:r>
-            <a:r>
-              <a:rPr lang="ko-KR" altLang="en-US" sz="1100" dirty="0">
-                <a:solidFill>
-                  <a:schemeClr val="bg1"/>
-                </a:solidFill>
-                <a:latin typeface="나눔바른고딕OTF Light" pitchFamily="50" charset="-127"/>
-                <a:ea typeface="나눔바른고딕OTF Light" pitchFamily="50" charset="-127"/>
-              </a:rPr>
-              <a:t> </a:t>
-            </a:r>
-            <a:r>
-              <a:rPr lang="ko-KR" altLang="en-US" sz="1100" dirty="0" err="1">
-                <a:solidFill>
-                  <a:schemeClr val="bg1"/>
-                </a:solidFill>
-                <a:latin typeface="나눔바른고딕OTF Light" pitchFamily="50" charset="-127"/>
-                <a:ea typeface="나눔바른고딕OTF Light" pitchFamily="50" charset="-127"/>
-              </a:rPr>
-              <a:t>그림바꾸기로</a:t>
-            </a:r>
-            <a:r>
-              <a:rPr lang="ko-KR" altLang="en-US" sz="1100" dirty="0">
-                <a:solidFill>
-                  <a:schemeClr val="bg1"/>
-                </a:solidFill>
-                <a:latin typeface="나눔바른고딕OTF Light" pitchFamily="50" charset="-127"/>
-                <a:ea typeface="나눔바른고딕OTF Light" pitchFamily="50" charset="-127"/>
-              </a:rPr>
-              <a:t> </a:t>
-            </a:r>
-            <a:endParaRPr lang="en-US" altLang="ko-KR" sz="1100" dirty="0">
-              <a:solidFill>
-                <a:schemeClr val="bg1"/>
-              </a:solidFill>
-              <a:latin typeface="나눔바른고딕OTF Light" pitchFamily="50" charset="-127"/>
-              <a:ea typeface="나눔바른고딕OTF Light" pitchFamily="50" charset="-127"/>
-            </a:endParaRPr>
-          </a:p>
-          <a:p>
-            <a:pPr algn="ctr"/>
-            <a:r>
-              <a:rPr lang="ko-KR" altLang="en-US" sz="1100" dirty="0" err="1">
-                <a:solidFill>
-                  <a:schemeClr val="bg1"/>
-                </a:solidFill>
-                <a:latin typeface="나눔바른고딕OTF Light" pitchFamily="50" charset="-127"/>
-                <a:ea typeface="나눔바른고딕OTF Light" pitchFamily="50" charset="-127"/>
-              </a:rPr>
-              <a:t>그림바꿔주세요</a:t>
-            </a:r>
-            <a:r>
-              <a:rPr lang="ko-KR" altLang="en-US" sz="1100" dirty="0">
-                <a:solidFill>
-                  <a:schemeClr val="bg1"/>
-                </a:solidFill>
-                <a:latin typeface="나눔바른고딕OTF Light" pitchFamily="50" charset="-127"/>
-                <a:ea typeface="나눔바른고딕OTF Light" pitchFamily="50" charset="-127"/>
-              </a:rPr>
-              <a:t> </a:t>
-            </a:r>
-          </a:p>
-        </p:txBody>
-      </p:sp>
-      <p:sp>
-        <p:nvSpPr>
-          <p:cNvPr id="17" name="TextBox 16"/>
-          <p:cNvSpPr txBox="1"/>
-          <p:nvPr/>
-        </p:nvSpPr>
-        <p:spPr>
-          <a:xfrm>
-            <a:off x="6228184" y="5013176"/>
-            <a:ext cx="1872208" cy="430887"/>
-          </a:xfrm>
-          <a:prstGeom prst="rect">
-            <a:avLst/>
-          </a:prstGeom>
-          <a:noFill/>
-        </p:spPr>
-        <p:txBody>
-          <a:bodyPr wrap="square" rtlCol="0">
-            <a:spAutoFit/>
-          </a:bodyPr>
-          <a:lstStyle/>
-          <a:p>
-            <a:pPr algn="ctr"/>
-            <a:r>
-              <a:rPr lang="ko-KR" altLang="en-US" sz="1100" dirty="0" err="1">
-                <a:solidFill>
-                  <a:schemeClr val="bg1"/>
-                </a:solidFill>
-                <a:latin typeface="나눔바른고딕OTF Light" pitchFamily="50" charset="-127"/>
-                <a:ea typeface="나눔바른고딕OTF Light" pitchFamily="50" charset="-127"/>
-              </a:rPr>
-              <a:t>우클릭</a:t>
-            </a:r>
-            <a:r>
-              <a:rPr lang="ko-KR" altLang="en-US" sz="1100" dirty="0">
-                <a:solidFill>
-                  <a:schemeClr val="bg1"/>
-                </a:solidFill>
-                <a:latin typeface="나눔바른고딕OTF Light" pitchFamily="50" charset="-127"/>
-                <a:ea typeface="나눔바른고딕OTF Light" pitchFamily="50" charset="-127"/>
-              </a:rPr>
-              <a:t> </a:t>
-            </a:r>
-            <a:r>
-              <a:rPr lang="ko-KR" altLang="en-US" sz="1100" dirty="0" err="1">
-                <a:solidFill>
-                  <a:schemeClr val="bg1"/>
-                </a:solidFill>
-                <a:latin typeface="나눔바른고딕OTF Light" pitchFamily="50" charset="-127"/>
-                <a:ea typeface="나눔바른고딕OTF Light" pitchFamily="50" charset="-127"/>
-              </a:rPr>
-              <a:t>그림바꾸기로</a:t>
-            </a:r>
-            <a:r>
-              <a:rPr lang="ko-KR" altLang="en-US" sz="1100" dirty="0">
-                <a:solidFill>
-                  <a:schemeClr val="bg1"/>
-                </a:solidFill>
-                <a:latin typeface="나눔바른고딕OTF Light" pitchFamily="50" charset="-127"/>
-                <a:ea typeface="나눔바른고딕OTF Light" pitchFamily="50" charset="-127"/>
-              </a:rPr>
-              <a:t> </a:t>
-            </a:r>
-            <a:endParaRPr lang="en-US" altLang="ko-KR" sz="1100" dirty="0">
-              <a:solidFill>
-                <a:schemeClr val="bg1"/>
-              </a:solidFill>
-              <a:latin typeface="나눔바른고딕OTF Light" pitchFamily="50" charset="-127"/>
-              <a:ea typeface="나눔바른고딕OTF Light" pitchFamily="50" charset="-127"/>
-            </a:endParaRPr>
-          </a:p>
-          <a:p>
-            <a:pPr algn="ctr"/>
-            <a:r>
-              <a:rPr lang="ko-KR" altLang="en-US" sz="1100" dirty="0" err="1">
-                <a:solidFill>
-                  <a:schemeClr val="bg1"/>
-                </a:solidFill>
-                <a:latin typeface="나눔바른고딕OTF Light" pitchFamily="50" charset="-127"/>
-                <a:ea typeface="나눔바른고딕OTF Light" pitchFamily="50" charset="-127"/>
-              </a:rPr>
-              <a:t>그림바꿔주세요</a:t>
-            </a:r>
-            <a:r>
-              <a:rPr lang="ko-KR" altLang="en-US" sz="1100" dirty="0">
-                <a:solidFill>
-                  <a:schemeClr val="bg1"/>
-                </a:solidFill>
-                <a:latin typeface="나눔바른고딕OTF Light" pitchFamily="50" charset="-127"/>
-                <a:ea typeface="나눔바른고딕OTF Light" pitchFamily="50" charset="-127"/>
-              </a:rPr>
-              <a:t> </a:t>
-            </a:r>
-          </a:p>
-        </p:txBody>
-      </p:sp>
-      <p:sp>
-        <p:nvSpPr>
-          <p:cNvPr id="19" name="TextBox 18"/>
-          <p:cNvSpPr txBox="1"/>
-          <p:nvPr/>
-        </p:nvSpPr>
-        <p:spPr>
-          <a:xfrm>
-            <a:off x="7164288" y="6546830"/>
-            <a:ext cx="1728192" cy="338554"/>
-          </a:xfrm>
-          <a:prstGeom prst="rect">
-            <a:avLst/>
-          </a:prstGeom>
-          <a:noFill/>
-        </p:spPr>
-        <p:txBody>
-          <a:bodyPr wrap="square" rtlCol="0">
-            <a:spAutoFit/>
-          </a:bodyPr>
-          <a:lstStyle/>
-          <a:p>
-            <a:pPr algn="r"/>
-            <a:r>
-              <a:rPr lang="en-US" altLang="ko-KR" sz="1600" dirty="0">
-                <a:solidFill>
-                  <a:schemeClr val="bg1">
-                    <a:lumMod val="75000"/>
-                  </a:schemeClr>
-                </a:solidFill>
-                <a:latin typeface="나눔바른고딕OTF Light" pitchFamily="50" charset="-127"/>
-                <a:ea typeface="나눔바른고딕OTF Light" pitchFamily="50" charset="-127"/>
-              </a:rPr>
-              <a:t>MINHEEBLOG</a:t>
-            </a:r>
-            <a:endParaRPr lang="ko-KR" altLang="en-US" sz="1600" dirty="0">
-              <a:solidFill>
-                <a:schemeClr val="bg1">
-                  <a:lumMod val="75000"/>
-                </a:schemeClr>
-              </a:solidFill>
-              <a:latin typeface="나눔바른고딕OTF Light" pitchFamily="50" charset="-127"/>
-              <a:ea typeface="나눔바른고딕OTF Light" pitchFamily="50" charset="-127"/>
-            </a:endParaRPr>
-          </a:p>
-        </p:txBody>
-      </p:sp>
-    </p:spTree>
-    <p:extLst>
-      <p:ext uri="{BB962C8B-B14F-4D97-AF65-F5344CB8AC3E}">
-        <p14:creationId xmlns:p14="http://schemas.microsoft.com/office/powerpoint/2010/main" val="3012506595"/>
-      </p:ext>
-    </p:extLst>
-  </p:cSld>
-  <p:clrMapOvr>
-    <a:masterClrMapping/>
-  </p:clrMapOvr>
-</p:sld>
-</file>
-
-<file path=ppt/slides/slide11.xml><?xml version="1.0" encoding="utf-8"?>
-<p:sld xmlns:a="http://schemas.openxmlformats.org/drawingml/2006/main" xmlns:r="http://schemas.openxmlformats.org/officeDocument/2006/relationships" xmlns:p="http://schemas.openxmlformats.org/presentationml/2006/main">
-  <p:cSld>
-    <p:spTree>
-      <p:nvGrpSpPr>
-        <p:cNvPr id="1" name=""/>
-        <p:cNvGrpSpPr/>
-        <p:nvPr/>
-      </p:nvGrpSpPr>
-      <p:grpSpPr>
-        <a:xfrm>
-          <a:off x="0" y="0"/>
-          <a:ext cx="0" cy="0"/>
-          <a:chOff x="0" y="0"/>
-          <a:chExt cx="0" cy="0"/>
-        </a:xfrm>
-      </p:grpSpPr>
-      <p:sp>
-        <p:nvSpPr>
-          <p:cNvPr id="18" name="직사각형 17"/>
-          <p:cNvSpPr/>
-          <p:nvPr/>
-        </p:nvSpPr>
-        <p:spPr>
-          <a:xfrm>
-            <a:off x="438360" y="2996952"/>
-            <a:ext cx="1368152" cy="1944216"/>
-          </a:xfrm>
-          <a:prstGeom prst="rect">
-            <a:avLst/>
-          </a:prstGeom>
-          <a:solidFill>
-            <a:schemeClr val="bg1">
-              <a:alpha val="80000"/>
-            </a:schemeClr>
-          </a:solidFill>
-          <a:ln w="3175">
-            <a:solidFill>
-              <a:schemeClr val="tx1"/>
-            </a:solidFill>
-          </a:ln>
-        </p:spPr>
-        <p:style>
-          <a:lnRef idx="2">
-            <a:schemeClr val="accent1">
-              <a:shade val="50000"/>
-            </a:schemeClr>
-          </a:lnRef>
-          <a:fillRef idx="1">
-            <a:schemeClr val="accent1"/>
-          </a:fillRef>
-          <a:effectRef idx="0">
-            <a:schemeClr val="accent1"/>
-          </a:effectRef>
-          <a:fontRef idx="minor">
-            <a:schemeClr val="lt1"/>
-          </a:fontRef>
-        </p:style>
-        <p:txBody>
-          <a:bodyPr rtlCol="0" anchor="ctr"/>
-          <a:lstStyle/>
-          <a:p>
-            <a:pPr algn="ctr"/>
-            <a:endParaRPr lang="ko-KR" altLang="en-US">
-              <a:solidFill>
-                <a:schemeClr val="tx1"/>
-              </a:solidFill>
-              <a:latin typeface="나눔바른고딕OTF Light" pitchFamily="50" charset="-127"/>
-              <a:ea typeface="나눔바른고딕OTF Light" pitchFamily="50" charset="-127"/>
-            </a:endParaRPr>
-          </a:p>
-        </p:txBody>
-      </p:sp>
-      <p:sp>
-        <p:nvSpPr>
-          <p:cNvPr id="7" name="TextBox 6"/>
-          <p:cNvSpPr txBox="1"/>
-          <p:nvPr/>
-        </p:nvSpPr>
-        <p:spPr>
-          <a:xfrm>
-            <a:off x="323528" y="548680"/>
-            <a:ext cx="4176464" cy="461665"/>
-          </a:xfrm>
-          <a:prstGeom prst="rect">
-            <a:avLst/>
-          </a:prstGeom>
-          <a:noFill/>
-        </p:spPr>
-        <p:txBody>
-          <a:bodyPr wrap="square" rtlCol="0">
-            <a:spAutoFit/>
-          </a:bodyPr>
-          <a:lstStyle/>
-          <a:p>
-            <a:r>
-              <a:rPr lang="en-US" altLang="ko-KR" sz="2400" dirty="0">
-                <a:latin typeface="나눔바른고딕OTF Light" pitchFamily="50" charset="-127"/>
-                <a:ea typeface="나눔바른고딕OTF Light" pitchFamily="50" charset="-127"/>
-              </a:rPr>
-              <a:t>CONTENTS</a:t>
-            </a:r>
-            <a:endParaRPr lang="ko-KR" altLang="en-US" sz="2400" dirty="0">
-              <a:latin typeface="나눔바른고딕OTF Light" pitchFamily="50" charset="-127"/>
-              <a:ea typeface="나눔바른고딕OTF Light" pitchFamily="50" charset="-127"/>
-            </a:endParaRPr>
-          </a:p>
-        </p:txBody>
-      </p:sp>
-      <p:sp>
-        <p:nvSpPr>
-          <p:cNvPr id="9" name="TextBox 8"/>
-          <p:cNvSpPr txBox="1"/>
-          <p:nvPr/>
-        </p:nvSpPr>
-        <p:spPr>
-          <a:xfrm>
-            <a:off x="427727" y="1484784"/>
-            <a:ext cx="8496944" cy="923330"/>
-          </a:xfrm>
-          <a:prstGeom prst="rect">
-            <a:avLst/>
-          </a:prstGeom>
-          <a:noFill/>
-        </p:spPr>
-        <p:txBody>
-          <a:bodyPr wrap="square" rtlCol="0">
-            <a:spAutoFit/>
-          </a:bodyPr>
-          <a:lstStyle/>
-          <a:p>
-            <a:r>
-              <a:rPr lang="en-US" altLang="ko-KR" sz="5400" dirty="0">
-                <a:latin typeface="HY헤드라인M" pitchFamily="18" charset="-127"/>
-                <a:ea typeface="HY헤드라인M" pitchFamily="18" charset="-127"/>
-              </a:rPr>
-              <a:t>01    02    03    04    05</a:t>
-            </a:r>
-            <a:endParaRPr lang="ko-KR" altLang="en-US" sz="5400" dirty="0">
-              <a:latin typeface="HY헤드라인M" pitchFamily="18" charset="-127"/>
-              <a:ea typeface="HY헤드라인M" pitchFamily="18" charset="-127"/>
-            </a:endParaRPr>
-          </a:p>
-        </p:txBody>
-      </p:sp>
-      <p:cxnSp>
-        <p:nvCxnSpPr>
-          <p:cNvPr id="11" name="직선 연결선 10"/>
-          <p:cNvCxnSpPr/>
-          <p:nvPr/>
-        </p:nvCxnSpPr>
-        <p:spPr>
-          <a:xfrm>
-            <a:off x="571743" y="2420888"/>
-            <a:ext cx="1152128" cy="0"/>
-          </a:xfrm>
-          <a:prstGeom prst="line">
-            <a:avLst/>
-          </a:prstGeom>
-          <a:ln>
-            <a:solidFill>
-              <a:schemeClr val="tx1"/>
-            </a:solidFill>
-          </a:ln>
-        </p:spPr>
-        <p:style>
-          <a:lnRef idx="1">
-            <a:schemeClr val="accent1"/>
-          </a:lnRef>
-          <a:fillRef idx="0">
-            <a:schemeClr val="accent1"/>
-          </a:fillRef>
-          <a:effectRef idx="0">
-            <a:schemeClr val="accent1"/>
-          </a:effectRef>
-          <a:fontRef idx="minor">
-            <a:schemeClr val="tx1"/>
-          </a:fontRef>
-        </p:style>
-      </p:cxnSp>
-      <p:cxnSp>
-        <p:nvCxnSpPr>
-          <p:cNvPr id="12" name="직선 연결선 11"/>
-          <p:cNvCxnSpPr/>
-          <p:nvPr/>
-        </p:nvCxnSpPr>
-        <p:spPr>
-          <a:xfrm>
-            <a:off x="2238560" y="2420888"/>
-            <a:ext cx="1152128" cy="0"/>
-          </a:xfrm>
-          <a:prstGeom prst="line">
-            <a:avLst/>
-          </a:prstGeom>
-          <a:ln>
-            <a:solidFill>
-              <a:schemeClr val="tx1"/>
-            </a:solidFill>
-          </a:ln>
-        </p:spPr>
-        <p:style>
-          <a:lnRef idx="1">
-            <a:schemeClr val="accent1"/>
-          </a:lnRef>
-          <a:fillRef idx="0">
-            <a:schemeClr val="accent1"/>
-          </a:fillRef>
-          <a:effectRef idx="0">
-            <a:schemeClr val="accent1"/>
-          </a:effectRef>
-          <a:fontRef idx="minor">
-            <a:schemeClr val="tx1"/>
-          </a:fontRef>
-        </p:style>
-      </p:cxnSp>
-      <p:cxnSp>
-        <p:nvCxnSpPr>
-          <p:cNvPr id="13" name="직선 연결선 12"/>
-          <p:cNvCxnSpPr/>
-          <p:nvPr/>
-        </p:nvCxnSpPr>
-        <p:spPr>
-          <a:xfrm>
-            <a:off x="3966752" y="2420888"/>
-            <a:ext cx="1152128" cy="0"/>
-          </a:xfrm>
-          <a:prstGeom prst="line">
-            <a:avLst/>
-          </a:prstGeom>
-          <a:ln>
-            <a:solidFill>
-              <a:schemeClr val="tx1"/>
-            </a:solidFill>
-          </a:ln>
-        </p:spPr>
-        <p:style>
-          <a:lnRef idx="1">
-            <a:schemeClr val="accent1"/>
-          </a:lnRef>
-          <a:fillRef idx="0">
-            <a:schemeClr val="accent1"/>
-          </a:fillRef>
-          <a:effectRef idx="0">
-            <a:schemeClr val="accent1"/>
-          </a:effectRef>
-          <a:fontRef idx="minor">
-            <a:schemeClr val="tx1"/>
-          </a:fontRef>
-        </p:style>
-      </p:cxnSp>
-      <p:cxnSp>
-        <p:nvCxnSpPr>
-          <p:cNvPr id="14" name="직선 연결선 13"/>
-          <p:cNvCxnSpPr/>
-          <p:nvPr/>
-        </p:nvCxnSpPr>
-        <p:spPr>
-          <a:xfrm>
-            <a:off x="5694944" y="2420888"/>
-            <a:ext cx="1152128" cy="0"/>
-          </a:xfrm>
-          <a:prstGeom prst="line">
-            <a:avLst/>
-          </a:prstGeom>
-          <a:ln>
-            <a:solidFill>
-              <a:schemeClr val="tx1"/>
-            </a:solidFill>
-          </a:ln>
-        </p:spPr>
-        <p:style>
-          <a:lnRef idx="1">
-            <a:schemeClr val="accent1"/>
-          </a:lnRef>
-          <a:fillRef idx="0">
-            <a:schemeClr val="accent1"/>
-          </a:fillRef>
-          <a:effectRef idx="0">
-            <a:schemeClr val="accent1"/>
-          </a:effectRef>
-          <a:fontRef idx="minor">
-            <a:schemeClr val="tx1"/>
-          </a:fontRef>
-        </p:style>
-      </p:cxnSp>
-      <p:cxnSp>
-        <p:nvCxnSpPr>
-          <p:cNvPr id="15" name="직선 연결선 14"/>
-          <p:cNvCxnSpPr/>
-          <p:nvPr/>
-        </p:nvCxnSpPr>
-        <p:spPr>
-          <a:xfrm>
-            <a:off x="7423136" y="2420888"/>
-            <a:ext cx="1152128" cy="0"/>
-          </a:xfrm>
-          <a:prstGeom prst="line">
-            <a:avLst/>
-          </a:prstGeom>
-          <a:ln>
-            <a:solidFill>
-              <a:schemeClr val="tx1"/>
-            </a:solidFill>
-          </a:ln>
-        </p:spPr>
-        <p:style>
-          <a:lnRef idx="1">
-            <a:schemeClr val="accent1"/>
-          </a:lnRef>
-          <a:fillRef idx="0">
-            <a:schemeClr val="accent1"/>
-          </a:fillRef>
-          <a:effectRef idx="0">
-            <a:schemeClr val="accent1"/>
-          </a:effectRef>
-          <a:fontRef idx="minor">
-            <a:schemeClr val="tx1"/>
-          </a:fontRef>
-        </p:style>
-      </p:cxnSp>
-      <p:sp>
-        <p:nvSpPr>
-          <p:cNvPr id="16" name="TextBox 15"/>
-          <p:cNvSpPr txBox="1"/>
-          <p:nvPr/>
-        </p:nvSpPr>
-        <p:spPr>
-          <a:xfrm>
-            <a:off x="435937" y="2555612"/>
-            <a:ext cx="1368152" cy="369332"/>
-          </a:xfrm>
-          <a:prstGeom prst="rect">
-            <a:avLst/>
-          </a:prstGeom>
-          <a:noFill/>
-          <a:ln>
-            <a:noFill/>
-          </a:ln>
-        </p:spPr>
-        <p:txBody>
-          <a:bodyPr wrap="square" rtlCol="0">
-            <a:spAutoFit/>
-          </a:bodyPr>
-          <a:lstStyle/>
-          <a:p>
-            <a:pPr algn="ctr"/>
-            <a:r>
-              <a:rPr lang="ko-KR" altLang="en-US" spc="-150" dirty="0">
-                <a:latin typeface="나눔바른고딕OTF Light" pitchFamily="50" charset="-127"/>
-                <a:ea typeface="나눔바른고딕OTF Light" pitchFamily="50" charset="-127"/>
-              </a:rPr>
-              <a:t>제목을 입력</a:t>
-            </a:r>
-          </a:p>
-        </p:txBody>
-      </p:sp>
-      <p:sp>
-        <p:nvSpPr>
-          <p:cNvPr id="17" name="TextBox 16"/>
-          <p:cNvSpPr txBox="1"/>
-          <p:nvPr/>
-        </p:nvSpPr>
-        <p:spPr>
-          <a:xfrm>
-            <a:off x="438360" y="3140968"/>
-            <a:ext cx="1368152" cy="1015663"/>
-          </a:xfrm>
-          <a:prstGeom prst="rect">
-            <a:avLst/>
-          </a:prstGeom>
-          <a:noFill/>
-          <a:ln>
-            <a:noFill/>
-          </a:ln>
-        </p:spPr>
-        <p:txBody>
-          <a:bodyPr wrap="square" rtlCol="0">
-            <a:spAutoFit/>
-          </a:bodyPr>
-          <a:lstStyle/>
-          <a:p>
-            <a:r>
-              <a:rPr lang="en-US" altLang="ko-KR" sz="1200" spc="-150" dirty="0">
-                <a:latin typeface="나눔바른고딕OTF Light" pitchFamily="50" charset="-127"/>
-                <a:ea typeface="나눔바른고딕OTF Light" pitchFamily="50" charset="-127"/>
-              </a:rPr>
-              <a:t>- </a:t>
-            </a:r>
-            <a:r>
-              <a:rPr lang="ko-KR" altLang="en-US" sz="1200" spc="-150" dirty="0">
-                <a:latin typeface="나눔바른고딕OTF Light" pitchFamily="50" charset="-127"/>
-                <a:ea typeface="나눔바른고딕OTF Light" pitchFamily="50" charset="-127"/>
-              </a:rPr>
-              <a:t>소제목</a:t>
-            </a:r>
-          </a:p>
-          <a:p>
-            <a:endParaRPr lang="en-US" altLang="ko-KR" sz="1200" spc="-150" dirty="0">
-              <a:latin typeface="나눔바른고딕OTF Light" pitchFamily="50" charset="-127"/>
-              <a:ea typeface="나눔바른고딕OTF Light" pitchFamily="50" charset="-127"/>
-            </a:endParaRPr>
-          </a:p>
-          <a:p>
-            <a:r>
-              <a:rPr lang="en-US" altLang="ko-KR" sz="1200" spc="-150" dirty="0">
-                <a:latin typeface="나눔바른고딕OTF Light" pitchFamily="50" charset="-127"/>
-                <a:ea typeface="나눔바른고딕OTF Light" pitchFamily="50" charset="-127"/>
-              </a:rPr>
-              <a:t>- </a:t>
-            </a:r>
-            <a:r>
-              <a:rPr lang="ko-KR" altLang="en-US" sz="1200" spc="-150" dirty="0">
-                <a:latin typeface="나눔바른고딕OTF Light" pitchFamily="50" charset="-127"/>
-                <a:ea typeface="나눔바른고딕OTF Light" pitchFamily="50" charset="-127"/>
-              </a:rPr>
-              <a:t>소제목</a:t>
-            </a:r>
-            <a:endParaRPr lang="en-US" altLang="ko-KR" sz="1200" spc="-150" dirty="0">
-              <a:latin typeface="나눔바른고딕OTF Light" pitchFamily="50" charset="-127"/>
-              <a:ea typeface="나눔바른고딕OTF Light" pitchFamily="50" charset="-127"/>
-            </a:endParaRPr>
-          </a:p>
-          <a:p>
-            <a:pPr>
-              <a:buFontTx/>
-              <a:buChar char="-"/>
-            </a:pPr>
-            <a:endParaRPr lang="en-US" altLang="ko-KR" sz="1200" spc="-150" dirty="0">
-              <a:latin typeface="나눔바른고딕OTF Light" pitchFamily="50" charset="-127"/>
-              <a:ea typeface="나눔바른고딕OTF Light" pitchFamily="50" charset="-127"/>
-            </a:endParaRPr>
-          </a:p>
-          <a:p>
-            <a:r>
-              <a:rPr lang="en-US" altLang="ko-KR" sz="1200" spc="-150" dirty="0">
-                <a:latin typeface="나눔바른고딕OTF Light" pitchFamily="50" charset="-127"/>
-                <a:ea typeface="나눔바른고딕OTF Light" pitchFamily="50" charset="-127"/>
-              </a:rPr>
-              <a:t>- </a:t>
-            </a:r>
-            <a:r>
-              <a:rPr lang="ko-KR" altLang="en-US" sz="1200" spc="-150" dirty="0">
-                <a:latin typeface="나눔바른고딕OTF Light" pitchFamily="50" charset="-127"/>
-                <a:ea typeface="나눔바른고딕OTF Light" pitchFamily="50" charset="-127"/>
-              </a:rPr>
-              <a:t>소제목</a:t>
-            </a:r>
-          </a:p>
-        </p:txBody>
-      </p:sp>
-      <p:sp>
-        <p:nvSpPr>
-          <p:cNvPr id="19" name="직사각형 18"/>
-          <p:cNvSpPr/>
-          <p:nvPr/>
-        </p:nvSpPr>
-        <p:spPr>
-          <a:xfrm>
-            <a:off x="2166552" y="2996952"/>
-            <a:ext cx="1368152" cy="1944216"/>
-          </a:xfrm>
-          <a:prstGeom prst="rect">
-            <a:avLst/>
-          </a:prstGeom>
-          <a:solidFill>
-            <a:schemeClr val="bg1">
-              <a:alpha val="80000"/>
-            </a:schemeClr>
-          </a:solidFill>
-          <a:ln w="3175">
-            <a:solidFill>
-              <a:schemeClr val="tx1"/>
-            </a:solidFill>
-          </a:ln>
-        </p:spPr>
-        <p:style>
-          <a:lnRef idx="2">
-            <a:schemeClr val="accent1">
-              <a:shade val="50000"/>
-            </a:schemeClr>
-          </a:lnRef>
-          <a:fillRef idx="1">
-            <a:schemeClr val="accent1"/>
-          </a:fillRef>
-          <a:effectRef idx="0">
-            <a:schemeClr val="accent1"/>
-          </a:effectRef>
-          <a:fontRef idx="minor">
-            <a:schemeClr val="lt1"/>
-          </a:fontRef>
-        </p:style>
-        <p:txBody>
-          <a:bodyPr rtlCol="0" anchor="ctr"/>
-          <a:lstStyle/>
-          <a:p>
-            <a:pPr algn="ctr"/>
-            <a:endParaRPr lang="ko-KR" altLang="en-US">
-              <a:solidFill>
-                <a:schemeClr val="tx1"/>
-              </a:solidFill>
-              <a:latin typeface="나눔바른고딕OTF Light" pitchFamily="50" charset="-127"/>
-              <a:ea typeface="나눔바른고딕OTF Light" pitchFamily="50" charset="-127"/>
-            </a:endParaRPr>
-          </a:p>
-        </p:txBody>
-      </p:sp>
-      <p:sp>
-        <p:nvSpPr>
-          <p:cNvPr id="20" name="직사각형 19"/>
-          <p:cNvSpPr/>
-          <p:nvPr/>
-        </p:nvSpPr>
-        <p:spPr>
-          <a:xfrm>
-            <a:off x="3894744" y="2996952"/>
-            <a:ext cx="1368152" cy="1944216"/>
-          </a:xfrm>
-          <a:prstGeom prst="rect">
-            <a:avLst/>
-          </a:prstGeom>
-          <a:solidFill>
-            <a:schemeClr val="bg1">
-              <a:alpha val="80000"/>
-            </a:schemeClr>
-          </a:solidFill>
-          <a:ln w="3175">
-            <a:solidFill>
-              <a:schemeClr val="tx1"/>
-            </a:solidFill>
-          </a:ln>
-        </p:spPr>
-        <p:style>
-          <a:lnRef idx="2">
-            <a:schemeClr val="accent1">
-              <a:shade val="50000"/>
-            </a:schemeClr>
-          </a:lnRef>
-          <a:fillRef idx="1">
-            <a:schemeClr val="accent1"/>
-          </a:fillRef>
-          <a:effectRef idx="0">
-            <a:schemeClr val="accent1"/>
-          </a:effectRef>
-          <a:fontRef idx="minor">
-            <a:schemeClr val="lt1"/>
-          </a:fontRef>
-        </p:style>
-        <p:txBody>
-          <a:bodyPr rtlCol="0" anchor="ctr"/>
-          <a:lstStyle/>
-          <a:p>
-            <a:pPr algn="ctr"/>
-            <a:endParaRPr lang="ko-KR" altLang="en-US">
-              <a:solidFill>
-                <a:schemeClr val="tx1"/>
-              </a:solidFill>
-              <a:latin typeface="나눔바른고딕OTF Light" pitchFamily="50" charset="-127"/>
-              <a:ea typeface="나눔바른고딕OTF Light" pitchFamily="50" charset="-127"/>
-            </a:endParaRPr>
-          </a:p>
-        </p:txBody>
-      </p:sp>
-      <p:sp>
-        <p:nvSpPr>
-          <p:cNvPr id="21" name="직사각형 20"/>
-          <p:cNvSpPr/>
-          <p:nvPr/>
-        </p:nvSpPr>
-        <p:spPr>
-          <a:xfrm>
-            <a:off x="5622936" y="2996952"/>
-            <a:ext cx="1368152" cy="1944216"/>
-          </a:xfrm>
-          <a:prstGeom prst="rect">
-            <a:avLst/>
-          </a:prstGeom>
-          <a:solidFill>
-            <a:schemeClr val="bg1">
-              <a:alpha val="80000"/>
-            </a:schemeClr>
-          </a:solidFill>
-          <a:ln w="3175">
-            <a:solidFill>
-              <a:schemeClr val="tx1"/>
-            </a:solidFill>
-          </a:ln>
-        </p:spPr>
-        <p:style>
-          <a:lnRef idx="2">
-            <a:schemeClr val="accent1">
-              <a:shade val="50000"/>
-            </a:schemeClr>
-          </a:lnRef>
-          <a:fillRef idx="1">
-            <a:schemeClr val="accent1"/>
-          </a:fillRef>
-          <a:effectRef idx="0">
-            <a:schemeClr val="accent1"/>
-          </a:effectRef>
-          <a:fontRef idx="minor">
-            <a:schemeClr val="lt1"/>
-          </a:fontRef>
-        </p:style>
-        <p:txBody>
-          <a:bodyPr rtlCol="0" anchor="ctr"/>
-          <a:lstStyle/>
-          <a:p>
-            <a:pPr algn="ctr"/>
-            <a:endParaRPr lang="ko-KR" altLang="en-US">
-              <a:solidFill>
-                <a:schemeClr val="tx1"/>
-              </a:solidFill>
-              <a:latin typeface="나눔바른고딕OTF Light" pitchFamily="50" charset="-127"/>
-              <a:ea typeface="나눔바른고딕OTF Light" pitchFamily="50" charset="-127"/>
-            </a:endParaRPr>
-          </a:p>
-        </p:txBody>
-      </p:sp>
-      <p:sp>
-        <p:nvSpPr>
-          <p:cNvPr id="22" name="직사각형 21"/>
-          <p:cNvSpPr/>
-          <p:nvPr/>
-        </p:nvSpPr>
-        <p:spPr>
-          <a:xfrm>
-            <a:off x="7351128" y="2996952"/>
-            <a:ext cx="1368152" cy="1944216"/>
-          </a:xfrm>
-          <a:prstGeom prst="rect">
-            <a:avLst/>
-          </a:prstGeom>
-          <a:solidFill>
-            <a:schemeClr val="bg1">
-              <a:alpha val="80000"/>
-            </a:schemeClr>
-          </a:solidFill>
-          <a:ln w="3175">
-            <a:solidFill>
-              <a:schemeClr val="tx1"/>
-            </a:solidFill>
-          </a:ln>
-        </p:spPr>
-        <p:style>
-          <a:lnRef idx="2">
-            <a:schemeClr val="accent1">
-              <a:shade val="50000"/>
-            </a:schemeClr>
-          </a:lnRef>
-          <a:fillRef idx="1">
-            <a:schemeClr val="accent1"/>
-          </a:fillRef>
-          <a:effectRef idx="0">
-            <a:schemeClr val="accent1"/>
-          </a:effectRef>
-          <a:fontRef idx="minor">
-            <a:schemeClr val="lt1"/>
-          </a:fontRef>
-        </p:style>
-        <p:txBody>
-          <a:bodyPr rtlCol="0" anchor="ctr"/>
-          <a:lstStyle/>
-          <a:p>
-            <a:pPr algn="ctr"/>
-            <a:endParaRPr lang="ko-KR" altLang="en-US">
-              <a:solidFill>
-                <a:schemeClr val="tx1"/>
-              </a:solidFill>
-              <a:latin typeface="나눔바른고딕OTF Light" pitchFamily="50" charset="-127"/>
-              <a:ea typeface="나눔바른고딕OTF Light" pitchFamily="50" charset="-127"/>
-            </a:endParaRPr>
-          </a:p>
-        </p:txBody>
-      </p:sp>
-      <p:sp>
-        <p:nvSpPr>
-          <p:cNvPr id="23" name="TextBox 22"/>
-          <p:cNvSpPr txBox="1"/>
-          <p:nvPr/>
-        </p:nvSpPr>
-        <p:spPr>
-          <a:xfrm>
-            <a:off x="2166552" y="3140968"/>
-            <a:ext cx="1368152" cy="1015663"/>
-          </a:xfrm>
-          <a:prstGeom prst="rect">
-            <a:avLst/>
-          </a:prstGeom>
-          <a:noFill/>
-          <a:ln>
-            <a:noFill/>
-          </a:ln>
-        </p:spPr>
-        <p:txBody>
-          <a:bodyPr wrap="square" rtlCol="0">
-            <a:spAutoFit/>
-          </a:bodyPr>
-          <a:lstStyle/>
-          <a:p>
-            <a:r>
-              <a:rPr lang="en-US" altLang="ko-KR" sz="1200" spc="-150" dirty="0">
-                <a:latin typeface="나눔바른고딕OTF Light" pitchFamily="50" charset="-127"/>
-                <a:ea typeface="나눔바른고딕OTF Light" pitchFamily="50" charset="-127"/>
-              </a:rPr>
-              <a:t>- </a:t>
-            </a:r>
-            <a:r>
-              <a:rPr lang="ko-KR" altLang="en-US" sz="1200" spc="-150" dirty="0">
-                <a:latin typeface="나눔바른고딕OTF Light" pitchFamily="50" charset="-127"/>
-                <a:ea typeface="나눔바른고딕OTF Light" pitchFamily="50" charset="-127"/>
-              </a:rPr>
-              <a:t>소제목</a:t>
-            </a:r>
-          </a:p>
-          <a:p>
-            <a:endParaRPr lang="en-US" altLang="ko-KR" sz="1200" spc="-150" dirty="0">
-              <a:latin typeface="나눔바른고딕OTF Light" pitchFamily="50" charset="-127"/>
-              <a:ea typeface="나눔바른고딕OTF Light" pitchFamily="50" charset="-127"/>
-            </a:endParaRPr>
-          </a:p>
-          <a:p>
-            <a:r>
-              <a:rPr lang="en-US" altLang="ko-KR" sz="1200" spc="-150" dirty="0">
-                <a:latin typeface="나눔바른고딕OTF Light" pitchFamily="50" charset="-127"/>
-                <a:ea typeface="나눔바른고딕OTF Light" pitchFamily="50" charset="-127"/>
-              </a:rPr>
-              <a:t>- </a:t>
-            </a:r>
-            <a:r>
-              <a:rPr lang="ko-KR" altLang="en-US" sz="1200" spc="-150" dirty="0">
-                <a:latin typeface="나눔바른고딕OTF Light" pitchFamily="50" charset="-127"/>
-                <a:ea typeface="나눔바른고딕OTF Light" pitchFamily="50" charset="-127"/>
-              </a:rPr>
-              <a:t>소제목</a:t>
-            </a:r>
-            <a:endParaRPr lang="en-US" altLang="ko-KR" sz="1200" spc="-150" dirty="0">
-              <a:latin typeface="나눔바른고딕OTF Light" pitchFamily="50" charset="-127"/>
-              <a:ea typeface="나눔바른고딕OTF Light" pitchFamily="50" charset="-127"/>
-            </a:endParaRPr>
-          </a:p>
-          <a:p>
-            <a:pPr>
-              <a:buFontTx/>
-              <a:buChar char="-"/>
-            </a:pPr>
-            <a:endParaRPr lang="en-US" altLang="ko-KR" sz="1200" spc="-150" dirty="0">
-              <a:latin typeface="나눔바른고딕OTF Light" pitchFamily="50" charset="-127"/>
-              <a:ea typeface="나눔바른고딕OTF Light" pitchFamily="50" charset="-127"/>
-            </a:endParaRPr>
-          </a:p>
-          <a:p>
-            <a:endParaRPr lang="ko-KR" altLang="en-US" sz="1200" spc="-150" dirty="0">
-              <a:latin typeface="나눔바른고딕OTF Light" pitchFamily="50" charset="-127"/>
-              <a:ea typeface="나눔바른고딕OTF Light" pitchFamily="50" charset="-127"/>
-            </a:endParaRPr>
-          </a:p>
-        </p:txBody>
-      </p:sp>
-      <p:sp>
-        <p:nvSpPr>
-          <p:cNvPr id="24" name="TextBox 23"/>
-          <p:cNvSpPr txBox="1"/>
-          <p:nvPr/>
-        </p:nvSpPr>
-        <p:spPr>
-          <a:xfrm>
-            <a:off x="3894744" y="3140968"/>
-            <a:ext cx="1368152" cy="1015663"/>
-          </a:xfrm>
-          <a:prstGeom prst="rect">
-            <a:avLst/>
-          </a:prstGeom>
-          <a:noFill/>
-          <a:ln>
-            <a:noFill/>
-          </a:ln>
-        </p:spPr>
-        <p:txBody>
-          <a:bodyPr wrap="square" rtlCol="0">
-            <a:spAutoFit/>
-          </a:bodyPr>
-          <a:lstStyle/>
-          <a:p>
-            <a:r>
-              <a:rPr lang="en-US" altLang="ko-KR" sz="1200" spc="-150" dirty="0">
-                <a:latin typeface="나눔바른고딕OTF Light" pitchFamily="50" charset="-127"/>
-                <a:ea typeface="나눔바른고딕OTF Light" pitchFamily="50" charset="-127"/>
-              </a:rPr>
-              <a:t>- </a:t>
-            </a:r>
-            <a:r>
-              <a:rPr lang="ko-KR" altLang="en-US" sz="1200" spc="-150" dirty="0">
-                <a:latin typeface="나눔바른고딕OTF Light" pitchFamily="50" charset="-127"/>
-                <a:ea typeface="나눔바른고딕OTF Light" pitchFamily="50" charset="-127"/>
-              </a:rPr>
-              <a:t>소제목</a:t>
-            </a:r>
-          </a:p>
-          <a:p>
-            <a:endParaRPr lang="en-US" altLang="ko-KR" sz="1200" spc="-150" dirty="0">
-              <a:latin typeface="나눔바른고딕OTF Light" pitchFamily="50" charset="-127"/>
-              <a:ea typeface="나눔바른고딕OTF Light" pitchFamily="50" charset="-127"/>
-            </a:endParaRPr>
-          </a:p>
-          <a:p>
-            <a:r>
-              <a:rPr lang="en-US" altLang="ko-KR" sz="1200" spc="-150" dirty="0">
-                <a:latin typeface="나눔바른고딕OTF Light" pitchFamily="50" charset="-127"/>
-                <a:ea typeface="나눔바른고딕OTF Light" pitchFamily="50" charset="-127"/>
-              </a:rPr>
-              <a:t>- </a:t>
-            </a:r>
-            <a:r>
-              <a:rPr lang="ko-KR" altLang="en-US" sz="1200" spc="-150" dirty="0">
-                <a:latin typeface="나눔바른고딕OTF Light" pitchFamily="50" charset="-127"/>
-                <a:ea typeface="나눔바른고딕OTF Light" pitchFamily="50" charset="-127"/>
-              </a:rPr>
-              <a:t>소제목</a:t>
-            </a:r>
-            <a:endParaRPr lang="en-US" altLang="ko-KR" sz="1200" spc="-150" dirty="0">
-              <a:latin typeface="나눔바른고딕OTF Light" pitchFamily="50" charset="-127"/>
-              <a:ea typeface="나눔바른고딕OTF Light" pitchFamily="50" charset="-127"/>
-            </a:endParaRPr>
-          </a:p>
-          <a:p>
-            <a:pPr>
-              <a:buFontTx/>
-              <a:buChar char="-"/>
-            </a:pPr>
-            <a:endParaRPr lang="en-US" altLang="ko-KR" sz="1200" spc="-150" dirty="0">
-              <a:latin typeface="나눔바른고딕OTF Light" pitchFamily="50" charset="-127"/>
-              <a:ea typeface="나눔바른고딕OTF Light" pitchFamily="50" charset="-127"/>
-            </a:endParaRPr>
-          </a:p>
-          <a:p>
-            <a:r>
-              <a:rPr lang="en-US" altLang="ko-KR" sz="1200" spc="-150" dirty="0">
-                <a:latin typeface="나눔바른고딕OTF Light" pitchFamily="50" charset="-127"/>
-                <a:ea typeface="나눔바른고딕OTF Light" pitchFamily="50" charset="-127"/>
-              </a:rPr>
-              <a:t>- </a:t>
-            </a:r>
-            <a:r>
-              <a:rPr lang="ko-KR" altLang="en-US" sz="1200" spc="-150" dirty="0">
-                <a:latin typeface="나눔바른고딕OTF Light" pitchFamily="50" charset="-127"/>
-                <a:ea typeface="나눔바른고딕OTF Light" pitchFamily="50" charset="-127"/>
-              </a:rPr>
-              <a:t>소제목</a:t>
-            </a:r>
-          </a:p>
-        </p:txBody>
-      </p:sp>
-      <p:sp>
-        <p:nvSpPr>
-          <p:cNvPr id="25" name="TextBox 24"/>
-          <p:cNvSpPr txBox="1"/>
-          <p:nvPr/>
-        </p:nvSpPr>
-        <p:spPr>
-          <a:xfrm>
-            <a:off x="5622936" y="3140968"/>
-            <a:ext cx="1368152" cy="646331"/>
-          </a:xfrm>
-          <a:prstGeom prst="rect">
-            <a:avLst/>
-          </a:prstGeom>
-          <a:noFill/>
-          <a:ln>
-            <a:noFill/>
-          </a:ln>
-        </p:spPr>
-        <p:txBody>
-          <a:bodyPr wrap="square" rtlCol="0">
-            <a:spAutoFit/>
-          </a:bodyPr>
-          <a:lstStyle/>
-          <a:p>
-            <a:r>
-              <a:rPr lang="en-US" altLang="ko-KR" sz="1200" spc="-150" dirty="0">
-                <a:latin typeface="나눔바른고딕OTF Light" pitchFamily="50" charset="-127"/>
-                <a:ea typeface="나눔바른고딕OTF Light" pitchFamily="50" charset="-127"/>
-              </a:rPr>
-              <a:t>- </a:t>
-            </a:r>
-            <a:r>
-              <a:rPr lang="ko-KR" altLang="en-US" sz="1200" spc="-150" dirty="0">
-                <a:latin typeface="나눔바른고딕OTF Light" pitchFamily="50" charset="-127"/>
-                <a:ea typeface="나눔바른고딕OTF Light" pitchFamily="50" charset="-127"/>
-              </a:rPr>
-              <a:t>소제목</a:t>
-            </a:r>
-          </a:p>
-          <a:p>
-            <a:endParaRPr lang="en-US" altLang="ko-KR" sz="1200" spc="-150" dirty="0">
-              <a:latin typeface="나눔바른고딕OTF Light" pitchFamily="50" charset="-127"/>
-              <a:ea typeface="나눔바른고딕OTF Light" pitchFamily="50" charset="-127"/>
-            </a:endParaRPr>
-          </a:p>
-          <a:p>
-            <a:r>
-              <a:rPr lang="en-US" altLang="ko-KR" sz="1200" spc="-150" dirty="0">
-                <a:latin typeface="나눔바른고딕OTF Light" pitchFamily="50" charset="-127"/>
-                <a:ea typeface="나눔바른고딕OTF Light" pitchFamily="50" charset="-127"/>
-              </a:rPr>
-              <a:t>- </a:t>
-            </a:r>
-            <a:r>
-              <a:rPr lang="ko-KR" altLang="en-US" sz="1200" spc="-150" dirty="0">
-                <a:latin typeface="나눔바른고딕OTF Light" pitchFamily="50" charset="-127"/>
-                <a:ea typeface="나눔바른고딕OTF Light" pitchFamily="50" charset="-127"/>
-              </a:rPr>
-              <a:t>소제목</a:t>
-            </a:r>
-          </a:p>
-        </p:txBody>
-      </p:sp>
-      <p:sp>
-        <p:nvSpPr>
-          <p:cNvPr id="26" name="TextBox 25"/>
-          <p:cNvSpPr txBox="1"/>
-          <p:nvPr/>
-        </p:nvSpPr>
-        <p:spPr>
-          <a:xfrm>
-            <a:off x="7351128" y="3140968"/>
-            <a:ext cx="1368152" cy="1015663"/>
-          </a:xfrm>
-          <a:prstGeom prst="rect">
-            <a:avLst/>
-          </a:prstGeom>
-          <a:noFill/>
-          <a:ln>
-            <a:noFill/>
-          </a:ln>
-        </p:spPr>
-        <p:txBody>
-          <a:bodyPr wrap="square" rtlCol="0">
-            <a:spAutoFit/>
-          </a:bodyPr>
-          <a:lstStyle/>
-          <a:p>
-            <a:r>
-              <a:rPr lang="en-US" altLang="ko-KR" sz="1200" spc="-150" dirty="0">
-                <a:latin typeface="나눔바른고딕OTF Light" pitchFamily="50" charset="-127"/>
-                <a:ea typeface="나눔바른고딕OTF Light" pitchFamily="50" charset="-127"/>
-              </a:rPr>
-              <a:t>- </a:t>
-            </a:r>
-            <a:r>
-              <a:rPr lang="ko-KR" altLang="en-US" sz="1200" spc="-150" dirty="0">
-                <a:latin typeface="나눔바른고딕OTF Light" pitchFamily="50" charset="-127"/>
-                <a:ea typeface="나눔바른고딕OTF Light" pitchFamily="50" charset="-127"/>
-              </a:rPr>
-              <a:t>소제목</a:t>
-            </a:r>
-          </a:p>
-          <a:p>
-            <a:endParaRPr lang="en-US" altLang="ko-KR" sz="1200" spc="-150" dirty="0">
-              <a:latin typeface="나눔바른고딕OTF Light" pitchFamily="50" charset="-127"/>
-              <a:ea typeface="나눔바른고딕OTF Light" pitchFamily="50" charset="-127"/>
-            </a:endParaRPr>
-          </a:p>
-          <a:p>
-            <a:r>
-              <a:rPr lang="en-US" altLang="ko-KR" sz="1200" spc="-150" dirty="0">
-                <a:latin typeface="나눔바른고딕OTF Light" pitchFamily="50" charset="-127"/>
-                <a:ea typeface="나눔바른고딕OTF Light" pitchFamily="50" charset="-127"/>
-              </a:rPr>
-              <a:t>- </a:t>
-            </a:r>
-            <a:r>
-              <a:rPr lang="ko-KR" altLang="en-US" sz="1200" spc="-150" dirty="0">
-                <a:latin typeface="나눔바른고딕OTF Light" pitchFamily="50" charset="-127"/>
-                <a:ea typeface="나눔바른고딕OTF Light" pitchFamily="50" charset="-127"/>
-              </a:rPr>
-              <a:t>소제목</a:t>
-            </a:r>
-            <a:endParaRPr lang="en-US" altLang="ko-KR" sz="1200" spc="-150" dirty="0">
-              <a:latin typeface="나눔바른고딕OTF Light" pitchFamily="50" charset="-127"/>
-              <a:ea typeface="나눔바른고딕OTF Light" pitchFamily="50" charset="-127"/>
-            </a:endParaRPr>
-          </a:p>
-          <a:p>
-            <a:pPr>
-              <a:buFontTx/>
-              <a:buChar char="-"/>
-            </a:pPr>
-            <a:endParaRPr lang="en-US" altLang="ko-KR" sz="1200" spc="-150" dirty="0">
-              <a:latin typeface="나눔바른고딕OTF Light" pitchFamily="50" charset="-127"/>
-              <a:ea typeface="나눔바른고딕OTF Light" pitchFamily="50" charset="-127"/>
-            </a:endParaRPr>
-          </a:p>
-          <a:p>
-            <a:r>
-              <a:rPr lang="en-US" altLang="ko-KR" sz="1200" spc="-150" dirty="0">
-                <a:latin typeface="나눔바른고딕OTF Light" pitchFamily="50" charset="-127"/>
-                <a:ea typeface="나눔바른고딕OTF Light" pitchFamily="50" charset="-127"/>
-              </a:rPr>
-              <a:t>- </a:t>
-            </a:r>
-            <a:r>
-              <a:rPr lang="ko-KR" altLang="en-US" sz="1200" spc="-150" dirty="0">
-                <a:latin typeface="나눔바른고딕OTF Light" pitchFamily="50" charset="-127"/>
-                <a:ea typeface="나눔바른고딕OTF Light" pitchFamily="50" charset="-127"/>
-              </a:rPr>
-              <a:t>소제목</a:t>
-            </a:r>
-          </a:p>
-        </p:txBody>
-      </p:sp>
-      <p:sp>
-        <p:nvSpPr>
-          <p:cNvPr id="27" name="TextBox 26"/>
-          <p:cNvSpPr txBox="1"/>
-          <p:nvPr/>
-        </p:nvSpPr>
-        <p:spPr>
-          <a:xfrm>
-            <a:off x="2094544" y="2555612"/>
-            <a:ext cx="1656184" cy="369332"/>
-          </a:xfrm>
-          <a:prstGeom prst="rect">
-            <a:avLst/>
-          </a:prstGeom>
-          <a:noFill/>
-          <a:ln>
-            <a:noFill/>
-          </a:ln>
-        </p:spPr>
-        <p:txBody>
-          <a:bodyPr wrap="square" rtlCol="0">
-            <a:spAutoFit/>
-          </a:bodyPr>
-          <a:lstStyle/>
-          <a:p>
-            <a:pPr algn="ctr"/>
-            <a:r>
-              <a:rPr lang="ko-KR" altLang="en-US" spc="-150" dirty="0">
-                <a:latin typeface="나눔바른고딕OTF Light" pitchFamily="50" charset="-127"/>
-                <a:ea typeface="나눔바른고딕OTF Light" pitchFamily="50" charset="-127"/>
-              </a:rPr>
-              <a:t>제목을 입력</a:t>
-            </a:r>
-          </a:p>
-        </p:txBody>
-      </p:sp>
-      <p:sp>
-        <p:nvSpPr>
-          <p:cNvPr id="28" name="TextBox 27"/>
-          <p:cNvSpPr txBox="1"/>
-          <p:nvPr/>
-        </p:nvSpPr>
-        <p:spPr>
-          <a:xfrm>
-            <a:off x="3750728" y="2555612"/>
-            <a:ext cx="1656184" cy="369332"/>
-          </a:xfrm>
-          <a:prstGeom prst="rect">
-            <a:avLst/>
-          </a:prstGeom>
-          <a:noFill/>
-          <a:ln>
-            <a:noFill/>
-          </a:ln>
-        </p:spPr>
-        <p:txBody>
-          <a:bodyPr wrap="square" rtlCol="0">
-            <a:spAutoFit/>
-          </a:bodyPr>
-          <a:lstStyle/>
-          <a:p>
-            <a:pPr algn="ctr"/>
-            <a:r>
-              <a:rPr lang="ko-KR" altLang="en-US" spc="-150" dirty="0">
-                <a:latin typeface="나눔바른고딕OTF Light" pitchFamily="50" charset="-127"/>
-                <a:ea typeface="나눔바른고딕OTF Light" pitchFamily="50" charset="-127"/>
-              </a:rPr>
-              <a:t>제목을 입력</a:t>
-            </a:r>
-          </a:p>
-        </p:txBody>
-      </p:sp>
-      <p:sp>
-        <p:nvSpPr>
-          <p:cNvPr id="29" name="TextBox 28"/>
-          <p:cNvSpPr txBox="1"/>
-          <p:nvPr/>
-        </p:nvSpPr>
-        <p:spPr>
-          <a:xfrm>
-            <a:off x="5334904" y="2564904"/>
-            <a:ext cx="1872208" cy="369332"/>
-          </a:xfrm>
-          <a:prstGeom prst="rect">
-            <a:avLst/>
-          </a:prstGeom>
-          <a:noFill/>
-          <a:ln>
-            <a:noFill/>
-          </a:ln>
-        </p:spPr>
-        <p:txBody>
-          <a:bodyPr wrap="square" rtlCol="0">
-            <a:spAutoFit/>
-          </a:bodyPr>
-          <a:lstStyle/>
-          <a:p>
-            <a:pPr algn="ctr"/>
-            <a:r>
-              <a:rPr lang="ko-KR" altLang="en-US" spc="-150" dirty="0">
-                <a:latin typeface="나눔바른고딕OTF Light" pitchFamily="50" charset="-127"/>
-                <a:ea typeface="나눔바른고딕OTF Light" pitchFamily="50" charset="-127"/>
-              </a:rPr>
-              <a:t>제목을 입력</a:t>
-            </a:r>
-          </a:p>
-        </p:txBody>
-      </p:sp>
-      <p:sp>
-        <p:nvSpPr>
-          <p:cNvPr id="30" name="TextBox 29"/>
-          <p:cNvSpPr txBox="1"/>
-          <p:nvPr/>
-        </p:nvSpPr>
-        <p:spPr>
-          <a:xfrm>
-            <a:off x="6883584" y="2555612"/>
-            <a:ext cx="2195736" cy="369332"/>
-          </a:xfrm>
-          <a:prstGeom prst="rect">
-            <a:avLst/>
-          </a:prstGeom>
-          <a:noFill/>
-          <a:ln>
-            <a:noFill/>
-          </a:ln>
-        </p:spPr>
-        <p:txBody>
-          <a:bodyPr wrap="square" rtlCol="0">
-            <a:spAutoFit/>
-          </a:bodyPr>
-          <a:lstStyle/>
-          <a:p>
-            <a:pPr algn="ctr"/>
-            <a:r>
-              <a:rPr kumimoji="1" lang="en-US" altLang="ko-KR" i="0" u="none" strike="noStrike" cap="none" spc="-150" normalizeH="0" baseline="0" dirty="0">
-                <a:ln>
-                  <a:noFill/>
-                </a:ln>
-                <a:effectLst/>
-                <a:latin typeface="나눔바른고딕OTF Light" pitchFamily="50" charset="-127"/>
-                <a:ea typeface="나눔바른고딕OTF Light" pitchFamily="50" charset="-127"/>
-                <a:cs typeface="굴림" pitchFamily="50" charset="-127"/>
-              </a:rPr>
-              <a:t> </a:t>
-            </a:r>
-            <a:r>
-              <a:rPr lang="ko-KR" altLang="en-US" spc="-150" dirty="0">
-                <a:latin typeface="나눔바른고딕OTF Light" pitchFamily="50" charset="-127"/>
-                <a:ea typeface="나눔바른고딕OTF Light" pitchFamily="50" charset="-127"/>
-              </a:rPr>
-              <a:t>제목을 입력</a:t>
-            </a:r>
-          </a:p>
-        </p:txBody>
-      </p:sp>
-      <p:sp>
-        <p:nvSpPr>
-          <p:cNvPr id="40" name="타원 39"/>
-          <p:cNvSpPr/>
-          <p:nvPr/>
-        </p:nvSpPr>
-        <p:spPr>
-          <a:xfrm>
-            <a:off x="7452320" y="5229200"/>
-            <a:ext cx="1296144" cy="1296144"/>
-          </a:xfrm>
-          <a:prstGeom prst="ellipse">
-            <a:avLst/>
-          </a:prstGeom>
-          <a:solidFill>
-            <a:schemeClr val="tx1"/>
-          </a:solidFill>
-          <a:ln>
-            <a:noFill/>
-          </a:ln>
-        </p:spPr>
-        <p:style>
-          <a:lnRef idx="2">
-            <a:schemeClr val="accent1">
-              <a:shade val="50000"/>
-            </a:schemeClr>
-          </a:lnRef>
-          <a:fillRef idx="1">
-            <a:schemeClr val="accent1"/>
-          </a:fillRef>
-          <a:effectRef idx="0">
-            <a:schemeClr val="accent1"/>
-          </a:effectRef>
-          <a:fontRef idx="minor">
-            <a:schemeClr val="lt1"/>
-          </a:fontRef>
-        </p:style>
-        <p:txBody>
-          <a:bodyPr rtlCol="0" anchor="ctr"/>
-          <a:lstStyle/>
-          <a:p>
-            <a:pPr algn="ctr"/>
-            <a:endParaRPr lang="ko-KR" altLang="en-US"/>
-          </a:p>
-        </p:txBody>
-      </p:sp>
-      <p:sp>
-        <p:nvSpPr>
-          <p:cNvPr id="41" name="직사각형 40"/>
-          <p:cNvSpPr/>
-          <p:nvPr/>
-        </p:nvSpPr>
-        <p:spPr>
-          <a:xfrm>
-            <a:off x="0" y="5877272"/>
-            <a:ext cx="9144000" cy="1080120"/>
-          </a:xfrm>
-          <a:prstGeom prst="rect">
-            <a:avLst/>
-          </a:prstGeom>
-          <a:solidFill>
-            <a:schemeClr val="dk1"/>
-          </a:solidFill>
-          <a:ln>
-            <a:noFill/>
-          </a:ln>
-        </p:spPr>
-        <p:style>
-          <a:lnRef idx="2">
-            <a:schemeClr val="dk1">
-              <a:shade val="50000"/>
-            </a:schemeClr>
-          </a:lnRef>
-          <a:fillRef idx="1">
-            <a:schemeClr val="dk1"/>
-          </a:fillRef>
-          <a:effectRef idx="0">
-            <a:schemeClr val="dk1"/>
-          </a:effectRef>
-          <a:fontRef idx="minor">
-            <a:schemeClr val="lt1"/>
-          </a:fontRef>
-        </p:style>
-        <p:txBody>
-          <a:bodyPr rtlCol="0" anchor="ctr"/>
-          <a:lstStyle/>
-          <a:p>
-            <a:pPr algn="ctr"/>
-            <a:endParaRPr lang="ko-KR" altLang="en-US"/>
-          </a:p>
-        </p:txBody>
-      </p:sp>
-      <p:sp>
-        <p:nvSpPr>
-          <p:cNvPr id="42" name="타원 41"/>
-          <p:cNvSpPr/>
-          <p:nvPr/>
-        </p:nvSpPr>
-        <p:spPr>
-          <a:xfrm>
-            <a:off x="539552" y="5229200"/>
-            <a:ext cx="1296144" cy="1296144"/>
-          </a:xfrm>
-          <a:prstGeom prst="ellipse">
-            <a:avLst/>
-          </a:prstGeom>
-          <a:solidFill>
-            <a:schemeClr val="bg1"/>
-          </a:solidFill>
-          <a:ln>
-            <a:noFill/>
-          </a:ln>
-        </p:spPr>
-        <p:style>
-          <a:lnRef idx="2">
-            <a:schemeClr val="accent1">
-              <a:shade val="50000"/>
-            </a:schemeClr>
-          </a:lnRef>
-          <a:fillRef idx="1">
-            <a:schemeClr val="accent1"/>
-          </a:fillRef>
-          <a:effectRef idx="0">
-            <a:schemeClr val="accent1"/>
-          </a:effectRef>
-          <a:fontRef idx="minor">
-            <a:schemeClr val="lt1"/>
-          </a:fontRef>
-        </p:style>
-        <p:txBody>
-          <a:bodyPr rtlCol="0" anchor="ctr"/>
-          <a:lstStyle/>
-          <a:p>
-            <a:pPr algn="ctr"/>
-            <a:endParaRPr lang="ko-KR" altLang="en-US"/>
-          </a:p>
-        </p:txBody>
-      </p:sp>
-      <p:sp>
-        <p:nvSpPr>
-          <p:cNvPr id="31" name="TextBox 30"/>
-          <p:cNvSpPr txBox="1"/>
-          <p:nvPr/>
-        </p:nvSpPr>
-        <p:spPr>
-          <a:xfrm>
-            <a:off x="2843808" y="5994429"/>
-            <a:ext cx="3600400" cy="530915"/>
-          </a:xfrm>
-          <a:prstGeom prst="rect">
-            <a:avLst/>
-          </a:prstGeom>
-          <a:noFill/>
-        </p:spPr>
-        <p:txBody>
-          <a:bodyPr wrap="square" rtlCol="0">
-            <a:spAutoFit/>
-          </a:bodyPr>
-          <a:lstStyle/>
-          <a:p>
-            <a:pPr algn="ctr"/>
-            <a:r>
-              <a:rPr lang="en-US" altLang="ko-KR" dirty="0">
-                <a:solidFill>
-                  <a:schemeClr val="bg1"/>
-                </a:solidFill>
-                <a:latin typeface="나눔바른고딕OTF Light" pitchFamily="50" charset="-127"/>
-                <a:ea typeface="나눔바른고딕OTF Light" pitchFamily="50" charset="-127"/>
-              </a:rPr>
-              <a:t>MINHEEBLOG</a:t>
-            </a:r>
-          </a:p>
-          <a:p>
-            <a:pPr algn="ctr"/>
-            <a:r>
-              <a:rPr lang="en-US" altLang="ko-KR" sz="1050" dirty="0">
-                <a:solidFill>
-                  <a:schemeClr val="bg1"/>
-                </a:solidFill>
-                <a:latin typeface="나눔바른고딕OTF Light" pitchFamily="50" charset="-127"/>
-                <a:ea typeface="나눔바른고딕OTF Light" pitchFamily="50" charset="-127"/>
-              </a:rPr>
-              <a:t>(</a:t>
-            </a:r>
-            <a:r>
-              <a:rPr lang="ko-KR" altLang="en-US" sz="1050" dirty="0">
-                <a:solidFill>
-                  <a:schemeClr val="bg1"/>
-                </a:solidFill>
-                <a:latin typeface="나눔바른고딕OTF Light" pitchFamily="50" charset="-127"/>
-                <a:ea typeface="나눔바른고딕OTF Light" pitchFamily="50" charset="-127"/>
-              </a:rPr>
-              <a:t>여기에 로고를 넣어주세요</a:t>
-            </a:r>
-            <a:r>
-              <a:rPr lang="en-US" altLang="ko-KR" sz="1050" dirty="0">
-                <a:solidFill>
-                  <a:schemeClr val="bg1"/>
-                </a:solidFill>
-                <a:latin typeface="나눔바른고딕OTF Light" pitchFamily="50" charset="-127"/>
-                <a:ea typeface="나눔바른고딕OTF Light" pitchFamily="50" charset="-127"/>
-              </a:rPr>
-              <a:t>)</a:t>
-            </a:r>
-            <a:endParaRPr lang="ko-KR" altLang="en-US" sz="1050" dirty="0">
-              <a:solidFill>
-                <a:schemeClr val="bg1"/>
-              </a:solidFill>
-              <a:latin typeface="나눔바른고딕OTF Light" pitchFamily="50" charset="-127"/>
-              <a:ea typeface="나눔바른고딕OTF Light" pitchFamily="50" charset="-127"/>
-            </a:endParaRPr>
-          </a:p>
-        </p:txBody>
-      </p:sp>
-    </p:spTree>
-    <p:extLst>
-      <p:ext uri="{BB962C8B-B14F-4D97-AF65-F5344CB8AC3E}">
-        <p14:creationId xmlns:p14="http://schemas.microsoft.com/office/powerpoint/2010/main" val="867174897"/>
-      </p:ext>
-    </p:extLst>
-  </p:cSld>
-  <p:clrMapOvr>
-    <a:masterClrMapping/>
-  </p:clrMapOvr>
-</p:sld>
-</file>
-
-<file path=ppt/slides/slide12.xml><?xml version="1.0" encoding="utf-8"?>
-<p:sld xmlns:a="http://schemas.openxmlformats.org/drawingml/2006/main" xmlns:r="http://schemas.openxmlformats.org/officeDocument/2006/relationships" xmlns:p="http://schemas.openxmlformats.org/presentationml/2006/main" showMasterSp="0">
-  <p:cSld>
-    <p:bg>
-      <p:bgPr>
-        <a:solidFill>
-          <a:schemeClr val="bg1"/>
-        </a:solidFill>
-        <a:effectLst/>
-      </p:bgPr>
-    </p:bg>
-    <p:spTree>
-      <p:nvGrpSpPr>
-        <p:cNvPr id="1" name=""/>
-        <p:cNvGrpSpPr/>
-        <p:nvPr/>
-      </p:nvGrpSpPr>
-      <p:grpSpPr>
-        <a:xfrm>
-          <a:off x="0" y="0"/>
-          <a:ext cx="0" cy="0"/>
-          <a:chOff x="0" y="0"/>
-          <a:chExt cx="0" cy="0"/>
-        </a:xfrm>
-      </p:grpSpPr>
-      <p:sp>
-        <p:nvSpPr>
-          <p:cNvPr id="33" name="타원 32"/>
-          <p:cNvSpPr/>
-          <p:nvPr/>
-        </p:nvSpPr>
-        <p:spPr>
-          <a:xfrm>
-            <a:off x="4067944" y="74100"/>
-            <a:ext cx="936104" cy="936104"/>
-          </a:xfrm>
-          <a:prstGeom prst="ellipse">
-            <a:avLst/>
-          </a:prstGeom>
-          <a:solidFill>
-            <a:schemeClr val="tx1"/>
-          </a:solidFill>
-          <a:ln>
-            <a:noFill/>
-          </a:ln>
-        </p:spPr>
-        <p:style>
-          <a:lnRef idx="2">
-            <a:schemeClr val="accent1">
-              <a:shade val="50000"/>
-            </a:schemeClr>
-          </a:lnRef>
-          <a:fillRef idx="1">
-            <a:schemeClr val="accent1"/>
-          </a:fillRef>
-          <a:effectRef idx="0">
-            <a:schemeClr val="accent1"/>
-          </a:effectRef>
-          <a:fontRef idx="minor">
-            <a:schemeClr val="lt1"/>
-          </a:fontRef>
-        </p:style>
-        <p:txBody>
-          <a:bodyPr rtlCol="0" anchor="ctr"/>
-          <a:lstStyle/>
-          <a:p>
-            <a:pPr algn="ctr"/>
-            <a:endParaRPr lang="ko-KR" altLang="en-US"/>
-          </a:p>
-        </p:txBody>
-      </p:sp>
-      <p:sp>
-        <p:nvSpPr>
-          <p:cNvPr id="34" name="TextBox 33"/>
-          <p:cNvSpPr txBox="1"/>
-          <p:nvPr/>
-        </p:nvSpPr>
-        <p:spPr>
-          <a:xfrm>
-            <a:off x="3995936" y="479095"/>
-            <a:ext cx="1080120" cy="461665"/>
-          </a:xfrm>
-          <a:prstGeom prst="rect">
-            <a:avLst/>
-          </a:prstGeom>
-          <a:noFill/>
-        </p:spPr>
-        <p:txBody>
-          <a:bodyPr wrap="square" rtlCol="0">
-            <a:spAutoFit/>
-          </a:bodyPr>
-          <a:lstStyle/>
-          <a:p>
-            <a:pPr algn="ctr"/>
-            <a:r>
-              <a:rPr lang="en-US" altLang="ko-KR" sz="2400" dirty="0">
-                <a:solidFill>
-                  <a:schemeClr val="bg1"/>
-                </a:solidFill>
-                <a:latin typeface="HY헤드라인M" pitchFamily="18" charset="-127"/>
-                <a:ea typeface="HY헤드라인M" pitchFamily="18" charset="-127"/>
-              </a:rPr>
-              <a:t>01</a:t>
-            </a:r>
-            <a:endParaRPr lang="ko-KR" altLang="en-US" sz="2400" dirty="0">
-              <a:solidFill>
-                <a:schemeClr val="bg1"/>
-              </a:solidFill>
-              <a:latin typeface="HY헤드라인M" pitchFamily="18" charset="-127"/>
-              <a:ea typeface="HY헤드라인M" pitchFamily="18" charset="-127"/>
-            </a:endParaRPr>
-          </a:p>
-        </p:txBody>
-      </p:sp>
-      <p:sp>
-        <p:nvSpPr>
-          <p:cNvPr id="20" name="TextBox 19"/>
-          <p:cNvSpPr txBox="1"/>
-          <p:nvPr/>
-        </p:nvSpPr>
-        <p:spPr>
-          <a:xfrm>
-            <a:off x="427434" y="836712"/>
-            <a:ext cx="2416373" cy="400110"/>
-          </a:xfrm>
-          <a:prstGeom prst="rect">
-            <a:avLst/>
-          </a:prstGeom>
-          <a:noFill/>
-        </p:spPr>
-        <p:txBody>
-          <a:bodyPr wrap="square" rtlCol="0">
-            <a:spAutoFit/>
-          </a:bodyPr>
-          <a:lstStyle/>
-          <a:p>
-            <a:r>
-              <a:rPr lang="en-US" altLang="ko-KR" sz="2000" dirty="0">
-                <a:latin typeface="나눔바른고딕OTF Light" pitchFamily="50" charset="-127"/>
-                <a:ea typeface="나눔바른고딕OTF Light" pitchFamily="50" charset="-127"/>
-              </a:rPr>
-              <a:t>MINHEEBLOG</a:t>
-            </a:r>
-            <a:endParaRPr lang="ko-KR" altLang="en-US" sz="2000" dirty="0">
-              <a:latin typeface="나눔바른고딕OTF Light" pitchFamily="50" charset="-127"/>
-              <a:ea typeface="나눔바른고딕OTF Light" pitchFamily="50" charset="-127"/>
-            </a:endParaRPr>
-          </a:p>
-        </p:txBody>
-      </p:sp>
-      <p:sp>
-        <p:nvSpPr>
-          <p:cNvPr id="21" name="TextBox 20"/>
-          <p:cNvSpPr txBox="1"/>
-          <p:nvPr/>
-        </p:nvSpPr>
-        <p:spPr>
-          <a:xfrm>
-            <a:off x="435645" y="1167276"/>
-            <a:ext cx="3240360" cy="307777"/>
-          </a:xfrm>
-          <a:prstGeom prst="rect">
-            <a:avLst/>
-          </a:prstGeom>
-          <a:noFill/>
-        </p:spPr>
-        <p:txBody>
-          <a:bodyPr wrap="square" rtlCol="0">
-            <a:spAutoFit/>
-          </a:bodyPr>
-          <a:lstStyle/>
-          <a:p>
-            <a:r>
-              <a:rPr lang="ko-KR" altLang="en-US" sz="1400" dirty="0" err="1">
-                <a:solidFill>
-                  <a:schemeClr val="bg1">
-                    <a:lumMod val="75000"/>
-                  </a:schemeClr>
-                </a:solidFill>
-                <a:latin typeface="나눔바른고딕OTF Light" pitchFamily="50" charset="-127"/>
-                <a:ea typeface="나눔바른고딕OTF Light" pitchFamily="50" charset="-127"/>
-              </a:rPr>
-              <a:t>심플한피피티는</a:t>
-            </a:r>
-            <a:r>
-              <a:rPr lang="ko-KR" altLang="en-US" sz="1400" dirty="0">
-                <a:solidFill>
-                  <a:schemeClr val="bg1">
-                    <a:lumMod val="75000"/>
-                  </a:schemeClr>
-                </a:solidFill>
-                <a:latin typeface="나눔바른고딕OTF Light" pitchFamily="50" charset="-127"/>
-                <a:ea typeface="나눔바른고딕OTF Light" pitchFamily="50" charset="-127"/>
-              </a:rPr>
-              <a:t> 무엇인가</a:t>
-            </a:r>
-          </a:p>
-        </p:txBody>
-      </p:sp>
-      <p:graphicFrame>
-        <p:nvGraphicFramePr>
-          <p:cNvPr id="8" name="차트 7"/>
-          <p:cNvGraphicFramePr/>
-          <p:nvPr>
-            <p:extLst>
-              <p:ext uri="{D42A27DB-BD31-4B8C-83A1-F6EECF244321}">
-                <p14:modId xmlns:p14="http://schemas.microsoft.com/office/powerpoint/2010/main" val="4262597305"/>
-              </p:ext>
-            </p:extLst>
-          </p:nvPr>
-        </p:nvGraphicFramePr>
-        <p:xfrm>
-          <a:off x="467544" y="1988840"/>
-          <a:ext cx="5508612" cy="3672408"/>
-        </p:xfrm>
-        <a:graphic>
-          <a:graphicData uri="http://schemas.openxmlformats.org/drawingml/2006/chart">
-            <c:chart xmlns:c="http://schemas.openxmlformats.org/drawingml/2006/chart" xmlns:r="http://schemas.openxmlformats.org/officeDocument/2006/relationships" r:id="rId3"/>
-          </a:graphicData>
-        </a:graphic>
-      </p:graphicFrame>
-      <p:sp>
-        <p:nvSpPr>
-          <p:cNvPr id="9" name="타원 8"/>
-          <p:cNvSpPr/>
-          <p:nvPr/>
-        </p:nvSpPr>
-        <p:spPr>
-          <a:xfrm>
-            <a:off x="5724126" y="4365104"/>
-            <a:ext cx="792088" cy="792088"/>
-          </a:xfrm>
-          <a:prstGeom prst="ellipse">
-            <a:avLst/>
-          </a:prstGeom>
-          <a:solidFill>
-            <a:schemeClr val="bg1">
-              <a:lumMod val="85000"/>
-            </a:schemeClr>
-          </a:solidFill>
-          <a:ln>
-            <a:noFill/>
-          </a:ln>
-        </p:spPr>
-        <p:style>
-          <a:lnRef idx="2">
-            <a:schemeClr val="accent1">
-              <a:shade val="50000"/>
-            </a:schemeClr>
-          </a:lnRef>
-          <a:fillRef idx="1">
-            <a:schemeClr val="accent1"/>
-          </a:fillRef>
-          <a:effectRef idx="0">
-            <a:schemeClr val="accent1"/>
-          </a:effectRef>
-          <a:fontRef idx="minor">
-            <a:schemeClr val="lt1"/>
-          </a:fontRef>
-        </p:style>
-        <p:txBody>
-          <a:bodyPr rtlCol="0" anchor="ctr"/>
-          <a:lstStyle/>
-          <a:p>
-            <a:pPr algn="ctr"/>
-            <a:r>
-              <a:rPr lang="en-US" altLang="ko-KR" sz="3600" dirty="0">
-                <a:solidFill>
-                  <a:schemeClr val="tx1"/>
-                </a:solidFill>
-                <a:latin typeface="나눔바른고딕OTF Light" pitchFamily="50" charset="-127"/>
-                <a:ea typeface="나눔바른고딕OTF Light" pitchFamily="50" charset="-127"/>
-              </a:rPr>
-              <a:t>?</a:t>
-            </a:r>
-            <a:endParaRPr lang="ko-KR" altLang="en-US" sz="3600" dirty="0">
-              <a:solidFill>
-                <a:schemeClr val="tx1"/>
-              </a:solidFill>
-              <a:latin typeface="나눔바른고딕OTF Light" pitchFamily="50" charset="-127"/>
-              <a:ea typeface="나눔바른고딕OTF Light" pitchFamily="50" charset="-127"/>
-            </a:endParaRPr>
-          </a:p>
-        </p:txBody>
-      </p:sp>
-      <p:sp>
-        <p:nvSpPr>
-          <p:cNvPr id="10" name="타원 9"/>
-          <p:cNvSpPr/>
-          <p:nvPr/>
-        </p:nvSpPr>
-        <p:spPr>
-          <a:xfrm>
-            <a:off x="5724128" y="3374990"/>
-            <a:ext cx="792088" cy="792088"/>
-          </a:xfrm>
-          <a:prstGeom prst="ellipse">
-            <a:avLst/>
-          </a:prstGeom>
-          <a:solidFill>
-            <a:schemeClr val="bg1">
-              <a:lumMod val="65000"/>
-            </a:schemeClr>
-          </a:solidFill>
-          <a:ln>
-            <a:noFill/>
-          </a:ln>
-        </p:spPr>
-        <p:style>
-          <a:lnRef idx="2">
-            <a:schemeClr val="accent1">
-              <a:shade val="50000"/>
-            </a:schemeClr>
-          </a:lnRef>
-          <a:fillRef idx="1">
-            <a:schemeClr val="accent1"/>
-          </a:fillRef>
-          <a:effectRef idx="0">
-            <a:schemeClr val="accent1"/>
-          </a:effectRef>
-          <a:fontRef idx="minor">
-            <a:schemeClr val="lt1"/>
-          </a:fontRef>
-        </p:style>
-        <p:txBody>
-          <a:bodyPr rtlCol="0" anchor="ctr"/>
-          <a:lstStyle/>
-          <a:p>
-            <a:pPr algn="ctr"/>
-            <a:r>
-              <a:rPr lang="en-US" altLang="ko-KR" sz="3600" dirty="0">
-                <a:solidFill>
-                  <a:schemeClr val="tx1"/>
-                </a:solidFill>
-                <a:latin typeface="나눔바른고딕OTF Light" pitchFamily="50" charset="-127"/>
-                <a:ea typeface="나눔바른고딕OTF Light" pitchFamily="50" charset="-127"/>
-                <a:sym typeface="Wingdings" panose="05000000000000000000" pitchFamily="2" charset="2"/>
-              </a:rPr>
-              <a:t>!</a:t>
-            </a:r>
-            <a:endParaRPr lang="ko-KR" altLang="en-US" sz="3600" dirty="0">
-              <a:solidFill>
-                <a:schemeClr val="tx1"/>
-              </a:solidFill>
-              <a:latin typeface="나눔바른고딕OTF Light" pitchFamily="50" charset="-127"/>
-              <a:ea typeface="나눔바른고딕OTF Light" pitchFamily="50" charset="-127"/>
-            </a:endParaRPr>
-          </a:p>
-        </p:txBody>
-      </p:sp>
-      <p:sp>
-        <p:nvSpPr>
-          <p:cNvPr id="11" name="타원 10"/>
-          <p:cNvSpPr/>
-          <p:nvPr/>
-        </p:nvSpPr>
-        <p:spPr>
-          <a:xfrm>
-            <a:off x="5724127" y="2348880"/>
-            <a:ext cx="792088" cy="792088"/>
-          </a:xfrm>
-          <a:prstGeom prst="ellipse">
-            <a:avLst/>
-          </a:prstGeom>
-          <a:solidFill>
-            <a:schemeClr val="tx1"/>
-          </a:solidFill>
-          <a:ln>
-            <a:noFill/>
-          </a:ln>
-        </p:spPr>
-        <p:style>
-          <a:lnRef idx="2">
-            <a:schemeClr val="accent1">
-              <a:shade val="50000"/>
-            </a:schemeClr>
-          </a:lnRef>
-          <a:fillRef idx="1">
-            <a:schemeClr val="accent1"/>
-          </a:fillRef>
-          <a:effectRef idx="0">
-            <a:schemeClr val="accent1"/>
-          </a:effectRef>
-          <a:fontRef idx="minor">
-            <a:schemeClr val="lt1"/>
-          </a:fontRef>
-        </p:style>
-        <p:txBody>
-          <a:bodyPr rtlCol="0" anchor="ctr"/>
-          <a:lstStyle/>
-          <a:p>
-            <a:pPr algn="ctr"/>
-            <a:r>
-              <a:rPr lang="en-US" altLang="ko-KR" sz="2000" dirty="0">
-                <a:solidFill>
-                  <a:schemeClr val="bg1"/>
-                </a:solidFill>
-                <a:latin typeface="나눔바른고딕OTF Light" pitchFamily="50" charset="-127"/>
-                <a:ea typeface="나눔바른고딕OTF Light" pitchFamily="50" charset="-127"/>
-              </a:rPr>
-              <a:t>!!!</a:t>
-            </a:r>
-            <a:endParaRPr lang="ko-KR" altLang="en-US" sz="1400" dirty="0">
-              <a:solidFill>
-                <a:schemeClr val="bg1"/>
-              </a:solidFill>
-              <a:latin typeface="나눔바른고딕OTF Light" pitchFamily="50" charset="-127"/>
-              <a:ea typeface="나눔바른고딕OTF Light" pitchFamily="50" charset="-127"/>
-            </a:endParaRPr>
-          </a:p>
-        </p:txBody>
-      </p:sp>
-      <p:sp>
-        <p:nvSpPr>
-          <p:cNvPr id="12" name="TextBox 11"/>
-          <p:cNvSpPr txBox="1"/>
-          <p:nvPr/>
-        </p:nvSpPr>
-        <p:spPr>
-          <a:xfrm>
-            <a:off x="6732238" y="4356972"/>
-            <a:ext cx="1656184" cy="800219"/>
-          </a:xfrm>
-          <a:prstGeom prst="rect">
-            <a:avLst/>
-          </a:prstGeom>
-          <a:noFill/>
-        </p:spPr>
-        <p:txBody>
-          <a:bodyPr wrap="square" rtlCol="0">
-            <a:spAutoFit/>
-          </a:bodyPr>
-          <a:lstStyle/>
-          <a:p>
-            <a:r>
-              <a:rPr lang="en-US" altLang="ko-KR" sz="3200" dirty="0">
-                <a:latin typeface="나눔바른고딕OTF Light" pitchFamily="50" charset="-127"/>
-                <a:ea typeface="나눔바른고딕OTF Light" pitchFamily="50" charset="-127"/>
-              </a:rPr>
-              <a:t>17%</a:t>
-            </a:r>
-          </a:p>
-          <a:p>
-            <a:r>
-              <a:rPr lang="ko-KR" altLang="en-US" sz="1400" dirty="0">
-                <a:latin typeface="나눔바른고딕OTF Light" pitchFamily="50" charset="-127"/>
-                <a:ea typeface="나눔바른고딕OTF Light" pitchFamily="50" charset="-127"/>
-              </a:rPr>
-              <a:t>잘 모르고 있다</a:t>
-            </a:r>
-          </a:p>
-        </p:txBody>
-      </p:sp>
-      <p:sp>
-        <p:nvSpPr>
-          <p:cNvPr id="13" name="TextBox 12"/>
-          <p:cNvSpPr txBox="1"/>
-          <p:nvPr/>
-        </p:nvSpPr>
-        <p:spPr>
-          <a:xfrm>
-            <a:off x="6760178" y="3370924"/>
-            <a:ext cx="1656184" cy="800219"/>
-          </a:xfrm>
-          <a:prstGeom prst="rect">
-            <a:avLst/>
-          </a:prstGeom>
-          <a:noFill/>
-        </p:spPr>
-        <p:txBody>
-          <a:bodyPr wrap="square" rtlCol="0">
-            <a:spAutoFit/>
-          </a:bodyPr>
-          <a:lstStyle/>
-          <a:p>
-            <a:r>
-              <a:rPr lang="en-US" altLang="ko-KR" sz="3200" dirty="0">
-                <a:latin typeface="나눔바른고딕OTF Light" pitchFamily="50" charset="-127"/>
-                <a:ea typeface="나눔바른고딕OTF Light" pitchFamily="50" charset="-127"/>
-              </a:rPr>
-              <a:t>58%</a:t>
-            </a:r>
-          </a:p>
-          <a:p>
-            <a:r>
-              <a:rPr lang="ko-KR" altLang="en-US" sz="1400" dirty="0">
-                <a:latin typeface="나눔바른고딕OTF Light" pitchFamily="50" charset="-127"/>
-                <a:ea typeface="나눔바른고딕OTF Light" pitchFamily="50" charset="-127"/>
-              </a:rPr>
-              <a:t>보통이다</a:t>
-            </a:r>
-          </a:p>
-        </p:txBody>
-      </p:sp>
-      <p:sp>
-        <p:nvSpPr>
-          <p:cNvPr id="14" name="TextBox 13"/>
-          <p:cNvSpPr txBox="1"/>
-          <p:nvPr/>
-        </p:nvSpPr>
-        <p:spPr>
-          <a:xfrm>
-            <a:off x="6732238" y="2348880"/>
-            <a:ext cx="1656184" cy="800219"/>
-          </a:xfrm>
-          <a:prstGeom prst="rect">
-            <a:avLst/>
-          </a:prstGeom>
-          <a:noFill/>
-        </p:spPr>
-        <p:txBody>
-          <a:bodyPr wrap="square" rtlCol="0">
-            <a:spAutoFit/>
-          </a:bodyPr>
-          <a:lstStyle/>
-          <a:p>
-            <a:r>
-              <a:rPr lang="en-US" altLang="ko-KR" sz="3200" dirty="0">
-                <a:latin typeface="나눔바른고딕OTF Light" pitchFamily="50" charset="-127"/>
-                <a:ea typeface="나눔바른고딕OTF Light" pitchFamily="50" charset="-127"/>
-              </a:rPr>
-              <a:t>25%</a:t>
-            </a:r>
-          </a:p>
-          <a:p>
-            <a:r>
-              <a:rPr lang="ko-KR" altLang="en-US" sz="1400" dirty="0">
-                <a:latin typeface="나눔바른고딕OTF Light" pitchFamily="50" charset="-127"/>
-                <a:ea typeface="나눔바른고딕OTF Light" pitchFamily="50" charset="-127"/>
-              </a:rPr>
-              <a:t>잘 알고 있다</a:t>
-            </a:r>
-          </a:p>
-        </p:txBody>
-      </p:sp>
-      <p:sp>
-        <p:nvSpPr>
-          <p:cNvPr id="15" name="TextBox 14"/>
-          <p:cNvSpPr txBox="1"/>
-          <p:nvPr/>
-        </p:nvSpPr>
-        <p:spPr>
-          <a:xfrm>
-            <a:off x="4788025" y="5528264"/>
-            <a:ext cx="3276363" cy="246221"/>
-          </a:xfrm>
-          <a:prstGeom prst="rect">
-            <a:avLst/>
-          </a:prstGeom>
-          <a:noFill/>
-        </p:spPr>
-        <p:txBody>
-          <a:bodyPr wrap="square" rtlCol="0">
-            <a:spAutoFit/>
-          </a:bodyPr>
-          <a:lstStyle/>
-          <a:p>
-            <a:pPr algn="r"/>
-            <a:r>
-              <a:rPr lang="en-US" altLang="ko-KR" sz="1000" dirty="0">
-                <a:latin typeface="나눔바른고딕OTF Light" pitchFamily="50" charset="-127"/>
-                <a:ea typeface="나눔바른고딕OTF Light" pitchFamily="50" charset="-127"/>
-              </a:rPr>
-              <a:t>* </a:t>
-            </a:r>
-            <a:r>
-              <a:rPr lang="en-US" altLang="ko-KR" sz="1000" dirty="0" err="1">
-                <a:latin typeface="나눔바른고딕OTF Light" pitchFamily="50" charset="-127"/>
-                <a:ea typeface="나눔바른고딕OTF Light" pitchFamily="50" charset="-127"/>
-              </a:rPr>
-              <a:t>Minheeblog</a:t>
-            </a:r>
-            <a:r>
-              <a:rPr lang="en-US" altLang="ko-KR" sz="1000" dirty="0">
-                <a:latin typeface="나눔바른고딕OTF Light" pitchFamily="50" charset="-127"/>
-                <a:ea typeface="나눔바른고딕OTF Light" pitchFamily="50" charset="-127"/>
-              </a:rPr>
-              <a:t> </a:t>
-            </a:r>
-            <a:r>
-              <a:rPr lang="ko-KR" altLang="en-US" sz="1000" dirty="0">
-                <a:latin typeface="나눔바른고딕OTF Light" pitchFamily="50" charset="-127"/>
-                <a:ea typeface="나눔바른고딕OTF Light" pitchFamily="50" charset="-127"/>
-              </a:rPr>
-              <a:t>자체 조사 결과 </a:t>
-            </a:r>
-            <a:r>
-              <a:rPr lang="en-US" altLang="ko-KR" sz="1000" dirty="0">
-                <a:latin typeface="나눔바른고딕OTF Light" pitchFamily="50" charset="-127"/>
-                <a:ea typeface="나눔바른고딕OTF Light" pitchFamily="50" charset="-127"/>
-              </a:rPr>
-              <a:t>(100</a:t>
-            </a:r>
-            <a:r>
-              <a:rPr lang="ko-KR" altLang="en-US" sz="1000" dirty="0">
-                <a:latin typeface="나눔바른고딕OTF Light" pitchFamily="50" charset="-127"/>
-                <a:ea typeface="나눔바른고딕OTF Light" pitchFamily="50" charset="-127"/>
-              </a:rPr>
-              <a:t>명</a:t>
-            </a:r>
-            <a:r>
-              <a:rPr lang="en-US" altLang="ko-KR" sz="1000" dirty="0">
-                <a:latin typeface="나눔바른고딕OTF Light" pitchFamily="50" charset="-127"/>
-                <a:ea typeface="나눔바른고딕OTF Light" pitchFamily="50" charset="-127"/>
-              </a:rPr>
-              <a:t>)</a:t>
-            </a:r>
-            <a:endParaRPr lang="ko-KR" altLang="en-US" sz="1000" dirty="0">
-              <a:latin typeface="나눔바른고딕OTF Light" pitchFamily="50" charset="-127"/>
-              <a:ea typeface="나눔바른고딕OTF Light" pitchFamily="50" charset="-127"/>
-            </a:endParaRPr>
-          </a:p>
-        </p:txBody>
-      </p:sp>
-      <p:sp>
-        <p:nvSpPr>
-          <p:cNvPr id="16" name="TextBox 15"/>
-          <p:cNvSpPr txBox="1"/>
-          <p:nvPr/>
-        </p:nvSpPr>
-        <p:spPr>
-          <a:xfrm>
-            <a:off x="7164288" y="6546830"/>
-            <a:ext cx="1728192" cy="338554"/>
-          </a:xfrm>
-          <a:prstGeom prst="rect">
-            <a:avLst/>
-          </a:prstGeom>
-          <a:noFill/>
-        </p:spPr>
-        <p:txBody>
-          <a:bodyPr wrap="square" rtlCol="0">
-            <a:spAutoFit/>
-          </a:bodyPr>
-          <a:lstStyle/>
-          <a:p>
-            <a:pPr algn="r"/>
-            <a:r>
-              <a:rPr lang="en-US" altLang="ko-KR" sz="1600" dirty="0">
-                <a:solidFill>
-                  <a:schemeClr val="bg1">
-                    <a:lumMod val="75000"/>
-                  </a:schemeClr>
-                </a:solidFill>
-                <a:latin typeface="나눔바른고딕OTF Light" pitchFamily="50" charset="-127"/>
-                <a:ea typeface="나눔바른고딕OTF Light" pitchFamily="50" charset="-127"/>
-              </a:rPr>
-              <a:t>MINHEEBLOG</a:t>
-            </a:r>
-            <a:endParaRPr lang="ko-KR" altLang="en-US" sz="1600" dirty="0">
-              <a:solidFill>
-                <a:schemeClr val="bg1">
-                  <a:lumMod val="75000"/>
-                </a:schemeClr>
-              </a:solidFill>
-              <a:latin typeface="나눔바른고딕OTF Light" pitchFamily="50" charset="-127"/>
-              <a:ea typeface="나눔바른고딕OTF Light" pitchFamily="50" charset="-127"/>
-            </a:endParaRPr>
-          </a:p>
-        </p:txBody>
-      </p:sp>
-    </p:spTree>
-  </p:cSld>
-  <p:clrMapOvr>
-    <a:masterClrMapping/>
-  </p:clrMapOvr>
-</p:sld>
-</file>
-
-<file path=ppt/slides/slide13.xml><?xml version="1.0" encoding="utf-8"?>
-<p:sld xmlns:a="http://schemas.openxmlformats.org/drawingml/2006/main" xmlns:r="http://schemas.openxmlformats.org/officeDocument/2006/relationships" xmlns:p="http://schemas.openxmlformats.org/presentationml/2006/main" showMasterSp="0">
-  <p:cSld>
-    <p:bg>
-      <p:bgPr>
-        <a:solidFill>
-          <a:schemeClr val="bg1"/>
-        </a:solidFill>
-        <a:effectLst/>
-      </p:bgPr>
-    </p:bg>
-    <p:spTree>
-      <p:nvGrpSpPr>
-        <p:cNvPr id="1" name=""/>
-        <p:cNvGrpSpPr/>
-        <p:nvPr/>
-      </p:nvGrpSpPr>
-      <p:grpSpPr>
-        <a:xfrm>
-          <a:off x="0" y="0"/>
-          <a:ext cx="0" cy="0"/>
-          <a:chOff x="0" y="0"/>
-          <a:chExt cx="0" cy="0"/>
-        </a:xfrm>
-      </p:grpSpPr>
-      <p:sp>
-        <p:nvSpPr>
-          <p:cNvPr id="33" name="타원 32"/>
-          <p:cNvSpPr/>
-          <p:nvPr/>
-        </p:nvSpPr>
-        <p:spPr>
-          <a:xfrm>
-            <a:off x="4067944" y="74100"/>
-            <a:ext cx="936104" cy="936104"/>
-          </a:xfrm>
-          <a:prstGeom prst="ellipse">
-            <a:avLst/>
-          </a:prstGeom>
-          <a:solidFill>
-            <a:schemeClr val="tx1"/>
-          </a:solidFill>
-          <a:ln>
-            <a:noFill/>
-          </a:ln>
-        </p:spPr>
-        <p:style>
-          <a:lnRef idx="2">
-            <a:schemeClr val="accent1">
-              <a:shade val="50000"/>
-            </a:schemeClr>
-          </a:lnRef>
-          <a:fillRef idx="1">
-            <a:schemeClr val="accent1"/>
-          </a:fillRef>
-          <a:effectRef idx="0">
-            <a:schemeClr val="accent1"/>
-          </a:effectRef>
-          <a:fontRef idx="minor">
-            <a:schemeClr val="lt1"/>
-          </a:fontRef>
-        </p:style>
-        <p:txBody>
-          <a:bodyPr rtlCol="0" anchor="ctr"/>
-          <a:lstStyle/>
-          <a:p>
-            <a:pPr algn="ctr"/>
-            <a:endParaRPr lang="ko-KR" altLang="en-US"/>
-          </a:p>
-        </p:txBody>
-      </p:sp>
-      <p:sp>
-        <p:nvSpPr>
-          <p:cNvPr id="34" name="TextBox 33"/>
-          <p:cNvSpPr txBox="1"/>
-          <p:nvPr/>
-        </p:nvSpPr>
-        <p:spPr>
-          <a:xfrm>
-            <a:off x="3995936" y="479095"/>
-            <a:ext cx="1080120" cy="461665"/>
-          </a:xfrm>
-          <a:prstGeom prst="rect">
-            <a:avLst/>
-          </a:prstGeom>
-          <a:noFill/>
-        </p:spPr>
-        <p:txBody>
-          <a:bodyPr wrap="square" rtlCol="0">
-            <a:spAutoFit/>
-          </a:bodyPr>
-          <a:lstStyle/>
-          <a:p>
-            <a:pPr algn="ctr"/>
-            <a:r>
-              <a:rPr lang="en-US" altLang="ko-KR" sz="2400" dirty="0">
-                <a:solidFill>
-                  <a:schemeClr val="bg1"/>
-                </a:solidFill>
-                <a:latin typeface="HY헤드라인M" pitchFamily="18" charset="-127"/>
-                <a:ea typeface="HY헤드라인M" pitchFamily="18" charset="-127"/>
-              </a:rPr>
-              <a:t>01</a:t>
-            </a:r>
-            <a:endParaRPr lang="ko-KR" altLang="en-US" sz="2400" dirty="0">
-              <a:solidFill>
-                <a:schemeClr val="bg1"/>
-              </a:solidFill>
-              <a:latin typeface="HY헤드라인M" pitchFamily="18" charset="-127"/>
-              <a:ea typeface="HY헤드라인M" pitchFamily="18" charset="-127"/>
-            </a:endParaRPr>
-          </a:p>
-        </p:txBody>
-      </p:sp>
-      <p:sp>
-        <p:nvSpPr>
-          <p:cNvPr id="19" name="TextBox 18"/>
-          <p:cNvSpPr txBox="1"/>
-          <p:nvPr/>
-        </p:nvSpPr>
-        <p:spPr>
-          <a:xfrm>
-            <a:off x="539552" y="1547500"/>
-            <a:ext cx="6768752" cy="369332"/>
-          </a:xfrm>
-          <a:prstGeom prst="rect">
-            <a:avLst/>
-          </a:prstGeom>
-          <a:noFill/>
-        </p:spPr>
-        <p:txBody>
-          <a:bodyPr wrap="square" rtlCol="0">
-            <a:spAutoFit/>
-          </a:bodyPr>
-          <a:lstStyle/>
-          <a:p>
-            <a:r>
-              <a:rPr lang="en-US" altLang="ko-KR" spc="-150" dirty="0">
-                <a:latin typeface="나눔바른고딕OTF Light" pitchFamily="50" charset="-127"/>
-                <a:ea typeface="나눔바른고딕OTF Light" pitchFamily="50" charset="-127"/>
-              </a:rPr>
-              <a:t>1)  </a:t>
-            </a:r>
-            <a:r>
-              <a:rPr lang="ko-KR" altLang="en-US" spc="-150" dirty="0">
-                <a:latin typeface="나눔바른고딕OTF Light" pitchFamily="50" charset="-127"/>
-                <a:ea typeface="나눔바른고딕OTF Light" pitchFamily="50" charset="-127"/>
-              </a:rPr>
-              <a:t>소제목을 입력하세요</a:t>
-            </a:r>
-          </a:p>
-        </p:txBody>
-      </p:sp>
-      <p:sp>
-        <p:nvSpPr>
-          <p:cNvPr id="20" name="TextBox 19"/>
-          <p:cNvSpPr txBox="1"/>
-          <p:nvPr/>
-        </p:nvSpPr>
-        <p:spPr>
-          <a:xfrm>
-            <a:off x="427434" y="836712"/>
-            <a:ext cx="2416373" cy="400110"/>
-          </a:xfrm>
-          <a:prstGeom prst="rect">
-            <a:avLst/>
-          </a:prstGeom>
-          <a:noFill/>
-        </p:spPr>
-        <p:txBody>
-          <a:bodyPr wrap="square" rtlCol="0">
-            <a:spAutoFit/>
-          </a:bodyPr>
-          <a:lstStyle/>
-          <a:p>
-            <a:r>
-              <a:rPr lang="en-US" altLang="ko-KR" sz="2000" dirty="0">
-                <a:latin typeface="나눔바른고딕OTF Light" pitchFamily="50" charset="-127"/>
-                <a:ea typeface="나눔바른고딕OTF Light" pitchFamily="50" charset="-127"/>
-              </a:rPr>
-              <a:t>MINHEEBLOG</a:t>
-            </a:r>
-            <a:endParaRPr lang="ko-KR" altLang="en-US" sz="2000" dirty="0">
-              <a:latin typeface="나눔바른고딕OTF Light" pitchFamily="50" charset="-127"/>
-              <a:ea typeface="나눔바른고딕OTF Light" pitchFamily="50" charset="-127"/>
-            </a:endParaRPr>
-          </a:p>
-        </p:txBody>
-      </p:sp>
-      <p:sp>
-        <p:nvSpPr>
-          <p:cNvPr id="21" name="TextBox 20"/>
-          <p:cNvSpPr txBox="1"/>
-          <p:nvPr/>
-        </p:nvSpPr>
-        <p:spPr>
-          <a:xfrm>
-            <a:off x="435645" y="1167276"/>
-            <a:ext cx="3240360" cy="307777"/>
-          </a:xfrm>
-          <a:prstGeom prst="rect">
-            <a:avLst/>
-          </a:prstGeom>
-          <a:noFill/>
-        </p:spPr>
-        <p:txBody>
-          <a:bodyPr wrap="square" rtlCol="0">
-            <a:spAutoFit/>
-          </a:bodyPr>
-          <a:lstStyle/>
-          <a:p>
-            <a:r>
-              <a:rPr lang="ko-KR" altLang="en-US" sz="1400" dirty="0" err="1">
-                <a:solidFill>
-                  <a:schemeClr val="bg1">
-                    <a:lumMod val="75000"/>
-                  </a:schemeClr>
-                </a:solidFill>
-                <a:latin typeface="나눔바른고딕OTF Light" pitchFamily="50" charset="-127"/>
-                <a:ea typeface="나눔바른고딕OTF Light" pitchFamily="50" charset="-127"/>
-              </a:rPr>
-              <a:t>심플한피피티는</a:t>
-            </a:r>
-            <a:r>
-              <a:rPr lang="ko-KR" altLang="en-US" sz="1400" dirty="0">
-                <a:solidFill>
-                  <a:schemeClr val="bg1">
-                    <a:lumMod val="75000"/>
-                  </a:schemeClr>
-                </a:solidFill>
-                <a:latin typeface="나눔바른고딕OTF Light" pitchFamily="50" charset="-127"/>
-                <a:ea typeface="나눔바른고딕OTF Light" pitchFamily="50" charset="-127"/>
-              </a:rPr>
-              <a:t> 무엇인가</a:t>
-            </a:r>
-          </a:p>
-        </p:txBody>
-      </p:sp>
-      <p:graphicFrame>
-        <p:nvGraphicFramePr>
-          <p:cNvPr id="8" name="차트 7"/>
-          <p:cNvGraphicFramePr/>
-          <p:nvPr/>
-        </p:nvGraphicFramePr>
-        <p:xfrm>
-          <a:off x="827584" y="1988840"/>
-          <a:ext cx="7416824" cy="4392488"/>
-        </p:xfrm>
-        <a:graphic>
-          <a:graphicData uri="http://schemas.openxmlformats.org/drawingml/2006/chart">
-            <c:chart xmlns:c="http://schemas.openxmlformats.org/drawingml/2006/chart" xmlns:r="http://schemas.openxmlformats.org/officeDocument/2006/relationships" r:id="rId3"/>
-          </a:graphicData>
-        </a:graphic>
-      </p:graphicFrame>
-      <p:sp>
-        <p:nvSpPr>
-          <p:cNvPr id="9" name="TextBox 8"/>
-          <p:cNvSpPr txBox="1"/>
-          <p:nvPr/>
-        </p:nvSpPr>
-        <p:spPr>
-          <a:xfrm>
-            <a:off x="7164288" y="6546830"/>
-            <a:ext cx="1728192" cy="338554"/>
-          </a:xfrm>
-          <a:prstGeom prst="rect">
-            <a:avLst/>
-          </a:prstGeom>
-          <a:noFill/>
-        </p:spPr>
-        <p:txBody>
-          <a:bodyPr wrap="square" rtlCol="0">
-            <a:spAutoFit/>
-          </a:bodyPr>
-          <a:lstStyle/>
-          <a:p>
-            <a:pPr algn="r"/>
-            <a:r>
-              <a:rPr lang="en-US" altLang="ko-KR" sz="1600" dirty="0">
-                <a:solidFill>
-                  <a:schemeClr val="bg1">
-                    <a:lumMod val="75000"/>
-                  </a:schemeClr>
-                </a:solidFill>
-                <a:latin typeface="나눔바른고딕OTF Light" pitchFamily="50" charset="-127"/>
-                <a:ea typeface="나눔바른고딕OTF Light" pitchFamily="50" charset="-127"/>
-              </a:rPr>
-              <a:t>MINHEEBLOG</a:t>
-            </a:r>
-            <a:endParaRPr lang="ko-KR" altLang="en-US" sz="1600" dirty="0">
-              <a:solidFill>
-                <a:schemeClr val="bg1">
-                  <a:lumMod val="75000"/>
-                </a:schemeClr>
-              </a:solidFill>
-              <a:latin typeface="나눔바른고딕OTF Light" pitchFamily="50" charset="-127"/>
-              <a:ea typeface="나눔바른고딕OTF Light" pitchFamily="50" charset="-127"/>
-            </a:endParaRPr>
-          </a:p>
-        </p:txBody>
-      </p:sp>
-    </p:spTree>
-  </p:cSld>
-  <p:clrMapOvr>
-    <a:masterClrMapping/>
-  </p:clrMapOvr>
-</p:sld>
-</file>
-
-<file path=ppt/slides/slide14.xml><?xml version="1.0" encoding="utf-8"?>
-<p:sld xmlns:a="http://schemas.openxmlformats.org/drawingml/2006/main" xmlns:r="http://schemas.openxmlformats.org/officeDocument/2006/relationships" xmlns:p="http://schemas.openxmlformats.org/presentationml/2006/main" showMasterSp="0">
-  <p:cSld>
-    <p:bg>
-      <p:bgPr>
-        <a:solidFill>
-          <a:schemeClr val="bg1"/>
-        </a:solidFill>
-        <a:effectLst/>
-      </p:bgPr>
-    </p:bg>
-    <p:spTree>
-      <p:nvGrpSpPr>
-        <p:cNvPr id="1" name=""/>
-        <p:cNvGrpSpPr/>
-        <p:nvPr/>
-      </p:nvGrpSpPr>
-      <p:grpSpPr>
-        <a:xfrm>
-          <a:off x="0" y="0"/>
-          <a:ext cx="0" cy="0"/>
-          <a:chOff x="0" y="0"/>
-          <a:chExt cx="0" cy="0"/>
-        </a:xfrm>
-      </p:grpSpPr>
-      <p:sp>
-        <p:nvSpPr>
-          <p:cNvPr id="33" name="타원 32"/>
-          <p:cNvSpPr/>
-          <p:nvPr/>
-        </p:nvSpPr>
-        <p:spPr>
-          <a:xfrm>
-            <a:off x="4067944" y="74100"/>
-            <a:ext cx="936104" cy="936104"/>
-          </a:xfrm>
-          <a:prstGeom prst="ellipse">
-            <a:avLst/>
-          </a:prstGeom>
-          <a:solidFill>
-            <a:schemeClr val="tx1"/>
-          </a:solidFill>
-          <a:ln>
-            <a:noFill/>
-          </a:ln>
-        </p:spPr>
-        <p:style>
-          <a:lnRef idx="2">
-            <a:schemeClr val="accent1">
-              <a:shade val="50000"/>
-            </a:schemeClr>
-          </a:lnRef>
-          <a:fillRef idx="1">
-            <a:schemeClr val="accent1"/>
-          </a:fillRef>
-          <a:effectRef idx="0">
-            <a:schemeClr val="accent1"/>
-          </a:effectRef>
-          <a:fontRef idx="minor">
-            <a:schemeClr val="lt1"/>
-          </a:fontRef>
-        </p:style>
-        <p:txBody>
-          <a:bodyPr rtlCol="0" anchor="ctr"/>
-          <a:lstStyle/>
-          <a:p>
-            <a:pPr algn="ctr"/>
-            <a:endParaRPr lang="ko-KR" altLang="en-US"/>
-          </a:p>
-        </p:txBody>
-      </p:sp>
-      <p:sp>
-        <p:nvSpPr>
-          <p:cNvPr id="34" name="TextBox 33"/>
-          <p:cNvSpPr txBox="1"/>
-          <p:nvPr/>
-        </p:nvSpPr>
-        <p:spPr>
-          <a:xfrm>
-            <a:off x="3995936" y="479095"/>
-            <a:ext cx="1080120" cy="461665"/>
-          </a:xfrm>
-          <a:prstGeom prst="rect">
-            <a:avLst/>
-          </a:prstGeom>
-          <a:noFill/>
-        </p:spPr>
-        <p:txBody>
-          <a:bodyPr wrap="square" rtlCol="0">
-            <a:spAutoFit/>
-          </a:bodyPr>
-          <a:lstStyle/>
-          <a:p>
-            <a:pPr algn="ctr"/>
-            <a:r>
-              <a:rPr lang="en-US" altLang="ko-KR" sz="2400" dirty="0">
-                <a:solidFill>
-                  <a:schemeClr val="bg1"/>
-                </a:solidFill>
-                <a:latin typeface="HY헤드라인M" pitchFamily="18" charset="-127"/>
-                <a:ea typeface="HY헤드라인M" pitchFamily="18" charset="-127"/>
-              </a:rPr>
-              <a:t>01</a:t>
-            </a:r>
-            <a:endParaRPr lang="ko-KR" altLang="en-US" sz="2400" dirty="0">
-              <a:solidFill>
-                <a:schemeClr val="bg1"/>
-              </a:solidFill>
-              <a:latin typeface="HY헤드라인M" pitchFamily="18" charset="-127"/>
-              <a:ea typeface="HY헤드라인M" pitchFamily="18" charset="-127"/>
-            </a:endParaRPr>
-          </a:p>
-        </p:txBody>
-      </p:sp>
-      <p:sp>
-        <p:nvSpPr>
-          <p:cNvPr id="19" name="TextBox 18"/>
-          <p:cNvSpPr txBox="1"/>
-          <p:nvPr/>
-        </p:nvSpPr>
-        <p:spPr>
-          <a:xfrm>
-            <a:off x="539552" y="1547500"/>
-            <a:ext cx="6768752" cy="369332"/>
-          </a:xfrm>
-          <a:prstGeom prst="rect">
-            <a:avLst/>
-          </a:prstGeom>
-          <a:noFill/>
-        </p:spPr>
-        <p:txBody>
-          <a:bodyPr wrap="square" rtlCol="0">
-            <a:spAutoFit/>
-          </a:bodyPr>
-          <a:lstStyle/>
-          <a:p>
-            <a:r>
-              <a:rPr lang="en-US" altLang="ko-KR" spc="-150" dirty="0">
-                <a:latin typeface="나눔바른고딕OTF Light" pitchFamily="50" charset="-127"/>
-                <a:ea typeface="나눔바른고딕OTF Light" pitchFamily="50" charset="-127"/>
-              </a:rPr>
-              <a:t>1)  </a:t>
-            </a:r>
-            <a:r>
-              <a:rPr lang="ko-KR" altLang="en-US" spc="-150" dirty="0">
-                <a:latin typeface="나눔바른고딕OTF Light" pitchFamily="50" charset="-127"/>
-                <a:ea typeface="나눔바른고딕OTF Light" pitchFamily="50" charset="-127"/>
-              </a:rPr>
-              <a:t>소제목을 입력하세요</a:t>
-            </a:r>
-          </a:p>
-        </p:txBody>
-      </p:sp>
-      <p:sp>
-        <p:nvSpPr>
-          <p:cNvPr id="20" name="TextBox 19"/>
-          <p:cNvSpPr txBox="1"/>
-          <p:nvPr/>
-        </p:nvSpPr>
-        <p:spPr>
-          <a:xfrm>
-            <a:off x="427434" y="836712"/>
-            <a:ext cx="2416373" cy="400110"/>
-          </a:xfrm>
-          <a:prstGeom prst="rect">
-            <a:avLst/>
-          </a:prstGeom>
-          <a:noFill/>
-        </p:spPr>
-        <p:txBody>
-          <a:bodyPr wrap="square" rtlCol="0">
-            <a:spAutoFit/>
-          </a:bodyPr>
-          <a:lstStyle/>
-          <a:p>
-            <a:r>
-              <a:rPr lang="en-US" altLang="ko-KR" sz="2000" dirty="0">
-                <a:latin typeface="나눔바른고딕OTF Light" pitchFamily="50" charset="-127"/>
-                <a:ea typeface="나눔바른고딕OTF Light" pitchFamily="50" charset="-127"/>
-              </a:rPr>
-              <a:t>MINHEEBLOG</a:t>
-            </a:r>
-            <a:endParaRPr lang="ko-KR" altLang="en-US" sz="2000" dirty="0">
-              <a:latin typeface="나눔바른고딕OTF Light" pitchFamily="50" charset="-127"/>
-              <a:ea typeface="나눔바른고딕OTF Light" pitchFamily="50" charset="-127"/>
-            </a:endParaRPr>
-          </a:p>
-        </p:txBody>
-      </p:sp>
-      <p:sp>
-        <p:nvSpPr>
-          <p:cNvPr id="21" name="TextBox 20"/>
-          <p:cNvSpPr txBox="1"/>
-          <p:nvPr/>
-        </p:nvSpPr>
-        <p:spPr>
-          <a:xfrm>
-            <a:off x="435645" y="1167276"/>
-            <a:ext cx="3240360" cy="307777"/>
-          </a:xfrm>
-          <a:prstGeom prst="rect">
-            <a:avLst/>
-          </a:prstGeom>
-          <a:noFill/>
-        </p:spPr>
-        <p:txBody>
-          <a:bodyPr wrap="square" rtlCol="0">
-            <a:spAutoFit/>
-          </a:bodyPr>
-          <a:lstStyle/>
-          <a:p>
-            <a:r>
-              <a:rPr lang="ko-KR" altLang="en-US" sz="1400" dirty="0" err="1">
-                <a:solidFill>
-                  <a:schemeClr val="bg1">
-                    <a:lumMod val="75000"/>
-                  </a:schemeClr>
-                </a:solidFill>
-                <a:latin typeface="나눔바른고딕OTF Light" pitchFamily="50" charset="-127"/>
-                <a:ea typeface="나눔바른고딕OTF Light" pitchFamily="50" charset="-127"/>
-              </a:rPr>
-              <a:t>심플한피피티는</a:t>
-            </a:r>
-            <a:r>
-              <a:rPr lang="ko-KR" altLang="en-US" sz="1400" dirty="0">
-                <a:solidFill>
-                  <a:schemeClr val="bg1">
-                    <a:lumMod val="75000"/>
-                  </a:schemeClr>
-                </a:solidFill>
-                <a:latin typeface="나눔바른고딕OTF Light" pitchFamily="50" charset="-127"/>
-                <a:ea typeface="나눔바른고딕OTF Light" pitchFamily="50" charset="-127"/>
-              </a:rPr>
-              <a:t> 무엇인가</a:t>
-            </a:r>
-          </a:p>
-        </p:txBody>
-      </p:sp>
-      <p:graphicFrame>
-        <p:nvGraphicFramePr>
-          <p:cNvPr id="9" name="차트 8"/>
-          <p:cNvGraphicFramePr/>
-          <p:nvPr/>
-        </p:nvGraphicFramePr>
-        <p:xfrm>
-          <a:off x="1691680" y="1988840"/>
-          <a:ext cx="6096000" cy="4064000"/>
-        </p:xfrm>
-        <a:graphic>
-          <a:graphicData uri="http://schemas.openxmlformats.org/drawingml/2006/chart">
-            <c:chart xmlns:c="http://schemas.openxmlformats.org/drawingml/2006/chart" xmlns:r="http://schemas.openxmlformats.org/officeDocument/2006/relationships" r:id="rId3"/>
-          </a:graphicData>
-        </a:graphic>
-      </p:graphicFrame>
-      <p:sp>
-        <p:nvSpPr>
-          <p:cNvPr id="10" name="TextBox 9"/>
-          <p:cNvSpPr txBox="1"/>
-          <p:nvPr/>
-        </p:nvSpPr>
-        <p:spPr>
-          <a:xfrm>
-            <a:off x="7164288" y="6546830"/>
-            <a:ext cx="1728192" cy="338554"/>
-          </a:xfrm>
-          <a:prstGeom prst="rect">
-            <a:avLst/>
-          </a:prstGeom>
-          <a:noFill/>
-        </p:spPr>
-        <p:txBody>
-          <a:bodyPr wrap="square" rtlCol="0">
-            <a:spAutoFit/>
-          </a:bodyPr>
-          <a:lstStyle/>
-          <a:p>
-            <a:pPr algn="r"/>
-            <a:r>
-              <a:rPr lang="en-US" altLang="ko-KR" sz="1600" dirty="0">
-                <a:solidFill>
-                  <a:schemeClr val="bg1">
-                    <a:lumMod val="75000"/>
-                  </a:schemeClr>
-                </a:solidFill>
-                <a:latin typeface="나눔바른고딕OTF Light" pitchFamily="50" charset="-127"/>
-                <a:ea typeface="나눔바른고딕OTF Light" pitchFamily="50" charset="-127"/>
-              </a:rPr>
-              <a:t>MINHEEBLOG</a:t>
-            </a:r>
-            <a:endParaRPr lang="ko-KR" altLang="en-US" sz="1600" dirty="0">
-              <a:solidFill>
-                <a:schemeClr val="bg1">
-                  <a:lumMod val="75000"/>
-                </a:schemeClr>
-              </a:solidFill>
-              <a:latin typeface="나눔바른고딕OTF Light" pitchFamily="50" charset="-127"/>
-              <a:ea typeface="나눔바른고딕OTF Light" pitchFamily="50" charset="-127"/>
-            </a:endParaRPr>
-          </a:p>
-        </p:txBody>
-      </p:sp>
-    </p:spTree>
-  </p:cSld>
-  <p:clrMapOvr>
-    <a:masterClrMapping/>
-  </p:clrMapOvr>
-</p:sld>
-</file>
-
-<file path=ppt/slides/slide15.xml><?xml version="1.0" encoding="utf-8"?>
-<p:sld xmlns:a="http://schemas.openxmlformats.org/drawingml/2006/main" xmlns:r="http://schemas.openxmlformats.org/officeDocument/2006/relationships" xmlns:p="http://schemas.openxmlformats.org/presentationml/2006/main" showMasterSp="0">
-  <p:cSld>
-    <p:bg>
-      <p:bgPr>
-        <a:solidFill>
-          <a:schemeClr val="bg1"/>
-        </a:solidFill>
-        <a:effectLst/>
-      </p:bgPr>
-    </p:bg>
-    <p:spTree>
-      <p:nvGrpSpPr>
-        <p:cNvPr id="1" name=""/>
-        <p:cNvGrpSpPr/>
-        <p:nvPr/>
-      </p:nvGrpSpPr>
-      <p:grpSpPr>
-        <a:xfrm>
-          <a:off x="0" y="0"/>
-          <a:ext cx="0" cy="0"/>
-          <a:chOff x="0" y="0"/>
-          <a:chExt cx="0" cy="0"/>
-        </a:xfrm>
-      </p:grpSpPr>
-      <p:sp>
-        <p:nvSpPr>
-          <p:cNvPr id="33" name="타원 32"/>
-          <p:cNvSpPr/>
-          <p:nvPr/>
-        </p:nvSpPr>
-        <p:spPr>
-          <a:xfrm>
-            <a:off x="4067944" y="74100"/>
-            <a:ext cx="936104" cy="936104"/>
-          </a:xfrm>
-          <a:prstGeom prst="ellipse">
-            <a:avLst/>
-          </a:prstGeom>
-          <a:solidFill>
-            <a:schemeClr val="tx1"/>
-          </a:solidFill>
-          <a:ln>
-            <a:noFill/>
-          </a:ln>
-        </p:spPr>
-        <p:style>
-          <a:lnRef idx="2">
-            <a:schemeClr val="accent1">
-              <a:shade val="50000"/>
-            </a:schemeClr>
-          </a:lnRef>
-          <a:fillRef idx="1">
-            <a:schemeClr val="accent1"/>
-          </a:fillRef>
-          <a:effectRef idx="0">
-            <a:schemeClr val="accent1"/>
-          </a:effectRef>
-          <a:fontRef idx="minor">
-            <a:schemeClr val="lt1"/>
-          </a:fontRef>
-        </p:style>
-        <p:txBody>
-          <a:bodyPr rtlCol="0" anchor="ctr"/>
-          <a:lstStyle/>
-          <a:p>
-            <a:pPr algn="ctr"/>
-            <a:endParaRPr lang="ko-KR" altLang="en-US"/>
-          </a:p>
-        </p:txBody>
-      </p:sp>
-      <p:sp>
-        <p:nvSpPr>
-          <p:cNvPr id="34" name="TextBox 33"/>
-          <p:cNvSpPr txBox="1"/>
-          <p:nvPr/>
-        </p:nvSpPr>
-        <p:spPr>
-          <a:xfrm>
-            <a:off x="3995936" y="479095"/>
-            <a:ext cx="1080120" cy="461665"/>
-          </a:xfrm>
-          <a:prstGeom prst="rect">
-            <a:avLst/>
-          </a:prstGeom>
-          <a:noFill/>
-        </p:spPr>
-        <p:txBody>
-          <a:bodyPr wrap="square" rtlCol="0">
-            <a:spAutoFit/>
-          </a:bodyPr>
-          <a:lstStyle/>
-          <a:p>
-            <a:pPr algn="ctr"/>
-            <a:r>
-              <a:rPr lang="en-US" altLang="ko-KR" sz="2400" dirty="0">
-                <a:solidFill>
-                  <a:schemeClr val="bg1"/>
-                </a:solidFill>
-                <a:latin typeface="HY헤드라인M" pitchFamily="18" charset="-127"/>
-                <a:ea typeface="HY헤드라인M" pitchFamily="18" charset="-127"/>
-              </a:rPr>
-              <a:t>01</a:t>
-            </a:r>
-            <a:endParaRPr lang="ko-KR" altLang="en-US" sz="2400" dirty="0">
-              <a:solidFill>
-                <a:schemeClr val="bg1"/>
-              </a:solidFill>
-              <a:latin typeface="HY헤드라인M" pitchFamily="18" charset="-127"/>
-              <a:ea typeface="HY헤드라인M" pitchFamily="18" charset="-127"/>
-            </a:endParaRPr>
-          </a:p>
-        </p:txBody>
-      </p:sp>
-      <p:sp>
-        <p:nvSpPr>
-          <p:cNvPr id="22" name="직사각형 21"/>
-          <p:cNvSpPr/>
-          <p:nvPr/>
-        </p:nvSpPr>
-        <p:spPr>
-          <a:xfrm>
-            <a:off x="683568" y="4826628"/>
-            <a:ext cx="7920880" cy="1440160"/>
-          </a:xfrm>
-          <a:prstGeom prst="rect">
-            <a:avLst/>
-          </a:prstGeom>
-          <a:solidFill>
-            <a:schemeClr val="bg1">
-              <a:lumMod val="95000"/>
-            </a:schemeClr>
-          </a:solidFill>
-          <a:ln w="3175">
-            <a:solidFill>
-              <a:schemeClr val="tx1"/>
-            </a:solidFill>
-          </a:ln>
-        </p:spPr>
-        <p:style>
-          <a:lnRef idx="2">
-            <a:schemeClr val="accent1">
-              <a:shade val="50000"/>
-            </a:schemeClr>
-          </a:lnRef>
-          <a:fillRef idx="1">
-            <a:schemeClr val="accent1"/>
-          </a:fillRef>
-          <a:effectRef idx="0">
-            <a:schemeClr val="accent1"/>
-          </a:effectRef>
-          <a:fontRef idx="minor">
-            <a:schemeClr val="lt1"/>
-          </a:fontRef>
-        </p:style>
-        <p:txBody>
-          <a:bodyPr rtlCol="0" anchor="ctr"/>
-          <a:lstStyle/>
-          <a:p>
-            <a:pPr algn="ctr"/>
-            <a:endParaRPr lang="ko-KR" altLang="en-US">
-              <a:latin typeface="나눔바른고딕OTF Light" pitchFamily="50" charset="-127"/>
-              <a:ea typeface="나눔바른고딕OTF Light" pitchFamily="50" charset="-127"/>
-            </a:endParaRPr>
-          </a:p>
-        </p:txBody>
-      </p:sp>
-      <p:sp>
-        <p:nvSpPr>
-          <p:cNvPr id="23" name="직사각형 22"/>
-          <p:cNvSpPr/>
-          <p:nvPr/>
-        </p:nvSpPr>
-        <p:spPr>
-          <a:xfrm>
-            <a:off x="683568" y="4293096"/>
-            <a:ext cx="2016224" cy="432048"/>
-          </a:xfrm>
-          <a:prstGeom prst="rect">
-            <a:avLst/>
-          </a:prstGeom>
-          <a:solidFill>
-            <a:schemeClr val="tx1"/>
-          </a:solidFill>
-          <a:ln>
-            <a:noFill/>
-          </a:ln>
-        </p:spPr>
-        <p:style>
-          <a:lnRef idx="2">
-            <a:schemeClr val="accent1">
-              <a:shade val="50000"/>
-            </a:schemeClr>
-          </a:lnRef>
-          <a:fillRef idx="1">
-            <a:schemeClr val="accent1"/>
-          </a:fillRef>
-          <a:effectRef idx="0">
-            <a:schemeClr val="accent1"/>
-          </a:effectRef>
-          <a:fontRef idx="minor">
-            <a:schemeClr val="lt1"/>
-          </a:fontRef>
-        </p:style>
-        <p:txBody>
-          <a:bodyPr rtlCol="0" anchor="ctr"/>
-          <a:lstStyle/>
-          <a:p>
-            <a:pPr algn="ctr"/>
-            <a:endParaRPr lang="ko-KR" altLang="en-US">
-              <a:latin typeface="나눔바른고딕OTF Light" pitchFamily="50" charset="-127"/>
-              <a:ea typeface="나눔바른고딕OTF Light" pitchFamily="50" charset="-127"/>
-            </a:endParaRPr>
-          </a:p>
-        </p:txBody>
-      </p:sp>
-      <p:graphicFrame>
-        <p:nvGraphicFramePr>
-          <p:cNvPr id="24" name="표 23"/>
-          <p:cNvGraphicFramePr>
-            <a:graphicFrameLocks noGrp="1"/>
-          </p:cNvGraphicFramePr>
-          <p:nvPr/>
-        </p:nvGraphicFramePr>
-        <p:xfrm>
-          <a:off x="683568" y="2162332"/>
-          <a:ext cx="7848872" cy="1944216"/>
-        </p:xfrm>
-        <a:graphic>
-          <a:graphicData uri="http://schemas.openxmlformats.org/drawingml/2006/table">
-            <a:tbl>
-              <a:tblPr>
-                <a:tableStyleId>{9D7B26C5-4107-4FEC-AEDC-1716B250A1EF}</a:tableStyleId>
-              </a:tblPr>
-              <a:tblGrid>
-                <a:gridCol w="1123020">
-                  <a:extLst>
-                    <a:ext uri="{9D8B030D-6E8A-4147-A177-3AD203B41FA5}">
-                      <a16:colId xmlns:a16="http://schemas.microsoft.com/office/drawing/2014/main" val="20000"/>
-                    </a:ext>
-                  </a:extLst>
-                </a:gridCol>
-                <a:gridCol w="893204">
-                  <a:extLst>
-                    <a:ext uri="{9D8B030D-6E8A-4147-A177-3AD203B41FA5}">
-                      <a16:colId xmlns:a16="http://schemas.microsoft.com/office/drawing/2014/main" val="20001"/>
-                    </a:ext>
-                  </a:extLst>
-                </a:gridCol>
-                <a:gridCol w="1368152">
-                  <a:extLst>
-                    <a:ext uri="{9D8B030D-6E8A-4147-A177-3AD203B41FA5}">
-                      <a16:colId xmlns:a16="http://schemas.microsoft.com/office/drawing/2014/main" val="20002"/>
-                    </a:ext>
-                  </a:extLst>
-                </a:gridCol>
-                <a:gridCol w="1296144">
-                  <a:extLst>
-                    <a:ext uri="{9D8B030D-6E8A-4147-A177-3AD203B41FA5}">
-                      <a16:colId xmlns:a16="http://schemas.microsoft.com/office/drawing/2014/main" val="20003"/>
-                    </a:ext>
-                  </a:extLst>
-                </a:gridCol>
-                <a:gridCol w="1152128">
-                  <a:extLst>
-                    <a:ext uri="{9D8B030D-6E8A-4147-A177-3AD203B41FA5}">
-                      <a16:colId xmlns:a16="http://schemas.microsoft.com/office/drawing/2014/main" val="20004"/>
-                    </a:ext>
-                  </a:extLst>
-                </a:gridCol>
-                <a:gridCol w="2016224">
-                  <a:extLst>
-                    <a:ext uri="{9D8B030D-6E8A-4147-A177-3AD203B41FA5}">
-                      <a16:colId xmlns:a16="http://schemas.microsoft.com/office/drawing/2014/main" val="20005"/>
-                    </a:ext>
-                  </a:extLst>
-                </a:gridCol>
-              </a:tblGrid>
-              <a:tr h="469402">
-                <a:tc>
-                  <a:txBody>
-                    <a:bodyPr/>
-                    <a:lstStyle/>
-                    <a:p>
-                      <a:pPr marL="0" marR="0" indent="0" algn="ctr" fontAlgn="base" latinLnBrk="1">
-                        <a:lnSpc>
-                          <a:spcPct val="160000"/>
-                        </a:lnSpc>
-                        <a:spcBef>
-                          <a:spcPts val="0"/>
-                        </a:spcBef>
-                        <a:spcAft>
-                          <a:spcPts val="0"/>
-                        </a:spcAft>
-                      </a:pPr>
-                      <a:r>
-                        <a:rPr lang="ko-KR" altLang="en-US" sz="1200" kern="0" spc="0" dirty="0"/>
-                        <a:t>제목</a:t>
-                      </a:r>
-                      <a:endParaRPr lang="ko-KR" altLang="en-US" sz="1200" b="1" kern="0" spc="0" dirty="0">
-                        <a:solidFill>
-                          <a:srgbClr val="000000"/>
-                        </a:solidFill>
-                        <a:latin typeface="+mn-ea"/>
-                        <a:ea typeface="+mn-ea"/>
-                      </a:endParaRPr>
-                    </a:p>
-                  </a:txBody>
-                  <a:tcPr marL="64770" marR="64770" marT="17907" marB="17907" anchor="ctr">
-                    <a:solidFill>
-                      <a:schemeClr val="bg1">
-                        <a:lumMod val="95000"/>
-                      </a:schemeClr>
-                    </a:solidFill>
-                  </a:tcPr>
-                </a:tc>
-                <a:tc>
-                  <a:txBody>
-                    <a:bodyPr/>
-                    <a:lstStyle/>
-                    <a:p>
-                      <a:pPr marL="0" marR="0" indent="0" algn="ctr" fontAlgn="base" latinLnBrk="1">
-                        <a:lnSpc>
-                          <a:spcPct val="160000"/>
-                        </a:lnSpc>
-                        <a:spcBef>
-                          <a:spcPts val="0"/>
-                        </a:spcBef>
-                        <a:spcAft>
-                          <a:spcPts val="0"/>
-                        </a:spcAft>
-                      </a:pPr>
-                      <a:r>
-                        <a:rPr lang="ko-KR" altLang="en-US" sz="1200" kern="0" spc="0" dirty="0"/>
-                        <a:t>제목</a:t>
-                      </a:r>
-                      <a:endParaRPr lang="ko-KR" altLang="en-US" sz="1200" b="1" kern="0" spc="0" dirty="0">
-                        <a:solidFill>
-                          <a:srgbClr val="000000"/>
-                        </a:solidFill>
-                        <a:latin typeface="+mn-ea"/>
-                        <a:ea typeface="+mn-ea"/>
-                      </a:endParaRPr>
-                    </a:p>
-                  </a:txBody>
-                  <a:tcPr marL="64770" marR="64770" marT="17907" marB="17907" anchor="ctr">
-                    <a:solidFill>
-                      <a:schemeClr val="bg1">
-                        <a:lumMod val="95000"/>
-                      </a:schemeClr>
-                    </a:solidFill>
-                  </a:tcPr>
-                </a:tc>
-                <a:tc>
-                  <a:txBody>
-                    <a:bodyPr/>
-                    <a:lstStyle/>
-                    <a:p>
-                      <a:pPr marL="0" marR="0" indent="0" algn="ctr" fontAlgn="base" latinLnBrk="1">
-                        <a:lnSpc>
-                          <a:spcPct val="160000"/>
-                        </a:lnSpc>
-                        <a:spcBef>
-                          <a:spcPts val="0"/>
-                        </a:spcBef>
-                        <a:spcAft>
-                          <a:spcPts val="0"/>
-                        </a:spcAft>
-                      </a:pPr>
-                      <a:r>
-                        <a:rPr lang="ko-KR" altLang="en-US" sz="1200" kern="0" spc="0" dirty="0"/>
-                        <a:t>제목</a:t>
-                      </a:r>
-                      <a:endParaRPr lang="ko-KR" altLang="en-US" sz="1200" b="1" kern="0" spc="0" dirty="0">
-                        <a:solidFill>
-                          <a:srgbClr val="000000"/>
-                        </a:solidFill>
-                        <a:latin typeface="+mn-ea"/>
-                        <a:ea typeface="+mn-ea"/>
-                      </a:endParaRPr>
-                    </a:p>
-                  </a:txBody>
-                  <a:tcPr marL="64770" marR="64770" marT="17907" marB="17907" anchor="ctr">
-                    <a:solidFill>
-                      <a:schemeClr val="bg1">
-                        <a:lumMod val="95000"/>
-                      </a:schemeClr>
-                    </a:solidFill>
-                  </a:tcPr>
-                </a:tc>
-                <a:tc>
-                  <a:txBody>
-                    <a:bodyPr/>
-                    <a:lstStyle/>
-                    <a:p>
-                      <a:pPr marL="0" marR="0" indent="0" algn="ctr" fontAlgn="base" latinLnBrk="1">
-                        <a:lnSpc>
-                          <a:spcPct val="160000"/>
-                        </a:lnSpc>
-                        <a:spcBef>
-                          <a:spcPts val="0"/>
-                        </a:spcBef>
-                        <a:spcAft>
-                          <a:spcPts val="0"/>
-                        </a:spcAft>
-                      </a:pPr>
-                      <a:r>
-                        <a:rPr lang="ko-KR" altLang="en-US" sz="1200" kern="0" spc="0" dirty="0"/>
-                        <a:t>제목</a:t>
-                      </a:r>
-                      <a:endParaRPr lang="ko-KR" altLang="en-US" sz="1200" b="1" kern="0" spc="0" dirty="0">
-                        <a:solidFill>
-                          <a:srgbClr val="000000"/>
-                        </a:solidFill>
-                        <a:latin typeface="+mn-ea"/>
-                        <a:ea typeface="+mn-ea"/>
-                      </a:endParaRPr>
-                    </a:p>
-                  </a:txBody>
-                  <a:tcPr marL="64770" marR="64770" marT="17907" marB="17907" anchor="ctr">
-                    <a:solidFill>
-                      <a:schemeClr val="bg1">
-                        <a:lumMod val="95000"/>
-                      </a:schemeClr>
-                    </a:solidFill>
-                  </a:tcPr>
-                </a:tc>
-                <a:tc>
-                  <a:txBody>
-                    <a:bodyPr/>
-                    <a:lstStyle/>
-                    <a:p>
-                      <a:pPr marL="0" marR="0" indent="0" algn="ctr" fontAlgn="base" latinLnBrk="1">
-                        <a:lnSpc>
-                          <a:spcPct val="160000"/>
-                        </a:lnSpc>
-                        <a:spcBef>
-                          <a:spcPts val="0"/>
-                        </a:spcBef>
-                        <a:spcAft>
-                          <a:spcPts val="0"/>
-                        </a:spcAft>
-                      </a:pPr>
-                      <a:r>
-                        <a:rPr lang="ko-KR" altLang="en-US" sz="1200" kern="0" spc="0" dirty="0"/>
-                        <a:t>제목</a:t>
-                      </a:r>
-                      <a:endParaRPr lang="ko-KR" altLang="en-US" sz="1200" b="1" kern="0" spc="0" dirty="0">
-                        <a:solidFill>
-                          <a:srgbClr val="000000"/>
-                        </a:solidFill>
-                        <a:latin typeface="+mn-ea"/>
-                        <a:ea typeface="+mn-ea"/>
-                      </a:endParaRPr>
-                    </a:p>
-                  </a:txBody>
-                  <a:tcPr marL="64770" marR="64770" marT="17907" marB="17907" anchor="ctr">
-                    <a:solidFill>
-                      <a:schemeClr val="bg1">
-                        <a:lumMod val="95000"/>
-                      </a:schemeClr>
-                    </a:solidFill>
-                  </a:tcPr>
-                </a:tc>
-                <a:tc>
-                  <a:txBody>
-                    <a:bodyPr/>
-                    <a:lstStyle/>
-                    <a:p>
-                      <a:pPr marL="0" marR="0" indent="0" algn="ctr" fontAlgn="base" latinLnBrk="1">
-                        <a:lnSpc>
-                          <a:spcPct val="160000"/>
-                        </a:lnSpc>
-                        <a:spcBef>
-                          <a:spcPts val="0"/>
-                        </a:spcBef>
-                        <a:spcAft>
-                          <a:spcPts val="0"/>
-                        </a:spcAft>
-                      </a:pPr>
-                      <a:r>
-                        <a:rPr lang="ko-KR" altLang="en-US" sz="1200" kern="0" spc="0" dirty="0"/>
-                        <a:t>제목</a:t>
-                      </a:r>
-                      <a:endParaRPr lang="ko-KR" altLang="en-US" sz="1200" b="1" kern="0" spc="0" dirty="0">
-                        <a:solidFill>
-                          <a:srgbClr val="000000"/>
-                        </a:solidFill>
-                        <a:latin typeface="+mn-ea"/>
-                        <a:ea typeface="+mn-ea"/>
-                      </a:endParaRPr>
-                    </a:p>
-                  </a:txBody>
-                  <a:tcPr marL="64770" marR="64770" marT="17907" marB="17907" anchor="ctr">
-                    <a:solidFill>
-                      <a:schemeClr val="bg1">
-                        <a:lumMod val="95000"/>
-                      </a:schemeClr>
-                    </a:solidFill>
-                  </a:tcPr>
-                </a:tc>
-                <a:extLst>
-                  <a:ext uri="{0D108BD9-81ED-4DB2-BD59-A6C34878D82A}">
-                    <a16:rowId xmlns:a16="http://schemas.microsoft.com/office/drawing/2014/main" val="10000"/>
-                  </a:ext>
-                </a:extLst>
-              </a:tr>
-              <a:tr h="1474814">
-                <a:tc>
-                  <a:txBody>
-                    <a:bodyPr/>
-                    <a:lstStyle/>
-                    <a:p>
-                      <a:pPr marL="0" marR="0" indent="0" algn="ctr" fontAlgn="base" latinLnBrk="1">
-                        <a:lnSpc>
-                          <a:spcPct val="160000"/>
-                        </a:lnSpc>
-                        <a:spcBef>
-                          <a:spcPts val="0"/>
-                        </a:spcBef>
-                        <a:spcAft>
-                          <a:spcPts val="0"/>
-                        </a:spcAft>
-                      </a:pPr>
-                      <a:r>
-                        <a:rPr lang="ko-KR" altLang="en-US" sz="1100" kern="0" spc="0" dirty="0"/>
-                        <a:t>내용을 입력하세요</a:t>
-                      </a:r>
-                      <a:endParaRPr lang="ko-KR" altLang="en-US" sz="1100" kern="0" spc="0" dirty="0">
-                        <a:solidFill>
-                          <a:srgbClr val="000000"/>
-                        </a:solidFill>
-                        <a:latin typeface="+mn-ea"/>
-                        <a:ea typeface="+mn-ea"/>
-                      </a:endParaRPr>
-                    </a:p>
-                  </a:txBody>
-                  <a:tcPr marL="64770" marR="64770" marT="17907" marB="17907" anchor="ctr"/>
-                </a:tc>
-                <a:tc>
-                  <a:txBody>
-                    <a:bodyPr/>
-                    <a:lstStyle/>
-                    <a:p>
-                      <a:pPr marL="0" marR="0" indent="0" algn="ctr" fontAlgn="base" latinLnBrk="1">
-                        <a:lnSpc>
-                          <a:spcPct val="160000"/>
-                        </a:lnSpc>
-                        <a:spcBef>
-                          <a:spcPts val="0"/>
-                        </a:spcBef>
-                        <a:spcAft>
-                          <a:spcPts val="0"/>
-                        </a:spcAft>
-                      </a:pPr>
-                      <a:r>
-                        <a:rPr lang="ko-KR" altLang="en-US" sz="1100" kern="0" spc="0" dirty="0"/>
-                        <a:t>내용을 입력하세요</a:t>
-                      </a:r>
-                      <a:endParaRPr lang="ko-KR" altLang="en-US" sz="1100" kern="0" spc="0" dirty="0">
-                        <a:solidFill>
-                          <a:srgbClr val="000000"/>
-                        </a:solidFill>
-                        <a:latin typeface="+mn-ea"/>
-                        <a:ea typeface="+mn-ea"/>
-                      </a:endParaRPr>
-                    </a:p>
-                  </a:txBody>
-                  <a:tcPr marL="64770" marR="64770" marT="17907" marB="17907" anchor="ctr"/>
-                </a:tc>
-                <a:tc>
-                  <a:txBody>
-                    <a:bodyPr/>
-                    <a:lstStyle/>
-                    <a:p>
-                      <a:pPr marL="0" marR="0" indent="0" algn="ctr" defTabSz="914400" rtl="0" eaLnBrk="1" fontAlgn="base" latinLnBrk="1" hangingPunct="1">
-                        <a:lnSpc>
-                          <a:spcPct val="160000"/>
-                        </a:lnSpc>
-                        <a:spcBef>
-                          <a:spcPts val="0"/>
-                        </a:spcBef>
-                        <a:spcAft>
-                          <a:spcPts val="0"/>
-                        </a:spcAft>
-                        <a:buClrTx/>
-                        <a:buSzTx/>
-                        <a:buFontTx/>
-                        <a:buNone/>
-                        <a:tabLst/>
-                        <a:defRPr/>
-                      </a:pPr>
-                      <a:r>
-                        <a:rPr lang="ko-KR" altLang="en-US" sz="1100" kern="0" spc="0" dirty="0"/>
-                        <a:t>내용을 입력하세요</a:t>
-                      </a:r>
-                    </a:p>
-                    <a:p>
-                      <a:pPr marL="0" marR="0" indent="0" algn="ctr" fontAlgn="base" latinLnBrk="1">
-                        <a:lnSpc>
-                          <a:spcPct val="160000"/>
-                        </a:lnSpc>
-                        <a:spcBef>
-                          <a:spcPts val="0"/>
-                        </a:spcBef>
-                        <a:spcAft>
-                          <a:spcPts val="0"/>
-                        </a:spcAft>
-                      </a:pPr>
-                      <a:endParaRPr lang="ko-KR" altLang="en-US" sz="1100" kern="0" spc="0" dirty="0">
-                        <a:solidFill>
-                          <a:srgbClr val="000000"/>
-                        </a:solidFill>
-                        <a:latin typeface="+mn-ea"/>
-                        <a:ea typeface="+mn-ea"/>
-                      </a:endParaRPr>
-                    </a:p>
-                  </a:txBody>
-                  <a:tcPr marL="64770" marR="64770" marT="17907" marB="17907" anchor="ctr"/>
-                </a:tc>
-                <a:tc>
-                  <a:txBody>
-                    <a:bodyPr/>
-                    <a:lstStyle/>
-                    <a:p>
-                      <a:pPr marL="0" marR="0" indent="0" algn="ctr" fontAlgn="base" latinLnBrk="1">
-                        <a:lnSpc>
-                          <a:spcPct val="160000"/>
-                        </a:lnSpc>
-                        <a:spcBef>
-                          <a:spcPts val="0"/>
-                        </a:spcBef>
-                        <a:spcAft>
-                          <a:spcPts val="0"/>
-                        </a:spcAft>
-                      </a:pPr>
-                      <a:r>
-                        <a:rPr lang="ko-KR" altLang="en-US" sz="1100" kern="0" spc="0"/>
-                        <a:t>내용을 입력하세요</a:t>
-                      </a:r>
-                      <a:endParaRPr lang="ko-KR" altLang="en-US" sz="1100" kern="0" spc="0" dirty="0">
-                        <a:solidFill>
-                          <a:srgbClr val="000000"/>
-                        </a:solidFill>
-                        <a:latin typeface="+mn-ea"/>
-                        <a:ea typeface="+mn-ea"/>
-                      </a:endParaRPr>
-                    </a:p>
-                  </a:txBody>
-                  <a:tcPr marL="64770" marR="64770" marT="17907" marB="17907" anchor="ctr"/>
-                </a:tc>
-                <a:tc>
-                  <a:txBody>
-                    <a:bodyPr/>
-                    <a:lstStyle/>
-                    <a:p>
-                      <a:pPr marL="0" marR="0" indent="0" algn="ctr" fontAlgn="base" latinLnBrk="1">
-                        <a:lnSpc>
-                          <a:spcPct val="160000"/>
-                        </a:lnSpc>
-                        <a:spcBef>
-                          <a:spcPts val="0"/>
-                        </a:spcBef>
-                        <a:spcAft>
-                          <a:spcPts val="0"/>
-                        </a:spcAft>
-                      </a:pPr>
-                      <a:r>
-                        <a:rPr lang="ko-KR" altLang="en-US" sz="1100" kern="0" spc="0" dirty="0"/>
-                        <a:t>내용을 입력하세요</a:t>
-                      </a:r>
-                      <a:endParaRPr lang="ko-KR" altLang="en-US" sz="1100" kern="0" spc="0" dirty="0">
-                        <a:solidFill>
-                          <a:srgbClr val="000000"/>
-                        </a:solidFill>
-                        <a:latin typeface="+mn-ea"/>
-                        <a:ea typeface="+mn-ea"/>
-                      </a:endParaRPr>
-                    </a:p>
-                  </a:txBody>
-                  <a:tcPr marL="64770" marR="64770" marT="17907" marB="17907" anchor="ctr"/>
-                </a:tc>
-                <a:tc>
-                  <a:txBody>
-                    <a:bodyPr/>
-                    <a:lstStyle/>
-                    <a:p>
-                      <a:pPr marL="0" marR="0" indent="0" algn="ctr" fontAlgn="base" latinLnBrk="1">
-                        <a:lnSpc>
-                          <a:spcPct val="160000"/>
-                        </a:lnSpc>
-                        <a:spcBef>
-                          <a:spcPts val="0"/>
-                        </a:spcBef>
-                        <a:spcAft>
-                          <a:spcPts val="0"/>
-                        </a:spcAft>
-                      </a:pPr>
-                      <a:r>
-                        <a:rPr lang="ko-KR" altLang="en-US" sz="1100" kern="0" spc="0" dirty="0"/>
-                        <a:t>내용을 입력하세요</a:t>
-                      </a:r>
-                      <a:endParaRPr lang="ko-KR" altLang="en-US" sz="1100" kern="0" spc="0" dirty="0">
-                        <a:solidFill>
-                          <a:srgbClr val="000000"/>
-                        </a:solidFill>
-                        <a:latin typeface="+mn-ea"/>
-                        <a:ea typeface="+mn-ea"/>
-                      </a:endParaRPr>
-                    </a:p>
-                  </a:txBody>
-                  <a:tcPr marL="64770" marR="64770" marT="17907" marB="17907" anchor="ctr"/>
-                </a:tc>
-                <a:extLst>
-                  <a:ext uri="{0D108BD9-81ED-4DB2-BD59-A6C34878D82A}">
-                    <a16:rowId xmlns:a16="http://schemas.microsoft.com/office/drawing/2014/main" val="10001"/>
-                  </a:ext>
-                </a:extLst>
-              </a:tr>
-            </a:tbl>
-          </a:graphicData>
-        </a:graphic>
-      </p:graphicFrame>
-      <p:sp>
-        <p:nvSpPr>
-          <p:cNvPr id="25" name="TextBox 24"/>
-          <p:cNvSpPr txBox="1"/>
-          <p:nvPr/>
-        </p:nvSpPr>
-        <p:spPr>
-          <a:xfrm>
-            <a:off x="971600" y="5007226"/>
-            <a:ext cx="7200800" cy="523220"/>
-          </a:xfrm>
-          <a:prstGeom prst="rect">
-            <a:avLst/>
-          </a:prstGeom>
-          <a:noFill/>
-        </p:spPr>
-        <p:txBody>
-          <a:bodyPr wrap="square" rtlCol="0">
-            <a:spAutoFit/>
-          </a:bodyPr>
-          <a:lstStyle/>
-          <a:p>
-            <a:pPr algn="ctr"/>
-            <a:r>
-              <a:rPr lang="ko-KR" altLang="en-US" sz="1400" dirty="0">
-                <a:latin typeface="나눔바른고딕OTF Light" pitchFamily="50" charset="-127"/>
-                <a:ea typeface="나눔바른고딕OTF Light" pitchFamily="50" charset="-127"/>
-              </a:rPr>
-              <a:t>내용을 입력하세요</a:t>
-            </a:r>
-            <a:endParaRPr lang="en-US" altLang="ko-KR" sz="1400" dirty="0">
-              <a:latin typeface="나눔바른고딕OTF Light" pitchFamily="50" charset="-127"/>
-              <a:ea typeface="나눔바른고딕OTF Light" pitchFamily="50" charset="-127"/>
-            </a:endParaRPr>
-          </a:p>
-          <a:p>
-            <a:pPr algn="ctr"/>
-            <a:r>
-              <a:rPr lang="en-US" altLang="ko-KR" sz="1400" dirty="0">
-                <a:latin typeface="나눔바른고딕OTF Light" pitchFamily="50" charset="-127"/>
-                <a:ea typeface="나눔바른고딕OTF Light" pitchFamily="50" charset="-127"/>
-              </a:rPr>
-              <a:t>http://minheeblog.tistory.com/category/PPT</a:t>
-            </a:r>
-            <a:endParaRPr lang="ko-KR" altLang="en-US" sz="1400" dirty="0">
-              <a:latin typeface="나눔바른고딕OTF Light" pitchFamily="50" charset="-127"/>
-              <a:ea typeface="나눔바른고딕OTF Light" pitchFamily="50" charset="-127"/>
-            </a:endParaRPr>
-          </a:p>
-        </p:txBody>
-      </p:sp>
-      <p:sp>
-        <p:nvSpPr>
-          <p:cNvPr id="26" name="TextBox 25"/>
-          <p:cNvSpPr txBox="1"/>
-          <p:nvPr/>
-        </p:nvSpPr>
-        <p:spPr>
-          <a:xfrm>
-            <a:off x="776842" y="4324313"/>
-            <a:ext cx="2736304" cy="369332"/>
-          </a:xfrm>
-          <a:prstGeom prst="rect">
-            <a:avLst/>
-          </a:prstGeom>
-          <a:noFill/>
-        </p:spPr>
-        <p:txBody>
-          <a:bodyPr wrap="square" rtlCol="0">
-            <a:spAutoFit/>
-          </a:bodyPr>
-          <a:lstStyle/>
-          <a:p>
-            <a:r>
-              <a:rPr lang="ko-KR" altLang="en-US">
-                <a:solidFill>
-                  <a:schemeClr val="bg1"/>
-                </a:solidFill>
-                <a:latin typeface="나눔바른고딕OTF Light" pitchFamily="50" charset="-127"/>
-                <a:ea typeface="나눔바른고딕OTF Light" pitchFamily="50" charset="-127"/>
-              </a:rPr>
-              <a:t>제목을 입력하세요</a:t>
-            </a:r>
-            <a:endParaRPr lang="ko-KR" altLang="en-US" dirty="0">
-              <a:solidFill>
-                <a:schemeClr val="bg1"/>
-              </a:solidFill>
-              <a:latin typeface="나눔바른고딕OTF Light" pitchFamily="50" charset="-127"/>
-              <a:ea typeface="나눔바른고딕OTF Light" pitchFamily="50" charset="-127"/>
-            </a:endParaRPr>
-          </a:p>
-        </p:txBody>
-      </p:sp>
-      <p:sp>
-        <p:nvSpPr>
-          <p:cNvPr id="27" name="TextBox 26"/>
-          <p:cNvSpPr txBox="1"/>
-          <p:nvPr/>
-        </p:nvSpPr>
-        <p:spPr>
-          <a:xfrm>
-            <a:off x="611559" y="1844824"/>
-            <a:ext cx="3064445" cy="307777"/>
-          </a:xfrm>
-          <a:prstGeom prst="rect">
-            <a:avLst/>
-          </a:prstGeom>
-          <a:noFill/>
-        </p:spPr>
-        <p:txBody>
-          <a:bodyPr wrap="square" rtlCol="0">
-            <a:spAutoFit/>
-          </a:bodyPr>
-          <a:lstStyle/>
-          <a:p>
-            <a:r>
-              <a:rPr lang="ko-KR" altLang="en-US" sz="1400" dirty="0" err="1">
-                <a:solidFill>
-                  <a:schemeClr val="bg1">
-                    <a:lumMod val="50000"/>
-                  </a:schemeClr>
-                </a:solidFill>
-                <a:latin typeface="나눔바른고딕OTF Light" pitchFamily="50" charset="-127"/>
-                <a:ea typeface="나눔바른고딕OTF Light" pitchFamily="50" charset="-127"/>
-              </a:rPr>
-              <a:t>표제목</a:t>
-            </a:r>
-            <a:endParaRPr lang="ko-KR" altLang="en-US" sz="1400" dirty="0">
-              <a:solidFill>
-                <a:schemeClr val="bg1">
-                  <a:lumMod val="50000"/>
-                </a:schemeClr>
-              </a:solidFill>
-              <a:latin typeface="나눔바른고딕OTF Light" pitchFamily="50" charset="-127"/>
-              <a:ea typeface="나눔바른고딕OTF Light" pitchFamily="50" charset="-127"/>
-            </a:endParaRPr>
-          </a:p>
-        </p:txBody>
-      </p:sp>
-      <p:sp>
-        <p:nvSpPr>
-          <p:cNvPr id="30" name="TextBox 29"/>
-          <p:cNvSpPr txBox="1"/>
-          <p:nvPr/>
-        </p:nvSpPr>
-        <p:spPr>
-          <a:xfrm>
-            <a:off x="427434" y="836712"/>
-            <a:ext cx="2416373" cy="400110"/>
-          </a:xfrm>
-          <a:prstGeom prst="rect">
-            <a:avLst/>
-          </a:prstGeom>
-          <a:noFill/>
-        </p:spPr>
-        <p:txBody>
-          <a:bodyPr wrap="square" rtlCol="0">
-            <a:spAutoFit/>
-          </a:bodyPr>
-          <a:lstStyle/>
-          <a:p>
-            <a:r>
-              <a:rPr lang="en-US" altLang="ko-KR" sz="2000" dirty="0">
-                <a:latin typeface="나눔바른고딕OTF Light" pitchFamily="50" charset="-127"/>
-                <a:ea typeface="나눔바른고딕OTF Light" pitchFamily="50" charset="-127"/>
-              </a:rPr>
-              <a:t>MINHEEBLOG</a:t>
-            </a:r>
-            <a:endParaRPr lang="ko-KR" altLang="en-US" sz="2000" dirty="0">
-              <a:latin typeface="나눔바른고딕OTF Light" pitchFamily="50" charset="-127"/>
-              <a:ea typeface="나눔바른고딕OTF Light" pitchFamily="50" charset="-127"/>
-            </a:endParaRPr>
-          </a:p>
-        </p:txBody>
-      </p:sp>
-      <p:sp>
-        <p:nvSpPr>
-          <p:cNvPr id="31" name="TextBox 30"/>
-          <p:cNvSpPr txBox="1"/>
-          <p:nvPr/>
-        </p:nvSpPr>
-        <p:spPr>
-          <a:xfrm>
-            <a:off x="435645" y="1167276"/>
-            <a:ext cx="3240360" cy="307777"/>
-          </a:xfrm>
-          <a:prstGeom prst="rect">
-            <a:avLst/>
-          </a:prstGeom>
-          <a:noFill/>
-        </p:spPr>
-        <p:txBody>
-          <a:bodyPr wrap="square" rtlCol="0">
-            <a:spAutoFit/>
-          </a:bodyPr>
-          <a:lstStyle/>
-          <a:p>
-            <a:r>
-              <a:rPr lang="ko-KR" altLang="en-US" sz="1400" dirty="0" err="1">
-                <a:solidFill>
-                  <a:schemeClr val="bg1">
-                    <a:lumMod val="75000"/>
-                  </a:schemeClr>
-                </a:solidFill>
-                <a:latin typeface="나눔바른고딕OTF Light" pitchFamily="50" charset="-127"/>
-                <a:ea typeface="나눔바른고딕OTF Light" pitchFamily="50" charset="-127"/>
-              </a:rPr>
-              <a:t>심플한피피티는</a:t>
-            </a:r>
-            <a:r>
-              <a:rPr lang="ko-KR" altLang="en-US" sz="1400" dirty="0">
-                <a:solidFill>
-                  <a:schemeClr val="bg1">
-                    <a:lumMod val="75000"/>
-                  </a:schemeClr>
-                </a:solidFill>
-                <a:latin typeface="나눔바른고딕OTF Light" pitchFamily="50" charset="-127"/>
-                <a:ea typeface="나눔바른고딕OTF Light" pitchFamily="50" charset="-127"/>
-              </a:rPr>
-              <a:t> 무엇인가</a:t>
-            </a:r>
-          </a:p>
-        </p:txBody>
-      </p:sp>
-      <p:sp>
-        <p:nvSpPr>
-          <p:cNvPr id="32" name="TextBox 31"/>
-          <p:cNvSpPr txBox="1"/>
-          <p:nvPr/>
-        </p:nvSpPr>
-        <p:spPr>
-          <a:xfrm>
-            <a:off x="7164288" y="6546830"/>
-            <a:ext cx="1728192" cy="338554"/>
-          </a:xfrm>
-          <a:prstGeom prst="rect">
-            <a:avLst/>
-          </a:prstGeom>
-          <a:noFill/>
-        </p:spPr>
-        <p:txBody>
-          <a:bodyPr wrap="square" rtlCol="0">
-            <a:spAutoFit/>
-          </a:bodyPr>
-          <a:lstStyle/>
-          <a:p>
-            <a:pPr algn="r"/>
-            <a:r>
-              <a:rPr lang="en-US" altLang="ko-KR" sz="1600" dirty="0">
-                <a:solidFill>
-                  <a:schemeClr val="bg1">
-                    <a:lumMod val="75000"/>
-                  </a:schemeClr>
-                </a:solidFill>
-                <a:latin typeface="나눔바른고딕OTF Light" pitchFamily="50" charset="-127"/>
-                <a:ea typeface="나눔바른고딕OTF Light" pitchFamily="50" charset="-127"/>
-              </a:rPr>
-              <a:t>MINHEEBLOG</a:t>
-            </a:r>
-            <a:endParaRPr lang="ko-KR" altLang="en-US" sz="1600" dirty="0">
-              <a:solidFill>
-                <a:schemeClr val="bg1">
-                  <a:lumMod val="75000"/>
-                </a:schemeClr>
-              </a:solidFill>
-              <a:latin typeface="나눔바른고딕OTF Light" pitchFamily="50" charset="-127"/>
-              <a:ea typeface="나눔바른고딕OTF Light" pitchFamily="50" charset="-127"/>
-            </a:endParaRPr>
-          </a:p>
-        </p:txBody>
-      </p:sp>
-    </p:spTree>
-  </p:cSld>
-  <p:clrMapOvr>
-    <a:masterClrMapping/>
-  </p:clrMapOvr>
-</p:sld>
-</file>
-
-<file path=ppt/slides/slide16.xml><?xml version="1.0" encoding="utf-8"?>
-<p:sld xmlns:a="http://schemas.openxmlformats.org/drawingml/2006/main" xmlns:r="http://schemas.openxmlformats.org/officeDocument/2006/relationships" xmlns:p="http://schemas.openxmlformats.org/presentationml/2006/main" showMasterSp="0">
-  <p:cSld>
-    <p:bg>
-      <p:bgPr>
-        <a:solidFill>
-          <a:schemeClr val="bg1"/>
-        </a:solidFill>
-        <a:effectLst/>
-      </p:bgPr>
-    </p:bg>
-    <p:spTree>
-      <p:nvGrpSpPr>
-        <p:cNvPr id="1" name=""/>
-        <p:cNvGrpSpPr/>
-        <p:nvPr/>
-      </p:nvGrpSpPr>
-      <p:grpSpPr>
-        <a:xfrm>
-          <a:off x="0" y="0"/>
-          <a:ext cx="0" cy="0"/>
-          <a:chOff x="0" y="0"/>
-          <a:chExt cx="0" cy="0"/>
-        </a:xfrm>
-      </p:grpSpPr>
-      <p:sp>
-        <p:nvSpPr>
-          <p:cNvPr id="33" name="타원 32"/>
-          <p:cNvSpPr/>
-          <p:nvPr/>
-        </p:nvSpPr>
-        <p:spPr>
-          <a:xfrm>
-            <a:off x="4067944" y="74100"/>
-            <a:ext cx="936104" cy="936104"/>
-          </a:xfrm>
-          <a:prstGeom prst="ellipse">
-            <a:avLst/>
-          </a:prstGeom>
-          <a:solidFill>
-            <a:schemeClr val="tx1"/>
-          </a:solidFill>
-          <a:ln>
-            <a:noFill/>
-          </a:ln>
-        </p:spPr>
-        <p:style>
-          <a:lnRef idx="2">
-            <a:schemeClr val="accent1">
-              <a:shade val="50000"/>
-            </a:schemeClr>
-          </a:lnRef>
-          <a:fillRef idx="1">
-            <a:schemeClr val="accent1"/>
-          </a:fillRef>
-          <a:effectRef idx="0">
-            <a:schemeClr val="accent1"/>
-          </a:effectRef>
-          <a:fontRef idx="minor">
-            <a:schemeClr val="lt1"/>
-          </a:fontRef>
-        </p:style>
-        <p:txBody>
-          <a:bodyPr rtlCol="0" anchor="ctr"/>
-          <a:lstStyle/>
-          <a:p>
-            <a:pPr algn="ctr"/>
-            <a:endParaRPr lang="ko-KR" altLang="en-US"/>
-          </a:p>
-        </p:txBody>
-      </p:sp>
-      <p:sp>
-        <p:nvSpPr>
-          <p:cNvPr id="34" name="TextBox 33"/>
-          <p:cNvSpPr txBox="1"/>
-          <p:nvPr/>
-        </p:nvSpPr>
-        <p:spPr>
-          <a:xfrm>
-            <a:off x="3995936" y="479095"/>
-            <a:ext cx="1080120" cy="461665"/>
-          </a:xfrm>
-          <a:prstGeom prst="rect">
-            <a:avLst/>
-          </a:prstGeom>
-          <a:noFill/>
-        </p:spPr>
-        <p:txBody>
-          <a:bodyPr wrap="square" rtlCol="0">
-            <a:spAutoFit/>
-          </a:bodyPr>
-          <a:lstStyle/>
-          <a:p>
-            <a:pPr algn="ctr"/>
-            <a:r>
-              <a:rPr lang="en-US" altLang="ko-KR" sz="2400" dirty="0">
-                <a:solidFill>
-                  <a:schemeClr val="bg1"/>
-                </a:solidFill>
-                <a:latin typeface="HY헤드라인M" pitchFamily="18" charset="-127"/>
-                <a:ea typeface="HY헤드라인M" pitchFamily="18" charset="-127"/>
-              </a:rPr>
-              <a:t>01</a:t>
-            </a:r>
-            <a:endParaRPr lang="ko-KR" altLang="en-US" sz="2400" dirty="0">
-              <a:solidFill>
-                <a:schemeClr val="bg1"/>
-              </a:solidFill>
-              <a:latin typeface="HY헤드라인M" pitchFamily="18" charset="-127"/>
-              <a:ea typeface="HY헤드라인M" pitchFamily="18" charset="-127"/>
-            </a:endParaRPr>
-          </a:p>
-        </p:txBody>
-      </p:sp>
-      <p:sp>
-        <p:nvSpPr>
-          <p:cNvPr id="20" name="TextBox 19"/>
-          <p:cNvSpPr txBox="1"/>
-          <p:nvPr/>
-        </p:nvSpPr>
-        <p:spPr>
-          <a:xfrm>
-            <a:off x="427434" y="836712"/>
-            <a:ext cx="2416373" cy="400110"/>
-          </a:xfrm>
-          <a:prstGeom prst="rect">
-            <a:avLst/>
-          </a:prstGeom>
-          <a:noFill/>
-        </p:spPr>
-        <p:txBody>
-          <a:bodyPr wrap="square" rtlCol="0">
-            <a:spAutoFit/>
-          </a:bodyPr>
-          <a:lstStyle/>
-          <a:p>
-            <a:r>
-              <a:rPr lang="en-US" altLang="ko-KR" sz="2000" dirty="0">
-                <a:latin typeface="나눔바른고딕OTF Light" pitchFamily="50" charset="-127"/>
-                <a:ea typeface="나눔바른고딕OTF Light" pitchFamily="50" charset="-127"/>
-              </a:rPr>
-              <a:t>MINHEEBLOG</a:t>
-            </a:r>
-            <a:endParaRPr lang="ko-KR" altLang="en-US" sz="2000" dirty="0">
-              <a:latin typeface="나눔바른고딕OTF Light" pitchFamily="50" charset="-127"/>
-              <a:ea typeface="나눔바른고딕OTF Light" pitchFamily="50" charset="-127"/>
-            </a:endParaRPr>
-          </a:p>
-        </p:txBody>
-      </p:sp>
-      <p:sp>
-        <p:nvSpPr>
-          <p:cNvPr id="21" name="TextBox 20"/>
-          <p:cNvSpPr txBox="1"/>
-          <p:nvPr/>
-        </p:nvSpPr>
-        <p:spPr>
-          <a:xfrm>
-            <a:off x="435645" y="1167276"/>
-            <a:ext cx="3240360" cy="307777"/>
-          </a:xfrm>
-          <a:prstGeom prst="rect">
-            <a:avLst/>
-          </a:prstGeom>
-          <a:noFill/>
-        </p:spPr>
-        <p:txBody>
-          <a:bodyPr wrap="square" rtlCol="0">
-            <a:spAutoFit/>
-          </a:bodyPr>
-          <a:lstStyle/>
-          <a:p>
-            <a:r>
-              <a:rPr lang="ko-KR" altLang="en-US" sz="1400" dirty="0" err="1">
-                <a:solidFill>
-                  <a:schemeClr val="bg1">
-                    <a:lumMod val="75000"/>
-                  </a:schemeClr>
-                </a:solidFill>
-                <a:latin typeface="나눔바른고딕OTF Light" pitchFamily="50" charset="-127"/>
-                <a:ea typeface="나눔바른고딕OTF Light" pitchFamily="50" charset="-127"/>
-              </a:rPr>
-              <a:t>심플한피피티는</a:t>
-            </a:r>
-            <a:r>
-              <a:rPr lang="ko-KR" altLang="en-US" sz="1400" dirty="0">
-                <a:solidFill>
-                  <a:schemeClr val="bg1">
-                    <a:lumMod val="75000"/>
-                  </a:schemeClr>
-                </a:solidFill>
-                <a:latin typeface="나눔바른고딕OTF Light" pitchFamily="50" charset="-127"/>
-                <a:ea typeface="나눔바른고딕OTF Light" pitchFamily="50" charset="-127"/>
-              </a:rPr>
-              <a:t> 무엇인가</a:t>
-            </a:r>
-          </a:p>
-        </p:txBody>
-      </p:sp>
-      <p:graphicFrame>
-        <p:nvGraphicFramePr>
-          <p:cNvPr id="8" name="다이어그램 7"/>
-          <p:cNvGraphicFramePr/>
-          <p:nvPr>
-            <p:extLst>
-              <p:ext uri="{D42A27DB-BD31-4B8C-83A1-F6EECF244321}">
-                <p14:modId xmlns:p14="http://schemas.microsoft.com/office/powerpoint/2010/main" val="3826571026"/>
-              </p:ext>
-            </p:extLst>
-          </p:nvPr>
-        </p:nvGraphicFramePr>
-        <p:xfrm>
-          <a:off x="1763688" y="1973064"/>
-          <a:ext cx="5568280" cy="3760192"/>
-        </p:xfrm>
-        <a:graphic>
-          <a:graphicData uri="http://schemas.openxmlformats.org/drawingml/2006/diagram">
-            <dgm:relIds xmlns:dgm="http://schemas.openxmlformats.org/drawingml/2006/diagram" xmlns:r="http://schemas.openxmlformats.org/officeDocument/2006/relationships" r:dm="rId3" r:lo="rId4" r:qs="rId5" r:cs="rId6"/>
-          </a:graphicData>
-        </a:graphic>
-      </p:graphicFrame>
-      <p:sp>
-        <p:nvSpPr>
-          <p:cNvPr id="9" name="TextBox 8"/>
-          <p:cNvSpPr txBox="1"/>
-          <p:nvPr/>
-        </p:nvSpPr>
-        <p:spPr>
-          <a:xfrm>
-            <a:off x="7164288" y="6546830"/>
-            <a:ext cx="1728192" cy="338554"/>
-          </a:xfrm>
-          <a:prstGeom prst="rect">
-            <a:avLst/>
-          </a:prstGeom>
-          <a:noFill/>
-        </p:spPr>
-        <p:txBody>
-          <a:bodyPr wrap="square" rtlCol="0">
-            <a:spAutoFit/>
-          </a:bodyPr>
-          <a:lstStyle/>
-          <a:p>
-            <a:pPr algn="r"/>
-            <a:r>
-              <a:rPr lang="en-US" altLang="ko-KR" sz="1600" dirty="0">
-                <a:solidFill>
-                  <a:schemeClr val="bg1">
-                    <a:lumMod val="75000"/>
-                  </a:schemeClr>
-                </a:solidFill>
-                <a:latin typeface="나눔바른고딕OTF Light" pitchFamily="50" charset="-127"/>
-                <a:ea typeface="나눔바른고딕OTF Light" pitchFamily="50" charset="-127"/>
-              </a:rPr>
-              <a:t>MINHEEBLOG</a:t>
-            </a:r>
-            <a:endParaRPr lang="ko-KR" altLang="en-US" sz="1600" dirty="0">
-              <a:solidFill>
-                <a:schemeClr val="bg1">
-                  <a:lumMod val="75000"/>
-                </a:schemeClr>
-              </a:solidFill>
-              <a:latin typeface="나눔바른고딕OTF Light" pitchFamily="50" charset="-127"/>
-              <a:ea typeface="나눔바른고딕OTF Light" pitchFamily="50" charset="-127"/>
-            </a:endParaRPr>
-          </a:p>
-        </p:txBody>
-      </p:sp>
-    </p:spTree>
-  </p:cSld>
-  <p:clrMapOvr>
-    <a:masterClrMapping/>
-  </p:clrMapOvr>
-</p:sld>
-</file>
-
-<file path=ppt/slides/slide17.xml><?xml version="1.0" encoding="utf-8"?>
-<p:sld xmlns:a="http://schemas.openxmlformats.org/drawingml/2006/main" xmlns:r="http://schemas.openxmlformats.org/officeDocument/2006/relationships" xmlns:p="http://schemas.openxmlformats.org/presentationml/2006/main" showMasterSp="0">
-  <p:cSld>
-    <p:bg>
-      <p:bgPr>
-        <a:solidFill>
-          <a:schemeClr val="bg1"/>
-        </a:solidFill>
-        <a:effectLst/>
-      </p:bgPr>
-    </p:bg>
-    <p:spTree>
-      <p:nvGrpSpPr>
-        <p:cNvPr id="1" name=""/>
-        <p:cNvGrpSpPr/>
-        <p:nvPr/>
-      </p:nvGrpSpPr>
-      <p:grpSpPr>
-        <a:xfrm>
-          <a:off x="0" y="0"/>
-          <a:ext cx="0" cy="0"/>
-          <a:chOff x="0" y="0"/>
-          <a:chExt cx="0" cy="0"/>
-        </a:xfrm>
-      </p:grpSpPr>
-      <p:sp>
-        <p:nvSpPr>
-          <p:cNvPr id="33" name="타원 32"/>
-          <p:cNvSpPr/>
-          <p:nvPr/>
-        </p:nvSpPr>
-        <p:spPr>
-          <a:xfrm>
-            <a:off x="4067944" y="74100"/>
-            <a:ext cx="936104" cy="936104"/>
-          </a:xfrm>
-          <a:prstGeom prst="ellipse">
-            <a:avLst/>
-          </a:prstGeom>
-          <a:solidFill>
-            <a:schemeClr val="tx1"/>
-          </a:solidFill>
-          <a:ln>
-            <a:noFill/>
-          </a:ln>
-        </p:spPr>
-        <p:style>
-          <a:lnRef idx="2">
-            <a:schemeClr val="accent1">
-              <a:shade val="50000"/>
-            </a:schemeClr>
-          </a:lnRef>
-          <a:fillRef idx="1">
-            <a:schemeClr val="accent1"/>
-          </a:fillRef>
-          <a:effectRef idx="0">
-            <a:schemeClr val="accent1"/>
-          </a:effectRef>
-          <a:fontRef idx="minor">
-            <a:schemeClr val="lt1"/>
-          </a:fontRef>
-        </p:style>
-        <p:txBody>
-          <a:bodyPr rtlCol="0" anchor="ctr"/>
-          <a:lstStyle/>
-          <a:p>
-            <a:pPr algn="ctr"/>
-            <a:endParaRPr lang="ko-KR" altLang="en-US"/>
-          </a:p>
-        </p:txBody>
-      </p:sp>
-      <p:sp>
-        <p:nvSpPr>
-          <p:cNvPr id="34" name="TextBox 33"/>
-          <p:cNvSpPr txBox="1"/>
-          <p:nvPr/>
-        </p:nvSpPr>
-        <p:spPr>
-          <a:xfrm>
-            <a:off x="3995936" y="479095"/>
-            <a:ext cx="1080120" cy="461665"/>
-          </a:xfrm>
-          <a:prstGeom prst="rect">
-            <a:avLst/>
-          </a:prstGeom>
-          <a:noFill/>
-        </p:spPr>
-        <p:txBody>
-          <a:bodyPr wrap="square" rtlCol="0">
-            <a:spAutoFit/>
-          </a:bodyPr>
-          <a:lstStyle/>
-          <a:p>
-            <a:pPr algn="ctr"/>
-            <a:r>
-              <a:rPr lang="en-US" altLang="ko-KR" sz="2400" dirty="0">
-                <a:solidFill>
-                  <a:schemeClr val="bg1"/>
-                </a:solidFill>
-                <a:latin typeface="HY헤드라인M" pitchFamily="18" charset="-127"/>
-                <a:ea typeface="HY헤드라인M" pitchFamily="18" charset="-127"/>
-              </a:rPr>
-              <a:t>01</a:t>
-            </a:r>
-            <a:endParaRPr lang="ko-KR" altLang="en-US" sz="2400" dirty="0">
-              <a:solidFill>
-                <a:schemeClr val="bg1"/>
-              </a:solidFill>
-              <a:latin typeface="HY헤드라인M" pitchFamily="18" charset="-127"/>
-              <a:ea typeface="HY헤드라인M" pitchFamily="18" charset="-127"/>
-            </a:endParaRPr>
-          </a:p>
-        </p:txBody>
-      </p:sp>
-      <p:sp>
-        <p:nvSpPr>
-          <p:cNvPr id="19" name="TextBox 18"/>
-          <p:cNvSpPr txBox="1"/>
-          <p:nvPr/>
-        </p:nvSpPr>
-        <p:spPr>
-          <a:xfrm>
-            <a:off x="539552" y="1547500"/>
-            <a:ext cx="6768752" cy="369332"/>
-          </a:xfrm>
-          <a:prstGeom prst="rect">
-            <a:avLst/>
-          </a:prstGeom>
-          <a:noFill/>
-        </p:spPr>
-        <p:txBody>
-          <a:bodyPr wrap="square" rtlCol="0">
-            <a:spAutoFit/>
-          </a:bodyPr>
-          <a:lstStyle/>
-          <a:p>
-            <a:r>
-              <a:rPr lang="en-US" altLang="ko-KR" spc="-150" dirty="0">
-                <a:latin typeface="나눔바른고딕OTF Light" pitchFamily="50" charset="-127"/>
-                <a:ea typeface="나눔바른고딕OTF Light" pitchFamily="50" charset="-127"/>
-              </a:rPr>
-              <a:t>1)  </a:t>
-            </a:r>
-            <a:r>
-              <a:rPr lang="ko-KR" altLang="en-US" spc="-150" dirty="0">
-                <a:latin typeface="나눔바른고딕OTF Light" pitchFamily="50" charset="-127"/>
-                <a:ea typeface="나눔바른고딕OTF Light" pitchFamily="50" charset="-127"/>
-              </a:rPr>
-              <a:t>소제목을 입력하세요</a:t>
-            </a:r>
-          </a:p>
-        </p:txBody>
-      </p:sp>
-      <p:sp>
-        <p:nvSpPr>
-          <p:cNvPr id="20" name="TextBox 19"/>
-          <p:cNvSpPr txBox="1"/>
-          <p:nvPr/>
-        </p:nvSpPr>
-        <p:spPr>
-          <a:xfrm>
-            <a:off x="427434" y="836712"/>
-            <a:ext cx="2416373" cy="400110"/>
-          </a:xfrm>
-          <a:prstGeom prst="rect">
-            <a:avLst/>
-          </a:prstGeom>
-          <a:noFill/>
-        </p:spPr>
-        <p:txBody>
-          <a:bodyPr wrap="square" rtlCol="0">
-            <a:spAutoFit/>
-          </a:bodyPr>
-          <a:lstStyle/>
-          <a:p>
-            <a:r>
-              <a:rPr lang="en-US" altLang="ko-KR" sz="2000" dirty="0">
-                <a:latin typeface="나눔바른고딕OTF Light" pitchFamily="50" charset="-127"/>
-                <a:ea typeface="나눔바른고딕OTF Light" pitchFamily="50" charset="-127"/>
-              </a:rPr>
-              <a:t>MINHEEBLOG</a:t>
-            </a:r>
-            <a:endParaRPr lang="ko-KR" altLang="en-US" sz="2000" dirty="0">
-              <a:latin typeface="나눔바른고딕OTF Light" pitchFamily="50" charset="-127"/>
-              <a:ea typeface="나눔바른고딕OTF Light" pitchFamily="50" charset="-127"/>
-            </a:endParaRPr>
-          </a:p>
-        </p:txBody>
-      </p:sp>
-      <p:sp>
-        <p:nvSpPr>
-          <p:cNvPr id="21" name="TextBox 20"/>
-          <p:cNvSpPr txBox="1"/>
-          <p:nvPr/>
-        </p:nvSpPr>
-        <p:spPr>
-          <a:xfrm>
-            <a:off x="435645" y="1167276"/>
-            <a:ext cx="3240360" cy="307777"/>
-          </a:xfrm>
-          <a:prstGeom prst="rect">
-            <a:avLst/>
-          </a:prstGeom>
-          <a:noFill/>
-        </p:spPr>
-        <p:txBody>
-          <a:bodyPr wrap="square" rtlCol="0">
-            <a:spAutoFit/>
-          </a:bodyPr>
-          <a:lstStyle/>
-          <a:p>
-            <a:r>
-              <a:rPr lang="ko-KR" altLang="en-US" sz="1400" dirty="0" err="1">
-                <a:solidFill>
-                  <a:schemeClr val="bg1">
-                    <a:lumMod val="75000"/>
-                  </a:schemeClr>
-                </a:solidFill>
-                <a:latin typeface="나눔바른고딕OTF Light" pitchFamily="50" charset="-127"/>
-                <a:ea typeface="나눔바른고딕OTF Light" pitchFamily="50" charset="-127"/>
-              </a:rPr>
-              <a:t>심플한피피티는</a:t>
-            </a:r>
-            <a:r>
-              <a:rPr lang="ko-KR" altLang="en-US" sz="1400" dirty="0">
-                <a:solidFill>
-                  <a:schemeClr val="bg1">
-                    <a:lumMod val="75000"/>
-                  </a:schemeClr>
-                </a:solidFill>
-                <a:latin typeface="나눔바른고딕OTF Light" pitchFamily="50" charset="-127"/>
-                <a:ea typeface="나눔바른고딕OTF Light" pitchFamily="50" charset="-127"/>
-              </a:rPr>
-              <a:t> 무엇인가</a:t>
-            </a:r>
-          </a:p>
-        </p:txBody>
-      </p:sp>
-      <p:pic>
-        <p:nvPicPr>
-          <p:cNvPr id="14" name="Picture 2" descr="사람 픽토그램에 대한 이미지 검색결과"/>
-          <p:cNvPicPr>
-            <a:picLocks noChangeAspect="1" noChangeArrowheads="1"/>
-          </p:cNvPicPr>
-          <p:nvPr/>
-        </p:nvPicPr>
-        <p:blipFill>
-          <a:blip r:embed="rId3" cstate="print"/>
-          <a:srcRect l="26893" r="49202" b="46815"/>
-          <a:stretch>
-            <a:fillRect/>
-          </a:stretch>
-        </p:blipFill>
-        <p:spPr bwMode="auto">
-          <a:xfrm>
-            <a:off x="5004048" y="2474894"/>
-            <a:ext cx="576064" cy="1008112"/>
-          </a:xfrm>
-          <a:prstGeom prst="rect">
-            <a:avLst/>
-          </a:prstGeom>
-          <a:solidFill>
-            <a:schemeClr val="bg1">
-              <a:lumMod val="75000"/>
-            </a:schemeClr>
-          </a:solidFill>
-        </p:spPr>
-      </p:pic>
-      <p:pic>
-        <p:nvPicPr>
-          <p:cNvPr id="15" name="Picture 2" descr="사람 픽토그램에 대한 이미지 검색결과"/>
-          <p:cNvPicPr>
-            <a:picLocks noChangeAspect="1" noChangeArrowheads="1"/>
-          </p:cNvPicPr>
-          <p:nvPr/>
-        </p:nvPicPr>
-        <p:blipFill>
-          <a:blip r:embed="rId3" cstate="print"/>
-          <a:srcRect l="50798" r="25297" b="46815"/>
-          <a:stretch>
-            <a:fillRect/>
-          </a:stretch>
-        </p:blipFill>
-        <p:spPr bwMode="auto">
-          <a:xfrm>
-            <a:off x="6084168" y="2618910"/>
-            <a:ext cx="462909" cy="810090"/>
-          </a:xfrm>
-          <a:prstGeom prst="rect">
-            <a:avLst/>
-          </a:prstGeom>
-          <a:solidFill>
-            <a:schemeClr val="bg1">
-              <a:lumMod val="75000"/>
-            </a:schemeClr>
-          </a:solidFill>
-        </p:spPr>
-      </p:pic>
-      <p:sp>
-        <p:nvSpPr>
-          <p:cNvPr id="16" name="갈매기형 수장 15"/>
-          <p:cNvSpPr/>
-          <p:nvPr/>
-        </p:nvSpPr>
-        <p:spPr>
-          <a:xfrm>
-            <a:off x="5652120" y="2690918"/>
-            <a:ext cx="360040" cy="576064"/>
-          </a:xfrm>
-          <a:prstGeom prst="chevron">
-            <a:avLst/>
-          </a:prstGeom>
-          <a:solidFill>
-            <a:schemeClr val="bg1">
-              <a:lumMod val="75000"/>
-            </a:schemeClr>
-          </a:solidFill>
-          <a:ln>
-            <a:noFill/>
-          </a:ln>
-        </p:spPr>
-        <p:style>
-          <a:lnRef idx="2">
-            <a:schemeClr val="accent1">
-              <a:shade val="50000"/>
-            </a:schemeClr>
-          </a:lnRef>
-          <a:fillRef idx="1">
-            <a:schemeClr val="accent1"/>
-          </a:fillRef>
-          <a:effectRef idx="0">
-            <a:schemeClr val="accent1"/>
-          </a:effectRef>
-          <a:fontRef idx="minor">
-            <a:schemeClr val="lt1"/>
-          </a:fontRef>
-        </p:style>
-        <p:txBody>
-          <a:bodyPr rtlCol="0" anchor="ctr"/>
-          <a:lstStyle/>
-          <a:p>
-            <a:pPr algn="ctr"/>
-            <a:endParaRPr lang="ko-KR" altLang="en-US">
-              <a:solidFill>
-                <a:schemeClr val="tx1"/>
-              </a:solidFill>
-            </a:endParaRPr>
-          </a:p>
-        </p:txBody>
-      </p:sp>
-      <p:pic>
-        <p:nvPicPr>
-          <p:cNvPr id="17" name="Picture 2" descr="사람 픽토그램에 대한 이미지 검색결과"/>
-          <p:cNvPicPr>
-            <a:picLocks noChangeAspect="1" noChangeArrowheads="1"/>
-          </p:cNvPicPr>
-          <p:nvPr/>
-        </p:nvPicPr>
-        <p:blipFill>
-          <a:blip r:embed="rId3" cstate="print"/>
-          <a:srcRect l="26893" r="49202" b="46815"/>
-          <a:stretch>
-            <a:fillRect/>
-          </a:stretch>
-        </p:blipFill>
-        <p:spPr bwMode="auto">
-          <a:xfrm>
-            <a:off x="2771800" y="2762926"/>
-            <a:ext cx="370327" cy="648072"/>
-          </a:xfrm>
-          <a:prstGeom prst="rect">
-            <a:avLst/>
-          </a:prstGeom>
-          <a:solidFill>
-            <a:schemeClr val="bg1">
-              <a:lumMod val="75000"/>
-            </a:schemeClr>
-          </a:solidFill>
-        </p:spPr>
-      </p:pic>
-      <p:pic>
-        <p:nvPicPr>
-          <p:cNvPr id="22" name="Picture 2" descr="사람 픽토그램에 대한 이미지 검색결과"/>
-          <p:cNvPicPr>
-            <a:picLocks noChangeAspect="1" noChangeArrowheads="1"/>
-          </p:cNvPicPr>
-          <p:nvPr/>
-        </p:nvPicPr>
-        <p:blipFill>
-          <a:blip r:embed="rId3" cstate="print"/>
-          <a:srcRect l="50798" r="25297" b="46815"/>
-          <a:stretch>
-            <a:fillRect/>
-          </a:stretch>
-        </p:blipFill>
-        <p:spPr bwMode="auto">
-          <a:xfrm>
-            <a:off x="3553601" y="2474894"/>
-            <a:ext cx="586351" cy="1026114"/>
-          </a:xfrm>
-          <a:prstGeom prst="rect">
-            <a:avLst/>
-          </a:prstGeom>
-          <a:solidFill>
-            <a:schemeClr val="bg1">
-              <a:lumMod val="75000"/>
-            </a:schemeClr>
-          </a:solidFill>
-        </p:spPr>
-      </p:pic>
-      <p:sp>
-        <p:nvSpPr>
-          <p:cNvPr id="23" name="갈매기형 수장 22"/>
-          <p:cNvSpPr/>
-          <p:nvPr/>
-        </p:nvSpPr>
-        <p:spPr>
-          <a:xfrm flipH="1">
-            <a:off x="3203848" y="2690918"/>
-            <a:ext cx="360040" cy="576064"/>
-          </a:xfrm>
-          <a:prstGeom prst="chevron">
-            <a:avLst/>
-          </a:prstGeom>
-          <a:solidFill>
-            <a:schemeClr val="bg1">
-              <a:lumMod val="75000"/>
-            </a:schemeClr>
-          </a:solidFill>
-          <a:ln>
-            <a:noFill/>
-          </a:ln>
-        </p:spPr>
-        <p:style>
-          <a:lnRef idx="2">
-            <a:schemeClr val="accent1">
-              <a:shade val="50000"/>
-            </a:schemeClr>
-          </a:lnRef>
-          <a:fillRef idx="1">
-            <a:schemeClr val="accent1"/>
-          </a:fillRef>
-          <a:effectRef idx="0">
-            <a:schemeClr val="accent1"/>
-          </a:effectRef>
-          <a:fontRef idx="minor">
-            <a:schemeClr val="lt1"/>
-          </a:fontRef>
-        </p:style>
-        <p:txBody>
-          <a:bodyPr rtlCol="0" anchor="ctr"/>
-          <a:lstStyle/>
-          <a:p>
-            <a:pPr algn="ctr"/>
-            <a:endParaRPr lang="ko-KR" altLang="en-US">
-              <a:solidFill>
-                <a:schemeClr val="tx1"/>
-              </a:solidFill>
-            </a:endParaRPr>
-          </a:p>
-        </p:txBody>
-      </p:sp>
-      <p:sp>
-        <p:nvSpPr>
-          <p:cNvPr id="24" name="직사각형 23"/>
-          <p:cNvSpPr/>
-          <p:nvPr/>
-        </p:nvSpPr>
-        <p:spPr>
-          <a:xfrm>
-            <a:off x="971600" y="3735030"/>
-            <a:ext cx="7200800" cy="1494170"/>
-          </a:xfrm>
-          <a:prstGeom prst="rect">
-            <a:avLst/>
-          </a:prstGeom>
-          <a:solidFill>
-            <a:schemeClr val="bg1">
-              <a:lumMod val="95000"/>
-            </a:schemeClr>
-          </a:solidFill>
-          <a:ln w="3175">
-            <a:solidFill>
-              <a:schemeClr val="bg1">
-                <a:lumMod val="50000"/>
-              </a:schemeClr>
-            </a:solidFill>
-          </a:ln>
-        </p:spPr>
-        <p:style>
-          <a:lnRef idx="2">
-            <a:schemeClr val="accent1">
-              <a:shade val="50000"/>
-            </a:schemeClr>
-          </a:lnRef>
-          <a:fillRef idx="1">
-            <a:schemeClr val="accent1"/>
-          </a:fillRef>
-          <a:effectRef idx="0">
-            <a:schemeClr val="accent1"/>
-          </a:effectRef>
-          <a:fontRef idx="minor">
-            <a:schemeClr val="lt1"/>
-          </a:fontRef>
-        </p:style>
-        <p:txBody>
-          <a:bodyPr rtlCol="0" anchor="ctr"/>
-          <a:lstStyle/>
-          <a:p>
-            <a:pPr algn="ctr"/>
-            <a:endParaRPr lang="ko-KR" altLang="en-US">
-              <a:solidFill>
-                <a:schemeClr val="tx1"/>
-              </a:solidFill>
-              <a:latin typeface="나눔바른고딕OTF Light" pitchFamily="50" charset="-127"/>
-              <a:ea typeface="나눔바른고딕OTF Light" pitchFamily="50" charset="-127"/>
-            </a:endParaRPr>
-          </a:p>
-        </p:txBody>
-      </p:sp>
-      <p:sp>
-        <p:nvSpPr>
-          <p:cNvPr id="25" name="TextBox 24"/>
-          <p:cNvSpPr txBox="1"/>
-          <p:nvPr/>
-        </p:nvSpPr>
-        <p:spPr>
-          <a:xfrm>
-            <a:off x="1331640" y="4149080"/>
-            <a:ext cx="6624736" cy="523220"/>
-          </a:xfrm>
-          <a:prstGeom prst="rect">
-            <a:avLst/>
-          </a:prstGeom>
-          <a:noFill/>
-        </p:spPr>
-        <p:txBody>
-          <a:bodyPr wrap="square" rtlCol="0">
-            <a:spAutoFit/>
-          </a:bodyPr>
-          <a:lstStyle/>
-          <a:p>
-            <a:pPr algn="ctr"/>
-            <a:r>
-              <a:rPr lang="ko-KR" altLang="en-US" sz="1400" dirty="0">
-                <a:latin typeface="나눔바른고딕OTF Light" pitchFamily="50" charset="-127"/>
-                <a:ea typeface="나눔바른고딕OTF Light" pitchFamily="50" charset="-127"/>
-              </a:rPr>
-              <a:t>내용을 입력하세요</a:t>
-            </a:r>
-            <a:endParaRPr lang="en-US" altLang="ko-KR" sz="1400" dirty="0">
-              <a:latin typeface="나눔바른고딕OTF Light" pitchFamily="50" charset="-127"/>
-              <a:ea typeface="나눔바른고딕OTF Light" pitchFamily="50" charset="-127"/>
-            </a:endParaRPr>
-          </a:p>
-          <a:p>
-            <a:pPr algn="ctr"/>
-            <a:r>
-              <a:rPr lang="en-US" altLang="ko-KR" sz="1400" dirty="0">
-                <a:latin typeface="나눔바른고딕OTF Light" pitchFamily="50" charset="-127"/>
-                <a:ea typeface="나눔바른고딕OTF Light" pitchFamily="50" charset="-127"/>
-              </a:rPr>
-              <a:t>http://minheeblog.tistory.com/category/PPT</a:t>
-            </a:r>
-            <a:endParaRPr lang="ko-KR" altLang="en-US" sz="1400" dirty="0">
-              <a:latin typeface="나눔바른고딕OTF Light" pitchFamily="50" charset="-127"/>
-              <a:ea typeface="나눔바른고딕OTF Light" pitchFamily="50" charset="-127"/>
-            </a:endParaRPr>
-          </a:p>
-        </p:txBody>
-      </p:sp>
-      <p:sp>
-        <p:nvSpPr>
-          <p:cNvPr id="26" name="TextBox 25"/>
-          <p:cNvSpPr txBox="1"/>
-          <p:nvPr/>
-        </p:nvSpPr>
-        <p:spPr>
-          <a:xfrm>
-            <a:off x="7164288" y="6546830"/>
-            <a:ext cx="1728192" cy="338554"/>
-          </a:xfrm>
-          <a:prstGeom prst="rect">
-            <a:avLst/>
-          </a:prstGeom>
-          <a:noFill/>
-        </p:spPr>
-        <p:txBody>
-          <a:bodyPr wrap="square" rtlCol="0">
-            <a:spAutoFit/>
-          </a:bodyPr>
-          <a:lstStyle/>
-          <a:p>
-            <a:pPr algn="r"/>
-            <a:r>
-              <a:rPr lang="en-US" altLang="ko-KR" sz="1600" dirty="0">
-                <a:solidFill>
-                  <a:schemeClr val="bg1">
-                    <a:lumMod val="75000"/>
-                  </a:schemeClr>
-                </a:solidFill>
-                <a:latin typeface="나눔바른고딕OTF Light" pitchFamily="50" charset="-127"/>
-                <a:ea typeface="나눔바른고딕OTF Light" pitchFamily="50" charset="-127"/>
-              </a:rPr>
-              <a:t>MINHEEBLOG</a:t>
-            </a:r>
-            <a:endParaRPr lang="ko-KR" altLang="en-US" sz="1600" dirty="0">
-              <a:solidFill>
-                <a:schemeClr val="bg1">
-                  <a:lumMod val="75000"/>
-                </a:schemeClr>
               </a:solidFill>
               <a:latin typeface="나눔바른고딕OTF Light" pitchFamily="50" charset="-127"/>
               <a:ea typeface="나눔바른고딕OTF Light" pitchFamily="50" charset="-127"/>
